--- a/코로나 국가별 인원(30412서준호).pptx
+++ b/코로나 국가별 인원(30412서준호).pptx
@@ -1,21 +1,21 @@
 
 <file path=ppt/presentation.xml><?xml version="1.0" encoding="utf-8"?>
-<p:presentation xmlns:a="http://schemas.openxmlformats.org/drawingml/2006/main" xmlns:r="http://schemas.openxmlformats.org/officeDocument/2006/relationships" xmlns:p="http://schemas.openxmlformats.org/presentationml/2006/main" saveSubsetFonts="1">
+<p:presentation xmlns:r="http://schemas.openxmlformats.org/officeDocument/2006/relationships" xmlns:c="http://schemas.openxmlformats.org/drawingml/2006/chart" xmlns:a="http://schemas.openxmlformats.org/drawingml/2006/main" xmlns:dgm="http://schemas.openxmlformats.org/drawingml/2006/diagram" xmlns:dsp="http://schemas.microsoft.com/office/drawing/2008/diagram" xmlns:p="http://schemas.openxmlformats.org/presentationml/2006/main">
   <p:sldMasterIdLst>
-    <p:sldMasterId id="2147483648" r:id="rId1"/>
+    <p:sldMasterId id="2147483661" r:id="rId1"/>
   </p:sldMasterIdLst>
   <p:sldIdLst>
-    <p:sldId id="278" r:id="rId2"/>
-    <p:sldId id="279" r:id="rId3"/>
-    <p:sldId id="273" r:id="rId4"/>
-    <p:sldId id="285" r:id="rId5"/>
-    <p:sldId id="296" r:id="rId6"/>
-    <p:sldId id="287" r:id="rId7"/>
-    <p:sldId id="298" r:id="rId8"/>
-    <p:sldId id="299" r:id="rId9"/>
-    <p:sldId id="297" r:id="rId10"/>
-    <p:sldId id="288" r:id="rId11"/>
-    <p:sldId id="256" r:id="rId12"/>
+    <p:sldId id="256" r:id="rId2"/>
+    <p:sldId id="257" r:id="rId3"/>
+    <p:sldId id="258" r:id="rId4"/>
+    <p:sldId id="259" r:id="rId5"/>
+    <p:sldId id="260" r:id="rId6"/>
+    <p:sldId id="261" r:id="rId7"/>
+    <p:sldId id="262" r:id="rId8"/>
+    <p:sldId id="263" r:id="rId9"/>
+    <p:sldId id="264" r:id="rId10"/>
+    <p:sldId id="265" r:id="rId11"/>
+    <p:sldId id="266" r:id="rId12"/>
   </p:sldIdLst>
   <p:sldSz cx="12192000" cy="6858000"/>
   <p:notesSz cx="6858000" cy="9144000"/>
@@ -114,30 +114,12 @@
       </a:defRPr>
     </a:lvl9pPr>
   </p:defaultTextStyle>
-  <p:extLst>
-    <p:ext uri="{EFAFB233-063F-42B5-8137-9DF3F51BA10A}">
-      <p15:sldGuideLst xmlns:p15="http://schemas.microsoft.com/office/powerpoint/2012/main">
-        <p15:guide id="1" orient="horz" pos="2183" userDrawn="1">
-          <p15:clr>
-            <a:srgbClr val="A4A3A4"/>
-          </p15:clr>
-        </p15:guide>
-        <p15:guide id="2" pos="3840" userDrawn="1">
-          <p15:clr>
-            <a:srgbClr val="A4A3A4"/>
-          </p15:clr>
-        </p15:guide>
-      </p15:sldGuideLst>
-    </p:ext>
-  </p:extLst>
 </p:presentation>
 </file>
 
 <file path=ppt/charts/chart1.xml><?xml version="1.0" encoding="utf-8"?>
-<c:chartSpace xmlns:c="http://schemas.openxmlformats.org/drawingml/2006/chart" xmlns:a="http://schemas.openxmlformats.org/drawingml/2006/main" xmlns:r="http://schemas.openxmlformats.org/officeDocument/2006/relationships" xmlns:c16r2="http://schemas.microsoft.com/office/drawing/2015/06/chart">
+<c:chartSpace xmlns:r="http://schemas.openxmlformats.org/officeDocument/2006/relationships" xmlns:a="http://schemas.openxmlformats.org/drawingml/2006/main" xmlns:c="http://schemas.openxmlformats.org/drawingml/2006/chart">
   <c:date1904 val="0"/>
-  <c:lang val="ko-KR"/>
-  <c:roundedCorners val="0"/>
   <mc:AlternateContent xmlns:mc="http://schemas.openxmlformats.org/markup-compatibility/2006">
     <mc:Choice xmlns:c14="http://schemas.microsoft.com/office/drawing/2007/8/2/chart" Requires="c14">
       <c14:style val="102"/>
@@ -146,6 +128,7 @@
       <c:style val="2"/>
     </mc:Fallback>
   </mc:AlternateContent>
+  <c:roundedCorners val="0"/>
   <c:chart>
     <c:title>
       <c:layout/>
@@ -158,20 +141,17 @@
         <a:effectLst/>
       </c:spPr>
       <c:txPr>
-        <a:bodyPr rot="0" spcFirstLastPara="1" vertOverflow="ellipsis" vert="horz" wrap="square" anchor="ctr" anchorCtr="1"/>
+        <a:bodyPr rot="0" vert="horz"/>
         <a:lstStyle/>
         <a:p>
           <a:pPr>
-            <a:defRPr sz="1862" b="0" i="0" u="none" strike="noStrike" kern="1200" spc="0" baseline="0">
+            <a:defRPr sz="1862" b="0" i="0">
               <a:solidFill>
                 <a:schemeClr val="tx1">
                   <a:lumMod val="65000"/>
                   <a:lumOff val="35000"/>
                 </a:schemeClr>
               </a:solidFill>
-              <a:latin typeface="+mn-lt"/>
-              <a:ea typeface="+mn-ea"/>
-              <a:cs typeface="+mn-cs"/>
             </a:defRPr>
           </a:pPr>
           <a:endParaRPr lang="ko-KR"/>
@@ -185,10 +165,10 @@
           <c:layoutTarget val="inner"/>
           <c:xMode val="edge"/>
           <c:yMode val="edge"/>
-          <c:x val="0.11201107283464568"/>
-          <c:y val="0.10635955300445663"/>
-          <c:w val="0.86298892716535436"/>
-          <c:h val="0.77283250659248848"/>
+          <c:x val="0.11201107501983643"/>
+          <c:y val="0.10635955631732941"/>
+          <c:w val="0.86298894882202148"/>
+          <c:h val="0.77283251285552979"/>
         </c:manualLayout>
       </c:layout>
       <c:barChart>
@@ -213,7 +193,7 @@
             <a:solidFill>
               <a:schemeClr val="accent1"/>
             </a:solidFill>
-            <a:ln>
+            <a:ln w="9525">
               <a:noFill/>
             </a:ln>
             <a:effectLst/>
@@ -266,19 +246,16 @@
               </c:numCache>
             </c:numRef>
           </c:val>
-          <c:extLst>
-            <c:ext xmlns:c16="http://schemas.microsoft.com/office/drawing/2014/chart" uri="{C3380CC4-5D6E-409C-BE32-E72D297353CC}">
-              <c16:uniqueId val="{00000000-0E58-4216-9C69-2E95B331E550}"/>
-            </c:ext>
-          </c:extLst>
         </c:ser>
         <c:dLbls>
+          <c:delete val="0"/>
           <c:showLegendKey val="0"/>
           <c:showVal val="0"/>
           <c:showCatName val="0"/>
           <c:showSerName val="0"/>
           <c:showPercent val="0"/>
           <c:showBubbleSize val="0"/>
+          <c:showLeaderLines val="0"/>
         </c:dLbls>
         <c:gapWidth val="219"/>
         <c:overlap val="-27"/>
@@ -290,8 +267,9 @@
         <c:scaling>
           <c:orientation val="minMax"/>
         </c:scaling>
+        <c:axPos val="b"/>
+        <c:crossAx val="1363824736"/>
         <c:delete val="0"/>
-        <c:axPos val="b"/>
         <c:numFmt formatCode="General" sourceLinked="1"/>
         <c:majorTickMark val="none"/>
         <c:minorTickMark val="none"/>
@@ -310,30 +288,27 @@
           <a:effectLst/>
         </c:spPr>
         <c:txPr>
-          <a:bodyPr rot="-60000000" spcFirstLastPara="1" vertOverflow="ellipsis" vert="horz" wrap="square" anchor="ctr" anchorCtr="1"/>
+          <a:bodyPr/>
           <a:lstStyle/>
           <a:p>
             <a:pPr>
-              <a:defRPr sz="1197" b="0" i="0" u="none" strike="noStrike" kern="1200" baseline="0">
+              <a:defRPr sz="1197" b="0" i="0">
                 <a:solidFill>
                   <a:schemeClr val="tx1">
                     <a:lumMod val="65000"/>
                     <a:lumOff val="35000"/>
                   </a:schemeClr>
                 </a:solidFill>
-                <a:latin typeface="+mn-lt"/>
-                <a:ea typeface="+mn-ea"/>
-                <a:cs typeface="+mn-cs"/>
               </a:defRPr>
             </a:pPr>
             <a:endParaRPr lang="ko-KR"/>
           </a:p>
         </c:txPr>
-        <c:crossAx val="1363824736"/>
         <c:crosses val="autoZero"/>
         <c:auto val="1"/>
         <c:lblAlgn val="ctr"/>
         <c:lblOffset val="100"/>
+        <c:tickMarkSkip val="1"/>
         <c:noMultiLvlLbl val="0"/>
       </c:catAx>
       <c:valAx>
@@ -341,8 +316,9 @@
         <c:scaling>
           <c:orientation val="minMax"/>
         </c:scaling>
+        <c:axPos val="l"/>
+        <c:crossAx val="1363829728"/>
         <c:delete val="0"/>
-        <c:axPos val="l"/>
         <c:majorGridlines>
           <c:spPr>
             <a:ln w="9525" cap="flat" cmpd="sng" algn="ctr">
@@ -363,32 +339,28 @@
         <c:tickLblPos val="nextTo"/>
         <c:spPr>
           <a:noFill/>
-          <a:ln>
+          <a:ln w="9525">
             <a:noFill/>
           </a:ln>
           <a:effectLst/>
         </c:spPr>
         <c:txPr>
-          <a:bodyPr rot="-60000000" spcFirstLastPara="1" vertOverflow="ellipsis" vert="horz" wrap="square" anchor="ctr" anchorCtr="1"/>
+          <a:bodyPr/>
           <a:lstStyle/>
           <a:p>
             <a:pPr>
-              <a:defRPr sz="1197" b="0" i="0" u="none" strike="noStrike" kern="1200" baseline="0">
+              <a:defRPr sz="1197" b="0" i="0">
                 <a:solidFill>
                   <a:schemeClr val="tx1">
                     <a:lumMod val="65000"/>
                     <a:lumOff val="35000"/>
                   </a:schemeClr>
                 </a:solidFill>
-                <a:latin typeface="+mn-lt"/>
-                <a:ea typeface="+mn-ea"/>
-                <a:cs typeface="+mn-cs"/>
               </a:defRPr>
             </a:pPr>
             <a:endParaRPr lang="ko-KR"/>
           </a:p>
         </c:txPr>
-        <c:crossAx val="1363829728"/>
         <c:crosses val="autoZero"/>
         <c:crossBetween val="between"/>
       </c:valAx>
@@ -406,43 +378,31 @@
       <c:overlay val="0"/>
       <c:spPr>
         <a:noFill/>
-        <a:ln>
+        <a:ln w="9525">
           <a:noFill/>
         </a:ln>
         <a:effectLst/>
       </c:spPr>
       <c:txPr>
-        <a:bodyPr rot="0" spcFirstLastPara="1" vertOverflow="ellipsis" vert="horz" wrap="square" anchor="ctr" anchorCtr="1"/>
+        <a:bodyPr rot="0" vert="horz"/>
         <a:lstStyle/>
         <a:p>
           <a:pPr>
-            <a:defRPr sz="1197" b="0" i="0" u="none" strike="noStrike" kern="1200" baseline="0">
+            <a:defRPr sz="1197" b="0" i="0">
               <a:solidFill>
                 <a:schemeClr val="tx1">
                   <a:lumMod val="65000"/>
                   <a:lumOff val="35000"/>
                 </a:schemeClr>
               </a:solidFill>
-              <a:latin typeface="+mn-lt"/>
-              <a:ea typeface="+mn-ea"/>
-              <a:cs typeface="+mn-cs"/>
             </a:defRPr>
           </a:pPr>
           <a:endParaRPr lang="ko-KR"/>
         </a:p>
       </c:txPr>
     </c:legend>
-    <c:plotVisOnly val="1"/>
     <c:dispBlanksAs val="gap"/>
-    <c:showDLblsOverMax val="0"/>
   </c:chart>
-  <c:spPr>
-    <a:noFill/>
-    <a:ln>
-      <a:noFill/>
-    </a:ln>
-    <a:effectLst/>
-  </c:spPr>
   <c:txPr>
     <a:bodyPr/>
     <a:lstStyle/>
@@ -453,17 +413,27 @@
       <a:endParaRPr lang="ko-KR"/>
     </a:p>
   </c:txPr>
-  <c:externalData r:id="rId3">
+  <c:spPr>
+    <a:noFill/>
+    <a:ln w="9525">
+      <a:noFill/>
+    </a:ln>
+    <a:effectLst/>
+  </c:spPr>
+  <c:extLst>
+    <c:ext uri="CC8EB2C9-7E31-499d-B8F2-F6CE61031016">
+      <ho:hncChartStyle xmlns:ho="http://schemas.haansoft.com/office/8.0" layoutIndex="-1" colorIndex="-1" styleIndex="-1"/>
+    </c:ext>
+  </c:extLst>
+  <c:externalData r:id="rId1">
     <c:autoUpdate val="0"/>
   </c:externalData>
 </c:chartSpace>
 </file>
 
 <file path=ppt/charts/chart2.xml><?xml version="1.0" encoding="utf-8"?>
-<c:chartSpace xmlns:c="http://schemas.openxmlformats.org/drawingml/2006/chart" xmlns:a="http://schemas.openxmlformats.org/drawingml/2006/main" xmlns:r="http://schemas.openxmlformats.org/officeDocument/2006/relationships" xmlns:c16r2="http://schemas.microsoft.com/office/drawing/2015/06/chart">
+<c:chartSpace xmlns:r="http://schemas.openxmlformats.org/officeDocument/2006/relationships" xmlns:a="http://schemas.openxmlformats.org/drawingml/2006/main" xmlns:c="http://schemas.openxmlformats.org/drawingml/2006/chart">
   <c:date1904 val="0"/>
-  <c:lang val="ko-KR"/>
-  <c:roundedCorners val="0"/>
   <mc:AlternateContent xmlns:mc="http://schemas.openxmlformats.org/markup-compatibility/2006">
     <mc:Choice xmlns:c14="http://schemas.microsoft.com/office/drawing/2007/8/2/chart" Requires="c14">
       <c14:style val="102"/>
@@ -472,31 +442,29 @@
       <c:style val="2"/>
     </mc:Fallback>
   </mc:AlternateContent>
+  <c:roundedCorners val="0"/>
   <c:chart>
     <c:title>
       <c:tx>
         <c:rich>
-          <a:bodyPr rot="0" spcFirstLastPara="1" vertOverflow="ellipsis" vert="horz" wrap="square" anchor="ctr" anchorCtr="1"/>
+          <a:bodyPr rot="0" vert="horz"/>
           <a:lstStyle/>
           <a:p>
             <a:pPr>
-              <a:defRPr sz="1862" b="0" i="0" u="none" strike="noStrike" kern="1200" spc="0" baseline="0">
+              <a:defRPr sz="1862" b="0" i="0">
                 <a:solidFill>
                   <a:schemeClr val="tx1">
                     <a:lumMod val="65000"/>
                     <a:lumOff val="35000"/>
                   </a:schemeClr>
                 </a:solidFill>
-                <a:latin typeface="+mn-lt"/>
-                <a:ea typeface="+mn-ea"/>
-                <a:cs typeface="+mn-cs"/>
               </a:defRPr>
             </a:pPr>
             <a:r>
               <a:rPr lang="ko-KR" altLang="en-US" dirty="0" smtClean="0"/>
               <a:t>사망자</a:t>
             </a:r>
-            <a:endParaRPr lang="ko-KR" altLang="en-US" dirty="0"/>
+            <a:endParaRPr lang="ko-KR"/>
           </a:p>
         </c:rich>
       </c:tx>
@@ -509,26 +477,6 @@
         </a:ln>
         <a:effectLst/>
       </c:spPr>
-      <c:txPr>
-        <a:bodyPr rot="0" spcFirstLastPara="1" vertOverflow="ellipsis" vert="horz" wrap="square" anchor="ctr" anchorCtr="1"/>
-        <a:lstStyle/>
-        <a:p>
-          <a:pPr>
-            <a:defRPr sz="1862" b="0" i="0" u="none" strike="noStrike" kern="1200" spc="0" baseline="0">
-              <a:solidFill>
-                <a:schemeClr val="tx1">
-                  <a:lumMod val="65000"/>
-                  <a:lumOff val="35000"/>
-                </a:schemeClr>
-              </a:solidFill>
-              <a:latin typeface="+mn-lt"/>
-              <a:ea typeface="+mn-ea"/>
-              <a:cs typeface="+mn-cs"/>
-            </a:defRPr>
-          </a:pPr>
-          <a:endParaRPr lang="ko-KR"/>
-        </a:p>
-      </c:txPr>
     </c:title>
     <c:autoTitleDeleted val="0"/>
     <c:plotArea>
@@ -537,10 +485,10 @@
           <c:layoutTarget val="inner"/>
           <c:xMode val="edge"/>
           <c:yMode val="edge"/>
-          <c:x val="0.11201107283464568"/>
-          <c:y val="0.10635955300445663"/>
-          <c:w val="0.86298892716535436"/>
-          <c:h val="0.77283250659248848"/>
+          <c:x val="0.11201107501983643"/>
+          <c:y val="0.10635955631732941"/>
+          <c:w val="0.86298894882202148"/>
+          <c:h val="0.77283251285552979"/>
         </c:manualLayout>
       </c:layout>
       <c:barChart>
@@ -565,7 +513,7 @@
             <a:solidFill>
               <a:schemeClr val="accent1"/>
             </a:solidFill>
-            <a:ln>
+            <a:ln w="9525">
               <a:noFill/>
             </a:ln>
             <a:effectLst/>
@@ -618,19 +566,16 @@
               </c:numCache>
             </c:numRef>
           </c:val>
-          <c:extLst>
-            <c:ext xmlns:c16="http://schemas.microsoft.com/office/drawing/2014/chart" uri="{C3380CC4-5D6E-409C-BE32-E72D297353CC}">
-              <c16:uniqueId val="{00000000-0E58-4216-9C69-2E95B331E550}"/>
-            </c:ext>
-          </c:extLst>
         </c:ser>
         <c:dLbls>
+          <c:delete val="0"/>
           <c:showLegendKey val="0"/>
           <c:showVal val="0"/>
           <c:showCatName val="0"/>
           <c:showSerName val="0"/>
           <c:showPercent val="0"/>
           <c:showBubbleSize val="0"/>
+          <c:showLeaderLines val="0"/>
         </c:dLbls>
         <c:gapWidth val="219"/>
         <c:overlap val="-27"/>
@@ -642,8 +587,9 @@
         <c:scaling>
           <c:orientation val="minMax"/>
         </c:scaling>
+        <c:axPos val="b"/>
+        <c:crossAx val="1363824736"/>
         <c:delete val="0"/>
-        <c:axPos val="b"/>
         <c:numFmt formatCode="General" sourceLinked="1"/>
         <c:majorTickMark val="none"/>
         <c:minorTickMark val="none"/>
@@ -662,30 +608,27 @@
           <a:effectLst/>
         </c:spPr>
         <c:txPr>
-          <a:bodyPr rot="-60000000" spcFirstLastPara="1" vertOverflow="ellipsis" vert="horz" wrap="square" anchor="ctr" anchorCtr="1"/>
+          <a:bodyPr/>
           <a:lstStyle/>
           <a:p>
             <a:pPr>
-              <a:defRPr sz="1197" b="0" i="0" u="none" strike="noStrike" kern="1200" baseline="0">
+              <a:defRPr sz="1197" b="0" i="0">
                 <a:solidFill>
                   <a:schemeClr val="tx1">
                     <a:lumMod val="65000"/>
                     <a:lumOff val="35000"/>
                   </a:schemeClr>
                 </a:solidFill>
-                <a:latin typeface="+mn-lt"/>
-                <a:ea typeface="+mn-ea"/>
-                <a:cs typeface="+mn-cs"/>
               </a:defRPr>
             </a:pPr>
             <a:endParaRPr lang="ko-KR"/>
           </a:p>
         </c:txPr>
-        <c:crossAx val="1363824736"/>
         <c:crosses val="autoZero"/>
         <c:auto val="1"/>
         <c:lblAlgn val="ctr"/>
         <c:lblOffset val="100"/>
+        <c:tickMarkSkip val="1"/>
         <c:noMultiLvlLbl val="0"/>
       </c:catAx>
       <c:valAx>
@@ -693,8 +636,9 @@
         <c:scaling>
           <c:orientation val="minMax"/>
         </c:scaling>
+        <c:axPos val="l"/>
+        <c:crossAx val="1363829728"/>
         <c:delete val="0"/>
-        <c:axPos val="l"/>
         <c:majorGridlines>
           <c:spPr>
             <a:ln w="9525" cap="flat" cmpd="sng" algn="ctr">
@@ -715,32 +659,28 @@
         <c:tickLblPos val="nextTo"/>
         <c:spPr>
           <a:noFill/>
-          <a:ln>
+          <a:ln w="9525">
             <a:noFill/>
           </a:ln>
           <a:effectLst/>
         </c:spPr>
         <c:txPr>
-          <a:bodyPr rot="-60000000" spcFirstLastPara="1" vertOverflow="ellipsis" vert="horz" wrap="square" anchor="ctr" anchorCtr="1"/>
+          <a:bodyPr/>
           <a:lstStyle/>
           <a:p>
             <a:pPr>
-              <a:defRPr sz="1197" b="0" i="0" u="none" strike="noStrike" kern="1200" baseline="0">
+              <a:defRPr sz="1197" b="0" i="0">
                 <a:solidFill>
                   <a:schemeClr val="tx1">
                     <a:lumMod val="65000"/>
                     <a:lumOff val="35000"/>
                   </a:schemeClr>
                 </a:solidFill>
-                <a:latin typeface="+mn-lt"/>
-                <a:ea typeface="+mn-ea"/>
-                <a:cs typeface="+mn-cs"/>
               </a:defRPr>
             </a:pPr>
             <a:endParaRPr lang="ko-KR"/>
           </a:p>
         </c:txPr>
-        <c:crossAx val="1363829728"/>
         <c:crosses val="autoZero"/>
         <c:crossBetween val="between"/>
       </c:valAx>
@@ -758,43 +698,31 @@
       <c:overlay val="0"/>
       <c:spPr>
         <a:noFill/>
-        <a:ln>
+        <a:ln w="9525">
           <a:noFill/>
         </a:ln>
         <a:effectLst/>
       </c:spPr>
       <c:txPr>
-        <a:bodyPr rot="0" spcFirstLastPara="1" vertOverflow="ellipsis" vert="horz" wrap="square" anchor="ctr" anchorCtr="1"/>
+        <a:bodyPr rot="0" vert="horz"/>
         <a:lstStyle/>
         <a:p>
           <a:pPr>
-            <a:defRPr sz="1197" b="0" i="0" u="none" strike="noStrike" kern="1200" baseline="0">
+            <a:defRPr sz="1197" b="0" i="0">
               <a:solidFill>
                 <a:schemeClr val="tx1">
                   <a:lumMod val="65000"/>
                   <a:lumOff val="35000"/>
                 </a:schemeClr>
               </a:solidFill>
-              <a:latin typeface="+mn-lt"/>
-              <a:ea typeface="+mn-ea"/>
-              <a:cs typeface="+mn-cs"/>
             </a:defRPr>
           </a:pPr>
           <a:endParaRPr lang="ko-KR"/>
         </a:p>
       </c:txPr>
     </c:legend>
-    <c:plotVisOnly val="1"/>
     <c:dispBlanksAs val="gap"/>
-    <c:showDLblsOverMax val="0"/>
   </c:chart>
-  <c:spPr>
-    <a:noFill/>
-    <a:ln>
-      <a:noFill/>
-    </a:ln>
-    <a:effectLst/>
-  </c:spPr>
   <c:txPr>
     <a:bodyPr/>
     <a:lstStyle/>
@@ -805,17 +733,27 @@
       <a:endParaRPr lang="ko-KR"/>
     </a:p>
   </c:txPr>
-  <c:externalData r:id="rId3">
+  <c:spPr>
+    <a:noFill/>
+    <a:ln w="9525">
+      <a:noFill/>
+    </a:ln>
+    <a:effectLst/>
+  </c:spPr>
+  <c:extLst>
+    <c:ext uri="CC8EB2C9-7E31-499d-B8F2-F6CE61031016">
+      <ho:hncChartStyle xmlns:ho="http://schemas.haansoft.com/office/8.0" layoutIndex="-1" colorIndex="-1" styleIndex="-1"/>
+    </c:ext>
+  </c:extLst>
+  <c:externalData r:id="rId1">
     <c:autoUpdate val="0"/>
   </c:externalData>
 </c:chartSpace>
 </file>
 
 <file path=ppt/charts/chart3.xml><?xml version="1.0" encoding="utf-8"?>
-<c:chartSpace xmlns:c="http://schemas.openxmlformats.org/drawingml/2006/chart" xmlns:a="http://schemas.openxmlformats.org/drawingml/2006/main" xmlns:r="http://schemas.openxmlformats.org/officeDocument/2006/relationships" xmlns:c16r2="http://schemas.microsoft.com/office/drawing/2015/06/chart">
+<c:chartSpace xmlns:r="http://schemas.openxmlformats.org/officeDocument/2006/relationships" xmlns:a="http://schemas.openxmlformats.org/drawingml/2006/main" xmlns:c="http://schemas.openxmlformats.org/drawingml/2006/chart">
   <c:date1904 val="0"/>
-  <c:lang val="ko-KR"/>
-  <c:roundedCorners val="0"/>
   <mc:AlternateContent xmlns:mc="http://schemas.openxmlformats.org/markup-compatibility/2006">
     <mc:Choice xmlns:c14="http://schemas.microsoft.com/office/drawing/2007/8/2/chart" Requires="c14">
       <c14:style val="102"/>
@@ -824,31 +762,29 @@
       <c:style val="2"/>
     </mc:Fallback>
   </mc:AlternateContent>
+  <c:roundedCorners val="0"/>
   <c:chart>
     <c:title>
       <c:tx>
         <c:rich>
-          <a:bodyPr rot="0" spcFirstLastPara="1" vertOverflow="ellipsis" vert="horz" wrap="square" anchor="ctr" anchorCtr="1"/>
+          <a:bodyPr rot="0" vert="horz"/>
           <a:lstStyle/>
           <a:p>
             <a:pPr>
-              <a:defRPr sz="1862" b="0" i="0" u="none" strike="noStrike" kern="1200" spc="0" baseline="0">
+              <a:defRPr sz="1862" b="0" i="0">
                 <a:solidFill>
                   <a:schemeClr val="tx1">
                     <a:lumMod val="65000"/>
                     <a:lumOff val="35000"/>
                   </a:schemeClr>
                 </a:solidFill>
-                <a:latin typeface="+mn-lt"/>
-                <a:ea typeface="+mn-ea"/>
-                <a:cs typeface="+mn-cs"/>
               </a:defRPr>
             </a:pPr>
             <a:r>
-              <a:rPr lang="ko-KR" altLang="en-US" dirty="0" err="1" smtClean="0"/>
+              <a:rPr lang="ko-KR" altLang="en-US" dirty="0" smtClean="0"/>
               <a:t>완치자</a:t>
             </a:r>
-            <a:endParaRPr lang="ko-KR" altLang="en-US" dirty="0"/>
+            <a:endParaRPr lang="ko-KR"/>
           </a:p>
         </c:rich>
       </c:tx>
@@ -861,26 +797,6 @@
         </a:ln>
         <a:effectLst/>
       </c:spPr>
-      <c:txPr>
-        <a:bodyPr rot="0" spcFirstLastPara="1" vertOverflow="ellipsis" vert="horz" wrap="square" anchor="ctr" anchorCtr="1"/>
-        <a:lstStyle/>
-        <a:p>
-          <a:pPr>
-            <a:defRPr sz="1862" b="0" i="0" u="none" strike="noStrike" kern="1200" spc="0" baseline="0">
-              <a:solidFill>
-                <a:schemeClr val="tx1">
-                  <a:lumMod val="65000"/>
-                  <a:lumOff val="35000"/>
-                </a:schemeClr>
-              </a:solidFill>
-              <a:latin typeface="+mn-lt"/>
-              <a:ea typeface="+mn-ea"/>
-              <a:cs typeface="+mn-cs"/>
-            </a:defRPr>
-          </a:pPr>
-          <a:endParaRPr lang="ko-KR"/>
-        </a:p>
-      </c:txPr>
     </c:title>
     <c:autoTitleDeleted val="0"/>
     <c:plotArea>
@@ -889,10 +805,10 @@
           <c:layoutTarget val="inner"/>
           <c:xMode val="edge"/>
           <c:yMode val="edge"/>
-          <c:x val="0.11201107283464568"/>
-          <c:y val="0.10635955300445663"/>
-          <c:w val="0.86298892716535436"/>
-          <c:h val="0.77283250659248848"/>
+          <c:x val="0.11201107501983643"/>
+          <c:y val="0.10635955631732941"/>
+          <c:w val="0.86298894882202148"/>
+          <c:h val="0.77283251285552979"/>
         </c:manualLayout>
       </c:layout>
       <c:barChart>
@@ -917,7 +833,7 @@
             <a:solidFill>
               <a:schemeClr val="accent1"/>
             </a:solidFill>
-            <a:ln>
+            <a:ln w="9525">
               <a:noFill/>
             </a:ln>
             <a:effectLst/>
@@ -970,19 +886,16 @@
               </c:numCache>
             </c:numRef>
           </c:val>
-          <c:extLst>
-            <c:ext xmlns:c16="http://schemas.microsoft.com/office/drawing/2014/chart" uri="{C3380CC4-5D6E-409C-BE32-E72D297353CC}">
-              <c16:uniqueId val="{00000000-0E58-4216-9C69-2E95B331E550}"/>
-            </c:ext>
-          </c:extLst>
         </c:ser>
         <c:dLbls>
+          <c:delete val="0"/>
           <c:showLegendKey val="0"/>
           <c:showVal val="0"/>
           <c:showCatName val="0"/>
           <c:showSerName val="0"/>
           <c:showPercent val="0"/>
           <c:showBubbleSize val="0"/>
+          <c:showLeaderLines val="0"/>
         </c:dLbls>
         <c:gapWidth val="219"/>
         <c:overlap val="-27"/>
@@ -994,8 +907,9 @@
         <c:scaling>
           <c:orientation val="minMax"/>
         </c:scaling>
+        <c:axPos val="b"/>
+        <c:crossAx val="1363824736"/>
         <c:delete val="0"/>
-        <c:axPos val="b"/>
         <c:numFmt formatCode="General" sourceLinked="1"/>
         <c:majorTickMark val="none"/>
         <c:minorTickMark val="none"/>
@@ -1014,30 +928,27 @@
           <a:effectLst/>
         </c:spPr>
         <c:txPr>
-          <a:bodyPr rot="-60000000" spcFirstLastPara="1" vertOverflow="ellipsis" vert="horz" wrap="square" anchor="ctr" anchorCtr="1"/>
+          <a:bodyPr/>
           <a:lstStyle/>
           <a:p>
             <a:pPr>
-              <a:defRPr sz="1197" b="0" i="0" u="none" strike="noStrike" kern="1200" baseline="0">
+              <a:defRPr sz="1197" b="0" i="0">
                 <a:solidFill>
                   <a:schemeClr val="tx1">
                     <a:lumMod val="65000"/>
                     <a:lumOff val="35000"/>
                   </a:schemeClr>
                 </a:solidFill>
-                <a:latin typeface="+mn-lt"/>
-                <a:ea typeface="+mn-ea"/>
-                <a:cs typeface="+mn-cs"/>
               </a:defRPr>
             </a:pPr>
             <a:endParaRPr lang="ko-KR"/>
           </a:p>
         </c:txPr>
-        <c:crossAx val="1363824736"/>
         <c:crosses val="autoZero"/>
         <c:auto val="1"/>
         <c:lblAlgn val="ctr"/>
         <c:lblOffset val="100"/>
+        <c:tickMarkSkip val="1"/>
         <c:noMultiLvlLbl val="0"/>
       </c:catAx>
       <c:valAx>
@@ -1045,8 +956,9 @@
         <c:scaling>
           <c:orientation val="minMax"/>
         </c:scaling>
+        <c:axPos val="l"/>
+        <c:crossAx val="1363829728"/>
         <c:delete val="0"/>
-        <c:axPos val="l"/>
         <c:majorGridlines>
           <c:spPr>
             <a:ln w="9525" cap="flat" cmpd="sng" algn="ctr">
@@ -1067,32 +979,28 @@
         <c:tickLblPos val="nextTo"/>
         <c:spPr>
           <a:noFill/>
-          <a:ln>
+          <a:ln w="9525">
             <a:noFill/>
           </a:ln>
           <a:effectLst/>
         </c:spPr>
         <c:txPr>
-          <a:bodyPr rot="-60000000" spcFirstLastPara="1" vertOverflow="ellipsis" vert="horz" wrap="square" anchor="ctr" anchorCtr="1"/>
+          <a:bodyPr/>
           <a:lstStyle/>
           <a:p>
             <a:pPr>
-              <a:defRPr sz="1197" b="0" i="0" u="none" strike="noStrike" kern="1200" baseline="0">
+              <a:defRPr sz="1197" b="0" i="0">
                 <a:solidFill>
                   <a:schemeClr val="tx1">
                     <a:lumMod val="65000"/>
                     <a:lumOff val="35000"/>
                   </a:schemeClr>
                 </a:solidFill>
-                <a:latin typeface="+mn-lt"/>
-                <a:ea typeface="+mn-ea"/>
-                <a:cs typeface="+mn-cs"/>
               </a:defRPr>
             </a:pPr>
             <a:endParaRPr lang="ko-KR"/>
           </a:p>
         </c:txPr>
-        <c:crossAx val="1363829728"/>
         <c:crosses val="autoZero"/>
         <c:crossBetween val="between"/>
       </c:valAx>
@@ -1110,43 +1018,31 @@
       <c:overlay val="0"/>
       <c:spPr>
         <a:noFill/>
-        <a:ln>
+        <a:ln w="9525">
           <a:noFill/>
         </a:ln>
         <a:effectLst/>
       </c:spPr>
       <c:txPr>
-        <a:bodyPr rot="0" spcFirstLastPara="1" vertOverflow="ellipsis" vert="horz" wrap="square" anchor="ctr" anchorCtr="1"/>
+        <a:bodyPr rot="0" vert="horz"/>
         <a:lstStyle/>
         <a:p>
           <a:pPr>
-            <a:defRPr sz="1197" b="0" i="0" u="none" strike="noStrike" kern="1200" baseline="0">
+            <a:defRPr sz="1197" b="0" i="0">
               <a:solidFill>
                 <a:schemeClr val="tx1">
                   <a:lumMod val="65000"/>
                   <a:lumOff val="35000"/>
                 </a:schemeClr>
               </a:solidFill>
-              <a:latin typeface="+mn-lt"/>
-              <a:ea typeface="+mn-ea"/>
-              <a:cs typeface="+mn-cs"/>
             </a:defRPr>
           </a:pPr>
           <a:endParaRPr lang="ko-KR"/>
         </a:p>
       </c:txPr>
     </c:legend>
-    <c:plotVisOnly val="1"/>
     <c:dispBlanksAs val="gap"/>
-    <c:showDLblsOverMax val="0"/>
   </c:chart>
-  <c:spPr>
-    <a:noFill/>
-    <a:ln>
-      <a:noFill/>
-    </a:ln>
-    <a:effectLst/>
-  </c:spPr>
   <c:txPr>
     <a:bodyPr/>
     <a:lstStyle/>
@@ -1157,1639 +1053,22 @@
       <a:endParaRPr lang="ko-KR"/>
     </a:p>
   </c:txPr>
-  <c:externalData r:id="rId3">
+  <c:spPr>
+    <a:noFill/>
+    <a:ln w="9525">
+      <a:noFill/>
+    </a:ln>
+    <a:effectLst/>
+  </c:spPr>
+  <c:extLst>
+    <c:ext uri="CC8EB2C9-7E31-499d-B8F2-F6CE61031016">
+      <ho:hncChartStyle xmlns:ho="http://schemas.haansoft.com/office/8.0" layoutIndex="-1" colorIndex="-1" styleIndex="-1"/>
+    </c:ext>
+  </c:extLst>
+  <c:externalData r:id="rId1">
     <c:autoUpdate val="0"/>
   </c:externalData>
 </c:chartSpace>
-</file>
-
-<file path=ppt/charts/colors1.xml><?xml version="1.0" encoding="utf-8"?>
-<cs:colorStyle xmlns:cs="http://schemas.microsoft.com/office/drawing/2012/chartStyle" xmlns:a="http://schemas.openxmlformats.org/drawingml/2006/main" meth="cycle" id="10">
-  <a:schemeClr val="accent1"/>
-  <a:schemeClr val="accent2"/>
-  <a:schemeClr val="accent3"/>
-  <a:schemeClr val="accent4"/>
-  <a:schemeClr val="accent5"/>
-  <a:schemeClr val="accent6"/>
-  <cs:variation/>
-  <cs:variation>
-    <a:lumMod val="60000"/>
-  </cs:variation>
-  <cs:variation>
-    <a:lumMod val="80000"/>
-    <a:lumOff val="20000"/>
-  </cs:variation>
-  <cs:variation>
-    <a:lumMod val="80000"/>
-  </cs:variation>
-  <cs:variation>
-    <a:lumMod val="60000"/>
-    <a:lumOff val="40000"/>
-  </cs:variation>
-  <cs:variation>
-    <a:lumMod val="50000"/>
-  </cs:variation>
-  <cs:variation>
-    <a:lumMod val="70000"/>
-    <a:lumOff val="30000"/>
-  </cs:variation>
-  <cs:variation>
-    <a:lumMod val="70000"/>
-  </cs:variation>
-  <cs:variation>
-    <a:lumMod val="50000"/>
-    <a:lumOff val="50000"/>
-  </cs:variation>
-</cs:colorStyle>
-</file>
-
-<file path=ppt/charts/colors2.xml><?xml version="1.0" encoding="utf-8"?>
-<cs:colorStyle xmlns:cs="http://schemas.microsoft.com/office/drawing/2012/chartStyle" xmlns:a="http://schemas.openxmlformats.org/drawingml/2006/main" meth="cycle" id="10">
-  <a:schemeClr val="accent1"/>
-  <a:schemeClr val="accent2"/>
-  <a:schemeClr val="accent3"/>
-  <a:schemeClr val="accent4"/>
-  <a:schemeClr val="accent5"/>
-  <a:schemeClr val="accent6"/>
-  <cs:variation/>
-  <cs:variation>
-    <a:lumMod val="60000"/>
-  </cs:variation>
-  <cs:variation>
-    <a:lumMod val="80000"/>
-    <a:lumOff val="20000"/>
-  </cs:variation>
-  <cs:variation>
-    <a:lumMod val="80000"/>
-  </cs:variation>
-  <cs:variation>
-    <a:lumMod val="60000"/>
-    <a:lumOff val="40000"/>
-  </cs:variation>
-  <cs:variation>
-    <a:lumMod val="50000"/>
-  </cs:variation>
-  <cs:variation>
-    <a:lumMod val="70000"/>
-    <a:lumOff val="30000"/>
-  </cs:variation>
-  <cs:variation>
-    <a:lumMod val="70000"/>
-  </cs:variation>
-  <cs:variation>
-    <a:lumMod val="50000"/>
-    <a:lumOff val="50000"/>
-  </cs:variation>
-</cs:colorStyle>
-</file>
-
-<file path=ppt/charts/colors3.xml><?xml version="1.0" encoding="utf-8"?>
-<cs:colorStyle xmlns:cs="http://schemas.microsoft.com/office/drawing/2012/chartStyle" xmlns:a="http://schemas.openxmlformats.org/drawingml/2006/main" meth="cycle" id="10">
-  <a:schemeClr val="accent1"/>
-  <a:schemeClr val="accent2"/>
-  <a:schemeClr val="accent3"/>
-  <a:schemeClr val="accent4"/>
-  <a:schemeClr val="accent5"/>
-  <a:schemeClr val="accent6"/>
-  <cs:variation/>
-  <cs:variation>
-    <a:lumMod val="60000"/>
-  </cs:variation>
-  <cs:variation>
-    <a:lumMod val="80000"/>
-    <a:lumOff val="20000"/>
-  </cs:variation>
-  <cs:variation>
-    <a:lumMod val="80000"/>
-  </cs:variation>
-  <cs:variation>
-    <a:lumMod val="60000"/>
-    <a:lumOff val="40000"/>
-  </cs:variation>
-  <cs:variation>
-    <a:lumMod val="50000"/>
-  </cs:variation>
-  <cs:variation>
-    <a:lumMod val="70000"/>
-    <a:lumOff val="30000"/>
-  </cs:variation>
-  <cs:variation>
-    <a:lumMod val="70000"/>
-  </cs:variation>
-  <cs:variation>
-    <a:lumMod val="50000"/>
-    <a:lumOff val="50000"/>
-  </cs:variation>
-</cs:colorStyle>
-</file>
-
-<file path=ppt/charts/style1.xml><?xml version="1.0" encoding="utf-8"?>
-<cs:chartStyle xmlns:cs="http://schemas.microsoft.com/office/drawing/2012/chartStyle" xmlns:a="http://schemas.openxmlformats.org/drawingml/2006/main" id="201">
-  <cs:axisTitle>
-    <cs:lnRef idx="0"/>
-    <cs:fillRef idx="0"/>
-    <cs:effectRef idx="0"/>
-    <cs:fontRef idx="minor">
-      <a:schemeClr val="tx1">
-        <a:lumMod val="65000"/>
-        <a:lumOff val="35000"/>
-      </a:schemeClr>
-    </cs:fontRef>
-    <cs:defRPr sz="1330" kern="1200"/>
-  </cs:axisTitle>
-  <cs:categoryAxis>
-    <cs:lnRef idx="0"/>
-    <cs:fillRef idx="0"/>
-    <cs:effectRef idx="0"/>
-    <cs:fontRef idx="minor">
-      <a:schemeClr val="tx1">
-        <a:lumMod val="65000"/>
-        <a:lumOff val="35000"/>
-      </a:schemeClr>
-    </cs:fontRef>
-    <cs:spPr>
-      <a:ln w="9525" cap="flat" cmpd="sng" algn="ctr">
-        <a:solidFill>
-          <a:schemeClr val="tx1">
-            <a:lumMod val="15000"/>
-            <a:lumOff val="85000"/>
-          </a:schemeClr>
-        </a:solidFill>
-        <a:round/>
-      </a:ln>
-    </cs:spPr>
-    <cs:defRPr sz="1197" kern="1200"/>
-  </cs:categoryAxis>
-  <cs:chartArea mods="allowNoFillOverride allowNoLineOverride">
-    <cs:lnRef idx="0"/>
-    <cs:fillRef idx="0"/>
-    <cs:effectRef idx="0"/>
-    <cs:fontRef idx="minor">
-      <a:schemeClr val="tx1"/>
-    </cs:fontRef>
-    <cs:spPr>
-      <a:solidFill>
-        <a:schemeClr val="bg1"/>
-      </a:solidFill>
-      <a:ln w="9525" cap="flat" cmpd="sng" algn="ctr">
-        <a:solidFill>
-          <a:schemeClr val="tx1">
-            <a:lumMod val="15000"/>
-            <a:lumOff val="85000"/>
-          </a:schemeClr>
-        </a:solidFill>
-        <a:round/>
-      </a:ln>
-    </cs:spPr>
-    <cs:defRPr sz="1330" kern="1200"/>
-  </cs:chartArea>
-  <cs:dataLabel>
-    <cs:lnRef idx="0"/>
-    <cs:fillRef idx="0"/>
-    <cs:effectRef idx="0"/>
-    <cs:fontRef idx="minor">
-      <a:schemeClr val="tx1">
-        <a:lumMod val="75000"/>
-        <a:lumOff val="25000"/>
-      </a:schemeClr>
-    </cs:fontRef>
-    <cs:defRPr sz="1197" kern="1200"/>
-  </cs:dataLabel>
-  <cs:dataLabelCallout>
-    <cs:lnRef idx="0"/>
-    <cs:fillRef idx="0"/>
-    <cs:effectRef idx="0"/>
-    <cs:fontRef idx="minor">
-      <a:schemeClr val="dk1">
-        <a:lumMod val="65000"/>
-        <a:lumOff val="35000"/>
-      </a:schemeClr>
-    </cs:fontRef>
-    <cs:spPr>
-      <a:solidFill>
-        <a:schemeClr val="lt1"/>
-      </a:solidFill>
-      <a:ln>
-        <a:solidFill>
-          <a:schemeClr val="dk1">
-            <a:lumMod val="25000"/>
-            <a:lumOff val="75000"/>
-          </a:schemeClr>
-        </a:solidFill>
-      </a:ln>
-    </cs:spPr>
-    <cs:defRPr sz="1197" kern="1200"/>
-    <cs:bodyPr rot="0" spcFirstLastPara="1" vertOverflow="clip" horzOverflow="clip" vert="horz" wrap="square" lIns="36576" tIns="18288" rIns="36576" bIns="18288" anchor="ctr" anchorCtr="1">
-      <a:spAutoFit/>
-    </cs:bodyPr>
-  </cs:dataLabelCallout>
-  <cs:dataPoint>
-    <cs:lnRef idx="0"/>
-    <cs:fillRef idx="1">
-      <cs:styleClr val="auto"/>
-    </cs:fillRef>
-    <cs:effectRef idx="0"/>
-    <cs:fontRef idx="minor">
-      <a:schemeClr val="tx1"/>
-    </cs:fontRef>
-  </cs:dataPoint>
-  <cs:dataPoint3D>
-    <cs:lnRef idx="0"/>
-    <cs:fillRef idx="1">
-      <cs:styleClr val="auto"/>
-    </cs:fillRef>
-    <cs:effectRef idx="0"/>
-    <cs:fontRef idx="minor">
-      <a:schemeClr val="tx1"/>
-    </cs:fontRef>
-  </cs:dataPoint3D>
-  <cs:dataPointLine>
-    <cs:lnRef idx="0">
-      <cs:styleClr val="auto"/>
-    </cs:lnRef>
-    <cs:fillRef idx="1"/>
-    <cs:effectRef idx="0"/>
-    <cs:fontRef idx="minor">
-      <a:schemeClr val="tx1"/>
-    </cs:fontRef>
-    <cs:spPr>
-      <a:ln w="28575" cap="rnd">
-        <a:solidFill>
-          <a:schemeClr val="phClr"/>
-        </a:solidFill>
-        <a:round/>
-      </a:ln>
-    </cs:spPr>
-  </cs:dataPointLine>
-  <cs:dataPointMarker>
-    <cs:lnRef idx="0">
-      <cs:styleClr val="auto"/>
-    </cs:lnRef>
-    <cs:fillRef idx="1">
-      <cs:styleClr val="auto"/>
-    </cs:fillRef>
-    <cs:effectRef idx="0"/>
-    <cs:fontRef idx="minor">
-      <a:schemeClr val="tx1"/>
-    </cs:fontRef>
-    <cs:spPr>
-      <a:ln w="9525">
-        <a:solidFill>
-          <a:schemeClr val="phClr"/>
-        </a:solidFill>
-      </a:ln>
-    </cs:spPr>
-  </cs:dataPointMarker>
-  <cs:dataPointMarkerLayout symbol="circle" size="5"/>
-  <cs:dataPointWireframe>
-    <cs:lnRef idx="0">
-      <cs:styleClr val="auto"/>
-    </cs:lnRef>
-    <cs:fillRef idx="1"/>
-    <cs:effectRef idx="0"/>
-    <cs:fontRef idx="minor">
-      <a:schemeClr val="tx1"/>
-    </cs:fontRef>
-    <cs:spPr>
-      <a:ln w="9525" cap="rnd">
-        <a:solidFill>
-          <a:schemeClr val="phClr"/>
-        </a:solidFill>
-        <a:round/>
-      </a:ln>
-    </cs:spPr>
-  </cs:dataPointWireframe>
-  <cs:dataTable>
-    <cs:lnRef idx="0"/>
-    <cs:fillRef idx="0"/>
-    <cs:effectRef idx="0"/>
-    <cs:fontRef idx="minor">
-      <a:schemeClr val="tx1">
-        <a:lumMod val="65000"/>
-        <a:lumOff val="35000"/>
-      </a:schemeClr>
-    </cs:fontRef>
-    <cs:spPr>
-      <a:noFill/>
-      <a:ln w="9525" cap="flat" cmpd="sng" algn="ctr">
-        <a:solidFill>
-          <a:schemeClr val="tx1">
-            <a:lumMod val="15000"/>
-            <a:lumOff val="85000"/>
-          </a:schemeClr>
-        </a:solidFill>
-        <a:round/>
-      </a:ln>
-    </cs:spPr>
-    <cs:defRPr sz="1197" kern="1200"/>
-  </cs:dataTable>
-  <cs:downBar>
-    <cs:lnRef idx="0"/>
-    <cs:fillRef idx="0"/>
-    <cs:effectRef idx="0"/>
-    <cs:fontRef idx="minor">
-      <a:schemeClr val="dk1"/>
-    </cs:fontRef>
-    <cs:spPr>
-      <a:solidFill>
-        <a:schemeClr val="dk1">
-          <a:lumMod val="65000"/>
-          <a:lumOff val="35000"/>
-        </a:schemeClr>
-      </a:solidFill>
-      <a:ln w="9525">
-        <a:solidFill>
-          <a:schemeClr val="tx1">
-            <a:lumMod val="65000"/>
-            <a:lumOff val="35000"/>
-          </a:schemeClr>
-        </a:solidFill>
-      </a:ln>
-    </cs:spPr>
-  </cs:downBar>
-  <cs:dropLine>
-    <cs:lnRef idx="0"/>
-    <cs:fillRef idx="0"/>
-    <cs:effectRef idx="0"/>
-    <cs:fontRef idx="minor">
-      <a:schemeClr val="tx1"/>
-    </cs:fontRef>
-    <cs:spPr>
-      <a:ln w="9525" cap="flat" cmpd="sng" algn="ctr">
-        <a:solidFill>
-          <a:schemeClr val="tx1">
-            <a:lumMod val="35000"/>
-            <a:lumOff val="65000"/>
-          </a:schemeClr>
-        </a:solidFill>
-        <a:round/>
-      </a:ln>
-    </cs:spPr>
-  </cs:dropLine>
-  <cs:errorBar>
-    <cs:lnRef idx="0"/>
-    <cs:fillRef idx="0"/>
-    <cs:effectRef idx="0"/>
-    <cs:fontRef idx="minor">
-      <a:schemeClr val="tx1"/>
-    </cs:fontRef>
-    <cs:spPr>
-      <a:ln w="9525" cap="flat" cmpd="sng" algn="ctr">
-        <a:solidFill>
-          <a:schemeClr val="tx1">
-            <a:lumMod val="65000"/>
-            <a:lumOff val="35000"/>
-          </a:schemeClr>
-        </a:solidFill>
-        <a:round/>
-      </a:ln>
-    </cs:spPr>
-  </cs:errorBar>
-  <cs:floor>
-    <cs:lnRef idx="0"/>
-    <cs:fillRef idx="0"/>
-    <cs:effectRef idx="0"/>
-    <cs:fontRef idx="minor">
-      <a:schemeClr val="tx1"/>
-    </cs:fontRef>
-    <cs:spPr>
-      <a:noFill/>
-      <a:ln>
-        <a:noFill/>
-      </a:ln>
-    </cs:spPr>
-  </cs:floor>
-  <cs:gridlineMajor>
-    <cs:lnRef idx="0"/>
-    <cs:fillRef idx="0"/>
-    <cs:effectRef idx="0"/>
-    <cs:fontRef idx="minor">
-      <a:schemeClr val="tx1"/>
-    </cs:fontRef>
-    <cs:spPr>
-      <a:ln w="9525" cap="flat" cmpd="sng" algn="ctr">
-        <a:solidFill>
-          <a:schemeClr val="tx1">
-            <a:lumMod val="15000"/>
-            <a:lumOff val="85000"/>
-          </a:schemeClr>
-        </a:solidFill>
-        <a:round/>
-      </a:ln>
-    </cs:spPr>
-  </cs:gridlineMajor>
-  <cs:gridlineMinor>
-    <cs:lnRef idx="0"/>
-    <cs:fillRef idx="0"/>
-    <cs:effectRef idx="0"/>
-    <cs:fontRef idx="minor">
-      <a:schemeClr val="tx1"/>
-    </cs:fontRef>
-    <cs:spPr>
-      <a:ln w="9525" cap="flat" cmpd="sng" algn="ctr">
-        <a:solidFill>
-          <a:schemeClr val="tx1">
-            <a:lumMod val="5000"/>
-            <a:lumOff val="95000"/>
-          </a:schemeClr>
-        </a:solidFill>
-        <a:round/>
-      </a:ln>
-    </cs:spPr>
-  </cs:gridlineMinor>
-  <cs:hiLoLine>
-    <cs:lnRef idx="0"/>
-    <cs:fillRef idx="0"/>
-    <cs:effectRef idx="0"/>
-    <cs:fontRef idx="minor">
-      <a:schemeClr val="tx1"/>
-    </cs:fontRef>
-    <cs:spPr>
-      <a:ln w="9525" cap="flat" cmpd="sng" algn="ctr">
-        <a:solidFill>
-          <a:schemeClr val="tx1">
-            <a:lumMod val="75000"/>
-            <a:lumOff val="25000"/>
-          </a:schemeClr>
-        </a:solidFill>
-        <a:round/>
-      </a:ln>
-    </cs:spPr>
-  </cs:hiLoLine>
-  <cs:leaderLine>
-    <cs:lnRef idx="0"/>
-    <cs:fillRef idx="0"/>
-    <cs:effectRef idx="0"/>
-    <cs:fontRef idx="minor">
-      <a:schemeClr val="tx1"/>
-    </cs:fontRef>
-    <cs:spPr>
-      <a:ln w="9525" cap="flat" cmpd="sng" algn="ctr">
-        <a:solidFill>
-          <a:schemeClr val="tx1">
-            <a:lumMod val="35000"/>
-            <a:lumOff val="65000"/>
-          </a:schemeClr>
-        </a:solidFill>
-        <a:round/>
-      </a:ln>
-    </cs:spPr>
-  </cs:leaderLine>
-  <cs:legend>
-    <cs:lnRef idx="0"/>
-    <cs:fillRef idx="0"/>
-    <cs:effectRef idx="0"/>
-    <cs:fontRef idx="minor">
-      <a:schemeClr val="tx1">
-        <a:lumMod val="65000"/>
-        <a:lumOff val="35000"/>
-      </a:schemeClr>
-    </cs:fontRef>
-    <cs:defRPr sz="1197" kern="1200"/>
-  </cs:legend>
-  <cs:plotArea mods="allowNoFillOverride allowNoLineOverride">
-    <cs:lnRef idx="0"/>
-    <cs:fillRef idx="0"/>
-    <cs:effectRef idx="0"/>
-    <cs:fontRef idx="minor">
-      <a:schemeClr val="tx1"/>
-    </cs:fontRef>
-  </cs:plotArea>
-  <cs:plotArea3D mods="allowNoFillOverride allowNoLineOverride">
-    <cs:lnRef idx="0"/>
-    <cs:fillRef idx="0"/>
-    <cs:effectRef idx="0"/>
-    <cs:fontRef idx="minor">
-      <a:schemeClr val="tx1"/>
-    </cs:fontRef>
-  </cs:plotArea3D>
-  <cs:seriesAxis>
-    <cs:lnRef idx="0"/>
-    <cs:fillRef idx="0"/>
-    <cs:effectRef idx="0"/>
-    <cs:fontRef idx="minor">
-      <a:schemeClr val="tx1">
-        <a:lumMod val="65000"/>
-        <a:lumOff val="35000"/>
-      </a:schemeClr>
-    </cs:fontRef>
-    <cs:defRPr sz="1197" kern="1200"/>
-  </cs:seriesAxis>
-  <cs:seriesLine>
-    <cs:lnRef idx="0"/>
-    <cs:fillRef idx="0"/>
-    <cs:effectRef idx="0"/>
-    <cs:fontRef idx="minor">
-      <a:schemeClr val="tx1"/>
-    </cs:fontRef>
-    <cs:spPr>
-      <a:ln w="9525" cap="flat" cmpd="sng" algn="ctr">
-        <a:solidFill>
-          <a:schemeClr val="tx1">
-            <a:lumMod val="35000"/>
-            <a:lumOff val="65000"/>
-          </a:schemeClr>
-        </a:solidFill>
-        <a:round/>
-      </a:ln>
-    </cs:spPr>
-  </cs:seriesLine>
-  <cs:title>
-    <cs:lnRef idx="0"/>
-    <cs:fillRef idx="0"/>
-    <cs:effectRef idx="0"/>
-    <cs:fontRef idx="minor">
-      <a:schemeClr val="tx1">
-        <a:lumMod val="65000"/>
-        <a:lumOff val="35000"/>
-      </a:schemeClr>
-    </cs:fontRef>
-    <cs:defRPr sz="1862" b="0" kern="1200" spc="0" baseline="0"/>
-  </cs:title>
-  <cs:trendline>
-    <cs:lnRef idx="0">
-      <cs:styleClr val="auto"/>
-    </cs:lnRef>
-    <cs:fillRef idx="0"/>
-    <cs:effectRef idx="0"/>
-    <cs:fontRef idx="minor">
-      <a:schemeClr val="tx1"/>
-    </cs:fontRef>
-    <cs:spPr>
-      <a:ln w="19050" cap="rnd">
-        <a:solidFill>
-          <a:schemeClr val="phClr"/>
-        </a:solidFill>
-        <a:prstDash val="sysDot"/>
-      </a:ln>
-    </cs:spPr>
-  </cs:trendline>
-  <cs:trendlineLabel>
-    <cs:lnRef idx="0"/>
-    <cs:fillRef idx="0"/>
-    <cs:effectRef idx="0"/>
-    <cs:fontRef idx="minor">
-      <a:schemeClr val="tx1">
-        <a:lumMod val="65000"/>
-        <a:lumOff val="35000"/>
-      </a:schemeClr>
-    </cs:fontRef>
-    <cs:defRPr sz="1197" kern="1200"/>
-  </cs:trendlineLabel>
-  <cs:upBar>
-    <cs:lnRef idx="0"/>
-    <cs:fillRef idx="0"/>
-    <cs:effectRef idx="0"/>
-    <cs:fontRef idx="minor">
-      <a:schemeClr val="dk1"/>
-    </cs:fontRef>
-    <cs:spPr>
-      <a:solidFill>
-        <a:schemeClr val="lt1"/>
-      </a:solidFill>
-      <a:ln w="9525">
-        <a:solidFill>
-          <a:schemeClr val="tx1">
-            <a:lumMod val="15000"/>
-            <a:lumOff val="85000"/>
-          </a:schemeClr>
-        </a:solidFill>
-      </a:ln>
-    </cs:spPr>
-  </cs:upBar>
-  <cs:valueAxis>
-    <cs:lnRef idx="0"/>
-    <cs:fillRef idx="0"/>
-    <cs:effectRef idx="0"/>
-    <cs:fontRef idx="minor">
-      <a:schemeClr val="tx1">
-        <a:lumMod val="65000"/>
-        <a:lumOff val="35000"/>
-      </a:schemeClr>
-    </cs:fontRef>
-    <cs:defRPr sz="1197" kern="1200"/>
-  </cs:valueAxis>
-  <cs:wall>
-    <cs:lnRef idx="0"/>
-    <cs:fillRef idx="0"/>
-    <cs:effectRef idx="0"/>
-    <cs:fontRef idx="minor">
-      <a:schemeClr val="tx1"/>
-    </cs:fontRef>
-    <cs:spPr>
-      <a:noFill/>
-      <a:ln>
-        <a:noFill/>
-      </a:ln>
-    </cs:spPr>
-  </cs:wall>
-</cs:chartStyle>
-</file>
-
-<file path=ppt/charts/style2.xml><?xml version="1.0" encoding="utf-8"?>
-<cs:chartStyle xmlns:cs="http://schemas.microsoft.com/office/drawing/2012/chartStyle" xmlns:a="http://schemas.openxmlformats.org/drawingml/2006/main" id="201">
-  <cs:axisTitle>
-    <cs:lnRef idx="0"/>
-    <cs:fillRef idx="0"/>
-    <cs:effectRef idx="0"/>
-    <cs:fontRef idx="minor">
-      <a:schemeClr val="tx1">
-        <a:lumMod val="65000"/>
-        <a:lumOff val="35000"/>
-      </a:schemeClr>
-    </cs:fontRef>
-    <cs:defRPr sz="1330" kern="1200"/>
-  </cs:axisTitle>
-  <cs:categoryAxis>
-    <cs:lnRef idx="0"/>
-    <cs:fillRef idx="0"/>
-    <cs:effectRef idx="0"/>
-    <cs:fontRef idx="minor">
-      <a:schemeClr val="tx1">
-        <a:lumMod val="65000"/>
-        <a:lumOff val="35000"/>
-      </a:schemeClr>
-    </cs:fontRef>
-    <cs:spPr>
-      <a:ln w="9525" cap="flat" cmpd="sng" algn="ctr">
-        <a:solidFill>
-          <a:schemeClr val="tx1">
-            <a:lumMod val="15000"/>
-            <a:lumOff val="85000"/>
-          </a:schemeClr>
-        </a:solidFill>
-        <a:round/>
-      </a:ln>
-    </cs:spPr>
-    <cs:defRPr sz="1197" kern="1200"/>
-  </cs:categoryAxis>
-  <cs:chartArea mods="allowNoFillOverride allowNoLineOverride">
-    <cs:lnRef idx="0"/>
-    <cs:fillRef idx="0"/>
-    <cs:effectRef idx="0"/>
-    <cs:fontRef idx="minor">
-      <a:schemeClr val="tx1"/>
-    </cs:fontRef>
-    <cs:spPr>
-      <a:solidFill>
-        <a:schemeClr val="bg1"/>
-      </a:solidFill>
-      <a:ln w="9525" cap="flat" cmpd="sng" algn="ctr">
-        <a:solidFill>
-          <a:schemeClr val="tx1">
-            <a:lumMod val="15000"/>
-            <a:lumOff val="85000"/>
-          </a:schemeClr>
-        </a:solidFill>
-        <a:round/>
-      </a:ln>
-    </cs:spPr>
-    <cs:defRPr sz="1330" kern="1200"/>
-  </cs:chartArea>
-  <cs:dataLabel>
-    <cs:lnRef idx="0"/>
-    <cs:fillRef idx="0"/>
-    <cs:effectRef idx="0"/>
-    <cs:fontRef idx="minor">
-      <a:schemeClr val="tx1">
-        <a:lumMod val="75000"/>
-        <a:lumOff val="25000"/>
-      </a:schemeClr>
-    </cs:fontRef>
-    <cs:defRPr sz="1197" kern="1200"/>
-  </cs:dataLabel>
-  <cs:dataLabelCallout>
-    <cs:lnRef idx="0"/>
-    <cs:fillRef idx="0"/>
-    <cs:effectRef idx="0"/>
-    <cs:fontRef idx="minor">
-      <a:schemeClr val="dk1">
-        <a:lumMod val="65000"/>
-        <a:lumOff val="35000"/>
-      </a:schemeClr>
-    </cs:fontRef>
-    <cs:spPr>
-      <a:solidFill>
-        <a:schemeClr val="lt1"/>
-      </a:solidFill>
-      <a:ln>
-        <a:solidFill>
-          <a:schemeClr val="dk1">
-            <a:lumMod val="25000"/>
-            <a:lumOff val="75000"/>
-          </a:schemeClr>
-        </a:solidFill>
-      </a:ln>
-    </cs:spPr>
-    <cs:defRPr sz="1197" kern="1200"/>
-    <cs:bodyPr rot="0" spcFirstLastPara="1" vertOverflow="clip" horzOverflow="clip" vert="horz" wrap="square" lIns="36576" tIns="18288" rIns="36576" bIns="18288" anchor="ctr" anchorCtr="1">
-      <a:spAutoFit/>
-    </cs:bodyPr>
-  </cs:dataLabelCallout>
-  <cs:dataPoint>
-    <cs:lnRef idx="0"/>
-    <cs:fillRef idx="1">
-      <cs:styleClr val="auto"/>
-    </cs:fillRef>
-    <cs:effectRef idx="0"/>
-    <cs:fontRef idx="minor">
-      <a:schemeClr val="tx1"/>
-    </cs:fontRef>
-  </cs:dataPoint>
-  <cs:dataPoint3D>
-    <cs:lnRef idx="0"/>
-    <cs:fillRef idx="1">
-      <cs:styleClr val="auto"/>
-    </cs:fillRef>
-    <cs:effectRef idx="0"/>
-    <cs:fontRef idx="minor">
-      <a:schemeClr val="tx1"/>
-    </cs:fontRef>
-  </cs:dataPoint3D>
-  <cs:dataPointLine>
-    <cs:lnRef idx="0">
-      <cs:styleClr val="auto"/>
-    </cs:lnRef>
-    <cs:fillRef idx="1"/>
-    <cs:effectRef idx="0"/>
-    <cs:fontRef idx="minor">
-      <a:schemeClr val="tx1"/>
-    </cs:fontRef>
-    <cs:spPr>
-      <a:ln w="28575" cap="rnd">
-        <a:solidFill>
-          <a:schemeClr val="phClr"/>
-        </a:solidFill>
-        <a:round/>
-      </a:ln>
-    </cs:spPr>
-  </cs:dataPointLine>
-  <cs:dataPointMarker>
-    <cs:lnRef idx="0">
-      <cs:styleClr val="auto"/>
-    </cs:lnRef>
-    <cs:fillRef idx="1">
-      <cs:styleClr val="auto"/>
-    </cs:fillRef>
-    <cs:effectRef idx="0"/>
-    <cs:fontRef idx="minor">
-      <a:schemeClr val="tx1"/>
-    </cs:fontRef>
-    <cs:spPr>
-      <a:ln w="9525">
-        <a:solidFill>
-          <a:schemeClr val="phClr"/>
-        </a:solidFill>
-      </a:ln>
-    </cs:spPr>
-  </cs:dataPointMarker>
-  <cs:dataPointMarkerLayout symbol="circle" size="5"/>
-  <cs:dataPointWireframe>
-    <cs:lnRef idx="0">
-      <cs:styleClr val="auto"/>
-    </cs:lnRef>
-    <cs:fillRef idx="1"/>
-    <cs:effectRef idx="0"/>
-    <cs:fontRef idx="minor">
-      <a:schemeClr val="tx1"/>
-    </cs:fontRef>
-    <cs:spPr>
-      <a:ln w="9525" cap="rnd">
-        <a:solidFill>
-          <a:schemeClr val="phClr"/>
-        </a:solidFill>
-        <a:round/>
-      </a:ln>
-    </cs:spPr>
-  </cs:dataPointWireframe>
-  <cs:dataTable>
-    <cs:lnRef idx="0"/>
-    <cs:fillRef idx="0"/>
-    <cs:effectRef idx="0"/>
-    <cs:fontRef idx="minor">
-      <a:schemeClr val="tx1">
-        <a:lumMod val="65000"/>
-        <a:lumOff val="35000"/>
-      </a:schemeClr>
-    </cs:fontRef>
-    <cs:spPr>
-      <a:noFill/>
-      <a:ln w="9525" cap="flat" cmpd="sng" algn="ctr">
-        <a:solidFill>
-          <a:schemeClr val="tx1">
-            <a:lumMod val="15000"/>
-            <a:lumOff val="85000"/>
-          </a:schemeClr>
-        </a:solidFill>
-        <a:round/>
-      </a:ln>
-    </cs:spPr>
-    <cs:defRPr sz="1197" kern="1200"/>
-  </cs:dataTable>
-  <cs:downBar>
-    <cs:lnRef idx="0"/>
-    <cs:fillRef idx="0"/>
-    <cs:effectRef idx="0"/>
-    <cs:fontRef idx="minor">
-      <a:schemeClr val="dk1"/>
-    </cs:fontRef>
-    <cs:spPr>
-      <a:solidFill>
-        <a:schemeClr val="dk1">
-          <a:lumMod val="65000"/>
-          <a:lumOff val="35000"/>
-        </a:schemeClr>
-      </a:solidFill>
-      <a:ln w="9525">
-        <a:solidFill>
-          <a:schemeClr val="tx1">
-            <a:lumMod val="65000"/>
-            <a:lumOff val="35000"/>
-          </a:schemeClr>
-        </a:solidFill>
-      </a:ln>
-    </cs:spPr>
-  </cs:downBar>
-  <cs:dropLine>
-    <cs:lnRef idx="0"/>
-    <cs:fillRef idx="0"/>
-    <cs:effectRef idx="0"/>
-    <cs:fontRef idx="minor">
-      <a:schemeClr val="tx1"/>
-    </cs:fontRef>
-    <cs:spPr>
-      <a:ln w="9525" cap="flat" cmpd="sng" algn="ctr">
-        <a:solidFill>
-          <a:schemeClr val="tx1">
-            <a:lumMod val="35000"/>
-            <a:lumOff val="65000"/>
-          </a:schemeClr>
-        </a:solidFill>
-        <a:round/>
-      </a:ln>
-    </cs:spPr>
-  </cs:dropLine>
-  <cs:errorBar>
-    <cs:lnRef idx="0"/>
-    <cs:fillRef idx="0"/>
-    <cs:effectRef idx="0"/>
-    <cs:fontRef idx="minor">
-      <a:schemeClr val="tx1"/>
-    </cs:fontRef>
-    <cs:spPr>
-      <a:ln w="9525" cap="flat" cmpd="sng" algn="ctr">
-        <a:solidFill>
-          <a:schemeClr val="tx1">
-            <a:lumMod val="65000"/>
-            <a:lumOff val="35000"/>
-          </a:schemeClr>
-        </a:solidFill>
-        <a:round/>
-      </a:ln>
-    </cs:spPr>
-  </cs:errorBar>
-  <cs:floor>
-    <cs:lnRef idx="0"/>
-    <cs:fillRef idx="0"/>
-    <cs:effectRef idx="0"/>
-    <cs:fontRef idx="minor">
-      <a:schemeClr val="tx1"/>
-    </cs:fontRef>
-    <cs:spPr>
-      <a:noFill/>
-      <a:ln>
-        <a:noFill/>
-      </a:ln>
-    </cs:spPr>
-  </cs:floor>
-  <cs:gridlineMajor>
-    <cs:lnRef idx="0"/>
-    <cs:fillRef idx="0"/>
-    <cs:effectRef idx="0"/>
-    <cs:fontRef idx="minor">
-      <a:schemeClr val="tx1"/>
-    </cs:fontRef>
-    <cs:spPr>
-      <a:ln w="9525" cap="flat" cmpd="sng" algn="ctr">
-        <a:solidFill>
-          <a:schemeClr val="tx1">
-            <a:lumMod val="15000"/>
-            <a:lumOff val="85000"/>
-          </a:schemeClr>
-        </a:solidFill>
-        <a:round/>
-      </a:ln>
-    </cs:spPr>
-  </cs:gridlineMajor>
-  <cs:gridlineMinor>
-    <cs:lnRef idx="0"/>
-    <cs:fillRef idx="0"/>
-    <cs:effectRef idx="0"/>
-    <cs:fontRef idx="minor">
-      <a:schemeClr val="tx1"/>
-    </cs:fontRef>
-    <cs:spPr>
-      <a:ln w="9525" cap="flat" cmpd="sng" algn="ctr">
-        <a:solidFill>
-          <a:schemeClr val="tx1">
-            <a:lumMod val="5000"/>
-            <a:lumOff val="95000"/>
-          </a:schemeClr>
-        </a:solidFill>
-        <a:round/>
-      </a:ln>
-    </cs:spPr>
-  </cs:gridlineMinor>
-  <cs:hiLoLine>
-    <cs:lnRef idx="0"/>
-    <cs:fillRef idx="0"/>
-    <cs:effectRef idx="0"/>
-    <cs:fontRef idx="minor">
-      <a:schemeClr val="tx1"/>
-    </cs:fontRef>
-    <cs:spPr>
-      <a:ln w="9525" cap="flat" cmpd="sng" algn="ctr">
-        <a:solidFill>
-          <a:schemeClr val="tx1">
-            <a:lumMod val="75000"/>
-            <a:lumOff val="25000"/>
-          </a:schemeClr>
-        </a:solidFill>
-        <a:round/>
-      </a:ln>
-    </cs:spPr>
-  </cs:hiLoLine>
-  <cs:leaderLine>
-    <cs:lnRef idx="0"/>
-    <cs:fillRef idx="0"/>
-    <cs:effectRef idx="0"/>
-    <cs:fontRef idx="minor">
-      <a:schemeClr val="tx1"/>
-    </cs:fontRef>
-    <cs:spPr>
-      <a:ln w="9525" cap="flat" cmpd="sng" algn="ctr">
-        <a:solidFill>
-          <a:schemeClr val="tx1">
-            <a:lumMod val="35000"/>
-            <a:lumOff val="65000"/>
-          </a:schemeClr>
-        </a:solidFill>
-        <a:round/>
-      </a:ln>
-    </cs:spPr>
-  </cs:leaderLine>
-  <cs:legend>
-    <cs:lnRef idx="0"/>
-    <cs:fillRef idx="0"/>
-    <cs:effectRef idx="0"/>
-    <cs:fontRef idx="minor">
-      <a:schemeClr val="tx1">
-        <a:lumMod val="65000"/>
-        <a:lumOff val="35000"/>
-      </a:schemeClr>
-    </cs:fontRef>
-    <cs:defRPr sz="1197" kern="1200"/>
-  </cs:legend>
-  <cs:plotArea mods="allowNoFillOverride allowNoLineOverride">
-    <cs:lnRef idx="0"/>
-    <cs:fillRef idx="0"/>
-    <cs:effectRef idx="0"/>
-    <cs:fontRef idx="minor">
-      <a:schemeClr val="tx1"/>
-    </cs:fontRef>
-  </cs:plotArea>
-  <cs:plotArea3D mods="allowNoFillOverride allowNoLineOverride">
-    <cs:lnRef idx="0"/>
-    <cs:fillRef idx="0"/>
-    <cs:effectRef idx="0"/>
-    <cs:fontRef idx="minor">
-      <a:schemeClr val="tx1"/>
-    </cs:fontRef>
-  </cs:plotArea3D>
-  <cs:seriesAxis>
-    <cs:lnRef idx="0"/>
-    <cs:fillRef idx="0"/>
-    <cs:effectRef idx="0"/>
-    <cs:fontRef idx="minor">
-      <a:schemeClr val="tx1">
-        <a:lumMod val="65000"/>
-        <a:lumOff val="35000"/>
-      </a:schemeClr>
-    </cs:fontRef>
-    <cs:defRPr sz="1197" kern="1200"/>
-  </cs:seriesAxis>
-  <cs:seriesLine>
-    <cs:lnRef idx="0"/>
-    <cs:fillRef idx="0"/>
-    <cs:effectRef idx="0"/>
-    <cs:fontRef idx="minor">
-      <a:schemeClr val="tx1"/>
-    </cs:fontRef>
-    <cs:spPr>
-      <a:ln w="9525" cap="flat" cmpd="sng" algn="ctr">
-        <a:solidFill>
-          <a:schemeClr val="tx1">
-            <a:lumMod val="35000"/>
-            <a:lumOff val="65000"/>
-          </a:schemeClr>
-        </a:solidFill>
-        <a:round/>
-      </a:ln>
-    </cs:spPr>
-  </cs:seriesLine>
-  <cs:title>
-    <cs:lnRef idx="0"/>
-    <cs:fillRef idx="0"/>
-    <cs:effectRef idx="0"/>
-    <cs:fontRef idx="minor">
-      <a:schemeClr val="tx1">
-        <a:lumMod val="65000"/>
-        <a:lumOff val="35000"/>
-      </a:schemeClr>
-    </cs:fontRef>
-    <cs:defRPr sz="1862" b="0" kern="1200" spc="0" baseline="0"/>
-  </cs:title>
-  <cs:trendline>
-    <cs:lnRef idx="0">
-      <cs:styleClr val="auto"/>
-    </cs:lnRef>
-    <cs:fillRef idx="0"/>
-    <cs:effectRef idx="0"/>
-    <cs:fontRef idx="minor">
-      <a:schemeClr val="tx1"/>
-    </cs:fontRef>
-    <cs:spPr>
-      <a:ln w="19050" cap="rnd">
-        <a:solidFill>
-          <a:schemeClr val="phClr"/>
-        </a:solidFill>
-        <a:prstDash val="sysDot"/>
-      </a:ln>
-    </cs:spPr>
-  </cs:trendline>
-  <cs:trendlineLabel>
-    <cs:lnRef idx="0"/>
-    <cs:fillRef idx="0"/>
-    <cs:effectRef idx="0"/>
-    <cs:fontRef idx="minor">
-      <a:schemeClr val="tx1">
-        <a:lumMod val="65000"/>
-        <a:lumOff val="35000"/>
-      </a:schemeClr>
-    </cs:fontRef>
-    <cs:defRPr sz="1197" kern="1200"/>
-  </cs:trendlineLabel>
-  <cs:upBar>
-    <cs:lnRef idx="0"/>
-    <cs:fillRef idx="0"/>
-    <cs:effectRef idx="0"/>
-    <cs:fontRef idx="minor">
-      <a:schemeClr val="dk1"/>
-    </cs:fontRef>
-    <cs:spPr>
-      <a:solidFill>
-        <a:schemeClr val="lt1"/>
-      </a:solidFill>
-      <a:ln w="9525">
-        <a:solidFill>
-          <a:schemeClr val="tx1">
-            <a:lumMod val="15000"/>
-            <a:lumOff val="85000"/>
-          </a:schemeClr>
-        </a:solidFill>
-      </a:ln>
-    </cs:spPr>
-  </cs:upBar>
-  <cs:valueAxis>
-    <cs:lnRef idx="0"/>
-    <cs:fillRef idx="0"/>
-    <cs:effectRef idx="0"/>
-    <cs:fontRef idx="minor">
-      <a:schemeClr val="tx1">
-        <a:lumMod val="65000"/>
-        <a:lumOff val="35000"/>
-      </a:schemeClr>
-    </cs:fontRef>
-    <cs:defRPr sz="1197" kern="1200"/>
-  </cs:valueAxis>
-  <cs:wall>
-    <cs:lnRef idx="0"/>
-    <cs:fillRef idx="0"/>
-    <cs:effectRef idx="0"/>
-    <cs:fontRef idx="minor">
-      <a:schemeClr val="tx1"/>
-    </cs:fontRef>
-    <cs:spPr>
-      <a:noFill/>
-      <a:ln>
-        <a:noFill/>
-      </a:ln>
-    </cs:spPr>
-  </cs:wall>
-</cs:chartStyle>
-</file>
-
-<file path=ppt/charts/style3.xml><?xml version="1.0" encoding="utf-8"?>
-<cs:chartStyle xmlns:cs="http://schemas.microsoft.com/office/drawing/2012/chartStyle" xmlns:a="http://schemas.openxmlformats.org/drawingml/2006/main" id="201">
-  <cs:axisTitle>
-    <cs:lnRef idx="0"/>
-    <cs:fillRef idx="0"/>
-    <cs:effectRef idx="0"/>
-    <cs:fontRef idx="minor">
-      <a:schemeClr val="tx1">
-        <a:lumMod val="65000"/>
-        <a:lumOff val="35000"/>
-      </a:schemeClr>
-    </cs:fontRef>
-    <cs:defRPr sz="1330" kern="1200"/>
-  </cs:axisTitle>
-  <cs:categoryAxis>
-    <cs:lnRef idx="0"/>
-    <cs:fillRef idx="0"/>
-    <cs:effectRef idx="0"/>
-    <cs:fontRef idx="minor">
-      <a:schemeClr val="tx1">
-        <a:lumMod val="65000"/>
-        <a:lumOff val="35000"/>
-      </a:schemeClr>
-    </cs:fontRef>
-    <cs:spPr>
-      <a:ln w="9525" cap="flat" cmpd="sng" algn="ctr">
-        <a:solidFill>
-          <a:schemeClr val="tx1">
-            <a:lumMod val="15000"/>
-            <a:lumOff val="85000"/>
-          </a:schemeClr>
-        </a:solidFill>
-        <a:round/>
-      </a:ln>
-    </cs:spPr>
-    <cs:defRPr sz="1197" kern="1200"/>
-  </cs:categoryAxis>
-  <cs:chartArea mods="allowNoFillOverride allowNoLineOverride">
-    <cs:lnRef idx="0"/>
-    <cs:fillRef idx="0"/>
-    <cs:effectRef idx="0"/>
-    <cs:fontRef idx="minor">
-      <a:schemeClr val="tx1"/>
-    </cs:fontRef>
-    <cs:spPr>
-      <a:solidFill>
-        <a:schemeClr val="bg1"/>
-      </a:solidFill>
-      <a:ln w="9525" cap="flat" cmpd="sng" algn="ctr">
-        <a:solidFill>
-          <a:schemeClr val="tx1">
-            <a:lumMod val="15000"/>
-            <a:lumOff val="85000"/>
-          </a:schemeClr>
-        </a:solidFill>
-        <a:round/>
-      </a:ln>
-    </cs:spPr>
-    <cs:defRPr sz="1330" kern="1200"/>
-  </cs:chartArea>
-  <cs:dataLabel>
-    <cs:lnRef idx="0"/>
-    <cs:fillRef idx="0"/>
-    <cs:effectRef idx="0"/>
-    <cs:fontRef idx="minor">
-      <a:schemeClr val="tx1">
-        <a:lumMod val="75000"/>
-        <a:lumOff val="25000"/>
-      </a:schemeClr>
-    </cs:fontRef>
-    <cs:defRPr sz="1197" kern="1200"/>
-  </cs:dataLabel>
-  <cs:dataLabelCallout>
-    <cs:lnRef idx="0"/>
-    <cs:fillRef idx="0"/>
-    <cs:effectRef idx="0"/>
-    <cs:fontRef idx="minor">
-      <a:schemeClr val="dk1">
-        <a:lumMod val="65000"/>
-        <a:lumOff val="35000"/>
-      </a:schemeClr>
-    </cs:fontRef>
-    <cs:spPr>
-      <a:solidFill>
-        <a:schemeClr val="lt1"/>
-      </a:solidFill>
-      <a:ln>
-        <a:solidFill>
-          <a:schemeClr val="dk1">
-            <a:lumMod val="25000"/>
-            <a:lumOff val="75000"/>
-          </a:schemeClr>
-        </a:solidFill>
-      </a:ln>
-    </cs:spPr>
-    <cs:defRPr sz="1197" kern="1200"/>
-    <cs:bodyPr rot="0" spcFirstLastPara="1" vertOverflow="clip" horzOverflow="clip" vert="horz" wrap="square" lIns="36576" tIns="18288" rIns="36576" bIns="18288" anchor="ctr" anchorCtr="1">
-      <a:spAutoFit/>
-    </cs:bodyPr>
-  </cs:dataLabelCallout>
-  <cs:dataPoint>
-    <cs:lnRef idx="0"/>
-    <cs:fillRef idx="1">
-      <cs:styleClr val="auto"/>
-    </cs:fillRef>
-    <cs:effectRef idx="0"/>
-    <cs:fontRef idx="minor">
-      <a:schemeClr val="tx1"/>
-    </cs:fontRef>
-  </cs:dataPoint>
-  <cs:dataPoint3D>
-    <cs:lnRef idx="0"/>
-    <cs:fillRef idx="1">
-      <cs:styleClr val="auto"/>
-    </cs:fillRef>
-    <cs:effectRef idx="0"/>
-    <cs:fontRef idx="minor">
-      <a:schemeClr val="tx1"/>
-    </cs:fontRef>
-  </cs:dataPoint3D>
-  <cs:dataPointLine>
-    <cs:lnRef idx="0">
-      <cs:styleClr val="auto"/>
-    </cs:lnRef>
-    <cs:fillRef idx="1"/>
-    <cs:effectRef idx="0"/>
-    <cs:fontRef idx="minor">
-      <a:schemeClr val="tx1"/>
-    </cs:fontRef>
-    <cs:spPr>
-      <a:ln w="28575" cap="rnd">
-        <a:solidFill>
-          <a:schemeClr val="phClr"/>
-        </a:solidFill>
-        <a:round/>
-      </a:ln>
-    </cs:spPr>
-  </cs:dataPointLine>
-  <cs:dataPointMarker>
-    <cs:lnRef idx="0">
-      <cs:styleClr val="auto"/>
-    </cs:lnRef>
-    <cs:fillRef idx="1">
-      <cs:styleClr val="auto"/>
-    </cs:fillRef>
-    <cs:effectRef idx="0"/>
-    <cs:fontRef idx="minor">
-      <a:schemeClr val="tx1"/>
-    </cs:fontRef>
-    <cs:spPr>
-      <a:ln w="9525">
-        <a:solidFill>
-          <a:schemeClr val="phClr"/>
-        </a:solidFill>
-      </a:ln>
-    </cs:spPr>
-  </cs:dataPointMarker>
-  <cs:dataPointMarkerLayout symbol="circle" size="5"/>
-  <cs:dataPointWireframe>
-    <cs:lnRef idx="0">
-      <cs:styleClr val="auto"/>
-    </cs:lnRef>
-    <cs:fillRef idx="1"/>
-    <cs:effectRef idx="0"/>
-    <cs:fontRef idx="minor">
-      <a:schemeClr val="tx1"/>
-    </cs:fontRef>
-    <cs:spPr>
-      <a:ln w="9525" cap="rnd">
-        <a:solidFill>
-          <a:schemeClr val="phClr"/>
-        </a:solidFill>
-        <a:round/>
-      </a:ln>
-    </cs:spPr>
-  </cs:dataPointWireframe>
-  <cs:dataTable>
-    <cs:lnRef idx="0"/>
-    <cs:fillRef idx="0"/>
-    <cs:effectRef idx="0"/>
-    <cs:fontRef idx="minor">
-      <a:schemeClr val="tx1">
-        <a:lumMod val="65000"/>
-        <a:lumOff val="35000"/>
-      </a:schemeClr>
-    </cs:fontRef>
-    <cs:spPr>
-      <a:noFill/>
-      <a:ln w="9525" cap="flat" cmpd="sng" algn="ctr">
-        <a:solidFill>
-          <a:schemeClr val="tx1">
-            <a:lumMod val="15000"/>
-            <a:lumOff val="85000"/>
-          </a:schemeClr>
-        </a:solidFill>
-        <a:round/>
-      </a:ln>
-    </cs:spPr>
-    <cs:defRPr sz="1197" kern="1200"/>
-  </cs:dataTable>
-  <cs:downBar>
-    <cs:lnRef idx="0"/>
-    <cs:fillRef idx="0"/>
-    <cs:effectRef idx="0"/>
-    <cs:fontRef idx="minor">
-      <a:schemeClr val="dk1"/>
-    </cs:fontRef>
-    <cs:spPr>
-      <a:solidFill>
-        <a:schemeClr val="dk1">
-          <a:lumMod val="65000"/>
-          <a:lumOff val="35000"/>
-        </a:schemeClr>
-      </a:solidFill>
-      <a:ln w="9525">
-        <a:solidFill>
-          <a:schemeClr val="tx1">
-            <a:lumMod val="65000"/>
-            <a:lumOff val="35000"/>
-          </a:schemeClr>
-        </a:solidFill>
-      </a:ln>
-    </cs:spPr>
-  </cs:downBar>
-  <cs:dropLine>
-    <cs:lnRef idx="0"/>
-    <cs:fillRef idx="0"/>
-    <cs:effectRef idx="0"/>
-    <cs:fontRef idx="minor">
-      <a:schemeClr val="tx1"/>
-    </cs:fontRef>
-    <cs:spPr>
-      <a:ln w="9525" cap="flat" cmpd="sng" algn="ctr">
-        <a:solidFill>
-          <a:schemeClr val="tx1">
-            <a:lumMod val="35000"/>
-            <a:lumOff val="65000"/>
-          </a:schemeClr>
-        </a:solidFill>
-        <a:round/>
-      </a:ln>
-    </cs:spPr>
-  </cs:dropLine>
-  <cs:errorBar>
-    <cs:lnRef idx="0"/>
-    <cs:fillRef idx="0"/>
-    <cs:effectRef idx="0"/>
-    <cs:fontRef idx="minor">
-      <a:schemeClr val="tx1"/>
-    </cs:fontRef>
-    <cs:spPr>
-      <a:ln w="9525" cap="flat" cmpd="sng" algn="ctr">
-        <a:solidFill>
-          <a:schemeClr val="tx1">
-            <a:lumMod val="65000"/>
-            <a:lumOff val="35000"/>
-          </a:schemeClr>
-        </a:solidFill>
-        <a:round/>
-      </a:ln>
-    </cs:spPr>
-  </cs:errorBar>
-  <cs:floor>
-    <cs:lnRef idx="0"/>
-    <cs:fillRef idx="0"/>
-    <cs:effectRef idx="0"/>
-    <cs:fontRef idx="minor">
-      <a:schemeClr val="tx1"/>
-    </cs:fontRef>
-    <cs:spPr>
-      <a:noFill/>
-      <a:ln>
-        <a:noFill/>
-      </a:ln>
-    </cs:spPr>
-  </cs:floor>
-  <cs:gridlineMajor>
-    <cs:lnRef idx="0"/>
-    <cs:fillRef idx="0"/>
-    <cs:effectRef idx="0"/>
-    <cs:fontRef idx="minor">
-      <a:schemeClr val="tx1"/>
-    </cs:fontRef>
-    <cs:spPr>
-      <a:ln w="9525" cap="flat" cmpd="sng" algn="ctr">
-        <a:solidFill>
-          <a:schemeClr val="tx1">
-            <a:lumMod val="15000"/>
-            <a:lumOff val="85000"/>
-          </a:schemeClr>
-        </a:solidFill>
-        <a:round/>
-      </a:ln>
-    </cs:spPr>
-  </cs:gridlineMajor>
-  <cs:gridlineMinor>
-    <cs:lnRef idx="0"/>
-    <cs:fillRef idx="0"/>
-    <cs:effectRef idx="0"/>
-    <cs:fontRef idx="minor">
-      <a:schemeClr val="tx1"/>
-    </cs:fontRef>
-    <cs:spPr>
-      <a:ln w="9525" cap="flat" cmpd="sng" algn="ctr">
-        <a:solidFill>
-          <a:schemeClr val="tx1">
-            <a:lumMod val="5000"/>
-            <a:lumOff val="95000"/>
-          </a:schemeClr>
-        </a:solidFill>
-        <a:round/>
-      </a:ln>
-    </cs:spPr>
-  </cs:gridlineMinor>
-  <cs:hiLoLine>
-    <cs:lnRef idx="0"/>
-    <cs:fillRef idx="0"/>
-    <cs:effectRef idx="0"/>
-    <cs:fontRef idx="minor">
-      <a:schemeClr val="tx1"/>
-    </cs:fontRef>
-    <cs:spPr>
-      <a:ln w="9525" cap="flat" cmpd="sng" algn="ctr">
-        <a:solidFill>
-          <a:schemeClr val="tx1">
-            <a:lumMod val="75000"/>
-            <a:lumOff val="25000"/>
-          </a:schemeClr>
-        </a:solidFill>
-        <a:round/>
-      </a:ln>
-    </cs:spPr>
-  </cs:hiLoLine>
-  <cs:leaderLine>
-    <cs:lnRef idx="0"/>
-    <cs:fillRef idx="0"/>
-    <cs:effectRef idx="0"/>
-    <cs:fontRef idx="minor">
-      <a:schemeClr val="tx1"/>
-    </cs:fontRef>
-    <cs:spPr>
-      <a:ln w="9525" cap="flat" cmpd="sng" algn="ctr">
-        <a:solidFill>
-          <a:schemeClr val="tx1">
-            <a:lumMod val="35000"/>
-            <a:lumOff val="65000"/>
-          </a:schemeClr>
-        </a:solidFill>
-        <a:round/>
-      </a:ln>
-    </cs:spPr>
-  </cs:leaderLine>
-  <cs:legend>
-    <cs:lnRef idx="0"/>
-    <cs:fillRef idx="0"/>
-    <cs:effectRef idx="0"/>
-    <cs:fontRef idx="minor">
-      <a:schemeClr val="tx1">
-        <a:lumMod val="65000"/>
-        <a:lumOff val="35000"/>
-      </a:schemeClr>
-    </cs:fontRef>
-    <cs:defRPr sz="1197" kern="1200"/>
-  </cs:legend>
-  <cs:plotArea mods="allowNoFillOverride allowNoLineOverride">
-    <cs:lnRef idx="0"/>
-    <cs:fillRef idx="0"/>
-    <cs:effectRef idx="0"/>
-    <cs:fontRef idx="minor">
-      <a:schemeClr val="tx1"/>
-    </cs:fontRef>
-  </cs:plotArea>
-  <cs:plotArea3D mods="allowNoFillOverride allowNoLineOverride">
-    <cs:lnRef idx="0"/>
-    <cs:fillRef idx="0"/>
-    <cs:effectRef idx="0"/>
-    <cs:fontRef idx="minor">
-      <a:schemeClr val="tx1"/>
-    </cs:fontRef>
-  </cs:plotArea3D>
-  <cs:seriesAxis>
-    <cs:lnRef idx="0"/>
-    <cs:fillRef idx="0"/>
-    <cs:effectRef idx="0"/>
-    <cs:fontRef idx="minor">
-      <a:schemeClr val="tx1">
-        <a:lumMod val="65000"/>
-        <a:lumOff val="35000"/>
-      </a:schemeClr>
-    </cs:fontRef>
-    <cs:defRPr sz="1197" kern="1200"/>
-  </cs:seriesAxis>
-  <cs:seriesLine>
-    <cs:lnRef idx="0"/>
-    <cs:fillRef idx="0"/>
-    <cs:effectRef idx="0"/>
-    <cs:fontRef idx="minor">
-      <a:schemeClr val="tx1"/>
-    </cs:fontRef>
-    <cs:spPr>
-      <a:ln w="9525" cap="flat" cmpd="sng" algn="ctr">
-        <a:solidFill>
-          <a:schemeClr val="tx1">
-            <a:lumMod val="35000"/>
-            <a:lumOff val="65000"/>
-          </a:schemeClr>
-        </a:solidFill>
-        <a:round/>
-      </a:ln>
-    </cs:spPr>
-  </cs:seriesLine>
-  <cs:title>
-    <cs:lnRef idx="0"/>
-    <cs:fillRef idx="0"/>
-    <cs:effectRef idx="0"/>
-    <cs:fontRef idx="minor">
-      <a:schemeClr val="tx1">
-        <a:lumMod val="65000"/>
-        <a:lumOff val="35000"/>
-      </a:schemeClr>
-    </cs:fontRef>
-    <cs:defRPr sz="1862" b="0" kern="1200" spc="0" baseline="0"/>
-  </cs:title>
-  <cs:trendline>
-    <cs:lnRef idx="0">
-      <cs:styleClr val="auto"/>
-    </cs:lnRef>
-    <cs:fillRef idx="0"/>
-    <cs:effectRef idx="0"/>
-    <cs:fontRef idx="minor">
-      <a:schemeClr val="tx1"/>
-    </cs:fontRef>
-    <cs:spPr>
-      <a:ln w="19050" cap="rnd">
-        <a:solidFill>
-          <a:schemeClr val="phClr"/>
-        </a:solidFill>
-        <a:prstDash val="sysDot"/>
-      </a:ln>
-    </cs:spPr>
-  </cs:trendline>
-  <cs:trendlineLabel>
-    <cs:lnRef idx="0"/>
-    <cs:fillRef idx="0"/>
-    <cs:effectRef idx="0"/>
-    <cs:fontRef idx="minor">
-      <a:schemeClr val="tx1">
-        <a:lumMod val="65000"/>
-        <a:lumOff val="35000"/>
-      </a:schemeClr>
-    </cs:fontRef>
-    <cs:defRPr sz="1197" kern="1200"/>
-  </cs:trendlineLabel>
-  <cs:upBar>
-    <cs:lnRef idx="0"/>
-    <cs:fillRef idx="0"/>
-    <cs:effectRef idx="0"/>
-    <cs:fontRef idx="minor">
-      <a:schemeClr val="dk1"/>
-    </cs:fontRef>
-    <cs:spPr>
-      <a:solidFill>
-        <a:schemeClr val="lt1"/>
-      </a:solidFill>
-      <a:ln w="9525">
-        <a:solidFill>
-          <a:schemeClr val="tx1">
-            <a:lumMod val="15000"/>
-            <a:lumOff val="85000"/>
-          </a:schemeClr>
-        </a:solidFill>
-      </a:ln>
-    </cs:spPr>
-  </cs:upBar>
-  <cs:valueAxis>
-    <cs:lnRef idx="0"/>
-    <cs:fillRef idx="0"/>
-    <cs:effectRef idx="0"/>
-    <cs:fontRef idx="minor">
-      <a:schemeClr val="tx1">
-        <a:lumMod val="65000"/>
-        <a:lumOff val="35000"/>
-      </a:schemeClr>
-    </cs:fontRef>
-    <cs:defRPr sz="1197" kern="1200"/>
-  </cs:valueAxis>
-  <cs:wall>
-    <cs:lnRef idx="0"/>
-    <cs:fillRef idx="0"/>
-    <cs:effectRef idx="0"/>
-    <cs:fontRef idx="minor">
-      <a:schemeClr val="tx1"/>
-    </cs:fontRef>
-    <cs:spPr>
-      <a:noFill/>
-      <a:ln>
-        <a:noFill/>
-      </a:ln>
-    </cs:spPr>
-  </cs:wall>
-</cs:chartStyle>
 </file>
 
 <file path=ppt/slideLayouts/slideLayout1.xml><?xml version="1.0" encoding="utf-8"?>
@@ -9195,7 +7474,7 @@
 </file>
 
 <file path=ppt/slides/slide6.xml><?xml version="1.0" encoding="utf-8"?>
-<p:sld xmlns:a="http://schemas.openxmlformats.org/drawingml/2006/main" xmlns:r="http://schemas.openxmlformats.org/officeDocument/2006/relationships" xmlns:p="http://schemas.openxmlformats.org/presentationml/2006/main">
+<p:sld xmlns:r="http://schemas.openxmlformats.org/officeDocument/2006/relationships" xmlns:c="http://schemas.openxmlformats.org/drawingml/2006/chart" xmlns:a="http://schemas.openxmlformats.org/drawingml/2006/main" xmlns:dgm="http://schemas.openxmlformats.org/drawingml/2006/diagram" xmlns:dsp="http://schemas.microsoft.com/office/drawing/2008/diagram" xmlns:p="http://schemas.openxmlformats.org/presentationml/2006/main">
   <p:cSld>
     <p:spTree>
       <p:nvGrpSpPr>
@@ -9213,13 +7492,7 @@
       </p:grpSpPr>
       <p:cxnSp>
         <p:nvCxnSpPr>
-          <p:cNvPr id="4" name="직선 연결선 3">
-            <a:extLst>
-              <a:ext uri="{FF2B5EF4-FFF2-40B4-BE49-F238E27FC236}">
-                <a16:creationId xmlns:a16="http://schemas.microsoft.com/office/drawing/2014/main" id="{91783D2F-737E-4797-9853-8C85BE37E236}"/>
-              </a:ext>
-            </a:extLst>
-          </p:cNvPr>
+          <p:cNvPr id="4" name="직선 연결선 3"/>
           <p:cNvCxnSpPr/>
           <p:nvPr/>
         </p:nvCxnSpPr>
@@ -9249,13 +7522,7 @@
       </p:cxnSp>
       <p:sp>
         <p:nvSpPr>
-          <p:cNvPr id="5" name="TextBox 4">
-            <a:extLst>
-              <a:ext uri="{FF2B5EF4-FFF2-40B4-BE49-F238E27FC236}">
-                <a16:creationId xmlns:a16="http://schemas.microsoft.com/office/drawing/2014/main" id="{AADC96B8-21F1-4CA5-82F2-62149BA3A81F}"/>
-              </a:ext>
-            </a:extLst>
-          </p:cNvPr>
+          <p:cNvPr id="5" name="TextBox 4"/>
           <p:cNvSpPr txBox="1"/>
           <p:nvPr/>
         </p:nvSpPr>
@@ -9270,32 +7537,25 @@
           <a:noFill/>
         </p:spPr>
         <p:txBody>
-          <a:bodyPr wrap="square" rtlCol="0">
+          <a:bodyPr wrap="square">
             <a:spAutoFit/>
           </a:bodyPr>
           <a:lstStyle/>
           <a:p>
-            <a:r>
-              <a:rPr lang="en-US" altLang="ko-KR" sz="1600" b="1" dirty="0">
+            <a:pPr lvl="0">
+              <a:defRPr/>
+            </a:pPr>
+            <a:r>
+              <a:rPr lang="en-US" altLang="ko-KR" sz="1600" b="1">
                 <a:solidFill>
                   <a:schemeClr val="accent1">
                     <a:lumMod val="50000"/>
                   </a:schemeClr>
                 </a:solidFill>
               </a:rPr>
-              <a:t>Part </a:t>
-            </a:r>
-            <a:r>
-              <a:rPr lang="en-US" altLang="ko-KR" sz="1600" b="1" dirty="0" smtClean="0">
-                <a:solidFill>
-                  <a:schemeClr val="accent1">
-                    <a:lumMod val="50000"/>
-                  </a:schemeClr>
-                </a:solidFill>
-              </a:rPr>
-              <a:t>2-1</a:t>
-            </a:r>
-            <a:endParaRPr lang="ko-KR" altLang="en-US" sz="1600" b="1" dirty="0">
+              <a:t>Part 2-1</a:t>
+            </a:r>
+            <a:endParaRPr lang="ko-KR" altLang="en-US" sz="1600" b="1">
               <a:solidFill>
                 <a:schemeClr val="accent1">
                   <a:lumMod val="50000"/>
@@ -9307,13 +7567,7 @@
       </p:sp>
       <p:sp>
         <p:nvSpPr>
-          <p:cNvPr id="6" name="TextBox 5">
-            <a:extLst>
-              <a:ext uri="{FF2B5EF4-FFF2-40B4-BE49-F238E27FC236}">
-                <a16:creationId xmlns:a16="http://schemas.microsoft.com/office/drawing/2014/main" id="{E9E4E03B-DC2B-4AB1-AA88-841F77488FB8}"/>
-              </a:ext>
-            </a:extLst>
-          </p:cNvPr>
+          <p:cNvPr id="6" name="TextBox 5"/>
           <p:cNvSpPr txBox="1"/>
           <p:nvPr/>
         </p:nvSpPr>
@@ -9328,116 +7582,101 @@
           <a:noFill/>
         </p:spPr>
         <p:txBody>
-          <a:bodyPr wrap="square" rtlCol="0">
+          <a:bodyPr wrap="square">
             <a:spAutoFit/>
           </a:bodyPr>
           <a:lstStyle/>
           <a:p>
-            <a:r>
-              <a:rPr lang="ko-KR" altLang="en-US" sz="3600" b="1" dirty="0" smtClean="0">
+            <a:pPr lvl="0">
+              <a:defRPr/>
+            </a:pPr>
+            <a:r>
+              <a:rPr lang="ko-KR" altLang="en-US" sz="3600" b="1">
                 <a:solidFill>
                   <a:schemeClr val="accent1">
                     <a:lumMod val="50000"/>
                   </a:schemeClr>
                 </a:solidFill>
-                <a:latin typeface="나눔스퀘어 ExtraBold" panose="020B0600000101010101" pitchFamily="50" charset="-127"/>
-                <a:ea typeface="나눔스퀘어 ExtraBold" panose="020B0600000101010101" pitchFamily="50" charset="-127"/>
+                <a:latin typeface="나눔스퀘어 ExtraBold"/>
+                <a:ea typeface="나눔스퀘어 ExtraBold"/>
               </a:rPr>
               <a:t>코로나</a:t>
             </a:r>
             <a:r>
-              <a:rPr lang="en-US" altLang="ko-KR" sz="3600" b="1" dirty="0" smtClean="0">
+              <a:rPr lang="en-US" altLang="ko-KR" sz="3600" b="1">
                 <a:solidFill>
                   <a:schemeClr val="accent1">
                     <a:lumMod val="50000"/>
                   </a:schemeClr>
                 </a:solidFill>
-                <a:latin typeface="나눔스퀘어 ExtraBold" panose="020B0600000101010101" pitchFamily="50" charset="-127"/>
-                <a:ea typeface="나눔스퀘어 ExtraBold" panose="020B0600000101010101" pitchFamily="50" charset="-127"/>
+                <a:latin typeface="나눔스퀘어 ExtraBold"/>
+                <a:ea typeface="나눔스퀘어 ExtraBold"/>
               </a:rPr>
               <a:t>19 </a:t>
             </a:r>
             <a:r>
-              <a:rPr lang="ko-KR" altLang="en-US" sz="3600" b="1" dirty="0" err="1" smtClean="0">
+              <a:rPr lang="ko-KR" altLang="en-US" sz="3600" b="1">
                 <a:solidFill>
                   <a:schemeClr val="accent1">
                     <a:lumMod val="50000"/>
                   </a:schemeClr>
                 </a:solidFill>
-                <a:latin typeface="나눔스퀘어 ExtraBold" panose="020B0600000101010101" pitchFamily="50" charset="-127"/>
-                <a:ea typeface="나눔스퀘어 ExtraBold" panose="020B0600000101010101" pitchFamily="50" charset="-127"/>
+                <a:latin typeface="나눔스퀘어 ExtraBold"/>
+                <a:ea typeface="나눔스퀘어 ExtraBold"/>
               </a:rPr>
-              <a:t>확진자</a:t>
-            </a:r>
-            <a:r>
-              <a:rPr lang="ko-KR" altLang="en-US" sz="3600" b="1" dirty="0" smtClean="0">
+              <a:t>확진자 국가별 순위</a:t>
+            </a:r>
+            <a:r>
+              <a:rPr lang="en-US" altLang="ko-KR" sz="3600" b="1">
                 <a:solidFill>
                   <a:schemeClr val="accent1">
                     <a:lumMod val="50000"/>
                   </a:schemeClr>
                 </a:solidFill>
-                <a:latin typeface="나눔스퀘어 ExtraBold" panose="020B0600000101010101" pitchFamily="50" charset="-127"/>
-                <a:ea typeface="나눔스퀘어 ExtraBold" panose="020B0600000101010101" pitchFamily="50" charset="-127"/>
+                <a:latin typeface="나눔스퀘어 ExtraBold"/>
+                <a:ea typeface="나눔스퀘어 ExtraBold"/>
               </a:rPr>
-              <a:t> 국가별 순위</a:t>
-            </a:r>
-            <a:r>
-              <a:rPr lang="en-US" altLang="ko-KR" sz="3600" b="1" dirty="0" smtClean="0">
+              <a:t>(</a:t>
+            </a:r>
+            <a:r>
+              <a:rPr lang="ko-KR" altLang="en-US" sz="3600" b="1">
                 <a:solidFill>
                   <a:schemeClr val="accent1">
                     <a:lumMod val="50000"/>
                   </a:schemeClr>
                 </a:solidFill>
-                <a:latin typeface="나눔스퀘어 ExtraBold" panose="020B0600000101010101" pitchFamily="50" charset="-127"/>
-                <a:ea typeface="나눔스퀘어 ExtraBold" panose="020B0600000101010101" pitchFamily="50" charset="-127"/>
+                <a:latin typeface="나눔스퀘어 ExtraBold"/>
+                <a:ea typeface="나눔스퀘어 ExtraBold"/>
               </a:rPr>
-              <a:t>(</a:t>
-            </a:r>
-            <a:r>
-              <a:rPr lang="ko-KR" altLang="en-US" sz="3600" b="1" dirty="0" err="1" smtClean="0">
+              <a:t>확진자</a:t>
+            </a:r>
+            <a:r>
+              <a:rPr lang="en-US" altLang="ko-KR" sz="3600" b="1">
                 <a:solidFill>
                   <a:schemeClr val="accent1">
                     <a:lumMod val="50000"/>
                   </a:schemeClr>
                 </a:solidFill>
-                <a:latin typeface="나눔스퀘어 ExtraBold" panose="020B0600000101010101" pitchFamily="50" charset="-127"/>
-                <a:ea typeface="나눔스퀘어 ExtraBold" panose="020B0600000101010101" pitchFamily="50" charset="-127"/>
-              </a:rPr>
-              <a:t>확진자</a:t>
-            </a:r>
-            <a:r>
-              <a:rPr lang="en-US" altLang="ko-KR" sz="3600" b="1" dirty="0" smtClean="0">
-                <a:solidFill>
-                  <a:schemeClr val="accent1">
-                    <a:lumMod val="50000"/>
-                  </a:schemeClr>
-                </a:solidFill>
-                <a:latin typeface="나눔스퀘어 ExtraBold" panose="020B0600000101010101" pitchFamily="50" charset="-127"/>
-                <a:ea typeface="나눔스퀘어 ExtraBold" panose="020B0600000101010101" pitchFamily="50" charset="-127"/>
+                <a:latin typeface="나눔스퀘어 ExtraBold"/>
+                <a:ea typeface="나눔스퀘어 ExtraBold"/>
               </a:rPr>
               <a:t>)</a:t>
             </a:r>
-            <a:endParaRPr lang="ko-KR" altLang="en-US" sz="3600" b="1" dirty="0">
+            <a:endParaRPr lang="ko-KR" altLang="en-US" sz="3600" b="1">
               <a:solidFill>
                 <a:schemeClr val="accent1">
                   <a:lumMod val="50000"/>
                 </a:schemeClr>
               </a:solidFill>
-              <a:latin typeface="나눔스퀘어 ExtraBold" panose="020B0600000101010101" pitchFamily="50" charset="-127"/>
-              <a:ea typeface="나눔스퀘어 ExtraBold" panose="020B0600000101010101" pitchFamily="50" charset="-127"/>
+              <a:latin typeface="나눔스퀘어 ExtraBold"/>
+              <a:ea typeface="나눔스퀘어 ExtraBold"/>
             </a:endParaRPr>
           </a:p>
         </p:txBody>
       </p:sp>
       <p:sp>
         <p:nvSpPr>
-          <p:cNvPr id="21" name="TextBox 20">
-            <a:extLst>
-              <a:ext uri="{FF2B5EF4-FFF2-40B4-BE49-F238E27FC236}">
-                <a16:creationId xmlns:a16="http://schemas.microsoft.com/office/drawing/2014/main" id="{B6AEE38D-6CC7-41A2-B4AC-E22B635E630B}"/>
-              </a:ext>
-            </a:extLst>
-          </p:cNvPr>
+          <p:cNvPr id="21" name="TextBox 20"/>
           <p:cNvSpPr txBox="1"/>
           <p:nvPr/>
         </p:nvSpPr>
@@ -9452,34 +7691,31 @@
           <a:noFill/>
         </p:spPr>
         <p:txBody>
-          <a:bodyPr wrap="square" rtlCol="0">
+          <a:bodyPr wrap="square">
             <a:spAutoFit/>
           </a:bodyPr>
           <a:lstStyle/>
           <a:p>
-            <a:r>
-              <a:rPr lang="ko-KR" altLang="en-US" sz="2800" b="1" dirty="0" smtClean="0">
-                <a:latin typeface="나눔스퀘어 ExtraBold" panose="020B0600000101010101" pitchFamily="50" charset="-127"/>
-                <a:ea typeface="나눔스퀘어 ExtraBold" panose="020B0600000101010101" pitchFamily="50" charset="-127"/>
+            <a:pPr lvl="0">
+              <a:defRPr/>
+            </a:pPr>
+            <a:r>
+              <a:rPr lang="ko-KR" altLang="en-US" sz="2800" b="1">
+                <a:latin typeface="나눔스퀘어 ExtraBold"/>
+                <a:ea typeface="나눔스퀘어 ExtraBold"/>
               </a:rPr>
               <a:t>순위</a:t>
             </a:r>
-            <a:endParaRPr lang="ko-KR" altLang="en-US" sz="2800" b="1" dirty="0">
-              <a:latin typeface="나눔스퀘어 ExtraBold" panose="020B0600000101010101" pitchFamily="50" charset="-127"/>
-              <a:ea typeface="나눔스퀘어 ExtraBold" panose="020B0600000101010101" pitchFamily="50" charset="-127"/>
+            <a:endParaRPr lang="ko-KR" altLang="en-US" sz="2800" b="1">
+              <a:latin typeface="나눔스퀘어 ExtraBold"/>
+              <a:ea typeface="나눔스퀘어 ExtraBold"/>
             </a:endParaRPr>
           </a:p>
         </p:txBody>
       </p:sp>
       <p:cxnSp>
         <p:nvCxnSpPr>
-          <p:cNvPr id="22" name="직선 연결선 21">
-            <a:extLst>
-              <a:ext uri="{FF2B5EF4-FFF2-40B4-BE49-F238E27FC236}">
-                <a16:creationId xmlns:a16="http://schemas.microsoft.com/office/drawing/2014/main" id="{08C422D0-4EF4-4D16-9138-D7D4D0A7A56F}"/>
-              </a:ext>
-            </a:extLst>
-          </p:cNvPr>
+          <p:cNvPr id="22" name="직선 연결선 21"/>
           <p:cNvCxnSpPr/>
           <p:nvPr/>
         </p:nvCxnSpPr>
@@ -9510,20 +7746,14 @@
       </p:cxnSp>
       <p:sp>
         <p:nvSpPr>
-          <p:cNvPr id="23" name="TextBox 22">
-            <a:extLst>
-              <a:ext uri="{FF2B5EF4-FFF2-40B4-BE49-F238E27FC236}">
-                <a16:creationId xmlns:a16="http://schemas.microsoft.com/office/drawing/2014/main" id="{9C006FA2-5A5E-4E43-9307-B266158068B7}"/>
-              </a:ext>
-            </a:extLst>
-          </p:cNvPr>
+          <p:cNvPr id="23" name="TextBox 22"/>
           <p:cNvSpPr txBox="1"/>
           <p:nvPr/>
         </p:nvSpPr>
         <p:spPr>
           <a:xfrm>
             <a:off x="8598749" y="3311601"/>
-            <a:ext cx="5539740" cy="1631216"/>
+            <a:ext cx="5539740" cy="1610919"/>
           </a:xfrm>
           <a:prstGeom prst="rect">
             <a:avLst/>
@@ -9531,109 +7761,119 @@
           <a:noFill/>
         </p:spPr>
         <p:txBody>
-          <a:bodyPr wrap="square" rtlCol="0">
+          <a:bodyPr wrap="square">
             <a:spAutoFit/>
           </a:bodyPr>
           <a:lstStyle/>
           <a:p>
-            <a:pPr algn="just"/>
-            <a:r>
-              <a:rPr lang="en-US" altLang="ko-KR" sz="2000" dirty="0" smtClean="0"/>
+            <a:pPr algn="just">
+              <a:defRPr/>
+            </a:pPr>
+            <a:r>
+              <a:rPr lang="en-US" altLang="ko-KR" sz="2000"/>
               <a:t>1</a:t>
             </a:r>
             <a:r>
-              <a:rPr lang="ko-KR" altLang="en-US" sz="2000" dirty="0" smtClean="0"/>
-              <a:t>등 </a:t>
-            </a:r>
-            <a:r>
-              <a:rPr lang="en-US" altLang="ko-KR" sz="2000" dirty="0" smtClean="0"/>
+              <a:rPr lang="ko-KR" altLang="en-US" sz="2000"/>
+              <a:t>위 </a:t>
+            </a:r>
+            <a:r>
+              <a:rPr lang="en-US" altLang="ko-KR" sz="2000"/>
               <a:t>: </a:t>
             </a:r>
             <a:r>
-              <a:rPr lang="ko-KR" altLang="en-US" sz="2000" dirty="0" smtClean="0"/>
+              <a:rPr lang="ko-KR" altLang="en-US" sz="2000"/>
               <a:t>미국 </a:t>
             </a:r>
-            <a:endParaRPr lang="en-US" altLang="ko-KR" sz="2000" dirty="0" smtClean="0"/>
-          </a:p>
-          <a:p>
-            <a:pPr algn="just"/>
-            <a:r>
-              <a:rPr lang="en-US" altLang="ko-KR" sz="2000" dirty="0" smtClean="0"/>
+            <a:endParaRPr lang="ko-KR" altLang="en-US" sz="2000"/>
+          </a:p>
+          <a:p>
+            <a:pPr algn="just">
+              <a:defRPr/>
+            </a:pPr>
+            <a:r>
+              <a:rPr lang="en-US" altLang="ko-KR" sz="2000"/>
               <a:t>2</a:t>
             </a:r>
             <a:r>
-              <a:rPr lang="ko-KR" altLang="en-US" sz="2000" dirty="0" smtClean="0"/>
-              <a:t>등 </a:t>
-            </a:r>
-            <a:r>
-              <a:rPr lang="en-US" altLang="ko-KR" sz="2000" dirty="0" smtClean="0"/>
+              <a:rPr lang="ko-KR" altLang="en-US" sz="2000"/>
+              <a:t>위 </a:t>
+            </a:r>
+            <a:r>
+              <a:rPr lang="en-US" altLang="ko-KR" sz="2000"/>
               <a:t>: </a:t>
             </a:r>
             <a:r>
-              <a:rPr lang="ko-KR" altLang="en-US" sz="2000" dirty="0" smtClean="0"/>
+              <a:rPr lang="ko-KR" altLang="en-US" sz="2000"/>
               <a:t>인도</a:t>
             </a:r>
-            <a:endParaRPr lang="en-US" altLang="ko-KR" sz="2000" dirty="0" smtClean="0"/>
-          </a:p>
-          <a:p>
-            <a:pPr algn="just"/>
-            <a:r>
-              <a:rPr lang="en-US" altLang="ko-KR" sz="2000" dirty="0" smtClean="0"/>
+            <a:endParaRPr lang="ko-KR" altLang="en-US" sz="2000"/>
+          </a:p>
+          <a:p>
+            <a:pPr algn="just">
+              <a:defRPr/>
+            </a:pPr>
+            <a:r>
+              <a:rPr lang="en-US" altLang="ko-KR" sz="2000"/>
               <a:t>3</a:t>
             </a:r>
             <a:r>
-              <a:rPr lang="ko-KR" altLang="en-US" sz="2000" dirty="0" smtClean="0"/>
-              <a:t>등 </a:t>
-            </a:r>
-            <a:r>
-              <a:rPr lang="en-US" altLang="ko-KR" sz="2000" dirty="0" smtClean="0"/>
+              <a:rPr lang="ko-KR" altLang="en-US" sz="2000"/>
+              <a:t>위 </a:t>
+            </a:r>
+            <a:r>
+              <a:rPr lang="en-US" altLang="ko-KR" sz="2000"/>
               <a:t>: </a:t>
             </a:r>
             <a:r>
-              <a:rPr lang="ko-KR" altLang="en-US" sz="2000" dirty="0" smtClean="0"/>
+              <a:rPr lang="ko-KR" altLang="en-US" sz="2000"/>
               <a:t>브라질</a:t>
             </a:r>
-            <a:endParaRPr lang="en-US" altLang="ko-KR" sz="2000" dirty="0" smtClean="0"/>
-          </a:p>
-          <a:p>
-            <a:pPr algn="just"/>
-            <a:r>
-              <a:rPr lang="en-US" altLang="ko-KR" sz="2000" dirty="0" smtClean="0"/>
+            <a:endParaRPr lang="ko-KR" altLang="en-US" sz="2000"/>
+          </a:p>
+          <a:p>
+            <a:pPr algn="just">
+              <a:defRPr/>
+            </a:pPr>
+            <a:r>
+              <a:rPr lang="en-US" altLang="ko-KR" sz="2000"/>
               <a:t>4</a:t>
             </a:r>
             <a:r>
-              <a:rPr lang="ko-KR" altLang="en-US" sz="2000" dirty="0" smtClean="0"/>
-              <a:t>등 </a:t>
-            </a:r>
-            <a:r>
-              <a:rPr lang="en-US" altLang="ko-KR" sz="2000" dirty="0" smtClean="0"/>
+              <a:rPr lang="ko-KR" altLang="en-US" sz="2000"/>
+              <a:t>위 </a:t>
+            </a:r>
+            <a:r>
+              <a:rPr lang="en-US" altLang="ko-KR" sz="2000"/>
               <a:t>: </a:t>
             </a:r>
             <a:r>
-              <a:rPr lang="ko-KR" altLang="en-US" sz="2000" dirty="0" smtClean="0"/>
+              <a:rPr lang="ko-KR" altLang="en-US" sz="2000"/>
               <a:t>프랑스</a:t>
             </a:r>
-            <a:endParaRPr lang="en-US" altLang="ko-KR" sz="2000" dirty="0" smtClean="0"/>
-          </a:p>
-          <a:p>
-            <a:pPr algn="just"/>
-            <a:r>
-              <a:rPr lang="en-US" altLang="ko-KR" sz="2000" dirty="0" smtClean="0"/>
+            <a:endParaRPr lang="ko-KR" altLang="en-US" sz="2000"/>
+          </a:p>
+          <a:p>
+            <a:pPr algn="just">
+              <a:defRPr/>
+            </a:pPr>
+            <a:r>
+              <a:rPr lang="en-US" altLang="ko-KR" sz="2000"/>
               <a:t>5</a:t>
             </a:r>
             <a:r>
-              <a:rPr lang="ko-KR" altLang="en-US" sz="2000" dirty="0" smtClean="0"/>
-              <a:t>등 </a:t>
-            </a:r>
-            <a:r>
-              <a:rPr lang="en-US" altLang="ko-KR" sz="2000" dirty="0" smtClean="0"/>
+              <a:rPr lang="ko-KR" altLang="en-US" sz="2000"/>
+              <a:t>위 </a:t>
+            </a:r>
+            <a:r>
+              <a:rPr lang="en-US" altLang="ko-KR" sz="2000"/>
               <a:t>: </a:t>
             </a:r>
             <a:r>
-              <a:rPr lang="ko-KR" altLang="en-US" sz="2000" dirty="0" smtClean="0"/>
+              <a:rPr lang="ko-KR" altLang="en-US" sz="2000"/>
               <a:t>터키</a:t>
             </a:r>
-            <a:endParaRPr lang="ko-KR" altLang="en-US" sz="2000" dirty="0"/>
+            <a:endParaRPr lang="ko-KR" altLang="en-US" sz="2000"/>
           </a:p>
         </p:txBody>
       </p:sp>
@@ -9641,13 +7881,7 @@
         <p:nvGraphicFramePr>
           <p:cNvPr id="14" name="차트 13"/>
           <p:cNvGraphicFramePr/>
-          <p:nvPr>
-            <p:extLst>
-              <p:ext uri="{D42A27DB-BD31-4B8C-83A1-F6EECF244321}">
-                <p14:modId xmlns:p14="http://schemas.microsoft.com/office/powerpoint/2010/main" val="2387837499"/>
-              </p:ext>
-            </p:extLst>
-          </p:nvPr>
+          <p:nvPr/>
         </p:nvGraphicFramePr>
         <p:xfrm>
           <a:off x="142544" y="922583"/>
@@ -9655,28 +7889,23 @@
         </p:xfrm>
         <a:graphic>
           <a:graphicData uri="http://schemas.openxmlformats.org/drawingml/2006/chart">
-            <c:chart xmlns:c="http://schemas.openxmlformats.org/drawingml/2006/chart" xmlns:r="http://schemas.openxmlformats.org/officeDocument/2006/relationships" r:id="rId2"/>
+            <c:chart r:id="rId2"/>
           </a:graphicData>
         </a:graphic>
       </p:graphicFrame>
     </p:spTree>
-    <p:extLst>
-      <p:ext uri="{BB962C8B-B14F-4D97-AF65-F5344CB8AC3E}">
-        <p14:creationId xmlns:p14="http://schemas.microsoft.com/office/powerpoint/2010/main" val="1932735621"/>
-      </p:ext>
-    </p:extLst>
   </p:cSld>
   <p:clrMapOvr>
     <a:masterClrMapping/>
   </p:clrMapOvr>
   <mc:AlternateContent xmlns:mc="http://schemas.openxmlformats.org/markup-compatibility/2006">
-    <mc:Choice xmlns:p159="http://schemas.microsoft.com/office/powerpoint/2015/09/main" xmlns="" Requires="p159">
-      <p:transition xmlns:p14="http://schemas.microsoft.com/office/powerpoint/2010/main" spd="slow" p14:dur="2000">
-        <p159:morph option="byObject"/>
+    <mc:Choice xmlns:p14="http://schemas.microsoft.com/office/powerpoint/2010/main" Requires="p14">
+      <p:transition xmlns:mc="http://schemas.openxmlformats.org/markup-compatibility/2006" xmlns:p14="http://schemas.microsoft.com/office/powerpoint/2010/main" spd="med" mc:Ignorable="p14" p14:dur="1000">
+        <p:fade/>
       </p:transition>
     </mc:Choice>
     <mc:Fallback>
-      <p:transition spd="slow">
+      <p:transition xmlns:mc="http://schemas.openxmlformats.org/markup-compatibility/2006" xmlns:hp="http://schemas.haansoft.com/office/presentation/8.0" spd="med" mc:Ignorable="hp" hp:hslDur="1000">
         <p:fade/>
       </p:transition>
     </mc:Fallback>
@@ -9692,7 +7921,7 @@
 </file>
 
 <file path=ppt/slides/slide7.xml><?xml version="1.0" encoding="utf-8"?>
-<p:sld xmlns:a="http://schemas.openxmlformats.org/drawingml/2006/main" xmlns:r="http://schemas.openxmlformats.org/officeDocument/2006/relationships" xmlns:p="http://schemas.openxmlformats.org/presentationml/2006/main">
+<p:sld xmlns:r="http://schemas.openxmlformats.org/officeDocument/2006/relationships" xmlns:c="http://schemas.openxmlformats.org/drawingml/2006/chart" xmlns:a="http://schemas.openxmlformats.org/drawingml/2006/main" xmlns:dgm="http://schemas.openxmlformats.org/drawingml/2006/diagram" xmlns:dsp="http://schemas.microsoft.com/office/drawing/2008/diagram" xmlns:p="http://schemas.openxmlformats.org/presentationml/2006/main">
   <p:cSld>
     <p:spTree>
       <p:nvGrpSpPr>
@@ -9710,13 +7939,7 @@
       </p:grpSpPr>
       <p:cxnSp>
         <p:nvCxnSpPr>
-          <p:cNvPr id="4" name="직선 연결선 3">
-            <a:extLst>
-              <a:ext uri="{FF2B5EF4-FFF2-40B4-BE49-F238E27FC236}">
-                <a16:creationId xmlns:a16="http://schemas.microsoft.com/office/drawing/2014/main" id="{91783D2F-737E-4797-9853-8C85BE37E236}"/>
-              </a:ext>
-            </a:extLst>
-          </p:cNvPr>
+          <p:cNvPr id="4" name="직선 연결선 3"/>
           <p:cNvCxnSpPr/>
           <p:nvPr/>
         </p:nvCxnSpPr>
@@ -9746,13 +7969,7 @@
       </p:cxnSp>
       <p:sp>
         <p:nvSpPr>
-          <p:cNvPr id="5" name="TextBox 4">
-            <a:extLst>
-              <a:ext uri="{FF2B5EF4-FFF2-40B4-BE49-F238E27FC236}">
-                <a16:creationId xmlns:a16="http://schemas.microsoft.com/office/drawing/2014/main" id="{AADC96B8-21F1-4CA5-82F2-62149BA3A81F}"/>
-              </a:ext>
-            </a:extLst>
-          </p:cNvPr>
+          <p:cNvPr id="5" name="TextBox 4"/>
           <p:cNvSpPr txBox="1"/>
           <p:nvPr/>
         </p:nvSpPr>
@@ -9767,32 +7984,25 @@
           <a:noFill/>
         </p:spPr>
         <p:txBody>
-          <a:bodyPr wrap="square" rtlCol="0">
+          <a:bodyPr wrap="square">
             <a:spAutoFit/>
           </a:bodyPr>
           <a:lstStyle/>
           <a:p>
-            <a:r>
-              <a:rPr lang="en-US" altLang="ko-KR" sz="1600" b="1" dirty="0">
+            <a:pPr lvl="0">
+              <a:defRPr/>
+            </a:pPr>
+            <a:r>
+              <a:rPr lang="en-US" altLang="ko-KR" sz="1600" b="1">
                 <a:solidFill>
                   <a:schemeClr val="accent1">
                     <a:lumMod val="50000"/>
                   </a:schemeClr>
                 </a:solidFill>
               </a:rPr>
-              <a:t>Part </a:t>
-            </a:r>
-            <a:r>
-              <a:rPr lang="en-US" altLang="ko-KR" sz="1600" b="1" dirty="0" smtClean="0">
-                <a:solidFill>
-                  <a:schemeClr val="accent1">
-                    <a:lumMod val="50000"/>
-                  </a:schemeClr>
-                </a:solidFill>
-              </a:rPr>
-              <a:t>2-2</a:t>
-            </a:r>
-            <a:endParaRPr lang="ko-KR" altLang="en-US" sz="1600" b="1" dirty="0">
+              <a:t>Part 2-2</a:t>
+            </a:r>
+            <a:endParaRPr lang="ko-KR" altLang="en-US" sz="1600" b="1">
               <a:solidFill>
                 <a:schemeClr val="accent1">
                   <a:lumMod val="50000"/>
@@ -9804,13 +8014,7 @@
       </p:sp>
       <p:sp>
         <p:nvSpPr>
-          <p:cNvPr id="6" name="TextBox 5">
-            <a:extLst>
-              <a:ext uri="{FF2B5EF4-FFF2-40B4-BE49-F238E27FC236}">
-                <a16:creationId xmlns:a16="http://schemas.microsoft.com/office/drawing/2014/main" id="{E9E4E03B-DC2B-4AB1-AA88-841F77488FB8}"/>
-              </a:ext>
-            </a:extLst>
-          </p:cNvPr>
+          <p:cNvPr id="6" name="TextBox 5"/>
           <p:cNvSpPr txBox="1"/>
           <p:nvPr/>
         </p:nvSpPr>
@@ -9825,116 +8029,101 @@
           <a:noFill/>
         </p:spPr>
         <p:txBody>
-          <a:bodyPr wrap="square" rtlCol="0">
+          <a:bodyPr wrap="square">
             <a:spAutoFit/>
           </a:bodyPr>
           <a:lstStyle/>
           <a:p>
-            <a:r>
-              <a:rPr lang="ko-KR" altLang="en-US" sz="3600" b="1" dirty="0" smtClean="0">
+            <a:pPr lvl="0">
+              <a:defRPr/>
+            </a:pPr>
+            <a:r>
+              <a:rPr lang="ko-KR" altLang="en-US" sz="3600" b="1">
                 <a:solidFill>
                   <a:schemeClr val="accent1">
                     <a:lumMod val="50000"/>
                   </a:schemeClr>
                 </a:solidFill>
-                <a:latin typeface="나눔스퀘어 ExtraBold" panose="020B0600000101010101" pitchFamily="50" charset="-127"/>
-                <a:ea typeface="나눔스퀘어 ExtraBold" panose="020B0600000101010101" pitchFamily="50" charset="-127"/>
+                <a:latin typeface="나눔스퀘어 ExtraBold"/>
+                <a:ea typeface="나눔스퀘어 ExtraBold"/>
               </a:rPr>
               <a:t>코로나</a:t>
             </a:r>
             <a:r>
-              <a:rPr lang="en-US" altLang="ko-KR" sz="3600" b="1" dirty="0" smtClean="0">
+              <a:rPr lang="en-US" altLang="ko-KR" sz="3600" b="1">
                 <a:solidFill>
                   <a:schemeClr val="accent1">
                     <a:lumMod val="50000"/>
                   </a:schemeClr>
                 </a:solidFill>
-                <a:latin typeface="나눔스퀘어 ExtraBold" panose="020B0600000101010101" pitchFamily="50" charset="-127"/>
-                <a:ea typeface="나눔스퀘어 ExtraBold" panose="020B0600000101010101" pitchFamily="50" charset="-127"/>
+                <a:latin typeface="나눔스퀘어 ExtraBold"/>
+                <a:ea typeface="나눔스퀘어 ExtraBold"/>
               </a:rPr>
               <a:t>19 </a:t>
             </a:r>
             <a:r>
-              <a:rPr lang="ko-KR" altLang="en-US" sz="3600" b="1" dirty="0" err="1" smtClean="0">
+              <a:rPr lang="ko-KR" altLang="en-US" sz="3600" b="1">
                 <a:solidFill>
                   <a:schemeClr val="accent1">
                     <a:lumMod val="50000"/>
                   </a:schemeClr>
                 </a:solidFill>
-                <a:latin typeface="나눔스퀘어 ExtraBold" panose="020B0600000101010101" pitchFamily="50" charset="-127"/>
-                <a:ea typeface="나눔스퀘어 ExtraBold" panose="020B0600000101010101" pitchFamily="50" charset="-127"/>
+                <a:latin typeface="나눔스퀘어 ExtraBold"/>
+                <a:ea typeface="나눔스퀘어 ExtraBold"/>
               </a:rPr>
-              <a:t>확진자</a:t>
-            </a:r>
-            <a:r>
-              <a:rPr lang="ko-KR" altLang="en-US" sz="3600" b="1" dirty="0" smtClean="0">
+              <a:t>확진자 국가별 순위</a:t>
+            </a:r>
+            <a:r>
+              <a:rPr lang="en-US" altLang="ko-KR" sz="3600" b="1">
                 <a:solidFill>
                   <a:schemeClr val="accent1">
                     <a:lumMod val="50000"/>
                   </a:schemeClr>
                 </a:solidFill>
-                <a:latin typeface="나눔스퀘어 ExtraBold" panose="020B0600000101010101" pitchFamily="50" charset="-127"/>
-                <a:ea typeface="나눔스퀘어 ExtraBold" panose="020B0600000101010101" pitchFamily="50" charset="-127"/>
+                <a:latin typeface="나눔스퀘어 ExtraBold"/>
+                <a:ea typeface="나눔스퀘어 ExtraBold"/>
               </a:rPr>
-              <a:t> 국가별 순위</a:t>
-            </a:r>
-            <a:r>
-              <a:rPr lang="en-US" altLang="ko-KR" sz="3600" b="1" dirty="0" smtClean="0">
+              <a:t>(</a:t>
+            </a:r>
+            <a:r>
+              <a:rPr lang="ko-KR" altLang="en-US" sz="3600" b="1">
                 <a:solidFill>
                   <a:schemeClr val="accent1">
                     <a:lumMod val="50000"/>
                   </a:schemeClr>
                 </a:solidFill>
-                <a:latin typeface="나눔스퀘어 ExtraBold" panose="020B0600000101010101" pitchFamily="50" charset="-127"/>
-                <a:ea typeface="나눔스퀘어 ExtraBold" panose="020B0600000101010101" pitchFamily="50" charset="-127"/>
+                <a:latin typeface="나눔스퀘어 ExtraBold"/>
+                <a:ea typeface="나눔스퀘어 ExtraBold"/>
               </a:rPr>
-              <a:t>(</a:t>
-            </a:r>
-            <a:r>
-              <a:rPr lang="ko-KR" altLang="en-US" sz="3600" b="1" dirty="0" smtClean="0">
+              <a:t>사망자</a:t>
+            </a:r>
+            <a:r>
+              <a:rPr lang="en-US" altLang="ko-KR" sz="3600" b="1">
                 <a:solidFill>
                   <a:schemeClr val="accent1">
                     <a:lumMod val="50000"/>
                   </a:schemeClr>
                 </a:solidFill>
-                <a:latin typeface="나눔스퀘어 ExtraBold" panose="020B0600000101010101" pitchFamily="50" charset="-127"/>
-                <a:ea typeface="나눔스퀘어 ExtraBold" panose="020B0600000101010101" pitchFamily="50" charset="-127"/>
-              </a:rPr>
-              <a:t>사망자</a:t>
-            </a:r>
-            <a:r>
-              <a:rPr lang="en-US" altLang="ko-KR" sz="3600" b="1" dirty="0" smtClean="0">
-                <a:solidFill>
-                  <a:schemeClr val="accent1">
-                    <a:lumMod val="50000"/>
-                  </a:schemeClr>
-                </a:solidFill>
-                <a:latin typeface="나눔스퀘어 ExtraBold" panose="020B0600000101010101" pitchFamily="50" charset="-127"/>
-                <a:ea typeface="나눔스퀘어 ExtraBold" panose="020B0600000101010101" pitchFamily="50" charset="-127"/>
+                <a:latin typeface="나눔스퀘어 ExtraBold"/>
+                <a:ea typeface="나눔스퀘어 ExtraBold"/>
               </a:rPr>
               <a:t>)</a:t>
             </a:r>
-            <a:endParaRPr lang="ko-KR" altLang="en-US" sz="3600" b="1" dirty="0">
+            <a:endParaRPr lang="ko-KR" altLang="en-US" sz="3600" b="1">
               <a:solidFill>
                 <a:schemeClr val="accent1">
                   <a:lumMod val="50000"/>
                 </a:schemeClr>
               </a:solidFill>
-              <a:latin typeface="나눔스퀘어 ExtraBold" panose="020B0600000101010101" pitchFamily="50" charset="-127"/>
-              <a:ea typeface="나눔스퀘어 ExtraBold" panose="020B0600000101010101" pitchFamily="50" charset="-127"/>
+              <a:latin typeface="나눔스퀘어 ExtraBold"/>
+              <a:ea typeface="나눔스퀘어 ExtraBold"/>
             </a:endParaRPr>
           </a:p>
         </p:txBody>
       </p:sp>
       <p:sp>
         <p:nvSpPr>
-          <p:cNvPr id="21" name="TextBox 20">
-            <a:extLst>
-              <a:ext uri="{FF2B5EF4-FFF2-40B4-BE49-F238E27FC236}">
-                <a16:creationId xmlns:a16="http://schemas.microsoft.com/office/drawing/2014/main" id="{B6AEE38D-6CC7-41A2-B4AC-E22B635E630B}"/>
-              </a:ext>
-            </a:extLst>
-          </p:cNvPr>
+          <p:cNvPr id="21" name="TextBox 20"/>
           <p:cNvSpPr txBox="1"/>
           <p:nvPr/>
         </p:nvSpPr>
@@ -9949,34 +8138,31 @@
           <a:noFill/>
         </p:spPr>
         <p:txBody>
-          <a:bodyPr wrap="square" rtlCol="0">
+          <a:bodyPr wrap="square">
             <a:spAutoFit/>
           </a:bodyPr>
           <a:lstStyle/>
           <a:p>
-            <a:r>
-              <a:rPr lang="ko-KR" altLang="en-US" sz="2800" b="1" dirty="0" smtClean="0">
-                <a:latin typeface="나눔스퀘어 ExtraBold" panose="020B0600000101010101" pitchFamily="50" charset="-127"/>
-                <a:ea typeface="나눔스퀘어 ExtraBold" panose="020B0600000101010101" pitchFamily="50" charset="-127"/>
+            <a:pPr lvl="0">
+              <a:defRPr/>
+            </a:pPr>
+            <a:r>
+              <a:rPr lang="ko-KR" altLang="en-US" sz="2800" b="1">
+                <a:latin typeface="나눔스퀘어 ExtraBold"/>
+                <a:ea typeface="나눔스퀘어 ExtraBold"/>
               </a:rPr>
               <a:t>순위</a:t>
             </a:r>
-            <a:endParaRPr lang="ko-KR" altLang="en-US" sz="2800" b="1" dirty="0">
-              <a:latin typeface="나눔스퀘어 ExtraBold" panose="020B0600000101010101" pitchFamily="50" charset="-127"/>
-              <a:ea typeface="나눔스퀘어 ExtraBold" panose="020B0600000101010101" pitchFamily="50" charset="-127"/>
+            <a:endParaRPr lang="ko-KR" altLang="en-US" sz="2800" b="1">
+              <a:latin typeface="나눔스퀘어 ExtraBold"/>
+              <a:ea typeface="나눔스퀘어 ExtraBold"/>
             </a:endParaRPr>
           </a:p>
         </p:txBody>
       </p:sp>
       <p:cxnSp>
         <p:nvCxnSpPr>
-          <p:cNvPr id="22" name="직선 연결선 21">
-            <a:extLst>
-              <a:ext uri="{FF2B5EF4-FFF2-40B4-BE49-F238E27FC236}">
-                <a16:creationId xmlns:a16="http://schemas.microsoft.com/office/drawing/2014/main" id="{08C422D0-4EF4-4D16-9138-D7D4D0A7A56F}"/>
-              </a:ext>
-            </a:extLst>
-          </p:cNvPr>
+          <p:cNvPr id="22" name="직선 연결선 21"/>
           <p:cNvCxnSpPr/>
           <p:nvPr/>
         </p:nvCxnSpPr>
@@ -10007,20 +8193,14 @@
       </p:cxnSp>
       <p:sp>
         <p:nvSpPr>
-          <p:cNvPr id="23" name="TextBox 22">
-            <a:extLst>
-              <a:ext uri="{FF2B5EF4-FFF2-40B4-BE49-F238E27FC236}">
-                <a16:creationId xmlns:a16="http://schemas.microsoft.com/office/drawing/2014/main" id="{9C006FA2-5A5E-4E43-9307-B266158068B7}"/>
-              </a:ext>
-            </a:extLst>
-          </p:cNvPr>
+          <p:cNvPr id="23" name="TextBox 22"/>
           <p:cNvSpPr txBox="1"/>
           <p:nvPr/>
         </p:nvSpPr>
         <p:spPr>
           <a:xfrm>
             <a:off x="8598749" y="3311601"/>
-            <a:ext cx="5539740" cy="1631216"/>
+            <a:ext cx="5539740" cy="1610919"/>
           </a:xfrm>
           <a:prstGeom prst="rect">
             <a:avLst/>
@@ -10028,109 +8208,119 @@
           <a:noFill/>
         </p:spPr>
         <p:txBody>
-          <a:bodyPr wrap="square" rtlCol="0">
+          <a:bodyPr wrap="square">
             <a:spAutoFit/>
           </a:bodyPr>
           <a:lstStyle/>
           <a:p>
-            <a:pPr algn="just"/>
-            <a:r>
-              <a:rPr lang="en-US" altLang="ko-KR" sz="2000" dirty="0" smtClean="0"/>
+            <a:pPr algn="just">
+              <a:defRPr/>
+            </a:pPr>
+            <a:r>
+              <a:rPr lang="en-US" altLang="ko-KR" sz="2000"/>
               <a:t>1</a:t>
             </a:r>
             <a:r>
-              <a:rPr lang="ko-KR" altLang="en-US" sz="2000" dirty="0" smtClean="0"/>
-              <a:t>등 </a:t>
-            </a:r>
-            <a:r>
-              <a:rPr lang="en-US" altLang="ko-KR" sz="2000" dirty="0" smtClean="0"/>
+              <a:rPr lang="ko-KR" altLang="en-US" sz="2000"/>
+              <a:t>위 </a:t>
+            </a:r>
+            <a:r>
+              <a:rPr lang="en-US" altLang="ko-KR" sz="2000"/>
               <a:t>: </a:t>
             </a:r>
             <a:r>
-              <a:rPr lang="ko-KR" altLang="en-US" sz="2000" dirty="0" smtClean="0"/>
+              <a:rPr lang="ko-KR" altLang="en-US" sz="2000"/>
               <a:t>미국 </a:t>
             </a:r>
-            <a:endParaRPr lang="en-US" altLang="ko-KR" sz="2000" dirty="0" smtClean="0"/>
-          </a:p>
-          <a:p>
-            <a:pPr algn="just"/>
-            <a:r>
-              <a:rPr lang="en-US" altLang="ko-KR" sz="2000" dirty="0" smtClean="0"/>
+            <a:endParaRPr lang="ko-KR" altLang="en-US" sz="2000"/>
+          </a:p>
+          <a:p>
+            <a:pPr algn="just">
+              <a:defRPr/>
+            </a:pPr>
+            <a:r>
+              <a:rPr lang="en-US" altLang="ko-KR" sz="2000"/>
               <a:t>2</a:t>
             </a:r>
             <a:r>
-              <a:rPr lang="ko-KR" altLang="en-US" sz="2000" dirty="0" smtClean="0"/>
-              <a:t>등 </a:t>
-            </a:r>
-            <a:r>
-              <a:rPr lang="en-US" altLang="ko-KR" sz="2000" dirty="0" smtClean="0"/>
+              <a:rPr lang="ko-KR" altLang="en-US" sz="2000"/>
+              <a:t>위 </a:t>
+            </a:r>
+            <a:r>
+              <a:rPr lang="en-US" altLang="ko-KR" sz="2000"/>
               <a:t>: </a:t>
             </a:r>
             <a:r>
-              <a:rPr lang="ko-KR" altLang="en-US" sz="2000" dirty="0" smtClean="0"/>
+              <a:rPr lang="ko-KR" altLang="en-US" sz="2000"/>
               <a:t>브라질</a:t>
             </a:r>
-            <a:endParaRPr lang="en-US" altLang="ko-KR" sz="2000" dirty="0" smtClean="0"/>
-          </a:p>
-          <a:p>
-            <a:pPr algn="just"/>
-            <a:r>
-              <a:rPr lang="en-US" altLang="ko-KR" sz="2000" dirty="0" smtClean="0"/>
+            <a:endParaRPr lang="ko-KR" altLang="en-US" sz="2000"/>
+          </a:p>
+          <a:p>
+            <a:pPr algn="just">
+              <a:defRPr/>
+            </a:pPr>
+            <a:r>
+              <a:rPr lang="en-US" altLang="ko-KR" sz="2000"/>
               <a:t>3</a:t>
             </a:r>
             <a:r>
-              <a:rPr lang="ko-KR" altLang="en-US" sz="2000" dirty="0" smtClean="0"/>
-              <a:t>등 </a:t>
-            </a:r>
-            <a:r>
-              <a:rPr lang="en-US" altLang="ko-KR" sz="2000" dirty="0" smtClean="0"/>
+              <a:rPr lang="ko-KR" altLang="en-US" sz="2000"/>
+              <a:t>위 </a:t>
+            </a:r>
+            <a:r>
+              <a:rPr lang="en-US" altLang="ko-KR" sz="2000"/>
               <a:t>: </a:t>
             </a:r>
             <a:r>
-              <a:rPr lang="ko-KR" altLang="en-US" sz="2000" dirty="0" smtClean="0"/>
+              <a:rPr lang="ko-KR" altLang="en-US" sz="2000"/>
               <a:t>인도</a:t>
             </a:r>
-            <a:endParaRPr lang="en-US" altLang="ko-KR" sz="2000" dirty="0" smtClean="0"/>
-          </a:p>
-          <a:p>
-            <a:pPr algn="just"/>
-            <a:r>
-              <a:rPr lang="en-US" altLang="ko-KR" sz="2000" dirty="0" smtClean="0"/>
+            <a:endParaRPr lang="ko-KR" altLang="en-US" sz="2000"/>
+          </a:p>
+          <a:p>
+            <a:pPr algn="just">
+              <a:defRPr/>
+            </a:pPr>
+            <a:r>
+              <a:rPr lang="en-US" altLang="ko-KR" sz="2000"/>
               <a:t>4</a:t>
             </a:r>
             <a:r>
-              <a:rPr lang="ko-KR" altLang="en-US" sz="2000" dirty="0" smtClean="0"/>
-              <a:t>등 </a:t>
-            </a:r>
-            <a:r>
-              <a:rPr lang="en-US" altLang="ko-KR" sz="2000" dirty="0" smtClean="0"/>
+              <a:rPr lang="ko-KR" altLang="en-US" sz="2000"/>
+              <a:t>위 </a:t>
+            </a:r>
+            <a:r>
+              <a:rPr lang="en-US" altLang="ko-KR" sz="2000"/>
               <a:t>: </a:t>
             </a:r>
             <a:r>
-              <a:rPr lang="ko-KR" altLang="en-US" sz="2000" dirty="0" smtClean="0"/>
+              <a:rPr lang="ko-KR" altLang="en-US" sz="2000"/>
               <a:t>멕시코</a:t>
             </a:r>
-            <a:endParaRPr lang="en-US" altLang="ko-KR" sz="2000" dirty="0" smtClean="0"/>
-          </a:p>
-          <a:p>
-            <a:pPr algn="just"/>
-            <a:r>
-              <a:rPr lang="en-US" altLang="ko-KR" sz="2000" dirty="0" smtClean="0"/>
+            <a:endParaRPr lang="ko-KR" altLang="en-US" sz="2000"/>
+          </a:p>
+          <a:p>
+            <a:pPr algn="just">
+              <a:defRPr/>
+            </a:pPr>
+            <a:r>
+              <a:rPr lang="en-US" altLang="ko-KR" sz="2000"/>
               <a:t>5</a:t>
             </a:r>
             <a:r>
-              <a:rPr lang="ko-KR" altLang="en-US" sz="2000" dirty="0" smtClean="0"/>
-              <a:t>등 </a:t>
-            </a:r>
-            <a:r>
-              <a:rPr lang="en-US" altLang="ko-KR" sz="2000" dirty="0" smtClean="0"/>
+              <a:rPr lang="ko-KR" altLang="en-US" sz="2000"/>
+              <a:t>위 </a:t>
+            </a:r>
+            <a:r>
+              <a:rPr lang="en-US" altLang="ko-KR" sz="2000"/>
               <a:t>: </a:t>
             </a:r>
             <a:r>
-              <a:rPr lang="ko-KR" altLang="en-US" sz="2000" dirty="0" smtClean="0"/>
+              <a:rPr lang="ko-KR" altLang="en-US" sz="2000"/>
               <a:t>영국</a:t>
             </a:r>
-            <a:endParaRPr lang="ko-KR" altLang="en-US" sz="2000" dirty="0"/>
+            <a:endParaRPr lang="ko-KR" altLang="en-US" sz="2000"/>
           </a:p>
         </p:txBody>
       </p:sp>
@@ -10138,13 +8328,7 @@
         <p:nvGraphicFramePr>
           <p:cNvPr id="14" name="차트 13"/>
           <p:cNvGraphicFramePr/>
-          <p:nvPr>
-            <p:extLst>
-              <p:ext uri="{D42A27DB-BD31-4B8C-83A1-F6EECF244321}">
-                <p14:modId xmlns:p14="http://schemas.microsoft.com/office/powerpoint/2010/main" val="1497094195"/>
-              </p:ext>
-            </p:extLst>
-          </p:nvPr>
+          <p:nvPr/>
         </p:nvGraphicFramePr>
         <p:xfrm>
           <a:off x="142544" y="922583"/>
@@ -10152,28 +8336,23 @@
         </p:xfrm>
         <a:graphic>
           <a:graphicData uri="http://schemas.openxmlformats.org/drawingml/2006/chart">
-            <c:chart xmlns:c="http://schemas.openxmlformats.org/drawingml/2006/chart" xmlns:r="http://schemas.openxmlformats.org/officeDocument/2006/relationships" r:id="rId2"/>
+            <c:chart r:id="rId2"/>
           </a:graphicData>
         </a:graphic>
       </p:graphicFrame>
     </p:spTree>
-    <p:extLst>
-      <p:ext uri="{BB962C8B-B14F-4D97-AF65-F5344CB8AC3E}">
-        <p14:creationId xmlns:p14="http://schemas.microsoft.com/office/powerpoint/2010/main" val="2611764899"/>
-      </p:ext>
-    </p:extLst>
   </p:cSld>
   <p:clrMapOvr>
     <a:masterClrMapping/>
   </p:clrMapOvr>
   <mc:AlternateContent xmlns:mc="http://schemas.openxmlformats.org/markup-compatibility/2006">
-    <mc:Choice xmlns:p159="http://schemas.microsoft.com/office/powerpoint/2015/09/main" xmlns="" Requires="p159">
-      <p:transition xmlns:p14="http://schemas.microsoft.com/office/powerpoint/2010/main" spd="slow" p14:dur="2000">
-        <p159:morph option="byObject"/>
+    <mc:Choice xmlns:p14="http://schemas.microsoft.com/office/powerpoint/2010/main" Requires="p14">
+      <p:transition xmlns:mc="http://schemas.openxmlformats.org/markup-compatibility/2006" xmlns:p14="http://schemas.microsoft.com/office/powerpoint/2010/main" spd="med" mc:Ignorable="p14" p14:dur="1000">
+        <p:fade/>
       </p:transition>
     </mc:Choice>
     <mc:Fallback>
-      <p:transition spd="slow">
+      <p:transition xmlns:mc="http://schemas.openxmlformats.org/markup-compatibility/2006" xmlns:hp="http://schemas.haansoft.com/office/presentation/8.0" spd="med" mc:Ignorable="hp" hp:hslDur="1000">
         <p:fade/>
       </p:transition>
     </mc:Fallback>
@@ -10189,7 +8368,7 @@
 </file>
 
 <file path=ppt/slides/slide8.xml><?xml version="1.0" encoding="utf-8"?>
-<p:sld xmlns:a="http://schemas.openxmlformats.org/drawingml/2006/main" xmlns:r="http://schemas.openxmlformats.org/officeDocument/2006/relationships" xmlns:p="http://schemas.openxmlformats.org/presentationml/2006/main">
+<p:sld xmlns:r="http://schemas.openxmlformats.org/officeDocument/2006/relationships" xmlns:c="http://schemas.openxmlformats.org/drawingml/2006/chart" xmlns:a="http://schemas.openxmlformats.org/drawingml/2006/main" xmlns:dgm="http://schemas.openxmlformats.org/drawingml/2006/diagram" xmlns:dsp="http://schemas.microsoft.com/office/drawing/2008/diagram" xmlns:p="http://schemas.openxmlformats.org/presentationml/2006/main">
   <p:cSld>
     <p:spTree>
       <p:nvGrpSpPr>
@@ -10207,13 +8386,7 @@
       </p:grpSpPr>
       <p:cxnSp>
         <p:nvCxnSpPr>
-          <p:cNvPr id="4" name="직선 연결선 3">
-            <a:extLst>
-              <a:ext uri="{FF2B5EF4-FFF2-40B4-BE49-F238E27FC236}">
-                <a16:creationId xmlns:a16="http://schemas.microsoft.com/office/drawing/2014/main" id="{91783D2F-737E-4797-9853-8C85BE37E236}"/>
-              </a:ext>
-            </a:extLst>
-          </p:cNvPr>
+          <p:cNvPr id="4" name="직선 연결선 3"/>
           <p:cNvCxnSpPr/>
           <p:nvPr/>
         </p:nvCxnSpPr>
@@ -10243,13 +8416,7 @@
       </p:cxnSp>
       <p:sp>
         <p:nvSpPr>
-          <p:cNvPr id="5" name="TextBox 4">
-            <a:extLst>
-              <a:ext uri="{FF2B5EF4-FFF2-40B4-BE49-F238E27FC236}">
-                <a16:creationId xmlns:a16="http://schemas.microsoft.com/office/drawing/2014/main" id="{AADC96B8-21F1-4CA5-82F2-62149BA3A81F}"/>
-              </a:ext>
-            </a:extLst>
-          </p:cNvPr>
+          <p:cNvPr id="5" name="TextBox 4"/>
           <p:cNvSpPr txBox="1"/>
           <p:nvPr/>
         </p:nvSpPr>
@@ -10264,32 +8431,25 @@
           <a:noFill/>
         </p:spPr>
         <p:txBody>
-          <a:bodyPr wrap="square" rtlCol="0">
+          <a:bodyPr wrap="square">
             <a:spAutoFit/>
           </a:bodyPr>
           <a:lstStyle/>
           <a:p>
-            <a:r>
-              <a:rPr lang="en-US" altLang="ko-KR" sz="1600" b="1" dirty="0">
+            <a:pPr lvl="0">
+              <a:defRPr/>
+            </a:pPr>
+            <a:r>
+              <a:rPr lang="en-US" altLang="ko-KR" sz="1600" b="1">
                 <a:solidFill>
                   <a:schemeClr val="accent1">
                     <a:lumMod val="50000"/>
                   </a:schemeClr>
                 </a:solidFill>
               </a:rPr>
-              <a:t>Part </a:t>
-            </a:r>
-            <a:r>
-              <a:rPr lang="en-US" altLang="ko-KR" sz="1600" b="1" dirty="0" smtClean="0">
-                <a:solidFill>
-                  <a:schemeClr val="accent1">
-                    <a:lumMod val="50000"/>
-                  </a:schemeClr>
-                </a:solidFill>
-              </a:rPr>
-              <a:t>2-3</a:t>
-            </a:r>
-            <a:endParaRPr lang="ko-KR" altLang="en-US" sz="1600" b="1" dirty="0">
+              <a:t>Part 2-3</a:t>
+            </a:r>
+            <a:endParaRPr lang="ko-KR" altLang="en-US" sz="1600" b="1">
               <a:solidFill>
                 <a:schemeClr val="accent1">
                   <a:lumMod val="50000"/>
@@ -10301,13 +8461,7 @@
       </p:sp>
       <p:sp>
         <p:nvSpPr>
-          <p:cNvPr id="6" name="TextBox 5">
-            <a:extLst>
-              <a:ext uri="{FF2B5EF4-FFF2-40B4-BE49-F238E27FC236}">
-                <a16:creationId xmlns:a16="http://schemas.microsoft.com/office/drawing/2014/main" id="{E9E4E03B-DC2B-4AB1-AA88-841F77488FB8}"/>
-              </a:ext>
-            </a:extLst>
-          </p:cNvPr>
+          <p:cNvPr id="6" name="TextBox 5"/>
           <p:cNvSpPr txBox="1"/>
           <p:nvPr/>
         </p:nvSpPr>
@@ -10322,116 +8476,101 @@
           <a:noFill/>
         </p:spPr>
         <p:txBody>
-          <a:bodyPr wrap="square" rtlCol="0">
+          <a:bodyPr wrap="square">
             <a:spAutoFit/>
           </a:bodyPr>
           <a:lstStyle/>
           <a:p>
-            <a:r>
-              <a:rPr lang="ko-KR" altLang="en-US" sz="3600" b="1" dirty="0" smtClean="0">
+            <a:pPr lvl="0">
+              <a:defRPr/>
+            </a:pPr>
+            <a:r>
+              <a:rPr lang="ko-KR" altLang="en-US" sz="3600" b="1">
                 <a:solidFill>
                   <a:schemeClr val="accent1">
                     <a:lumMod val="50000"/>
                   </a:schemeClr>
                 </a:solidFill>
-                <a:latin typeface="나눔스퀘어 ExtraBold" panose="020B0600000101010101" pitchFamily="50" charset="-127"/>
-                <a:ea typeface="나눔스퀘어 ExtraBold" panose="020B0600000101010101" pitchFamily="50" charset="-127"/>
+                <a:latin typeface="나눔스퀘어 ExtraBold"/>
+                <a:ea typeface="나눔스퀘어 ExtraBold"/>
               </a:rPr>
               <a:t>코로나</a:t>
             </a:r>
             <a:r>
-              <a:rPr lang="en-US" altLang="ko-KR" sz="3600" b="1" dirty="0" smtClean="0">
+              <a:rPr lang="en-US" altLang="ko-KR" sz="3600" b="1">
                 <a:solidFill>
                   <a:schemeClr val="accent1">
                     <a:lumMod val="50000"/>
                   </a:schemeClr>
                 </a:solidFill>
-                <a:latin typeface="나눔스퀘어 ExtraBold" panose="020B0600000101010101" pitchFamily="50" charset="-127"/>
-                <a:ea typeface="나눔스퀘어 ExtraBold" panose="020B0600000101010101" pitchFamily="50" charset="-127"/>
+                <a:latin typeface="나눔스퀘어 ExtraBold"/>
+                <a:ea typeface="나눔스퀘어 ExtraBold"/>
               </a:rPr>
               <a:t>19 </a:t>
             </a:r>
             <a:r>
-              <a:rPr lang="ko-KR" altLang="en-US" sz="3600" b="1" dirty="0" err="1" smtClean="0">
+              <a:rPr lang="ko-KR" altLang="en-US" sz="3600" b="1">
                 <a:solidFill>
                   <a:schemeClr val="accent1">
                     <a:lumMod val="50000"/>
                   </a:schemeClr>
                 </a:solidFill>
-                <a:latin typeface="나눔스퀘어 ExtraBold" panose="020B0600000101010101" pitchFamily="50" charset="-127"/>
-                <a:ea typeface="나눔스퀘어 ExtraBold" panose="020B0600000101010101" pitchFamily="50" charset="-127"/>
+                <a:latin typeface="나눔스퀘어 ExtraBold"/>
+                <a:ea typeface="나눔스퀘어 ExtraBold"/>
               </a:rPr>
-              <a:t>확진자</a:t>
-            </a:r>
-            <a:r>
-              <a:rPr lang="ko-KR" altLang="en-US" sz="3600" b="1" dirty="0" smtClean="0">
+              <a:t>확진자 국가별 순위</a:t>
+            </a:r>
+            <a:r>
+              <a:rPr lang="en-US" altLang="ko-KR" sz="3600" b="1">
                 <a:solidFill>
                   <a:schemeClr val="accent1">
                     <a:lumMod val="50000"/>
                   </a:schemeClr>
                 </a:solidFill>
-                <a:latin typeface="나눔스퀘어 ExtraBold" panose="020B0600000101010101" pitchFamily="50" charset="-127"/>
-                <a:ea typeface="나눔스퀘어 ExtraBold" panose="020B0600000101010101" pitchFamily="50" charset="-127"/>
+                <a:latin typeface="나눔스퀘어 ExtraBold"/>
+                <a:ea typeface="나눔스퀘어 ExtraBold"/>
               </a:rPr>
-              <a:t> 국가별 순위</a:t>
-            </a:r>
-            <a:r>
-              <a:rPr lang="en-US" altLang="ko-KR" sz="3600" b="1" dirty="0" smtClean="0">
+              <a:t>(</a:t>
+            </a:r>
+            <a:r>
+              <a:rPr lang="ko-KR" altLang="en-US" sz="3600" b="1">
                 <a:solidFill>
                   <a:schemeClr val="accent1">
                     <a:lumMod val="50000"/>
                   </a:schemeClr>
                 </a:solidFill>
-                <a:latin typeface="나눔스퀘어 ExtraBold" panose="020B0600000101010101" pitchFamily="50" charset="-127"/>
-                <a:ea typeface="나눔스퀘어 ExtraBold" panose="020B0600000101010101" pitchFamily="50" charset="-127"/>
+                <a:latin typeface="나눔스퀘어 ExtraBold"/>
+                <a:ea typeface="나눔스퀘어 ExtraBold"/>
               </a:rPr>
-              <a:t>(</a:t>
-            </a:r>
-            <a:r>
-              <a:rPr lang="ko-KR" altLang="en-US" sz="3600" b="1" dirty="0" err="1" smtClean="0">
+              <a:t>완치자</a:t>
+            </a:r>
+            <a:r>
+              <a:rPr lang="en-US" altLang="ko-KR" sz="3600" b="1">
                 <a:solidFill>
                   <a:schemeClr val="accent1">
                     <a:lumMod val="50000"/>
                   </a:schemeClr>
                 </a:solidFill>
-                <a:latin typeface="나눔스퀘어 ExtraBold" panose="020B0600000101010101" pitchFamily="50" charset="-127"/>
-                <a:ea typeface="나눔스퀘어 ExtraBold" panose="020B0600000101010101" pitchFamily="50" charset="-127"/>
-              </a:rPr>
-              <a:t>완치자</a:t>
-            </a:r>
-            <a:r>
-              <a:rPr lang="en-US" altLang="ko-KR" sz="3600" b="1" dirty="0" smtClean="0">
-                <a:solidFill>
-                  <a:schemeClr val="accent1">
-                    <a:lumMod val="50000"/>
-                  </a:schemeClr>
-                </a:solidFill>
-                <a:latin typeface="나눔스퀘어 ExtraBold" panose="020B0600000101010101" pitchFamily="50" charset="-127"/>
-                <a:ea typeface="나눔스퀘어 ExtraBold" panose="020B0600000101010101" pitchFamily="50" charset="-127"/>
+                <a:latin typeface="나눔스퀘어 ExtraBold"/>
+                <a:ea typeface="나눔스퀘어 ExtraBold"/>
               </a:rPr>
               <a:t>)</a:t>
             </a:r>
-            <a:endParaRPr lang="ko-KR" altLang="en-US" sz="3600" b="1" dirty="0">
+            <a:endParaRPr lang="ko-KR" altLang="en-US" sz="3600" b="1">
               <a:solidFill>
                 <a:schemeClr val="accent1">
                   <a:lumMod val="50000"/>
                 </a:schemeClr>
               </a:solidFill>
-              <a:latin typeface="나눔스퀘어 ExtraBold" panose="020B0600000101010101" pitchFamily="50" charset="-127"/>
-              <a:ea typeface="나눔스퀘어 ExtraBold" panose="020B0600000101010101" pitchFamily="50" charset="-127"/>
+              <a:latin typeface="나눔스퀘어 ExtraBold"/>
+              <a:ea typeface="나눔스퀘어 ExtraBold"/>
             </a:endParaRPr>
           </a:p>
         </p:txBody>
       </p:sp>
       <p:sp>
         <p:nvSpPr>
-          <p:cNvPr id="21" name="TextBox 20">
-            <a:extLst>
-              <a:ext uri="{FF2B5EF4-FFF2-40B4-BE49-F238E27FC236}">
-                <a16:creationId xmlns:a16="http://schemas.microsoft.com/office/drawing/2014/main" id="{B6AEE38D-6CC7-41A2-B4AC-E22B635E630B}"/>
-              </a:ext>
-            </a:extLst>
-          </p:cNvPr>
+          <p:cNvPr id="21" name="TextBox 20"/>
           <p:cNvSpPr txBox="1"/>
           <p:nvPr/>
         </p:nvSpPr>
@@ -10446,34 +8585,31 @@
           <a:noFill/>
         </p:spPr>
         <p:txBody>
-          <a:bodyPr wrap="square" rtlCol="0">
+          <a:bodyPr wrap="square">
             <a:spAutoFit/>
           </a:bodyPr>
           <a:lstStyle/>
           <a:p>
-            <a:r>
-              <a:rPr lang="ko-KR" altLang="en-US" sz="2800" b="1" dirty="0" smtClean="0">
-                <a:latin typeface="나눔스퀘어 ExtraBold" panose="020B0600000101010101" pitchFamily="50" charset="-127"/>
-                <a:ea typeface="나눔스퀘어 ExtraBold" panose="020B0600000101010101" pitchFamily="50" charset="-127"/>
+            <a:pPr lvl="0">
+              <a:defRPr/>
+            </a:pPr>
+            <a:r>
+              <a:rPr lang="ko-KR" altLang="en-US" sz="2800" b="1">
+                <a:latin typeface="나눔스퀘어 ExtraBold"/>
+                <a:ea typeface="나눔스퀘어 ExtraBold"/>
               </a:rPr>
               <a:t>순위</a:t>
             </a:r>
-            <a:endParaRPr lang="ko-KR" altLang="en-US" sz="2800" b="1" dirty="0">
-              <a:latin typeface="나눔스퀘어 ExtraBold" panose="020B0600000101010101" pitchFamily="50" charset="-127"/>
-              <a:ea typeface="나눔스퀘어 ExtraBold" panose="020B0600000101010101" pitchFamily="50" charset="-127"/>
+            <a:endParaRPr lang="ko-KR" altLang="en-US" sz="2800" b="1">
+              <a:latin typeface="나눔스퀘어 ExtraBold"/>
+              <a:ea typeface="나눔스퀘어 ExtraBold"/>
             </a:endParaRPr>
           </a:p>
         </p:txBody>
       </p:sp>
       <p:cxnSp>
         <p:nvCxnSpPr>
-          <p:cNvPr id="22" name="직선 연결선 21">
-            <a:extLst>
-              <a:ext uri="{FF2B5EF4-FFF2-40B4-BE49-F238E27FC236}">
-                <a16:creationId xmlns:a16="http://schemas.microsoft.com/office/drawing/2014/main" id="{08C422D0-4EF4-4D16-9138-D7D4D0A7A56F}"/>
-              </a:ext>
-            </a:extLst>
-          </p:cNvPr>
+          <p:cNvPr id="22" name="직선 연결선 21"/>
           <p:cNvCxnSpPr/>
           <p:nvPr/>
         </p:nvCxnSpPr>
@@ -10504,20 +8640,14 @@
       </p:cxnSp>
       <p:sp>
         <p:nvSpPr>
-          <p:cNvPr id="23" name="TextBox 22">
-            <a:extLst>
-              <a:ext uri="{FF2B5EF4-FFF2-40B4-BE49-F238E27FC236}">
-                <a16:creationId xmlns:a16="http://schemas.microsoft.com/office/drawing/2014/main" id="{9C006FA2-5A5E-4E43-9307-B266158068B7}"/>
-              </a:ext>
-            </a:extLst>
-          </p:cNvPr>
+          <p:cNvPr id="23" name="TextBox 22"/>
           <p:cNvSpPr txBox="1"/>
           <p:nvPr/>
         </p:nvSpPr>
         <p:spPr>
           <a:xfrm>
             <a:off x="8598749" y="3311601"/>
-            <a:ext cx="5539740" cy="1631216"/>
+            <a:ext cx="5539740" cy="1610919"/>
           </a:xfrm>
           <a:prstGeom prst="rect">
             <a:avLst/>
@@ -10525,109 +8655,119 @@
           <a:noFill/>
         </p:spPr>
         <p:txBody>
-          <a:bodyPr wrap="square" rtlCol="0">
+          <a:bodyPr wrap="square">
             <a:spAutoFit/>
           </a:bodyPr>
           <a:lstStyle/>
           <a:p>
-            <a:pPr algn="just"/>
-            <a:r>
-              <a:rPr lang="en-US" altLang="ko-KR" sz="2000" dirty="0" smtClean="0"/>
+            <a:pPr algn="just">
+              <a:defRPr/>
+            </a:pPr>
+            <a:r>
+              <a:rPr lang="en-US" altLang="ko-KR" sz="2000"/>
               <a:t>1</a:t>
             </a:r>
             <a:r>
-              <a:rPr lang="ko-KR" altLang="en-US" sz="2000" dirty="0" smtClean="0"/>
-              <a:t>등 </a:t>
-            </a:r>
-            <a:r>
-              <a:rPr lang="en-US" altLang="ko-KR" sz="2000" dirty="0" smtClean="0"/>
+              <a:rPr lang="ko-KR" altLang="en-US" sz="2000"/>
+              <a:t>위 </a:t>
+            </a:r>
+            <a:r>
+              <a:rPr lang="en-US" altLang="ko-KR" sz="2000"/>
               <a:t>: </a:t>
             </a:r>
             <a:r>
-              <a:rPr lang="ko-KR" altLang="en-US" sz="2000" dirty="0" smtClean="0"/>
+              <a:rPr lang="ko-KR" altLang="en-US" sz="2000"/>
               <a:t>미국 </a:t>
             </a:r>
-            <a:endParaRPr lang="en-US" altLang="ko-KR" sz="2000" dirty="0" smtClean="0"/>
-          </a:p>
-          <a:p>
-            <a:pPr algn="just"/>
-            <a:r>
-              <a:rPr lang="en-US" altLang="ko-KR" sz="2000" dirty="0" smtClean="0"/>
+            <a:endParaRPr lang="ko-KR" altLang="en-US" sz="2000"/>
+          </a:p>
+          <a:p>
+            <a:pPr algn="just">
+              <a:defRPr/>
+            </a:pPr>
+            <a:r>
+              <a:rPr lang="en-US" altLang="ko-KR" sz="2000"/>
               <a:t>2</a:t>
             </a:r>
             <a:r>
-              <a:rPr lang="ko-KR" altLang="en-US" sz="2000" dirty="0" smtClean="0"/>
-              <a:t>등 </a:t>
-            </a:r>
-            <a:r>
-              <a:rPr lang="en-US" altLang="ko-KR" sz="2000" dirty="0" smtClean="0"/>
+              <a:rPr lang="ko-KR" altLang="en-US" sz="2000"/>
+              <a:t>위 </a:t>
+            </a:r>
+            <a:r>
+              <a:rPr lang="en-US" altLang="ko-KR" sz="2000"/>
               <a:t>: </a:t>
             </a:r>
             <a:r>
-              <a:rPr lang="ko-KR" altLang="en-US" sz="2000" dirty="0" smtClean="0"/>
+              <a:rPr lang="ko-KR" altLang="en-US" sz="2000"/>
               <a:t>인도</a:t>
             </a:r>
-            <a:endParaRPr lang="en-US" altLang="ko-KR" sz="2000" dirty="0" smtClean="0"/>
-          </a:p>
-          <a:p>
-            <a:pPr algn="just"/>
-            <a:r>
-              <a:rPr lang="en-US" altLang="ko-KR" sz="2000" dirty="0" smtClean="0"/>
+            <a:endParaRPr lang="ko-KR" altLang="en-US" sz="2000"/>
+          </a:p>
+          <a:p>
+            <a:pPr algn="just">
+              <a:defRPr/>
+            </a:pPr>
+            <a:r>
+              <a:rPr lang="en-US" altLang="ko-KR" sz="2000"/>
               <a:t>3</a:t>
             </a:r>
             <a:r>
-              <a:rPr lang="ko-KR" altLang="en-US" sz="2000" dirty="0" smtClean="0"/>
-              <a:t>등 </a:t>
-            </a:r>
-            <a:r>
-              <a:rPr lang="en-US" altLang="ko-KR" sz="2000" dirty="0" smtClean="0"/>
+              <a:rPr lang="ko-KR" altLang="en-US" sz="2000"/>
+              <a:t>위 </a:t>
+            </a:r>
+            <a:r>
+              <a:rPr lang="en-US" altLang="ko-KR" sz="2000"/>
               <a:t>: </a:t>
             </a:r>
             <a:r>
-              <a:rPr lang="ko-KR" altLang="en-US" sz="2000" dirty="0" smtClean="0"/>
+              <a:rPr lang="ko-KR" altLang="en-US" sz="2000"/>
               <a:t>브라질</a:t>
             </a:r>
-            <a:endParaRPr lang="en-US" altLang="ko-KR" sz="2000" dirty="0" smtClean="0"/>
-          </a:p>
-          <a:p>
-            <a:pPr algn="just"/>
-            <a:r>
-              <a:rPr lang="en-US" altLang="ko-KR" sz="2000" dirty="0" smtClean="0"/>
+            <a:endParaRPr lang="ko-KR" altLang="en-US" sz="2000"/>
+          </a:p>
+          <a:p>
+            <a:pPr algn="just">
+              <a:defRPr/>
+            </a:pPr>
+            <a:r>
+              <a:rPr lang="en-US" altLang="ko-KR" sz="2000"/>
               <a:t>4</a:t>
             </a:r>
             <a:r>
-              <a:rPr lang="ko-KR" altLang="en-US" sz="2000" dirty="0" smtClean="0"/>
-              <a:t>등 </a:t>
-            </a:r>
-            <a:r>
-              <a:rPr lang="en-US" altLang="ko-KR" sz="2000" dirty="0" smtClean="0"/>
+              <a:rPr lang="ko-KR" altLang="en-US" sz="2000"/>
+              <a:t>위 </a:t>
+            </a:r>
+            <a:r>
+              <a:rPr lang="en-US" altLang="ko-KR" sz="2000"/>
               <a:t>: </a:t>
             </a:r>
             <a:r>
-              <a:rPr lang="ko-KR" altLang="en-US" sz="2000" dirty="0" smtClean="0"/>
+              <a:rPr lang="ko-KR" altLang="en-US" sz="2000"/>
               <a:t>프랑스</a:t>
             </a:r>
-            <a:endParaRPr lang="en-US" altLang="ko-KR" sz="2000" dirty="0" smtClean="0"/>
-          </a:p>
-          <a:p>
-            <a:pPr algn="just"/>
-            <a:r>
-              <a:rPr lang="en-US" altLang="ko-KR" sz="2000" dirty="0" smtClean="0"/>
+            <a:endParaRPr lang="ko-KR" altLang="en-US" sz="2000"/>
+          </a:p>
+          <a:p>
+            <a:pPr algn="just">
+              <a:defRPr/>
+            </a:pPr>
+            <a:r>
+              <a:rPr lang="en-US" altLang="ko-KR" sz="2000"/>
               <a:t>5</a:t>
             </a:r>
             <a:r>
-              <a:rPr lang="ko-KR" altLang="en-US" sz="2000" dirty="0" smtClean="0"/>
-              <a:t>등 </a:t>
-            </a:r>
-            <a:r>
-              <a:rPr lang="en-US" altLang="ko-KR" sz="2000" dirty="0" smtClean="0"/>
+              <a:rPr lang="ko-KR" altLang="en-US" sz="2000"/>
+              <a:t>위 </a:t>
+            </a:r>
+            <a:r>
+              <a:rPr lang="en-US" altLang="ko-KR" sz="2000"/>
               <a:t>: </a:t>
             </a:r>
             <a:r>
-              <a:rPr lang="ko-KR" altLang="en-US" sz="2000" dirty="0" smtClean="0"/>
+              <a:rPr lang="ko-KR" altLang="en-US" sz="2000"/>
               <a:t>터키</a:t>
             </a:r>
-            <a:endParaRPr lang="ko-KR" altLang="en-US" sz="2000" dirty="0"/>
+            <a:endParaRPr lang="ko-KR" altLang="en-US" sz="2000"/>
           </a:p>
         </p:txBody>
       </p:sp>
@@ -10635,13 +8775,7 @@
         <p:nvGraphicFramePr>
           <p:cNvPr id="14" name="차트 13"/>
           <p:cNvGraphicFramePr/>
-          <p:nvPr>
-            <p:extLst>
-              <p:ext uri="{D42A27DB-BD31-4B8C-83A1-F6EECF244321}">
-                <p14:modId xmlns:p14="http://schemas.microsoft.com/office/powerpoint/2010/main" val="3086990040"/>
-              </p:ext>
-            </p:extLst>
-          </p:nvPr>
+          <p:nvPr/>
         </p:nvGraphicFramePr>
         <p:xfrm>
           <a:off x="142544" y="922583"/>
@@ -10649,28 +8783,23 @@
         </p:xfrm>
         <a:graphic>
           <a:graphicData uri="http://schemas.openxmlformats.org/drawingml/2006/chart">
-            <c:chart xmlns:c="http://schemas.openxmlformats.org/drawingml/2006/chart" xmlns:r="http://schemas.openxmlformats.org/officeDocument/2006/relationships" r:id="rId2"/>
+            <c:chart r:id="rId2"/>
           </a:graphicData>
         </a:graphic>
       </p:graphicFrame>
     </p:spTree>
-    <p:extLst>
-      <p:ext uri="{BB962C8B-B14F-4D97-AF65-F5344CB8AC3E}">
-        <p14:creationId xmlns:p14="http://schemas.microsoft.com/office/powerpoint/2010/main" val="2574762922"/>
-      </p:ext>
-    </p:extLst>
   </p:cSld>
   <p:clrMapOvr>
     <a:masterClrMapping/>
   </p:clrMapOvr>
   <mc:AlternateContent xmlns:mc="http://schemas.openxmlformats.org/markup-compatibility/2006">
-    <mc:Choice xmlns:p159="http://schemas.microsoft.com/office/powerpoint/2015/09/main" xmlns="" Requires="p159">
-      <p:transition xmlns:p14="http://schemas.microsoft.com/office/powerpoint/2010/main" spd="slow" p14:dur="2000">
-        <p159:morph option="byObject"/>
+    <mc:Choice xmlns:p14="http://schemas.microsoft.com/office/powerpoint/2010/main" Requires="p14">
+      <p:transition xmlns:mc="http://schemas.openxmlformats.org/markup-compatibility/2006" xmlns:p14="http://schemas.microsoft.com/office/powerpoint/2010/main" spd="med" mc:Ignorable="p14" p14:dur="1000">
+        <p:fade/>
       </p:transition>
     </mc:Choice>
     <mc:Fallback>
-      <p:transition spd="slow">
+      <p:transition xmlns:mc="http://schemas.openxmlformats.org/markup-compatibility/2006" xmlns:hp="http://schemas.haansoft.com/office/presentation/8.0" spd="med" mc:Ignorable="hp" hp:hslDur="1000">
         <p:fade/>
       </p:transition>
     </mc:Fallback>
@@ -10967,44 +9096,44 @@
 </file>
 
 <file path=ppt/theme/theme1.xml><?xml version="1.0" encoding="utf-8"?>
-<a:theme xmlns:a="http://schemas.openxmlformats.org/drawingml/2006/main" name="Office 테마">
+<a:theme xmlns:r="http://schemas.openxmlformats.org/officeDocument/2006/relationships" xmlns:c="http://schemas.openxmlformats.org/drawingml/2006/chart" xmlns:dgm="http://schemas.openxmlformats.org/drawingml/2006/diagram" xmlns:dsp="http://schemas.microsoft.com/office/drawing/2008/diagram" xmlns:a="http://schemas.openxmlformats.org/drawingml/2006/main" xmlns:pic="http://schemas.openxmlformats.org/drawingml/2006/picture" xmlns:wp="http://schemas.openxmlformats.org/drawingml/2006/wordprocessingDrawing" xmlns:xdr="http://schemas.openxmlformats.org/drawingml/2006/spreadsheetDrawing" name="Office 테마">
   <a:themeElements>
     <a:clrScheme name="클래식블루">
       <a:dk1>
         <a:sysClr val="windowText" lastClr="000000"/>
       </a:dk1>
       <a:lt1>
-        <a:sysClr val="window" lastClr="FFFFFF"/>
+        <a:sysClr val="window" lastClr="ffffff"/>
       </a:lt1>
       <a:dk2>
-        <a:srgbClr val="44546A"/>
+        <a:srgbClr val="44546a"/>
       </a:dk2>
       <a:lt2>
-        <a:srgbClr val="E7E6E6"/>
+        <a:srgbClr val="e7e6e6"/>
       </a:lt2>
       <a:accent1>
-        <a:srgbClr val="024B80"/>
+        <a:srgbClr val="024b80"/>
       </a:accent1>
       <a:accent2>
-        <a:srgbClr val="1282B0"/>
+        <a:srgbClr val="1282b0"/>
       </a:accent2>
       <a:accent3>
-        <a:srgbClr val="C5C2B3"/>
+        <a:srgbClr val="c5c2b3"/>
       </a:accent3>
       <a:accent4>
-        <a:srgbClr val="BEAD75"/>
+        <a:srgbClr val="bead75"/>
       </a:accent4>
       <a:accent5>
-        <a:srgbClr val="3371AE"/>
+        <a:srgbClr val="3371ae"/>
       </a:accent5>
       <a:accent6>
-        <a:srgbClr val="5F8BC8"/>
+        <a:srgbClr val="5f8bc8"/>
       </a:accent6>
       <a:hlink>
-        <a:srgbClr val="323F4F"/>
+        <a:srgbClr val="323f4f"/>
       </a:hlink>
       <a:folHlink>
-        <a:srgbClr val="323F4F"/>
+        <a:srgbClr val="323f4f"/>
       </a:folHlink>
     </a:clrScheme>
     <a:fontScheme name="나눔스퀘어">
@@ -11083,21 +9212,21 @@
             <a:schemeClr val="phClr"/>
           </a:solidFill>
           <a:prstDash val="solid"/>
-          <a:miter lim="800000"/>
+          <a:miter/>
         </a:ln>
         <a:ln w="12700" cap="flat" cmpd="sng" algn="ctr">
           <a:solidFill>
             <a:schemeClr val="phClr"/>
           </a:solidFill>
           <a:prstDash val="solid"/>
-          <a:miter lim="800000"/>
+          <a:miter/>
         </a:ln>
         <a:ln w="19050" cap="flat" cmpd="sng" algn="ctr">
           <a:solidFill>
             <a:schemeClr val="phClr"/>
           </a:solidFill>
           <a:prstDash val="solid"/>
-          <a:miter lim="800000"/>
+          <a:miter/>
         </a:ln>
       </a:lnStyleLst>
       <a:effectStyleLst>
@@ -11187,12 +9316,30 @@
         </a:fontRef>
       </a:style>
     </a:spDef>
+    <a:lnDef>
+      <a:spPr/>
+      <a:bodyPr/>
+      <a:lstStyle/>
+      <a:style>
+        <a:lnRef idx="1">
+          <a:schemeClr val="accent1"/>
+        </a:lnRef>
+        <a:fillRef idx="0">
+          <a:schemeClr val="accent1"/>
+        </a:fillRef>
+        <a:effectRef idx="0">
+          <a:schemeClr val="accent1"/>
+        </a:effectRef>
+        <a:fontRef idx="minor">
+          <a:schemeClr val="tx1"/>
+        </a:fontRef>
+      </a:style>
+    </a:lnDef>
+    <a:txDef>
+      <a:spPr/>
+      <a:bodyPr/>
+      <a:lstStyle/>
+    </a:txDef>
   </a:objectDefaults>
-  <a:extraClrSchemeLst/>
-  <a:extLst>
-    <a:ext uri="{05A4C25C-085E-4340-85A3-A5531E510DB2}">
-      <thm15:themeFamily xmlns:thm15="http://schemas.microsoft.com/office/thememl/2012/main" name="Office Theme" id="{62F939B6-93AF-4DB8-9C6B-D6C7DFDC589F}" vid="{4A3C46E8-61CC-4603-A589-7422A47A8E4A}"/>
-    </a:ext>
-  </a:extLst>
 </a:theme>
 </file>
--- a/코로나 국가별 인원(30412서준호).pptx
+++ b/코로나 국가별 인원(30412서준호).pptx
@@ -2,7 +2,7 @@
 <file path=ppt/presentation.xml><?xml version="1.0" encoding="utf-8"?>
 <p:presentation xmlns:r="http://schemas.openxmlformats.org/officeDocument/2006/relationships" xmlns:c="http://schemas.openxmlformats.org/drawingml/2006/chart" xmlns:a="http://schemas.openxmlformats.org/drawingml/2006/main" xmlns:dgm="http://schemas.openxmlformats.org/drawingml/2006/diagram" xmlns:dsp="http://schemas.microsoft.com/office/drawing/2008/diagram" xmlns:p="http://schemas.openxmlformats.org/presentationml/2006/main">
   <p:sldMasterIdLst>
-    <p:sldMasterId id="2147483661" r:id="rId1"/>
+    <p:sldMasterId id="2147483662" r:id="rId1"/>
   </p:sldMasterIdLst>
   <p:sldIdLst>
     <p:sldId id="256" r:id="rId2"/>
@@ -270,7 +270,7 @@
         <c:axPos val="b"/>
         <c:crossAx val="1363824736"/>
         <c:delete val="0"/>
-        <c:numFmt formatCode="General" sourceLinked="1"/>
+        <c:numFmt formatCode="#,##0" sourceLinked="1"/>
         <c:majorTickMark val="none"/>
         <c:minorTickMark val="none"/>
         <c:tickLblPos val="nextTo"/>
@@ -432,8 +432,10 @@
 </file>
 
 <file path=ppt/charts/chart2.xml><?xml version="1.0" encoding="utf-8"?>
-<c:chartSpace xmlns:r="http://schemas.openxmlformats.org/officeDocument/2006/relationships" xmlns:a="http://schemas.openxmlformats.org/drawingml/2006/main" xmlns:c="http://schemas.openxmlformats.org/drawingml/2006/chart">
+<c:chartSpace xmlns:c="http://schemas.openxmlformats.org/drawingml/2006/chart" xmlns:a="http://schemas.openxmlformats.org/drawingml/2006/main" xmlns:r="http://schemas.openxmlformats.org/officeDocument/2006/relationships" xmlns:c16r2="http://schemas.microsoft.com/office/drawing/2015/06/chart">
   <c:date1904 val="0"/>
+  <c:lang val="ko-KR"/>
+  <c:roundedCorners val="0"/>
   <mc:AlternateContent xmlns:mc="http://schemas.openxmlformats.org/markup-compatibility/2006">
     <mc:Choice xmlns:c14="http://schemas.microsoft.com/office/drawing/2007/8/2/chart" Requires="c14">
       <c14:style val="102"/>
@@ -442,29 +444,31 @@
       <c:style val="2"/>
     </mc:Fallback>
   </mc:AlternateContent>
-  <c:roundedCorners val="0"/>
   <c:chart>
     <c:title>
       <c:tx>
         <c:rich>
-          <a:bodyPr rot="0" vert="horz"/>
+          <a:bodyPr rot="0" spcFirstLastPara="1" vertOverflow="ellipsis" vert="horz" wrap="square" anchor="ctr" anchorCtr="1"/>
           <a:lstStyle/>
           <a:p>
             <a:pPr>
-              <a:defRPr sz="1862" b="0" i="0">
+              <a:defRPr sz="1862" b="0" i="0" u="none" strike="noStrike" kern="1200" spc="0" baseline="0">
                 <a:solidFill>
                   <a:schemeClr val="tx1">
                     <a:lumMod val="65000"/>
                     <a:lumOff val="35000"/>
                   </a:schemeClr>
                 </a:solidFill>
+                <a:latin typeface="+mn-lt"/>
+                <a:ea typeface="+mn-ea"/>
+                <a:cs typeface="+mn-cs"/>
               </a:defRPr>
             </a:pPr>
             <a:r>
               <a:rPr lang="ko-KR" altLang="en-US" dirty="0" smtClean="0"/>
               <a:t>사망자</a:t>
             </a:r>
-            <a:endParaRPr lang="ko-KR"/>
+            <a:endParaRPr lang="ko-KR" altLang="en-US" dirty="0"/>
           </a:p>
         </c:rich>
       </c:tx>
@@ -477,6 +481,26 @@
         </a:ln>
         <a:effectLst/>
       </c:spPr>
+      <c:txPr>
+        <a:bodyPr rot="0" spcFirstLastPara="1" vertOverflow="ellipsis" vert="horz" wrap="square" anchor="ctr" anchorCtr="1"/>
+        <a:lstStyle/>
+        <a:p>
+          <a:pPr>
+            <a:defRPr sz="1862" b="0" i="0" u="none" strike="noStrike" kern="1200" spc="0" baseline="0">
+              <a:solidFill>
+                <a:schemeClr val="tx1">
+                  <a:lumMod val="65000"/>
+                  <a:lumOff val="35000"/>
+                </a:schemeClr>
+              </a:solidFill>
+              <a:latin typeface="+mn-lt"/>
+              <a:ea typeface="+mn-ea"/>
+              <a:cs typeface="+mn-cs"/>
+            </a:defRPr>
+          </a:pPr>
+          <a:endParaRPr lang="ko-KR"/>
+        </a:p>
+      </c:txPr>
     </c:title>
     <c:autoTitleDeleted val="0"/>
     <c:plotArea>
@@ -485,10 +509,10 @@
           <c:layoutTarget val="inner"/>
           <c:xMode val="edge"/>
           <c:yMode val="edge"/>
-          <c:x val="0.11201107501983643"/>
-          <c:y val="0.10635955631732941"/>
-          <c:w val="0.86298894882202148"/>
-          <c:h val="0.77283251285552979"/>
+          <c:x val="0.11201107283464568"/>
+          <c:y val="0.10635955300445663"/>
+          <c:w val="0.86298892716535436"/>
+          <c:h val="0.77283250659248848"/>
         </c:manualLayout>
       </c:layout>
       <c:barChart>
@@ -513,7 +537,7 @@
             <a:solidFill>
               <a:schemeClr val="accent1"/>
             </a:solidFill>
-            <a:ln w="9525">
+            <a:ln>
               <a:noFill/>
             </a:ln>
             <a:effectLst/>
@@ -566,16 +590,19 @@
               </c:numCache>
             </c:numRef>
           </c:val>
+          <c:extLst>
+            <c:ext xmlns:c16="http://schemas.microsoft.com/office/drawing/2014/chart" uri="{C3380CC4-5D6E-409C-BE32-E72D297353CC}">
+              <c16:uniqueId val="{00000000-0E58-4216-9C69-2E95B331E550}"/>
+            </c:ext>
+          </c:extLst>
         </c:ser>
         <c:dLbls>
-          <c:delete val="0"/>
           <c:showLegendKey val="0"/>
           <c:showVal val="0"/>
           <c:showCatName val="0"/>
           <c:showSerName val="0"/>
           <c:showPercent val="0"/>
           <c:showBubbleSize val="0"/>
-          <c:showLeaderLines val="0"/>
         </c:dLbls>
         <c:gapWidth val="219"/>
         <c:overlap val="-27"/>
@@ -587,9 +614,8 @@
         <c:scaling>
           <c:orientation val="minMax"/>
         </c:scaling>
+        <c:delete val="0"/>
         <c:axPos val="b"/>
-        <c:crossAx val="1363824736"/>
-        <c:delete val="0"/>
         <c:numFmt formatCode="General" sourceLinked="1"/>
         <c:majorTickMark val="none"/>
         <c:minorTickMark val="none"/>
@@ -608,27 +634,30 @@
           <a:effectLst/>
         </c:spPr>
         <c:txPr>
-          <a:bodyPr/>
+          <a:bodyPr rot="-60000000" spcFirstLastPara="1" vertOverflow="ellipsis" vert="horz" wrap="square" anchor="ctr" anchorCtr="1"/>
           <a:lstStyle/>
           <a:p>
             <a:pPr>
-              <a:defRPr sz="1197" b="0" i="0">
+              <a:defRPr sz="1197" b="0" i="0" u="none" strike="noStrike" kern="1200" baseline="0">
                 <a:solidFill>
                   <a:schemeClr val="tx1">
                     <a:lumMod val="65000"/>
                     <a:lumOff val="35000"/>
                   </a:schemeClr>
                 </a:solidFill>
+                <a:latin typeface="+mn-lt"/>
+                <a:ea typeface="+mn-ea"/>
+                <a:cs typeface="+mn-cs"/>
               </a:defRPr>
             </a:pPr>
             <a:endParaRPr lang="ko-KR"/>
           </a:p>
         </c:txPr>
+        <c:crossAx val="1363824736"/>
         <c:crosses val="autoZero"/>
         <c:auto val="1"/>
         <c:lblAlgn val="ctr"/>
         <c:lblOffset val="100"/>
-        <c:tickMarkSkip val="1"/>
         <c:noMultiLvlLbl val="0"/>
       </c:catAx>
       <c:valAx>
@@ -636,9 +665,8 @@
         <c:scaling>
           <c:orientation val="minMax"/>
         </c:scaling>
+        <c:delete val="0"/>
         <c:axPos val="l"/>
-        <c:crossAx val="1363829728"/>
-        <c:delete val="0"/>
         <c:majorGridlines>
           <c:spPr>
             <a:ln w="9525" cap="flat" cmpd="sng" algn="ctr">
@@ -659,28 +687,32 @@
         <c:tickLblPos val="nextTo"/>
         <c:spPr>
           <a:noFill/>
-          <a:ln w="9525">
+          <a:ln>
             <a:noFill/>
           </a:ln>
           <a:effectLst/>
         </c:spPr>
         <c:txPr>
-          <a:bodyPr/>
+          <a:bodyPr rot="-60000000" spcFirstLastPara="1" vertOverflow="ellipsis" vert="horz" wrap="square" anchor="ctr" anchorCtr="1"/>
           <a:lstStyle/>
           <a:p>
             <a:pPr>
-              <a:defRPr sz="1197" b="0" i="0">
+              <a:defRPr sz="1197" b="0" i="0" u="none" strike="noStrike" kern="1200" baseline="0">
                 <a:solidFill>
                   <a:schemeClr val="tx1">
                     <a:lumMod val="65000"/>
                     <a:lumOff val="35000"/>
                   </a:schemeClr>
                 </a:solidFill>
+                <a:latin typeface="+mn-lt"/>
+                <a:ea typeface="+mn-ea"/>
+                <a:cs typeface="+mn-cs"/>
               </a:defRPr>
             </a:pPr>
             <a:endParaRPr lang="ko-KR"/>
           </a:p>
         </c:txPr>
+        <c:crossAx val="1363829728"/>
         <c:crosses val="autoZero"/>
         <c:crossBetween val="between"/>
       </c:valAx>
@@ -698,31 +730,43 @@
       <c:overlay val="0"/>
       <c:spPr>
         <a:noFill/>
-        <a:ln w="9525">
+        <a:ln>
           <a:noFill/>
         </a:ln>
         <a:effectLst/>
       </c:spPr>
       <c:txPr>
-        <a:bodyPr rot="0" vert="horz"/>
+        <a:bodyPr rot="0" spcFirstLastPara="1" vertOverflow="ellipsis" vert="horz" wrap="square" anchor="ctr" anchorCtr="1"/>
         <a:lstStyle/>
         <a:p>
           <a:pPr>
-            <a:defRPr sz="1197" b="0" i="0">
+            <a:defRPr sz="1197" b="0" i="0" u="none" strike="noStrike" kern="1200" baseline="0">
               <a:solidFill>
                 <a:schemeClr val="tx1">
                   <a:lumMod val="65000"/>
                   <a:lumOff val="35000"/>
                 </a:schemeClr>
               </a:solidFill>
+              <a:latin typeface="+mn-lt"/>
+              <a:ea typeface="+mn-ea"/>
+              <a:cs typeface="+mn-cs"/>
             </a:defRPr>
           </a:pPr>
           <a:endParaRPr lang="ko-KR"/>
         </a:p>
       </c:txPr>
     </c:legend>
+    <c:plotVisOnly val="1"/>
     <c:dispBlanksAs val="gap"/>
+    <c:showDLblsOverMax val="0"/>
   </c:chart>
+  <c:spPr>
+    <a:noFill/>
+    <a:ln>
+      <a:noFill/>
+    </a:ln>
+    <a:effectLst/>
+  </c:spPr>
   <c:txPr>
     <a:bodyPr/>
     <a:lstStyle/>
@@ -733,27 +777,17 @@
       <a:endParaRPr lang="ko-KR"/>
     </a:p>
   </c:txPr>
-  <c:spPr>
-    <a:noFill/>
-    <a:ln w="9525">
-      <a:noFill/>
-    </a:ln>
-    <a:effectLst/>
-  </c:spPr>
-  <c:extLst>
-    <c:ext uri="CC8EB2C9-7E31-499d-B8F2-F6CE61031016">
-      <ho:hncChartStyle xmlns:ho="http://schemas.haansoft.com/office/8.0" layoutIndex="-1" colorIndex="-1" styleIndex="-1"/>
-    </c:ext>
-  </c:extLst>
-  <c:externalData r:id="rId1">
+  <c:externalData r:id="rId3">
     <c:autoUpdate val="0"/>
   </c:externalData>
 </c:chartSpace>
 </file>
 
 <file path=ppt/charts/chart3.xml><?xml version="1.0" encoding="utf-8"?>
-<c:chartSpace xmlns:r="http://schemas.openxmlformats.org/officeDocument/2006/relationships" xmlns:a="http://schemas.openxmlformats.org/drawingml/2006/main" xmlns:c="http://schemas.openxmlformats.org/drawingml/2006/chart">
+<c:chartSpace xmlns:c="http://schemas.openxmlformats.org/drawingml/2006/chart" xmlns:a="http://schemas.openxmlformats.org/drawingml/2006/main" xmlns:r="http://schemas.openxmlformats.org/officeDocument/2006/relationships" xmlns:c16r2="http://schemas.microsoft.com/office/drawing/2015/06/chart">
   <c:date1904 val="0"/>
+  <c:lang val="ko-KR"/>
+  <c:roundedCorners val="0"/>
   <mc:AlternateContent xmlns:mc="http://schemas.openxmlformats.org/markup-compatibility/2006">
     <mc:Choice xmlns:c14="http://schemas.microsoft.com/office/drawing/2007/8/2/chart" Requires="c14">
       <c14:style val="102"/>
@@ -762,29 +796,31 @@
       <c:style val="2"/>
     </mc:Fallback>
   </mc:AlternateContent>
-  <c:roundedCorners val="0"/>
   <c:chart>
     <c:title>
       <c:tx>
         <c:rich>
-          <a:bodyPr rot="0" vert="horz"/>
+          <a:bodyPr rot="0" spcFirstLastPara="1" vertOverflow="ellipsis" vert="horz" wrap="square" anchor="ctr" anchorCtr="1"/>
           <a:lstStyle/>
           <a:p>
             <a:pPr>
-              <a:defRPr sz="1862" b="0" i="0">
+              <a:defRPr sz="1862" b="0" i="0" u="none" strike="noStrike" kern="1200" spc="0" baseline="0">
                 <a:solidFill>
                   <a:schemeClr val="tx1">
                     <a:lumMod val="65000"/>
                     <a:lumOff val="35000"/>
                   </a:schemeClr>
                 </a:solidFill>
+                <a:latin typeface="+mn-lt"/>
+                <a:ea typeface="+mn-ea"/>
+                <a:cs typeface="+mn-cs"/>
               </a:defRPr>
             </a:pPr>
             <a:r>
-              <a:rPr lang="ko-KR" altLang="en-US" dirty="0" smtClean="0"/>
+              <a:rPr lang="ko-KR" altLang="en-US" dirty="0" err="1" smtClean="0"/>
               <a:t>완치자</a:t>
             </a:r>
-            <a:endParaRPr lang="ko-KR"/>
+            <a:endParaRPr lang="ko-KR" altLang="en-US" dirty="0"/>
           </a:p>
         </c:rich>
       </c:tx>
@@ -797,6 +833,26 @@
         </a:ln>
         <a:effectLst/>
       </c:spPr>
+      <c:txPr>
+        <a:bodyPr rot="0" spcFirstLastPara="1" vertOverflow="ellipsis" vert="horz" wrap="square" anchor="ctr" anchorCtr="1"/>
+        <a:lstStyle/>
+        <a:p>
+          <a:pPr>
+            <a:defRPr sz="1862" b="0" i="0" u="none" strike="noStrike" kern="1200" spc="0" baseline="0">
+              <a:solidFill>
+                <a:schemeClr val="tx1">
+                  <a:lumMod val="65000"/>
+                  <a:lumOff val="35000"/>
+                </a:schemeClr>
+              </a:solidFill>
+              <a:latin typeface="+mn-lt"/>
+              <a:ea typeface="+mn-ea"/>
+              <a:cs typeface="+mn-cs"/>
+            </a:defRPr>
+          </a:pPr>
+          <a:endParaRPr lang="ko-KR"/>
+        </a:p>
+      </c:txPr>
     </c:title>
     <c:autoTitleDeleted val="0"/>
     <c:plotArea>
@@ -805,10 +861,10 @@
           <c:layoutTarget val="inner"/>
           <c:xMode val="edge"/>
           <c:yMode val="edge"/>
-          <c:x val="0.11201107501983643"/>
-          <c:y val="0.10635955631732941"/>
-          <c:w val="0.86298894882202148"/>
-          <c:h val="0.77283251285552979"/>
+          <c:x val="0.11201107283464568"/>
+          <c:y val="0.10635955300445663"/>
+          <c:w val="0.86298892716535436"/>
+          <c:h val="0.77283250659248848"/>
         </c:manualLayout>
       </c:layout>
       <c:barChart>
@@ -833,7 +889,7 @@
             <a:solidFill>
               <a:schemeClr val="accent1"/>
             </a:solidFill>
-            <a:ln w="9525">
+            <a:ln>
               <a:noFill/>
             </a:ln>
             <a:effectLst/>
@@ -886,16 +942,19 @@
               </c:numCache>
             </c:numRef>
           </c:val>
+          <c:extLst>
+            <c:ext xmlns:c16="http://schemas.microsoft.com/office/drawing/2014/chart" uri="{C3380CC4-5D6E-409C-BE32-E72D297353CC}">
+              <c16:uniqueId val="{00000000-0E58-4216-9C69-2E95B331E550}"/>
+            </c:ext>
+          </c:extLst>
         </c:ser>
         <c:dLbls>
-          <c:delete val="0"/>
           <c:showLegendKey val="0"/>
           <c:showVal val="0"/>
           <c:showCatName val="0"/>
           <c:showSerName val="0"/>
           <c:showPercent val="0"/>
           <c:showBubbleSize val="0"/>
-          <c:showLeaderLines val="0"/>
         </c:dLbls>
         <c:gapWidth val="219"/>
         <c:overlap val="-27"/>
@@ -907,9 +966,8 @@
         <c:scaling>
           <c:orientation val="minMax"/>
         </c:scaling>
+        <c:delete val="0"/>
         <c:axPos val="b"/>
-        <c:crossAx val="1363824736"/>
-        <c:delete val="0"/>
         <c:numFmt formatCode="General" sourceLinked="1"/>
         <c:majorTickMark val="none"/>
         <c:minorTickMark val="none"/>
@@ -928,27 +986,30 @@
           <a:effectLst/>
         </c:spPr>
         <c:txPr>
-          <a:bodyPr/>
+          <a:bodyPr rot="-60000000" spcFirstLastPara="1" vertOverflow="ellipsis" vert="horz" wrap="square" anchor="ctr" anchorCtr="1"/>
           <a:lstStyle/>
           <a:p>
             <a:pPr>
-              <a:defRPr sz="1197" b="0" i="0">
+              <a:defRPr sz="1197" b="0" i="0" u="none" strike="noStrike" kern="1200" baseline="0">
                 <a:solidFill>
                   <a:schemeClr val="tx1">
                     <a:lumMod val="65000"/>
                     <a:lumOff val="35000"/>
                   </a:schemeClr>
                 </a:solidFill>
+                <a:latin typeface="+mn-lt"/>
+                <a:ea typeface="+mn-ea"/>
+                <a:cs typeface="+mn-cs"/>
               </a:defRPr>
             </a:pPr>
             <a:endParaRPr lang="ko-KR"/>
           </a:p>
         </c:txPr>
+        <c:crossAx val="1363824736"/>
         <c:crosses val="autoZero"/>
         <c:auto val="1"/>
         <c:lblAlgn val="ctr"/>
         <c:lblOffset val="100"/>
-        <c:tickMarkSkip val="1"/>
         <c:noMultiLvlLbl val="0"/>
       </c:catAx>
       <c:valAx>
@@ -956,9 +1017,8 @@
         <c:scaling>
           <c:orientation val="minMax"/>
         </c:scaling>
+        <c:delete val="0"/>
         <c:axPos val="l"/>
-        <c:crossAx val="1363829728"/>
-        <c:delete val="0"/>
         <c:majorGridlines>
           <c:spPr>
             <a:ln w="9525" cap="flat" cmpd="sng" algn="ctr">
@@ -979,28 +1039,32 @@
         <c:tickLblPos val="nextTo"/>
         <c:spPr>
           <a:noFill/>
-          <a:ln w="9525">
+          <a:ln>
             <a:noFill/>
           </a:ln>
           <a:effectLst/>
         </c:spPr>
         <c:txPr>
-          <a:bodyPr/>
+          <a:bodyPr rot="-60000000" spcFirstLastPara="1" vertOverflow="ellipsis" vert="horz" wrap="square" anchor="ctr" anchorCtr="1"/>
           <a:lstStyle/>
           <a:p>
             <a:pPr>
-              <a:defRPr sz="1197" b="0" i="0">
+              <a:defRPr sz="1197" b="0" i="0" u="none" strike="noStrike" kern="1200" baseline="0">
                 <a:solidFill>
                   <a:schemeClr val="tx1">
                     <a:lumMod val="65000"/>
                     <a:lumOff val="35000"/>
                   </a:schemeClr>
                 </a:solidFill>
+                <a:latin typeface="+mn-lt"/>
+                <a:ea typeface="+mn-ea"/>
+                <a:cs typeface="+mn-cs"/>
               </a:defRPr>
             </a:pPr>
             <a:endParaRPr lang="ko-KR"/>
           </a:p>
         </c:txPr>
+        <c:crossAx val="1363829728"/>
         <c:crosses val="autoZero"/>
         <c:crossBetween val="between"/>
       </c:valAx>
@@ -1018,31 +1082,43 @@
       <c:overlay val="0"/>
       <c:spPr>
         <a:noFill/>
-        <a:ln w="9525">
+        <a:ln>
           <a:noFill/>
         </a:ln>
         <a:effectLst/>
       </c:spPr>
       <c:txPr>
-        <a:bodyPr rot="0" vert="horz"/>
+        <a:bodyPr rot="0" spcFirstLastPara="1" vertOverflow="ellipsis" vert="horz" wrap="square" anchor="ctr" anchorCtr="1"/>
         <a:lstStyle/>
         <a:p>
           <a:pPr>
-            <a:defRPr sz="1197" b="0" i="0">
+            <a:defRPr sz="1197" b="0" i="0" u="none" strike="noStrike" kern="1200" baseline="0">
               <a:solidFill>
                 <a:schemeClr val="tx1">
                   <a:lumMod val="65000"/>
                   <a:lumOff val="35000"/>
                 </a:schemeClr>
               </a:solidFill>
+              <a:latin typeface="+mn-lt"/>
+              <a:ea typeface="+mn-ea"/>
+              <a:cs typeface="+mn-cs"/>
             </a:defRPr>
           </a:pPr>
           <a:endParaRPr lang="ko-KR"/>
         </a:p>
       </c:txPr>
     </c:legend>
+    <c:plotVisOnly val="1"/>
     <c:dispBlanksAs val="gap"/>
+    <c:showDLblsOverMax val="0"/>
   </c:chart>
+  <c:spPr>
+    <a:noFill/>
+    <a:ln>
+      <a:noFill/>
+    </a:ln>
+    <a:effectLst/>
+  </c:spPr>
   <c:txPr>
     <a:bodyPr/>
     <a:lstStyle/>
@@ -1053,22 +1129,1096 @@
       <a:endParaRPr lang="ko-KR"/>
     </a:p>
   </c:txPr>
-  <c:spPr>
-    <a:noFill/>
-    <a:ln w="9525">
-      <a:noFill/>
-    </a:ln>
-    <a:effectLst/>
-  </c:spPr>
-  <c:extLst>
-    <c:ext uri="CC8EB2C9-7E31-499d-B8F2-F6CE61031016">
-      <ho:hncChartStyle xmlns:ho="http://schemas.haansoft.com/office/8.0" layoutIndex="-1" colorIndex="-1" styleIndex="-1"/>
-    </c:ext>
-  </c:extLst>
-  <c:externalData r:id="rId1">
+  <c:externalData r:id="rId3">
     <c:autoUpdate val="0"/>
   </c:externalData>
 </c:chartSpace>
+</file>
+
+<file path=ppt/charts/colors1.xml><?xml version="1.0" encoding="utf-8"?>
+<cs:colorStyle xmlns:cs="http://schemas.microsoft.com/office/drawing/2012/chartStyle" xmlns:a="http://schemas.openxmlformats.org/drawingml/2006/main" meth="cycle" id="10">
+  <a:schemeClr val="accent1"/>
+  <a:schemeClr val="accent2"/>
+  <a:schemeClr val="accent3"/>
+  <a:schemeClr val="accent4"/>
+  <a:schemeClr val="accent5"/>
+  <a:schemeClr val="accent6"/>
+  <cs:variation/>
+  <cs:variation>
+    <a:lumMod val="60000"/>
+  </cs:variation>
+  <cs:variation>
+    <a:lumMod val="80000"/>
+    <a:lumOff val="20000"/>
+  </cs:variation>
+  <cs:variation>
+    <a:lumMod val="80000"/>
+  </cs:variation>
+  <cs:variation>
+    <a:lumMod val="60000"/>
+    <a:lumOff val="40000"/>
+  </cs:variation>
+  <cs:variation>
+    <a:lumMod val="50000"/>
+  </cs:variation>
+  <cs:variation>
+    <a:lumMod val="70000"/>
+    <a:lumOff val="30000"/>
+  </cs:variation>
+  <cs:variation>
+    <a:lumMod val="70000"/>
+  </cs:variation>
+  <cs:variation>
+    <a:lumMod val="50000"/>
+    <a:lumOff val="50000"/>
+  </cs:variation>
+</cs:colorStyle>
+</file>
+
+<file path=ppt/charts/colors2.xml><?xml version="1.0" encoding="utf-8"?>
+<cs:colorStyle xmlns:cs="http://schemas.microsoft.com/office/drawing/2012/chartStyle" xmlns:a="http://schemas.openxmlformats.org/drawingml/2006/main" meth="cycle" id="10">
+  <a:schemeClr val="accent1"/>
+  <a:schemeClr val="accent2"/>
+  <a:schemeClr val="accent3"/>
+  <a:schemeClr val="accent4"/>
+  <a:schemeClr val="accent5"/>
+  <a:schemeClr val="accent6"/>
+  <cs:variation/>
+  <cs:variation>
+    <a:lumMod val="60000"/>
+  </cs:variation>
+  <cs:variation>
+    <a:lumMod val="80000"/>
+    <a:lumOff val="20000"/>
+  </cs:variation>
+  <cs:variation>
+    <a:lumMod val="80000"/>
+  </cs:variation>
+  <cs:variation>
+    <a:lumMod val="60000"/>
+    <a:lumOff val="40000"/>
+  </cs:variation>
+  <cs:variation>
+    <a:lumMod val="50000"/>
+  </cs:variation>
+  <cs:variation>
+    <a:lumMod val="70000"/>
+    <a:lumOff val="30000"/>
+  </cs:variation>
+  <cs:variation>
+    <a:lumMod val="70000"/>
+  </cs:variation>
+  <cs:variation>
+    <a:lumMod val="50000"/>
+    <a:lumOff val="50000"/>
+  </cs:variation>
+</cs:colorStyle>
+</file>
+
+<file path=ppt/charts/style1.xml><?xml version="1.0" encoding="utf-8"?>
+<cs:chartStyle xmlns:cs="http://schemas.microsoft.com/office/drawing/2012/chartStyle" xmlns:a="http://schemas.openxmlformats.org/drawingml/2006/main" id="201">
+  <cs:axisTitle>
+    <cs:lnRef idx="0"/>
+    <cs:fillRef idx="0"/>
+    <cs:effectRef idx="0"/>
+    <cs:fontRef idx="minor">
+      <a:schemeClr val="tx1">
+        <a:lumMod val="65000"/>
+        <a:lumOff val="35000"/>
+      </a:schemeClr>
+    </cs:fontRef>
+    <cs:defRPr sz="1330" kern="1200"/>
+  </cs:axisTitle>
+  <cs:categoryAxis>
+    <cs:lnRef idx="0"/>
+    <cs:fillRef idx="0"/>
+    <cs:effectRef idx="0"/>
+    <cs:fontRef idx="minor">
+      <a:schemeClr val="tx1">
+        <a:lumMod val="65000"/>
+        <a:lumOff val="35000"/>
+      </a:schemeClr>
+    </cs:fontRef>
+    <cs:spPr>
+      <a:ln w="9525" cap="flat" cmpd="sng" algn="ctr">
+        <a:solidFill>
+          <a:schemeClr val="tx1">
+            <a:lumMod val="15000"/>
+            <a:lumOff val="85000"/>
+          </a:schemeClr>
+        </a:solidFill>
+        <a:round/>
+      </a:ln>
+    </cs:spPr>
+    <cs:defRPr sz="1197" kern="1200"/>
+  </cs:categoryAxis>
+  <cs:chartArea mods="allowNoFillOverride allowNoLineOverride">
+    <cs:lnRef idx="0"/>
+    <cs:fillRef idx="0"/>
+    <cs:effectRef idx="0"/>
+    <cs:fontRef idx="minor">
+      <a:schemeClr val="tx1"/>
+    </cs:fontRef>
+    <cs:spPr>
+      <a:solidFill>
+        <a:schemeClr val="bg1"/>
+      </a:solidFill>
+      <a:ln w="9525" cap="flat" cmpd="sng" algn="ctr">
+        <a:solidFill>
+          <a:schemeClr val="tx1">
+            <a:lumMod val="15000"/>
+            <a:lumOff val="85000"/>
+          </a:schemeClr>
+        </a:solidFill>
+        <a:round/>
+      </a:ln>
+    </cs:spPr>
+    <cs:defRPr sz="1330" kern="1200"/>
+  </cs:chartArea>
+  <cs:dataLabel>
+    <cs:lnRef idx="0"/>
+    <cs:fillRef idx="0"/>
+    <cs:effectRef idx="0"/>
+    <cs:fontRef idx="minor">
+      <a:schemeClr val="tx1">
+        <a:lumMod val="75000"/>
+        <a:lumOff val="25000"/>
+      </a:schemeClr>
+    </cs:fontRef>
+    <cs:defRPr sz="1197" kern="1200"/>
+  </cs:dataLabel>
+  <cs:dataLabelCallout>
+    <cs:lnRef idx="0"/>
+    <cs:fillRef idx="0"/>
+    <cs:effectRef idx="0"/>
+    <cs:fontRef idx="minor">
+      <a:schemeClr val="dk1">
+        <a:lumMod val="65000"/>
+        <a:lumOff val="35000"/>
+      </a:schemeClr>
+    </cs:fontRef>
+    <cs:spPr>
+      <a:solidFill>
+        <a:schemeClr val="lt1"/>
+      </a:solidFill>
+      <a:ln>
+        <a:solidFill>
+          <a:schemeClr val="dk1">
+            <a:lumMod val="25000"/>
+            <a:lumOff val="75000"/>
+          </a:schemeClr>
+        </a:solidFill>
+      </a:ln>
+    </cs:spPr>
+    <cs:defRPr sz="1197" kern="1200"/>
+    <cs:bodyPr rot="0" spcFirstLastPara="1" vertOverflow="clip" horzOverflow="clip" vert="horz" wrap="square" lIns="36576" tIns="18288" rIns="36576" bIns="18288" anchor="ctr" anchorCtr="1">
+      <a:spAutoFit/>
+    </cs:bodyPr>
+  </cs:dataLabelCallout>
+  <cs:dataPoint>
+    <cs:lnRef idx="0"/>
+    <cs:fillRef idx="1">
+      <cs:styleClr val="auto"/>
+    </cs:fillRef>
+    <cs:effectRef idx="0"/>
+    <cs:fontRef idx="minor">
+      <a:schemeClr val="tx1"/>
+    </cs:fontRef>
+  </cs:dataPoint>
+  <cs:dataPoint3D>
+    <cs:lnRef idx="0"/>
+    <cs:fillRef idx="1">
+      <cs:styleClr val="auto"/>
+    </cs:fillRef>
+    <cs:effectRef idx="0"/>
+    <cs:fontRef idx="minor">
+      <a:schemeClr val="tx1"/>
+    </cs:fontRef>
+  </cs:dataPoint3D>
+  <cs:dataPointLine>
+    <cs:lnRef idx="0">
+      <cs:styleClr val="auto"/>
+    </cs:lnRef>
+    <cs:fillRef idx="1"/>
+    <cs:effectRef idx="0"/>
+    <cs:fontRef idx="minor">
+      <a:schemeClr val="tx1"/>
+    </cs:fontRef>
+    <cs:spPr>
+      <a:ln w="28575" cap="rnd">
+        <a:solidFill>
+          <a:schemeClr val="phClr"/>
+        </a:solidFill>
+        <a:round/>
+      </a:ln>
+    </cs:spPr>
+  </cs:dataPointLine>
+  <cs:dataPointMarker>
+    <cs:lnRef idx="0">
+      <cs:styleClr val="auto"/>
+    </cs:lnRef>
+    <cs:fillRef idx="1">
+      <cs:styleClr val="auto"/>
+    </cs:fillRef>
+    <cs:effectRef idx="0"/>
+    <cs:fontRef idx="minor">
+      <a:schemeClr val="tx1"/>
+    </cs:fontRef>
+    <cs:spPr>
+      <a:ln w="9525">
+        <a:solidFill>
+          <a:schemeClr val="phClr"/>
+        </a:solidFill>
+      </a:ln>
+    </cs:spPr>
+  </cs:dataPointMarker>
+  <cs:dataPointMarkerLayout symbol="circle" size="5"/>
+  <cs:dataPointWireframe>
+    <cs:lnRef idx="0">
+      <cs:styleClr val="auto"/>
+    </cs:lnRef>
+    <cs:fillRef idx="1"/>
+    <cs:effectRef idx="0"/>
+    <cs:fontRef idx="minor">
+      <a:schemeClr val="tx1"/>
+    </cs:fontRef>
+    <cs:spPr>
+      <a:ln w="9525" cap="rnd">
+        <a:solidFill>
+          <a:schemeClr val="phClr"/>
+        </a:solidFill>
+        <a:round/>
+      </a:ln>
+    </cs:spPr>
+  </cs:dataPointWireframe>
+  <cs:dataTable>
+    <cs:lnRef idx="0"/>
+    <cs:fillRef idx="0"/>
+    <cs:effectRef idx="0"/>
+    <cs:fontRef idx="minor">
+      <a:schemeClr val="tx1">
+        <a:lumMod val="65000"/>
+        <a:lumOff val="35000"/>
+      </a:schemeClr>
+    </cs:fontRef>
+    <cs:spPr>
+      <a:noFill/>
+      <a:ln w="9525" cap="flat" cmpd="sng" algn="ctr">
+        <a:solidFill>
+          <a:schemeClr val="tx1">
+            <a:lumMod val="15000"/>
+            <a:lumOff val="85000"/>
+          </a:schemeClr>
+        </a:solidFill>
+        <a:round/>
+      </a:ln>
+    </cs:spPr>
+    <cs:defRPr sz="1197" kern="1200"/>
+  </cs:dataTable>
+  <cs:downBar>
+    <cs:lnRef idx="0"/>
+    <cs:fillRef idx="0"/>
+    <cs:effectRef idx="0"/>
+    <cs:fontRef idx="minor">
+      <a:schemeClr val="dk1"/>
+    </cs:fontRef>
+    <cs:spPr>
+      <a:solidFill>
+        <a:schemeClr val="dk1">
+          <a:lumMod val="65000"/>
+          <a:lumOff val="35000"/>
+        </a:schemeClr>
+      </a:solidFill>
+      <a:ln w="9525">
+        <a:solidFill>
+          <a:schemeClr val="tx1">
+            <a:lumMod val="65000"/>
+            <a:lumOff val="35000"/>
+          </a:schemeClr>
+        </a:solidFill>
+      </a:ln>
+    </cs:spPr>
+  </cs:downBar>
+  <cs:dropLine>
+    <cs:lnRef idx="0"/>
+    <cs:fillRef idx="0"/>
+    <cs:effectRef idx="0"/>
+    <cs:fontRef idx="minor">
+      <a:schemeClr val="tx1"/>
+    </cs:fontRef>
+    <cs:spPr>
+      <a:ln w="9525" cap="flat" cmpd="sng" algn="ctr">
+        <a:solidFill>
+          <a:schemeClr val="tx1">
+            <a:lumMod val="35000"/>
+            <a:lumOff val="65000"/>
+          </a:schemeClr>
+        </a:solidFill>
+        <a:round/>
+      </a:ln>
+    </cs:spPr>
+  </cs:dropLine>
+  <cs:errorBar>
+    <cs:lnRef idx="0"/>
+    <cs:fillRef idx="0"/>
+    <cs:effectRef idx="0"/>
+    <cs:fontRef idx="minor">
+      <a:schemeClr val="tx1"/>
+    </cs:fontRef>
+    <cs:spPr>
+      <a:ln w="9525" cap="flat" cmpd="sng" algn="ctr">
+        <a:solidFill>
+          <a:schemeClr val="tx1">
+            <a:lumMod val="65000"/>
+            <a:lumOff val="35000"/>
+          </a:schemeClr>
+        </a:solidFill>
+        <a:round/>
+      </a:ln>
+    </cs:spPr>
+  </cs:errorBar>
+  <cs:floor>
+    <cs:lnRef idx="0"/>
+    <cs:fillRef idx="0"/>
+    <cs:effectRef idx="0"/>
+    <cs:fontRef idx="minor">
+      <a:schemeClr val="tx1"/>
+    </cs:fontRef>
+    <cs:spPr>
+      <a:noFill/>
+      <a:ln>
+        <a:noFill/>
+      </a:ln>
+    </cs:spPr>
+  </cs:floor>
+  <cs:gridlineMajor>
+    <cs:lnRef idx="0"/>
+    <cs:fillRef idx="0"/>
+    <cs:effectRef idx="0"/>
+    <cs:fontRef idx="minor">
+      <a:schemeClr val="tx1"/>
+    </cs:fontRef>
+    <cs:spPr>
+      <a:ln w="9525" cap="flat" cmpd="sng" algn="ctr">
+        <a:solidFill>
+          <a:schemeClr val="tx1">
+            <a:lumMod val="15000"/>
+            <a:lumOff val="85000"/>
+          </a:schemeClr>
+        </a:solidFill>
+        <a:round/>
+      </a:ln>
+    </cs:spPr>
+  </cs:gridlineMajor>
+  <cs:gridlineMinor>
+    <cs:lnRef idx="0"/>
+    <cs:fillRef idx="0"/>
+    <cs:effectRef idx="0"/>
+    <cs:fontRef idx="minor">
+      <a:schemeClr val="tx1"/>
+    </cs:fontRef>
+    <cs:spPr>
+      <a:ln w="9525" cap="flat" cmpd="sng" algn="ctr">
+        <a:solidFill>
+          <a:schemeClr val="tx1">
+            <a:lumMod val="5000"/>
+            <a:lumOff val="95000"/>
+          </a:schemeClr>
+        </a:solidFill>
+        <a:round/>
+      </a:ln>
+    </cs:spPr>
+  </cs:gridlineMinor>
+  <cs:hiLoLine>
+    <cs:lnRef idx="0"/>
+    <cs:fillRef idx="0"/>
+    <cs:effectRef idx="0"/>
+    <cs:fontRef idx="minor">
+      <a:schemeClr val="tx1"/>
+    </cs:fontRef>
+    <cs:spPr>
+      <a:ln w="9525" cap="flat" cmpd="sng" algn="ctr">
+        <a:solidFill>
+          <a:schemeClr val="tx1">
+            <a:lumMod val="75000"/>
+            <a:lumOff val="25000"/>
+          </a:schemeClr>
+        </a:solidFill>
+        <a:round/>
+      </a:ln>
+    </cs:spPr>
+  </cs:hiLoLine>
+  <cs:leaderLine>
+    <cs:lnRef idx="0"/>
+    <cs:fillRef idx="0"/>
+    <cs:effectRef idx="0"/>
+    <cs:fontRef idx="minor">
+      <a:schemeClr val="tx1"/>
+    </cs:fontRef>
+    <cs:spPr>
+      <a:ln w="9525" cap="flat" cmpd="sng" algn="ctr">
+        <a:solidFill>
+          <a:schemeClr val="tx1">
+            <a:lumMod val="35000"/>
+            <a:lumOff val="65000"/>
+          </a:schemeClr>
+        </a:solidFill>
+        <a:round/>
+      </a:ln>
+    </cs:spPr>
+  </cs:leaderLine>
+  <cs:legend>
+    <cs:lnRef idx="0"/>
+    <cs:fillRef idx="0"/>
+    <cs:effectRef idx="0"/>
+    <cs:fontRef idx="minor">
+      <a:schemeClr val="tx1">
+        <a:lumMod val="65000"/>
+        <a:lumOff val="35000"/>
+      </a:schemeClr>
+    </cs:fontRef>
+    <cs:defRPr sz="1197" kern="1200"/>
+  </cs:legend>
+  <cs:plotArea mods="allowNoFillOverride allowNoLineOverride">
+    <cs:lnRef idx="0"/>
+    <cs:fillRef idx="0"/>
+    <cs:effectRef idx="0"/>
+    <cs:fontRef idx="minor">
+      <a:schemeClr val="tx1"/>
+    </cs:fontRef>
+  </cs:plotArea>
+  <cs:plotArea3D mods="allowNoFillOverride allowNoLineOverride">
+    <cs:lnRef idx="0"/>
+    <cs:fillRef idx="0"/>
+    <cs:effectRef idx="0"/>
+    <cs:fontRef idx="minor">
+      <a:schemeClr val="tx1"/>
+    </cs:fontRef>
+  </cs:plotArea3D>
+  <cs:seriesAxis>
+    <cs:lnRef idx="0"/>
+    <cs:fillRef idx="0"/>
+    <cs:effectRef idx="0"/>
+    <cs:fontRef idx="minor">
+      <a:schemeClr val="tx1">
+        <a:lumMod val="65000"/>
+        <a:lumOff val="35000"/>
+      </a:schemeClr>
+    </cs:fontRef>
+    <cs:defRPr sz="1197" kern="1200"/>
+  </cs:seriesAxis>
+  <cs:seriesLine>
+    <cs:lnRef idx="0"/>
+    <cs:fillRef idx="0"/>
+    <cs:effectRef idx="0"/>
+    <cs:fontRef idx="minor">
+      <a:schemeClr val="tx1"/>
+    </cs:fontRef>
+    <cs:spPr>
+      <a:ln w="9525" cap="flat" cmpd="sng" algn="ctr">
+        <a:solidFill>
+          <a:schemeClr val="tx1">
+            <a:lumMod val="35000"/>
+            <a:lumOff val="65000"/>
+          </a:schemeClr>
+        </a:solidFill>
+        <a:round/>
+      </a:ln>
+    </cs:spPr>
+  </cs:seriesLine>
+  <cs:title>
+    <cs:lnRef idx="0"/>
+    <cs:fillRef idx="0"/>
+    <cs:effectRef idx="0"/>
+    <cs:fontRef idx="minor">
+      <a:schemeClr val="tx1">
+        <a:lumMod val="65000"/>
+        <a:lumOff val="35000"/>
+      </a:schemeClr>
+    </cs:fontRef>
+    <cs:defRPr sz="1862" b="0" kern="1200" spc="0" baseline="0"/>
+  </cs:title>
+  <cs:trendline>
+    <cs:lnRef idx="0">
+      <cs:styleClr val="auto"/>
+    </cs:lnRef>
+    <cs:fillRef idx="0"/>
+    <cs:effectRef idx="0"/>
+    <cs:fontRef idx="minor">
+      <a:schemeClr val="tx1"/>
+    </cs:fontRef>
+    <cs:spPr>
+      <a:ln w="19050" cap="rnd">
+        <a:solidFill>
+          <a:schemeClr val="phClr"/>
+        </a:solidFill>
+        <a:prstDash val="sysDot"/>
+      </a:ln>
+    </cs:spPr>
+  </cs:trendline>
+  <cs:trendlineLabel>
+    <cs:lnRef idx="0"/>
+    <cs:fillRef idx="0"/>
+    <cs:effectRef idx="0"/>
+    <cs:fontRef idx="minor">
+      <a:schemeClr val="tx1">
+        <a:lumMod val="65000"/>
+        <a:lumOff val="35000"/>
+      </a:schemeClr>
+    </cs:fontRef>
+    <cs:defRPr sz="1197" kern="1200"/>
+  </cs:trendlineLabel>
+  <cs:upBar>
+    <cs:lnRef idx="0"/>
+    <cs:fillRef idx="0"/>
+    <cs:effectRef idx="0"/>
+    <cs:fontRef idx="minor">
+      <a:schemeClr val="dk1"/>
+    </cs:fontRef>
+    <cs:spPr>
+      <a:solidFill>
+        <a:schemeClr val="lt1"/>
+      </a:solidFill>
+      <a:ln w="9525">
+        <a:solidFill>
+          <a:schemeClr val="tx1">
+            <a:lumMod val="15000"/>
+            <a:lumOff val="85000"/>
+          </a:schemeClr>
+        </a:solidFill>
+      </a:ln>
+    </cs:spPr>
+  </cs:upBar>
+  <cs:valueAxis>
+    <cs:lnRef idx="0"/>
+    <cs:fillRef idx="0"/>
+    <cs:effectRef idx="0"/>
+    <cs:fontRef idx="minor">
+      <a:schemeClr val="tx1">
+        <a:lumMod val="65000"/>
+        <a:lumOff val="35000"/>
+      </a:schemeClr>
+    </cs:fontRef>
+    <cs:defRPr sz="1197" kern="1200"/>
+  </cs:valueAxis>
+  <cs:wall>
+    <cs:lnRef idx="0"/>
+    <cs:fillRef idx="0"/>
+    <cs:effectRef idx="0"/>
+    <cs:fontRef idx="minor">
+      <a:schemeClr val="tx1"/>
+    </cs:fontRef>
+    <cs:spPr>
+      <a:noFill/>
+      <a:ln>
+        <a:noFill/>
+      </a:ln>
+    </cs:spPr>
+  </cs:wall>
+</cs:chartStyle>
+</file>
+
+<file path=ppt/charts/style2.xml><?xml version="1.0" encoding="utf-8"?>
+<cs:chartStyle xmlns:cs="http://schemas.microsoft.com/office/drawing/2012/chartStyle" xmlns:a="http://schemas.openxmlformats.org/drawingml/2006/main" id="201">
+  <cs:axisTitle>
+    <cs:lnRef idx="0"/>
+    <cs:fillRef idx="0"/>
+    <cs:effectRef idx="0"/>
+    <cs:fontRef idx="minor">
+      <a:schemeClr val="tx1">
+        <a:lumMod val="65000"/>
+        <a:lumOff val="35000"/>
+      </a:schemeClr>
+    </cs:fontRef>
+    <cs:defRPr sz="1330" kern="1200"/>
+  </cs:axisTitle>
+  <cs:categoryAxis>
+    <cs:lnRef idx="0"/>
+    <cs:fillRef idx="0"/>
+    <cs:effectRef idx="0"/>
+    <cs:fontRef idx="minor">
+      <a:schemeClr val="tx1">
+        <a:lumMod val="65000"/>
+        <a:lumOff val="35000"/>
+      </a:schemeClr>
+    </cs:fontRef>
+    <cs:spPr>
+      <a:ln w="9525" cap="flat" cmpd="sng" algn="ctr">
+        <a:solidFill>
+          <a:schemeClr val="tx1">
+            <a:lumMod val="15000"/>
+            <a:lumOff val="85000"/>
+          </a:schemeClr>
+        </a:solidFill>
+        <a:round/>
+      </a:ln>
+    </cs:spPr>
+    <cs:defRPr sz="1197" kern="1200"/>
+  </cs:categoryAxis>
+  <cs:chartArea mods="allowNoFillOverride allowNoLineOverride">
+    <cs:lnRef idx="0"/>
+    <cs:fillRef idx="0"/>
+    <cs:effectRef idx="0"/>
+    <cs:fontRef idx="minor">
+      <a:schemeClr val="tx1"/>
+    </cs:fontRef>
+    <cs:spPr>
+      <a:solidFill>
+        <a:schemeClr val="bg1"/>
+      </a:solidFill>
+      <a:ln w="9525" cap="flat" cmpd="sng" algn="ctr">
+        <a:solidFill>
+          <a:schemeClr val="tx1">
+            <a:lumMod val="15000"/>
+            <a:lumOff val="85000"/>
+          </a:schemeClr>
+        </a:solidFill>
+        <a:round/>
+      </a:ln>
+    </cs:spPr>
+    <cs:defRPr sz="1330" kern="1200"/>
+  </cs:chartArea>
+  <cs:dataLabel>
+    <cs:lnRef idx="0"/>
+    <cs:fillRef idx="0"/>
+    <cs:effectRef idx="0"/>
+    <cs:fontRef idx="minor">
+      <a:schemeClr val="tx1">
+        <a:lumMod val="75000"/>
+        <a:lumOff val="25000"/>
+      </a:schemeClr>
+    </cs:fontRef>
+    <cs:defRPr sz="1197" kern="1200"/>
+  </cs:dataLabel>
+  <cs:dataLabelCallout>
+    <cs:lnRef idx="0"/>
+    <cs:fillRef idx="0"/>
+    <cs:effectRef idx="0"/>
+    <cs:fontRef idx="minor">
+      <a:schemeClr val="dk1">
+        <a:lumMod val="65000"/>
+        <a:lumOff val="35000"/>
+      </a:schemeClr>
+    </cs:fontRef>
+    <cs:spPr>
+      <a:solidFill>
+        <a:schemeClr val="lt1"/>
+      </a:solidFill>
+      <a:ln>
+        <a:solidFill>
+          <a:schemeClr val="dk1">
+            <a:lumMod val="25000"/>
+            <a:lumOff val="75000"/>
+          </a:schemeClr>
+        </a:solidFill>
+      </a:ln>
+    </cs:spPr>
+    <cs:defRPr sz="1197" kern="1200"/>
+    <cs:bodyPr rot="0" spcFirstLastPara="1" vertOverflow="clip" horzOverflow="clip" vert="horz" wrap="square" lIns="36576" tIns="18288" rIns="36576" bIns="18288" anchor="ctr" anchorCtr="1">
+      <a:spAutoFit/>
+    </cs:bodyPr>
+  </cs:dataLabelCallout>
+  <cs:dataPoint>
+    <cs:lnRef idx="0"/>
+    <cs:fillRef idx="1">
+      <cs:styleClr val="auto"/>
+    </cs:fillRef>
+    <cs:effectRef idx="0"/>
+    <cs:fontRef idx="minor">
+      <a:schemeClr val="tx1"/>
+    </cs:fontRef>
+  </cs:dataPoint>
+  <cs:dataPoint3D>
+    <cs:lnRef idx="0"/>
+    <cs:fillRef idx="1">
+      <cs:styleClr val="auto"/>
+    </cs:fillRef>
+    <cs:effectRef idx="0"/>
+    <cs:fontRef idx="minor">
+      <a:schemeClr val="tx1"/>
+    </cs:fontRef>
+  </cs:dataPoint3D>
+  <cs:dataPointLine>
+    <cs:lnRef idx="0">
+      <cs:styleClr val="auto"/>
+    </cs:lnRef>
+    <cs:fillRef idx="1"/>
+    <cs:effectRef idx="0"/>
+    <cs:fontRef idx="minor">
+      <a:schemeClr val="tx1"/>
+    </cs:fontRef>
+    <cs:spPr>
+      <a:ln w="28575" cap="rnd">
+        <a:solidFill>
+          <a:schemeClr val="phClr"/>
+        </a:solidFill>
+        <a:round/>
+      </a:ln>
+    </cs:spPr>
+  </cs:dataPointLine>
+  <cs:dataPointMarker>
+    <cs:lnRef idx="0">
+      <cs:styleClr val="auto"/>
+    </cs:lnRef>
+    <cs:fillRef idx="1">
+      <cs:styleClr val="auto"/>
+    </cs:fillRef>
+    <cs:effectRef idx="0"/>
+    <cs:fontRef idx="minor">
+      <a:schemeClr val="tx1"/>
+    </cs:fontRef>
+    <cs:spPr>
+      <a:ln w="9525">
+        <a:solidFill>
+          <a:schemeClr val="phClr"/>
+        </a:solidFill>
+      </a:ln>
+    </cs:spPr>
+  </cs:dataPointMarker>
+  <cs:dataPointMarkerLayout symbol="circle" size="5"/>
+  <cs:dataPointWireframe>
+    <cs:lnRef idx="0">
+      <cs:styleClr val="auto"/>
+    </cs:lnRef>
+    <cs:fillRef idx="1"/>
+    <cs:effectRef idx="0"/>
+    <cs:fontRef idx="minor">
+      <a:schemeClr val="tx1"/>
+    </cs:fontRef>
+    <cs:spPr>
+      <a:ln w="9525" cap="rnd">
+        <a:solidFill>
+          <a:schemeClr val="phClr"/>
+        </a:solidFill>
+        <a:round/>
+      </a:ln>
+    </cs:spPr>
+  </cs:dataPointWireframe>
+  <cs:dataTable>
+    <cs:lnRef idx="0"/>
+    <cs:fillRef idx="0"/>
+    <cs:effectRef idx="0"/>
+    <cs:fontRef idx="minor">
+      <a:schemeClr val="tx1">
+        <a:lumMod val="65000"/>
+        <a:lumOff val="35000"/>
+      </a:schemeClr>
+    </cs:fontRef>
+    <cs:spPr>
+      <a:noFill/>
+      <a:ln w="9525" cap="flat" cmpd="sng" algn="ctr">
+        <a:solidFill>
+          <a:schemeClr val="tx1">
+            <a:lumMod val="15000"/>
+            <a:lumOff val="85000"/>
+          </a:schemeClr>
+        </a:solidFill>
+        <a:round/>
+      </a:ln>
+    </cs:spPr>
+    <cs:defRPr sz="1197" kern="1200"/>
+  </cs:dataTable>
+  <cs:downBar>
+    <cs:lnRef idx="0"/>
+    <cs:fillRef idx="0"/>
+    <cs:effectRef idx="0"/>
+    <cs:fontRef idx="minor">
+      <a:schemeClr val="dk1"/>
+    </cs:fontRef>
+    <cs:spPr>
+      <a:solidFill>
+        <a:schemeClr val="dk1">
+          <a:lumMod val="65000"/>
+          <a:lumOff val="35000"/>
+        </a:schemeClr>
+      </a:solidFill>
+      <a:ln w="9525">
+        <a:solidFill>
+          <a:schemeClr val="tx1">
+            <a:lumMod val="65000"/>
+            <a:lumOff val="35000"/>
+          </a:schemeClr>
+        </a:solidFill>
+      </a:ln>
+    </cs:spPr>
+  </cs:downBar>
+  <cs:dropLine>
+    <cs:lnRef idx="0"/>
+    <cs:fillRef idx="0"/>
+    <cs:effectRef idx="0"/>
+    <cs:fontRef idx="minor">
+      <a:schemeClr val="tx1"/>
+    </cs:fontRef>
+    <cs:spPr>
+      <a:ln w="9525" cap="flat" cmpd="sng" algn="ctr">
+        <a:solidFill>
+          <a:schemeClr val="tx1">
+            <a:lumMod val="35000"/>
+            <a:lumOff val="65000"/>
+          </a:schemeClr>
+        </a:solidFill>
+        <a:round/>
+      </a:ln>
+    </cs:spPr>
+  </cs:dropLine>
+  <cs:errorBar>
+    <cs:lnRef idx="0"/>
+    <cs:fillRef idx="0"/>
+    <cs:effectRef idx="0"/>
+    <cs:fontRef idx="minor">
+      <a:schemeClr val="tx1"/>
+    </cs:fontRef>
+    <cs:spPr>
+      <a:ln w="9525" cap="flat" cmpd="sng" algn="ctr">
+        <a:solidFill>
+          <a:schemeClr val="tx1">
+            <a:lumMod val="65000"/>
+            <a:lumOff val="35000"/>
+          </a:schemeClr>
+        </a:solidFill>
+        <a:round/>
+      </a:ln>
+    </cs:spPr>
+  </cs:errorBar>
+  <cs:floor>
+    <cs:lnRef idx="0"/>
+    <cs:fillRef idx="0"/>
+    <cs:effectRef idx="0"/>
+    <cs:fontRef idx="minor">
+      <a:schemeClr val="tx1"/>
+    </cs:fontRef>
+    <cs:spPr>
+      <a:noFill/>
+      <a:ln>
+        <a:noFill/>
+      </a:ln>
+    </cs:spPr>
+  </cs:floor>
+  <cs:gridlineMajor>
+    <cs:lnRef idx="0"/>
+    <cs:fillRef idx="0"/>
+    <cs:effectRef idx="0"/>
+    <cs:fontRef idx="minor">
+      <a:schemeClr val="tx1"/>
+    </cs:fontRef>
+    <cs:spPr>
+      <a:ln w="9525" cap="flat" cmpd="sng" algn="ctr">
+        <a:solidFill>
+          <a:schemeClr val="tx1">
+            <a:lumMod val="15000"/>
+            <a:lumOff val="85000"/>
+          </a:schemeClr>
+        </a:solidFill>
+        <a:round/>
+      </a:ln>
+    </cs:spPr>
+  </cs:gridlineMajor>
+  <cs:gridlineMinor>
+    <cs:lnRef idx="0"/>
+    <cs:fillRef idx="0"/>
+    <cs:effectRef idx="0"/>
+    <cs:fontRef idx="minor">
+      <a:schemeClr val="tx1"/>
+    </cs:fontRef>
+    <cs:spPr>
+      <a:ln w="9525" cap="flat" cmpd="sng" algn="ctr">
+        <a:solidFill>
+          <a:schemeClr val="tx1">
+            <a:lumMod val="5000"/>
+            <a:lumOff val="95000"/>
+          </a:schemeClr>
+        </a:solidFill>
+        <a:round/>
+      </a:ln>
+    </cs:spPr>
+  </cs:gridlineMinor>
+  <cs:hiLoLine>
+    <cs:lnRef idx="0"/>
+    <cs:fillRef idx="0"/>
+    <cs:effectRef idx="0"/>
+    <cs:fontRef idx="minor">
+      <a:schemeClr val="tx1"/>
+    </cs:fontRef>
+    <cs:spPr>
+      <a:ln w="9525" cap="flat" cmpd="sng" algn="ctr">
+        <a:solidFill>
+          <a:schemeClr val="tx1">
+            <a:lumMod val="75000"/>
+            <a:lumOff val="25000"/>
+          </a:schemeClr>
+        </a:solidFill>
+        <a:round/>
+      </a:ln>
+    </cs:spPr>
+  </cs:hiLoLine>
+  <cs:leaderLine>
+    <cs:lnRef idx="0"/>
+    <cs:fillRef idx="0"/>
+    <cs:effectRef idx="0"/>
+    <cs:fontRef idx="minor">
+      <a:schemeClr val="tx1"/>
+    </cs:fontRef>
+    <cs:spPr>
+      <a:ln w="9525" cap="flat" cmpd="sng" algn="ctr">
+        <a:solidFill>
+          <a:schemeClr val="tx1">
+            <a:lumMod val="35000"/>
+            <a:lumOff val="65000"/>
+          </a:schemeClr>
+        </a:solidFill>
+        <a:round/>
+      </a:ln>
+    </cs:spPr>
+  </cs:leaderLine>
+  <cs:legend>
+    <cs:lnRef idx="0"/>
+    <cs:fillRef idx="0"/>
+    <cs:effectRef idx="0"/>
+    <cs:fontRef idx="minor">
+      <a:schemeClr val="tx1">
+        <a:lumMod val="65000"/>
+        <a:lumOff val="35000"/>
+      </a:schemeClr>
+    </cs:fontRef>
+    <cs:defRPr sz="1197" kern="1200"/>
+  </cs:legend>
+  <cs:plotArea mods="allowNoFillOverride allowNoLineOverride">
+    <cs:lnRef idx="0"/>
+    <cs:fillRef idx="0"/>
+    <cs:effectRef idx="0"/>
+    <cs:fontRef idx="minor">
+      <a:schemeClr val="tx1"/>
+    </cs:fontRef>
+  </cs:plotArea>
+  <cs:plotArea3D mods="allowNoFillOverride allowNoLineOverride">
+    <cs:lnRef idx="0"/>
+    <cs:fillRef idx="0"/>
+    <cs:effectRef idx="0"/>
+    <cs:fontRef idx="minor">
+      <a:schemeClr val="tx1"/>
+    </cs:fontRef>
+  </cs:plotArea3D>
+  <cs:seriesAxis>
+    <cs:lnRef idx="0"/>
+    <cs:fillRef idx="0"/>
+    <cs:effectRef idx="0"/>
+    <cs:fontRef idx="minor">
+      <a:schemeClr val="tx1">
+        <a:lumMod val="65000"/>
+        <a:lumOff val="35000"/>
+      </a:schemeClr>
+    </cs:fontRef>
+    <cs:defRPr sz="1197" kern="1200"/>
+  </cs:seriesAxis>
+  <cs:seriesLine>
+    <cs:lnRef idx="0"/>
+    <cs:fillRef idx="0"/>
+    <cs:effectRef idx="0"/>
+    <cs:fontRef idx="minor">
+      <a:schemeClr val="tx1"/>
+    </cs:fontRef>
+    <cs:spPr>
+      <a:ln w="9525" cap="flat" cmpd="sng" algn="ctr">
+        <a:solidFill>
+          <a:schemeClr val="tx1">
+            <a:lumMod val="35000"/>
+            <a:lumOff val="65000"/>
+          </a:schemeClr>
+        </a:solidFill>
+        <a:round/>
+      </a:ln>
+    </cs:spPr>
+  </cs:seriesLine>
+  <cs:title>
+    <cs:lnRef idx="0"/>
+    <cs:fillRef idx="0"/>
+    <cs:effectRef idx="0"/>
+    <cs:fontRef idx="minor">
+      <a:schemeClr val="tx1">
+        <a:lumMod val="65000"/>
+        <a:lumOff val="35000"/>
+      </a:schemeClr>
+    </cs:fontRef>
+    <cs:defRPr sz="1862" b="0" kern="1200" spc="0" baseline="0"/>
+  </cs:title>
+  <cs:trendline>
+    <cs:lnRef idx="0">
+      <cs:styleClr val="auto"/>
+    </cs:lnRef>
+    <cs:fillRef idx="0"/>
+    <cs:effectRef idx="0"/>
+    <cs:fontRef idx="minor">
+      <a:schemeClr val="tx1"/>
+    </cs:fontRef>
+    <cs:spPr>
+      <a:ln w="19050" cap="rnd">
+        <a:solidFill>
+          <a:schemeClr val="phClr"/>
+        </a:solidFill>
+        <a:prstDash val="sysDot"/>
+      </a:ln>
+    </cs:spPr>
+  </cs:trendline>
+  <cs:trendlineLabel>
+    <cs:lnRef idx="0"/>
+    <cs:fillRef idx="0"/>
+    <cs:effectRef idx="0"/>
+    <cs:fontRef idx="minor">
+      <a:schemeClr val="tx1">
+        <a:lumMod val="65000"/>
+        <a:lumOff val="35000"/>
+      </a:schemeClr>
+    </cs:fontRef>
+    <cs:defRPr sz="1197" kern="1200"/>
+  </cs:trendlineLabel>
+  <cs:upBar>
+    <cs:lnRef idx="0"/>
+    <cs:fillRef idx="0"/>
+    <cs:effectRef idx="0"/>
+    <cs:fontRef idx="minor">
+      <a:schemeClr val="dk1"/>
+    </cs:fontRef>
+    <cs:spPr>
+      <a:solidFill>
+        <a:schemeClr val="lt1"/>
+      </a:solidFill>
+      <a:ln w="9525">
+        <a:solidFill>
+          <a:schemeClr val="tx1">
+            <a:lumMod val="15000"/>
+            <a:lumOff val="85000"/>
+          </a:schemeClr>
+        </a:solidFill>
+      </a:ln>
+    </cs:spPr>
+  </cs:upBar>
+  <cs:valueAxis>
+    <cs:lnRef idx="0"/>
+    <cs:fillRef idx="0"/>
+    <cs:effectRef idx="0"/>
+    <cs:fontRef idx="minor">
+      <a:schemeClr val="tx1">
+        <a:lumMod val="65000"/>
+        <a:lumOff val="35000"/>
+      </a:schemeClr>
+    </cs:fontRef>
+    <cs:defRPr sz="1197" kern="1200"/>
+  </cs:valueAxis>
+  <cs:wall>
+    <cs:lnRef idx="0"/>
+    <cs:fillRef idx="0"/>
+    <cs:effectRef idx="0"/>
+    <cs:fontRef idx="minor">
+      <a:schemeClr val="tx1"/>
+    </cs:fontRef>
+    <cs:spPr>
+      <a:noFill/>
+      <a:ln>
+        <a:noFill/>
+      </a:ln>
+    </cs:spPr>
+  </cs:wall>
+</cs:chartStyle>
 </file>
 
 <file path=ppt/slideLayouts/slideLayout1.xml><?xml version="1.0" encoding="utf-8"?>
@@ -6310,7 +7460,7 @@
 </file>
 
 <file path=ppt/slides/slide4.xml><?xml version="1.0" encoding="utf-8"?>
-<p:sld xmlns:a="http://schemas.openxmlformats.org/drawingml/2006/main" xmlns:r="http://schemas.openxmlformats.org/officeDocument/2006/relationships" xmlns:p="http://schemas.openxmlformats.org/presentationml/2006/main">
+<p:sld xmlns:r="http://schemas.openxmlformats.org/officeDocument/2006/relationships" xmlns:c="http://schemas.openxmlformats.org/drawingml/2006/chart" xmlns:a="http://schemas.openxmlformats.org/drawingml/2006/main" xmlns:dgm="http://schemas.openxmlformats.org/drawingml/2006/diagram" xmlns:dsp="http://schemas.microsoft.com/office/drawing/2008/diagram" xmlns:p="http://schemas.openxmlformats.org/presentationml/2006/main">
   <p:cSld>
     <p:spTree>
       <p:nvGrpSpPr>
@@ -6328,13 +7478,7 @@
       </p:grpSpPr>
       <p:cxnSp>
         <p:nvCxnSpPr>
-          <p:cNvPr id="4" name="직선 연결선 3">
-            <a:extLst>
-              <a:ext uri="{FF2B5EF4-FFF2-40B4-BE49-F238E27FC236}">
-                <a16:creationId xmlns:a16="http://schemas.microsoft.com/office/drawing/2014/main" id="{91783D2F-737E-4797-9853-8C85BE37E236}"/>
-              </a:ext>
-            </a:extLst>
-          </p:cNvPr>
+          <p:cNvPr id="4" name="직선 연결선 3"/>
           <p:cNvCxnSpPr/>
           <p:nvPr/>
         </p:nvCxnSpPr>
@@ -6364,13 +7508,7 @@
       </p:cxnSp>
       <p:sp>
         <p:nvSpPr>
-          <p:cNvPr id="5" name="TextBox 4">
-            <a:extLst>
-              <a:ext uri="{FF2B5EF4-FFF2-40B4-BE49-F238E27FC236}">
-                <a16:creationId xmlns:a16="http://schemas.microsoft.com/office/drawing/2014/main" id="{AADC96B8-21F1-4CA5-82F2-62149BA3A81F}"/>
-              </a:ext>
-            </a:extLst>
-          </p:cNvPr>
+          <p:cNvPr id="5" name="TextBox 4"/>
           <p:cNvSpPr txBox="1"/>
           <p:nvPr/>
         </p:nvSpPr>
@@ -6385,13 +7523,16 @@
           <a:noFill/>
         </p:spPr>
         <p:txBody>
-          <a:bodyPr wrap="square" rtlCol="0">
+          <a:bodyPr wrap="square">
             <a:spAutoFit/>
           </a:bodyPr>
           <a:lstStyle/>
           <a:p>
-            <a:r>
-              <a:rPr lang="en-US" altLang="ko-KR" sz="1600" b="1" dirty="0">
+            <a:pPr lvl="0">
+              <a:defRPr/>
+            </a:pPr>
+            <a:r>
+              <a:rPr lang="en-US" altLang="ko-KR" sz="1600" b="1">
                 <a:solidFill>
                   <a:schemeClr val="accent1">
                     <a:lumMod val="50000"/>
@@ -6400,7 +7541,7 @@
               </a:rPr>
               <a:t>Part 1</a:t>
             </a:r>
-            <a:endParaRPr lang="ko-KR" altLang="en-US" sz="1600" b="1" dirty="0">
+            <a:endParaRPr lang="ko-KR" altLang="en-US" sz="1600" b="1">
               <a:solidFill>
                 <a:schemeClr val="accent1">
                   <a:lumMod val="50000"/>
@@ -6412,13 +7553,7 @@
       </p:sp>
       <p:sp>
         <p:nvSpPr>
-          <p:cNvPr id="6" name="TextBox 5">
-            <a:extLst>
-              <a:ext uri="{FF2B5EF4-FFF2-40B4-BE49-F238E27FC236}">
-                <a16:creationId xmlns:a16="http://schemas.microsoft.com/office/drawing/2014/main" id="{E9E4E03B-DC2B-4AB1-AA88-841F77488FB8}"/>
-              </a:ext>
-            </a:extLst>
-          </p:cNvPr>
+          <p:cNvPr id="6" name="TextBox 5"/>
           <p:cNvSpPr txBox="1"/>
           <p:nvPr/>
         </p:nvSpPr>
@@ -6433,44 +7568,41 @@
           <a:noFill/>
         </p:spPr>
         <p:txBody>
-          <a:bodyPr wrap="square" rtlCol="0">
+          <a:bodyPr wrap="square">
             <a:spAutoFit/>
           </a:bodyPr>
           <a:lstStyle/>
           <a:p>
-            <a:r>
-              <a:rPr lang="ko-KR" altLang="en-US" sz="3600" b="1" dirty="0" smtClean="0">
+            <a:pPr lvl="0">
+              <a:defRPr/>
+            </a:pPr>
+            <a:r>
+              <a:rPr lang="ko-KR" altLang="en-US" sz="3600" b="1">
                 <a:solidFill>
                   <a:schemeClr val="accent1">
                     <a:lumMod val="50000"/>
                   </a:schemeClr>
                 </a:solidFill>
-                <a:latin typeface="나눔스퀘어 ExtraBold" panose="020B0600000101010101" pitchFamily="50" charset="-127"/>
-                <a:ea typeface="나눔스퀘어 ExtraBold" panose="020B0600000101010101" pitchFamily="50" charset="-127"/>
+                <a:latin typeface="나눔스퀘어 ExtraBold"/>
+                <a:ea typeface="나눔스퀘어 ExtraBold"/>
               </a:rPr>
               <a:t>주제 선정 이유</a:t>
             </a:r>
-            <a:endParaRPr lang="ko-KR" altLang="en-US" sz="3600" b="1" dirty="0">
+            <a:endParaRPr lang="ko-KR" altLang="en-US" sz="3600" b="1">
               <a:solidFill>
                 <a:schemeClr val="accent1">
                   <a:lumMod val="50000"/>
                 </a:schemeClr>
               </a:solidFill>
-              <a:latin typeface="나눔스퀘어 ExtraBold" panose="020B0600000101010101" pitchFamily="50" charset="-127"/>
-              <a:ea typeface="나눔스퀘어 ExtraBold" panose="020B0600000101010101" pitchFamily="50" charset="-127"/>
+              <a:latin typeface="나눔스퀘어 ExtraBold"/>
+              <a:ea typeface="나눔스퀘어 ExtraBold"/>
             </a:endParaRPr>
           </a:p>
         </p:txBody>
       </p:sp>
       <p:sp>
         <p:nvSpPr>
-          <p:cNvPr id="7" name="직사각형 6">
-            <a:extLst>
-              <a:ext uri="{FF2B5EF4-FFF2-40B4-BE49-F238E27FC236}">
-                <a16:creationId xmlns:a16="http://schemas.microsoft.com/office/drawing/2014/main" id="{BD038ECE-E8A4-4AC0-89E2-5CBBF4EBBB09}"/>
-              </a:ext>
-            </a:extLst>
-          </p:cNvPr>
+          <p:cNvPr id="7" name="직사각형 6"/>
           <p:cNvSpPr/>
           <p:nvPr/>
         </p:nvSpPr>
@@ -6509,31 +7641,27 @@
           </a:fontRef>
         </p:style>
         <p:txBody>
-          <a:bodyPr rtlCol="0" anchor="ctr"/>
+          <a:bodyPr anchor="ctr"/>
           <a:lstStyle/>
           <a:p>
-            <a:pPr algn="ctr"/>
-            <a:r>
-              <a:rPr lang="en-US" altLang="ko-KR" sz="15000" dirty="0" smtClean="0">
-                <a:latin typeface="Algerian" panose="04020705040A02060702" pitchFamily="82" charset="0"/>
+            <a:pPr algn="ctr">
+              <a:defRPr/>
+            </a:pPr>
+            <a:r>
+              <a:rPr lang="en-US" altLang="ko-KR" sz="15000">
+                <a:latin typeface="Algerian"/>
               </a:rPr>
               <a:t>1</a:t>
             </a:r>
-            <a:endParaRPr lang="ko-KR" altLang="en-US" sz="15000" dirty="0">
-              <a:latin typeface="Algerian" panose="04020705040A02060702" pitchFamily="82" charset="0"/>
+            <a:endParaRPr lang="ko-KR" altLang="en-US" sz="15000">
+              <a:latin typeface="Algerian"/>
             </a:endParaRPr>
           </a:p>
         </p:txBody>
       </p:sp>
       <p:sp>
         <p:nvSpPr>
-          <p:cNvPr id="9" name="TextBox 8">
-            <a:extLst>
-              <a:ext uri="{FF2B5EF4-FFF2-40B4-BE49-F238E27FC236}">
-                <a16:creationId xmlns:a16="http://schemas.microsoft.com/office/drawing/2014/main" id="{EAFF4582-E84B-47CB-B0B6-FB23ED849DAA}"/>
-              </a:ext>
-            </a:extLst>
-          </p:cNvPr>
+          <p:cNvPr id="9" name="TextBox 8"/>
           <p:cNvSpPr txBox="1"/>
           <p:nvPr/>
         </p:nvSpPr>
@@ -6548,29 +7676,25 @@
           <a:noFill/>
         </p:spPr>
         <p:txBody>
-          <a:bodyPr wrap="square" rtlCol="0">
+          <a:bodyPr wrap="square">
             <a:spAutoFit/>
           </a:bodyPr>
           <a:lstStyle/>
           <a:p>
-            <a:pPr algn="ctr"/>
-            <a:r>
-              <a:rPr lang="ko-KR" altLang="en-US" dirty="0" smtClean="0"/>
+            <a:pPr algn="ctr">
+              <a:defRPr/>
+            </a:pPr>
+            <a:r>
+              <a:rPr lang="ko-KR" altLang="en-US"/>
               <a:t>많은 자료들</a:t>
             </a:r>
-            <a:endParaRPr lang="ko-KR" altLang="en-US" dirty="0"/>
+            <a:endParaRPr lang="ko-KR" altLang="en-US"/>
           </a:p>
         </p:txBody>
       </p:sp>
       <p:cxnSp>
         <p:nvCxnSpPr>
-          <p:cNvPr id="11" name="직선 연결선 10">
-            <a:extLst>
-              <a:ext uri="{FF2B5EF4-FFF2-40B4-BE49-F238E27FC236}">
-                <a16:creationId xmlns:a16="http://schemas.microsoft.com/office/drawing/2014/main" id="{C38288DF-EF25-4352-BDD4-2E7F8DD223D3}"/>
-              </a:ext>
-            </a:extLst>
-          </p:cNvPr>
+          <p:cNvPr id="11" name="직선 연결선 10"/>
           <p:cNvCxnSpPr/>
           <p:nvPr/>
         </p:nvCxnSpPr>
@@ -6601,13 +7725,7 @@
       </p:cxnSp>
       <p:sp>
         <p:nvSpPr>
-          <p:cNvPr id="12" name="TextBox 11">
-            <a:extLst>
-              <a:ext uri="{FF2B5EF4-FFF2-40B4-BE49-F238E27FC236}">
-                <a16:creationId xmlns:a16="http://schemas.microsoft.com/office/drawing/2014/main" id="{60CD5D5E-67E6-4201-96D6-A5280732B836}"/>
-              </a:ext>
-            </a:extLst>
-          </p:cNvPr>
+          <p:cNvPr id="12" name="TextBox 11"/>
           <p:cNvSpPr txBox="1"/>
           <p:nvPr/>
         </p:nvSpPr>
@@ -6622,41 +7740,39 @@
           <a:noFill/>
         </p:spPr>
         <p:txBody>
-          <a:bodyPr wrap="square" rtlCol="0">
+          <a:bodyPr wrap="square">
             <a:spAutoFit/>
           </a:bodyPr>
           <a:lstStyle/>
           <a:p>
-            <a:pPr algn="just"/>
-            <a:r>
-              <a:rPr lang="ko-KR" altLang="en-US" sz="1500" dirty="0" smtClean="0"/>
+            <a:pPr algn="just">
+              <a:defRPr/>
+            </a:pPr>
+            <a:r>
+              <a:rPr lang="ko-KR" altLang="en-US" sz="1500"/>
               <a:t>다른 주제들과 다르게 많은 자료가 </a:t>
             </a:r>
-            <a:endParaRPr lang="en-US" altLang="ko-KR" sz="1500" dirty="0" smtClean="0"/>
-          </a:p>
-          <a:p>
-            <a:pPr algn="just"/>
-            <a:r>
-              <a:rPr lang="ko-KR" altLang="en-US" sz="1500" dirty="0" smtClean="0"/>
+            <a:endParaRPr lang="ko-KR" altLang="en-US" sz="1500"/>
+          </a:p>
+          <a:p>
+            <a:pPr algn="just">
+              <a:defRPr/>
+            </a:pPr>
+            <a:r>
+              <a:rPr lang="ko-KR" altLang="en-US" sz="1500"/>
               <a:t>인터넷에 제공 되어있어 쉽게 찾아볼 수 있기 때문입니다</a:t>
             </a:r>
             <a:r>
-              <a:rPr lang="en-US" altLang="ko-KR" sz="1500" dirty="0" smtClean="0"/>
+              <a:rPr lang="en-US" altLang="ko-KR" sz="1500"/>
               <a:t>.</a:t>
             </a:r>
-            <a:endParaRPr lang="ko-KR" altLang="en-US" sz="1500" dirty="0"/>
+            <a:endParaRPr lang="ko-KR" altLang="en-US" sz="1500"/>
           </a:p>
         </p:txBody>
       </p:sp>
       <p:sp>
         <p:nvSpPr>
-          <p:cNvPr id="15" name="직사각형 14">
-            <a:extLst>
-              <a:ext uri="{FF2B5EF4-FFF2-40B4-BE49-F238E27FC236}">
-                <a16:creationId xmlns:a16="http://schemas.microsoft.com/office/drawing/2014/main" id="{37E5DEF6-8AEA-4701-AAC9-8B543D6FFA81}"/>
-              </a:ext>
-            </a:extLst>
-          </p:cNvPr>
+          <p:cNvPr id="15" name="직사각형 14"/>
           <p:cNvSpPr/>
           <p:nvPr/>
         </p:nvSpPr>
@@ -6695,31 +7811,27 @@
           </a:fontRef>
         </p:style>
         <p:txBody>
-          <a:bodyPr rtlCol="0" anchor="ctr"/>
+          <a:bodyPr anchor="ctr"/>
           <a:lstStyle/>
           <a:p>
-            <a:pPr algn="ctr"/>
-            <a:r>
-              <a:rPr lang="en-US" altLang="ko-KR" sz="15000" dirty="0" smtClean="0">
-                <a:latin typeface="Algerian" panose="04020705040A02060702" pitchFamily="82" charset="0"/>
+            <a:pPr algn="ctr">
+              <a:defRPr/>
+            </a:pPr>
+            <a:r>
+              <a:rPr lang="en-US" altLang="ko-KR" sz="15000">
+                <a:latin typeface="Algerian"/>
               </a:rPr>
               <a:t>2</a:t>
             </a:r>
-            <a:endParaRPr lang="ko-KR" altLang="en-US" sz="15000" dirty="0">
-              <a:latin typeface="Algerian" panose="04020705040A02060702" pitchFamily="82" charset="0"/>
+            <a:endParaRPr lang="ko-KR" altLang="en-US" sz="15000">
+              <a:latin typeface="Algerian"/>
             </a:endParaRPr>
           </a:p>
         </p:txBody>
       </p:sp>
       <p:sp>
         <p:nvSpPr>
-          <p:cNvPr id="16" name="TextBox 15">
-            <a:extLst>
-              <a:ext uri="{FF2B5EF4-FFF2-40B4-BE49-F238E27FC236}">
-                <a16:creationId xmlns:a16="http://schemas.microsoft.com/office/drawing/2014/main" id="{3C183CE1-D8A2-4BE8-BDA0-493E10B40740}"/>
-              </a:ext>
-            </a:extLst>
-          </p:cNvPr>
+          <p:cNvPr id="16" name="TextBox 15"/>
           <p:cNvSpPr txBox="1"/>
           <p:nvPr/>
         </p:nvSpPr>
@@ -6734,29 +7846,25 @@
           <a:noFill/>
         </p:spPr>
         <p:txBody>
-          <a:bodyPr wrap="square" rtlCol="0">
+          <a:bodyPr wrap="square">
             <a:spAutoFit/>
           </a:bodyPr>
           <a:lstStyle/>
           <a:p>
-            <a:pPr algn="ctr"/>
-            <a:r>
-              <a:rPr lang="ko-KR" altLang="en-US" dirty="0" smtClean="0"/>
+            <a:pPr algn="ctr">
+              <a:defRPr/>
+            </a:pPr>
+            <a:r>
+              <a:rPr lang="ko-KR" altLang="en-US"/>
               <a:t>세계의 관심 주제</a:t>
             </a:r>
-            <a:endParaRPr lang="ko-KR" altLang="en-US" dirty="0"/>
+            <a:endParaRPr lang="ko-KR" altLang="en-US"/>
           </a:p>
         </p:txBody>
       </p:sp>
       <p:cxnSp>
         <p:nvCxnSpPr>
-          <p:cNvPr id="17" name="직선 연결선 16">
-            <a:extLst>
-              <a:ext uri="{FF2B5EF4-FFF2-40B4-BE49-F238E27FC236}">
-                <a16:creationId xmlns:a16="http://schemas.microsoft.com/office/drawing/2014/main" id="{68BDA03F-C887-40F8-B676-C9BE8C79B160}"/>
-              </a:ext>
-            </a:extLst>
-          </p:cNvPr>
+          <p:cNvPr id="17" name="직선 연결선 16"/>
           <p:cNvCxnSpPr/>
           <p:nvPr/>
         </p:nvCxnSpPr>
@@ -6787,13 +7895,7 @@
       </p:cxnSp>
       <p:sp>
         <p:nvSpPr>
-          <p:cNvPr id="18" name="TextBox 17">
-            <a:extLst>
-              <a:ext uri="{FF2B5EF4-FFF2-40B4-BE49-F238E27FC236}">
-                <a16:creationId xmlns:a16="http://schemas.microsoft.com/office/drawing/2014/main" id="{2FC692AB-13CB-496E-B4BE-0D7B26B83ECB}"/>
-              </a:ext>
-            </a:extLst>
-          </p:cNvPr>
+          <p:cNvPr id="18" name="TextBox 17"/>
           <p:cNvSpPr txBox="1"/>
           <p:nvPr/>
         </p:nvSpPr>
@@ -6808,33 +7910,29 @@
           <a:noFill/>
         </p:spPr>
         <p:txBody>
-          <a:bodyPr wrap="square" rtlCol="0">
+          <a:bodyPr wrap="square">
             <a:spAutoFit/>
           </a:bodyPr>
           <a:lstStyle/>
           <a:p>
-            <a:pPr algn="just"/>
-            <a:r>
-              <a:rPr lang="ko-KR" altLang="en-US" sz="1500" dirty="0" smtClean="0"/>
+            <a:pPr algn="just">
+              <a:defRPr/>
+            </a:pPr>
+            <a:r>
+              <a:rPr lang="ko-KR" altLang="en-US" sz="1500"/>
               <a:t>지금 가장 세계에서 관심있고 인기있는 주제이기 때문입니다</a:t>
             </a:r>
             <a:r>
-              <a:rPr lang="en-US" altLang="ko-KR" sz="1500" dirty="0" smtClean="0"/>
+              <a:rPr lang="en-US" altLang="ko-KR" sz="1500"/>
               <a:t>.</a:t>
             </a:r>
-            <a:endParaRPr lang="ko-KR" altLang="en-US" sz="1500" dirty="0"/>
+            <a:endParaRPr lang="ko-KR" altLang="en-US" sz="1500"/>
           </a:p>
         </p:txBody>
       </p:sp>
       <p:sp>
         <p:nvSpPr>
-          <p:cNvPr id="20" name="직사각형 19">
-            <a:extLst>
-              <a:ext uri="{FF2B5EF4-FFF2-40B4-BE49-F238E27FC236}">
-                <a16:creationId xmlns:a16="http://schemas.microsoft.com/office/drawing/2014/main" id="{81EAD4AD-BA90-4141-BDF9-5F7B90A4D6EE}"/>
-              </a:ext>
-            </a:extLst>
-          </p:cNvPr>
+          <p:cNvPr id="20" name="직사각형 19"/>
           <p:cNvSpPr/>
           <p:nvPr/>
         </p:nvSpPr>
@@ -6873,31 +7971,27 @@
           </a:fontRef>
         </p:style>
         <p:txBody>
-          <a:bodyPr rtlCol="0" anchor="ctr"/>
+          <a:bodyPr anchor="ctr"/>
           <a:lstStyle/>
           <a:p>
-            <a:pPr algn="ctr"/>
-            <a:r>
-              <a:rPr lang="en-US" altLang="ko-KR" sz="15000" dirty="0" smtClean="0">
-                <a:latin typeface="Algerian" panose="04020705040A02060702" pitchFamily="82" charset="0"/>
+            <a:pPr algn="ctr">
+              <a:defRPr/>
+            </a:pPr>
+            <a:r>
+              <a:rPr lang="en-US" altLang="ko-KR" sz="15000">
+                <a:latin typeface="Algerian"/>
               </a:rPr>
               <a:t>3</a:t>
             </a:r>
-            <a:endParaRPr lang="ko-KR" altLang="en-US" sz="15000" dirty="0">
-              <a:latin typeface="Algerian" panose="04020705040A02060702" pitchFamily="82" charset="0"/>
+            <a:endParaRPr lang="ko-KR" altLang="en-US" sz="15000">
+              <a:latin typeface="Algerian"/>
             </a:endParaRPr>
           </a:p>
         </p:txBody>
       </p:sp>
       <p:sp>
         <p:nvSpPr>
-          <p:cNvPr id="21" name="TextBox 20">
-            <a:extLst>
-              <a:ext uri="{FF2B5EF4-FFF2-40B4-BE49-F238E27FC236}">
-                <a16:creationId xmlns:a16="http://schemas.microsoft.com/office/drawing/2014/main" id="{B6AEE38D-6CC7-41A2-B4AC-E22B635E630B}"/>
-              </a:ext>
-            </a:extLst>
-          </p:cNvPr>
+          <p:cNvPr id="21" name="TextBox 20"/>
           <p:cNvSpPr txBox="1"/>
           <p:nvPr/>
         </p:nvSpPr>
@@ -6912,29 +8006,25 @@
           <a:noFill/>
         </p:spPr>
         <p:txBody>
-          <a:bodyPr wrap="square" rtlCol="0">
+          <a:bodyPr wrap="square">
             <a:spAutoFit/>
           </a:bodyPr>
           <a:lstStyle/>
           <a:p>
-            <a:pPr algn="ctr"/>
-            <a:r>
-              <a:rPr lang="ko-KR" altLang="en-US" dirty="0" smtClean="0"/>
+            <a:pPr algn="ctr">
+              <a:defRPr/>
+            </a:pPr>
+            <a:r>
+              <a:rPr lang="ko-KR" altLang="en-US"/>
               <a:t>가장 위험한 문제</a:t>
             </a:r>
-            <a:endParaRPr lang="ko-KR" altLang="en-US" dirty="0"/>
+            <a:endParaRPr lang="ko-KR" altLang="en-US"/>
           </a:p>
         </p:txBody>
       </p:sp>
       <p:cxnSp>
         <p:nvCxnSpPr>
-          <p:cNvPr id="22" name="직선 연결선 21">
-            <a:extLst>
-              <a:ext uri="{FF2B5EF4-FFF2-40B4-BE49-F238E27FC236}">
-                <a16:creationId xmlns:a16="http://schemas.microsoft.com/office/drawing/2014/main" id="{08C422D0-4EF4-4D16-9138-D7D4D0A7A56F}"/>
-              </a:ext>
-            </a:extLst>
-          </p:cNvPr>
+          <p:cNvPr id="22" name="직선 연결선 21"/>
           <p:cNvCxnSpPr/>
           <p:nvPr/>
         </p:nvCxnSpPr>
@@ -6965,20 +8055,14 @@
       </p:cxnSp>
       <p:sp>
         <p:nvSpPr>
-          <p:cNvPr id="23" name="TextBox 22">
-            <a:extLst>
-              <a:ext uri="{FF2B5EF4-FFF2-40B4-BE49-F238E27FC236}">
-                <a16:creationId xmlns:a16="http://schemas.microsoft.com/office/drawing/2014/main" id="{9C006FA2-5A5E-4E43-9307-B266158068B7}"/>
-              </a:ext>
-            </a:extLst>
-          </p:cNvPr>
+          <p:cNvPr id="23" name="TextBox 22"/>
           <p:cNvSpPr txBox="1"/>
           <p:nvPr/>
         </p:nvSpPr>
         <p:spPr>
           <a:xfrm>
             <a:off x="7975600" y="5169250"/>
-            <a:ext cx="3017520" cy="784830"/>
+            <a:ext cx="3017520" cy="772444"/>
           </a:xfrm>
           <a:prstGeom prst="rect">
             <a:avLst/>
@@ -6986,42 +8070,39 @@
           <a:noFill/>
         </p:spPr>
         <p:txBody>
-          <a:bodyPr wrap="square" rtlCol="0">
+          <a:bodyPr wrap="square">
             <a:spAutoFit/>
           </a:bodyPr>
           <a:lstStyle/>
           <a:p>
-            <a:pPr algn="just"/>
-            <a:r>
-              <a:rPr lang="ko-KR" altLang="en-US" sz="1500" dirty="0" smtClean="0"/>
-              <a:t>지금 가장 조심해야하는 문제이기도 하며 위험한 문제이기 때문입니다</a:t>
-            </a:r>
-            <a:r>
-              <a:rPr lang="en-US" altLang="ko-KR" sz="1500" dirty="0" smtClean="0"/>
+            <a:pPr algn="just">
+              <a:defRPr/>
+            </a:pPr>
+            <a:r>
+              <a:rPr lang="ko-KR" altLang="en-US" sz="1500"/>
+              <a:t>지금 가장 조심해야하는 문제이기때문에 심각성을 알았으면 하기 때문입니다ㄴ</a:t>
+            </a:r>
+            <a:r>
+              <a:rPr lang="en-US" altLang="ko-KR" sz="1500"/>
               <a:t>.</a:t>
             </a:r>
-            <a:endParaRPr lang="ko-KR" altLang="en-US" sz="1500" dirty="0"/>
+            <a:endParaRPr lang="en-US" altLang="ko-KR" sz="1500"/>
           </a:p>
         </p:txBody>
       </p:sp>
     </p:spTree>
-    <p:extLst>
-      <p:ext uri="{BB962C8B-B14F-4D97-AF65-F5344CB8AC3E}">
-        <p14:creationId xmlns:p14="http://schemas.microsoft.com/office/powerpoint/2010/main" val="4167695892"/>
-      </p:ext>
-    </p:extLst>
   </p:cSld>
   <p:clrMapOvr>
     <a:masterClrMapping/>
   </p:clrMapOvr>
   <mc:AlternateContent xmlns:mc="http://schemas.openxmlformats.org/markup-compatibility/2006">
-    <mc:Choice xmlns:p159="http://schemas.microsoft.com/office/powerpoint/2015/09/main" xmlns="" Requires="p159">
-      <p:transition xmlns:p14="http://schemas.microsoft.com/office/powerpoint/2010/main" spd="slow" p14:dur="2000">
-        <p159:morph option="byObject"/>
+    <mc:Choice xmlns:p14="http://schemas.microsoft.com/office/powerpoint/2010/main" Requires="p14">
+      <p:transition xmlns:mc="http://schemas.openxmlformats.org/markup-compatibility/2006" xmlns:p14="http://schemas.microsoft.com/office/powerpoint/2010/main" spd="med" mc:Ignorable="p14" p14:dur="1000">
+        <p:fade/>
       </p:transition>
     </mc:Choice>
     <mc:Fallback>
-      <p:transition spd="slow">
+      <p:transition xmlns:mc="http://schemas.openxmlformats.org/markup-compatibility/2006" xmlns:hp="http://schemas.haansoft.com/office/presentation/8.0" spd="med" mc:Ignorable="hp" hp:hslDur="1000">
         <p:fade/>
       </p:transition>
     </mc:Fallback>
@@ -7753,7 +8834,7 @@
         <p:spPr>
           <a:xfrm>
             <a:off x="8598749" y="3311601"/>
-            <a:ext cx="5539740" cy="1610919"/>
+            <a:ext cx="5539740" cy="1631216"/>
           </a:xfrm>
           <a:prstGeom prst="rect">
             <a:avLst/>
@@ -7775,7 +8856,7 @@
             </a:r>
             <a:r>
               <a:rPr lang="ko-KR" altLang="en-US" sz="2000"/>
-              <a:t>위 </a:t>
+              <a:t>등 </a:t>
             </a:r>
             <a:r>
               <a:rPr lang="en-US" altLang="ko-KR" sz="2000"/>
@@ -7797,7 +8878,7 @@
             </a:r>
             <a:r>
               <a:rPr lang="ko-KR" altLang="en-US" sz="2000"/>
-              <a:t>위 </a:t>
+              <a:t>등 </a:t>
             </a:r>
             <a:r>
               <a:rPr lang="en-US" altLang="ko-KR" sz="2000"/>
@@ -7819,7 +8900,7 @@
             </a:r>
             <a:r>
               <a:rPr lang="ko-KR" altLang="en-US" sz="2000"/>
-              <a:t>위 </a:t>
+              <a:t>등 </a:t>
             </a:r>
             <a:r>
               <a:rPr lang="en-US" altLang="ko-KR" sz="2000"/>
@@ -7841,7 +8922,7 @@
             </a:r>
             <a:r>
               <a:rPr lang="ko-KR" altLang="en-US" sz="2000"/>
-              <a:t>위 </a:t>
+              <a:t>등 </a:t>
             </a:r>
             <a:r>
               <a:rPr lang="en-US" altLang="ko-KR" sz="2000"/>
@@ -7863,7 +8944,7 @@
             </a:r>
             <a:r>
               <a:rPr lang="ko-KR" altLang="en-US" sz="2000"/>
-              <a:t>위 </a:t>
+              <a:t>등 </a:t>
             </a:r>
             <a:r>
               <a:rPr lang="en-US" altLang="ko-KR" sz="2000"/>
@@ -7921,7 +9002,7 @@
 </file>
 
 <file path=ppt/slides/slide7.xml><?xml version="1.0" encoding="utf-8"?>
-<p:sld xmlns:r="http://schemas.openxmlformats.org/officeDocument/2006/relationships" xmlns:c="http://schemas.openxmlformats.org/drawingml/2006/chart" xmlns:a="http://schemas.openxmlformats.org/drawingml/2006/main" xmlns:dgm="http://schemas.openxmlformats.org/drawingml/2006/diagram" xmlns:dsp="http://schemas.microsoft.com/office/drawing/2008/diagram" xmlns:p="http://schemas.openxmlformats.org/presentationml/2006/main">
+<p:sld xmlns:a="http://schemas.openxmlformats.org/drawingml/2006/main" xmlns:r="http://schemas.openxmlformats.org/officeDocument/2006/relationships" xmlns:p="http://schemas.openxmlformats.org/presentationml/2006/main">
   <p:cSld>
     <p:spTree>
       <p:nvGrpSpPr>
@@ -7939,7 +9020,13 @@
       </p:grpSpPr>
       <p:cxnSp>
         <p:nvCxnSpPr>
-          <p:cNvPr id="4" name="직선 연결선 3"/>
+          <p:cNvPr id="4" name="직선 연결선 3">
+            <a:extLst>
+              <a:ext uri="{FF2B5EF4-FFF2-40B4-BE49-F238E27FC236}">
+                <a16:creationId xmlns:a16="http://schemas.microsoft.com/office/drawing/2014/main" id="{91783D2F-737E-4797-9853-8C85BE37E236}"/>
+              </a:ext>
+            </a:extLst>
+          </p:cNvPr>
           <p:cNvCxnSpPr/>
           <p:nvPr/>
         </p:nvCxnSpPr>
@@ -7969,7 +9056,13 @@
       </p:cxnSp>
       <p:sp>
         <p:nvSpPr>
-          <p:cNvPr id="5" name="TextBox 4"/>
+          <p:cNvPr id="5" name="TextBox 4">
+            <a:extLst>
+              <a:ext uri="{FF2B5EF4-FFF2-40B4-BE49-F238E27FC236}">
+                <a16:creationId xmlns:a16="http://schemas.microsoft.com/office/drawing/2014/main" id="{AADC96B8-21F1-4CA5-82F2-62149BA3A81F}"/>
+              </a:ext>
+            </a:extLst>
+          </p:cNvPr>
           <p:cNvSpPr txBox="1"/>
           <p:nvPr/>
         </p:nvSpPr>
@@ -7984,25 +9077,32 @@
           <a:noFill/>
         </p:spPr>
         <p:txBody>
-          <a:bodyPr wrap="square">
+          <a:bodyPr wrap="square" rtlCol="0">
             <a:spAutoFit/>
           </a:bodyPr>
           <a:lstStyle/>
           <a:p>
-            <a:pPr lvl="0">
-              <a:defRPr/>
-            </a:pPr>
-            <a:r>
-              <a:rPr lang="en-US" altLang="ko-KR" sz="1600" b="1">
+            <a:r>
+              <a:rPr lang="en-US" altLang="ko-KR" sz="1600" b="1" dirty="0">
                 <a:solidFill>
                   <a:schemeClr val="accent1">
                     <a:lumMod val="50000"/>
                   </a:schemeClr>
                 </a:solidFill>
               </a:rPr>
-              <a:t>Part 2-2</a:t>
-            </a:r>
-            <a:endParaRPr lang="ko-KR" altLang="en-US" sz="1600" b="1">
+              <a:t>Part </a:t>
+            </a:r>
+            <a:r>
+              <a:rPr lang="en-US" altLang="ko-KR" sz="1600" b="1" dirty="0" smtClean="0">
+                <a:solidFill>
+                  <a:schemeClr val="accent1">
+                    <a:lumMod val="50000"/>
+                  </a:schemeClr>
+                </a:solidFill>
+              </a:rPr>
+              <a:t>2-2</a:t>
+            </a:r>
+            <a:endParaRPr lang="ko-KR" altLang="en-US" sz="1600" b="1" dirty="0">
               <a:solidFill>
                 <a:schemeClr val="accent1">
                   <a:lumMod val="50000"/>
@@ -8014,7 +9114,13 @@
       </p:sp>
       <p:sp>
         <p:nvSpPr>
-          <p:cNvPr id="6" name="TextBox 5"/>
+          <p:cNvPr id="6" name="TextBox 5">
+            <a:extLst>
+              <a:ext uri="{FF2B5EF4-FFF2-40B4-BE49-F238E27FC236}">
+                <a16:creationId xmlns:a16="http://schemas.microsoft.com/office/drawing/2014/main" id="{E9E4E03B-DC2B-4AB1-AA88-841F77488FB8}"/>
+              </a:ext>
+            </a:extLst>
+          </p:cNvPr>
           <p:cNvSpPr txBox="1"/>
           <p:nvPr/>
         </p:nvSpPr>
@@ -8029,101 +9135,116 @@
           <a:noFill/>
         </p:spPr>
         <p:txBody>
-          <a:bodyPr wrap="square">
+          <a:bodyPr wrap="square" rtlCol="0">
             <a:spAutoFit/>
           </a:bodyPr>
           <a:lstStyle/>
           <a:p>
-            <a:pPr lvl="0">
-              <a:defRPr/>
-            </a:pPr>
-            <a:r>
-              <a:rPr lang="ko-KR" altLang="en-US" sz="3600" b="1">
+            <a:r>
+              <a:rPr lang="ko-KR" altLang="en-US" sz="3600" b="1" dirty="0" smtClean="0">
                 <a:solidFill>
                   <a:schemeClr val="accent1">
                     <a:lumMod val="50000"/>
                   </a:schemeClr>
                 </a:solidFill>
-                <a:latin typeface="나눔스퀘어 ExtraBold"/>
-                <a:ea typeface="나눔스퀘어 ExtraBold"/>
+                <a:latin typeface="나눔스퀘어 ExtraBold" panose="020B0600000101010101" pitchFamily="50" charset="-127"/>
+                <a:ea typeface="나눔스퀘어 ExtraBold" panose="020B0600000101010101" pitchFamily="50" charset="-127"/>
               </a:rPr>
               <a:t>코로나</a:t>
             </a:r>
             <a:r>
-              <a:rPr lang="en-US" altLang="ko-KR" sz="3600" b="1">
+              <a:rPr lang="en-US" altLang="ko-KR" sz="3600" b="1" dirty="0" smtClean="0">
                 <a:solidFill>
                   <a:schemeClr val="accent1">
                     <a:lumMod val="50000"/>
                   </a:schemeClr>
                 </a:solidFill>
-                <a:latin typeface="나눔스퀘어 ExtraBold"/>
-                <a:ea typeface="나눔스퀘어 ExtraBold"/>
+                <a:latin typeface="나눔스퀘어 ExtraBold" panose="020B0600000101010101" pitchFamily="50" charset="-127"/>
+                <a:ea typeface="나눔스퀘어 ExtraBold" panose="020B0600000101010101" pitchFamily="50" charset="-127"/>
               </a:rPr>
               <a:t>19 </a:t>
             </a:r>
             <a:r>
-              <a:rPr lang="ko-KR" altLang="en-US" sz="3600" b="1">
+              <a:rPr lang="ko-KR" altLang="en-US" sz="3600" b="1" dirty="0" err="1" smtClean="0">
                 <a:solidFill>
                   <a:schemeClr val="accent1">
                     <a:lumMod val="50000"/>
                   </a:schemeClr>
                 </a:solidFill>
-                <a:latin typeface="나눔스퀘어 ExtraBold"/>
-                <a:ea typeface="나눔스퀘어 ExtraBold"/>
+                <a:latin typeface="나눔스퀘어 ExtraBold" panose="020B0600000101010101" pitchFamily="50" charset="-127"/>
+                <a:ea typeface="나눔스퀘어 ExtraBold" panose="020B0600000101010101" pitchFamily="50" charset="-127"/>
               </a:rPr>
-              <a:t>확진자 국가별 순위</a:t>
-            </a:r>
-            <a:r>
-              <a:rPr lang="en-US" altLang="ko-KR" sz="3600" b="1">
+              <a:t>확진자</a:t>
+            </a:r>
+            <a:r>
+              <a:rPr lang="ko-KR" altLang="en-US" sz="3600" b="1" dirty="0" smtClean="0">
                 <a:solidFill>
                   <a:schemeClr val="accent1">
                     <a:lumMod val="50000"/>
                   </a:schemeClr>
                 </a:solidFill>
-                <a:latin typeface="나눔스퀘어 ExtraBold"/>
-                <a:ea typeface="나눔스퀘어 ExtraBold"/>
+                <a:latin typeface="나눔스퀘어 ExtraBold" panose="020B0600000101010101" pitchFamily="50" charset="-127"/>
+                <a:ea typeface="나눔스퀘어 ExtraBold" panose="020B0600000101010101" pitchFamily="50" charset="-127"/>
               </a:rPr>
-              <a:t>(</a:t>
-            </a:r>
-            <a:r>
-              <a:rPr lang="ko-KR" altLang="en-US" sz="3600" b="1">
+              <a:t> 국가별 순위</a:t>
+            </a:r>
+            <a:r>
+              <a:rPr lang="en-US" altLang="ko-KR" sz="3600" b="1" dirty="0" smtClean="0">
                 <a:solidFill>
                   <a:schemeClr val="accent1">
                     <a:lumMod val="50000"/>
                   </a:schemeClr>
                 </a:solidFill>
-                <a:latin typeface="나눔스퀘어 ExtraBold"/>
-                <a:ea typeface="나눔스퀘어 ExtraBold"/>
+                <a:latin typeface="나눔스퀘어 ExtraBold" panose="020B0600000101010101" pitchFamily="50" charset="-127"/>
+                <a:ea typeface="나눔스퀘어 ExtraBold" panose="020B0600000101010101" pitchFamily="50" charset="-127"/>
               </a:rPr>
-              <a:t>사망자</a:t>
-            </a:r>
-            <a:r>
-              <a:rPr lang="en-US" altLang="ko-KR" sz="3600" b="1">
+              <a:t>(</a:t>
+            </a:r>
+            <a:r>
+              <a:rPr lang="ko-KR" altLang="en-US" sz="3600" b="1" dirty="0" smtClean="0">
                 <a:solidFill>
                   <a:schemeClr val="accent1">
                     <a:lumMod val="50000"/>
                   </a:schemeClr>
                 </a:solidFill>
-                <a:latin typeface="나눔스퀘어 ExtraBold"/>
-                <a:ea typeface="나눔스퀘어 ExtraBold"/>
+                <a:latin typeface="나눔스퀘어 ExtraBold" panose="020B0600000101010101" pitchFamily="50" charset="-127"/>
+                <a:ea typeface="나눔스퀘어 ExtraBold" panose="020B0600000101010101" pitchFamily="50" charset="-127"/>
+              </a:rPr>
+              <a:t>사망자</a:t>
+            </a:r>
+            <a:r>
+              <a:rPr lang="en-US" altLang="ko-KR" sz="3600" b="1" dirty="0" smtClean="0">
+                <a:solidFill>
+                  <a:schemeClr val="accent1">
+                    <a:lumMod val="50000"/>
+                  </a:schemeClr>
+                </a:solidFill>
+                <a:latin typeface="나눔스퀘어 ExtraBold" panose="020B0600000101010101" pitchFamily="50" charset="-127"/>
+                <a:ea typeface="나눔스퀘어 ExtraBold" panose="020B0600000101010101" pitchFamily="50" charset="-127"/>
               </a:rPr>
               <a:t>)</a:t>
             </a:r>
-            <a:endParaRPr lang="ko-KR" altLang="en-US" sz="3600" b="1">
+            <a:endParaRPr lang="ko-KR" altLang="en-US" sz="3600" b="1" dirty="0">
               <a:solidFill>
                 <a:schemeClr val="accent1">
                   <a:lumMod val="50000"/>
                 </a:schemeClr>
               </a:solidFill>
-              <a:latin typeface="나눔스퀘어 ExtraBold"/>
-              <a:ea typeface="나눔스퀘어 ExtraBold"/>
+              <a:latin typeface="나눔스퀘어 ExtraBold" panose="020B0600000101010101" pitchFamily="50" charset="-127"/>
+              <a:ea typeface="나눔스퀘어 ExtraBold" panose="020B0600000101010101" pitchFamily="50" charset="-127"/>
             </a:endParaRPr>
           </a:p>
         </p:txBody>
       </p:sp>
       <p:sp>
         <p:nvSpPr>
-          <p:cNvPr id="21" name="TextBox 20"/>
+          <p:cNvPr id="21" name="TextBox 20">
+            <a:extLst>
+              <a:ext uri="{FF2B5EF4-FFF2-40B4-BE49-F238E27FC236}">
+                <a16:creationId xmlns:a16="http://schemas.microsoft.com/office/drawing/2014/main" id="{B6AEE38D-6CC7-41A2-B4AC-E22B635E630B}"/>
+              </a:ext>
+            </a:extLst>
+          </p:cNvPr>
           <p:cNvSpPr txBox="1"/>
           <p:nvPr/>
         </p:nvSpPr>
@@ -8138,31 +9259,34 @@
           <a:noFill/>
         </p:spPr>
         <p:txBody>
-          <a:bodyPr wrap="square">
+          <a:bodyPr wrap="square" rtlCol="0">
             <a:spAutoFit/>
           </a:bodyPr>
           <a:lstStyle/>
           <a:p>
-            <a:pPr lvl="0">
-              <a:defRPr/>
-            </a:pPr>
-            <a:r>
-              <a:rPr lang="ko-KR" altLang="en-US" sz="2800" b="1">
-                <a:latin typeface="나눔스퀘어 ExtraBold"/>
-                <a:ea typeface="나눔스퀘어 ExtraBold"/>
+            <a:r>
+              <a:rPr lang="ko-KR" altLang="en-US" sz="2800" b="1" dirty="0" smtClean="0">
+                <a:latin typeface="나눔스퀘어 ExtraBold" panose="020B0600000101010101" pitchFamily="50" charset="-127"/>
+                <a:ea typeface="나눔스퀘어 ExtraBold" panose="020B0600000101010101" pitchFamily="50" charset="-127"/>
               </a:rPr>
               <a:t>순위</a:t>
             </a:r>
-            <a:endParaRPr lang="ko-KR" altLang="en-US" sz="2800" b="1">
-              <a:latin typeface="나눔스퀘어 ExtraBold"/>
-              <a:ea typeface="나눔스퀘어 ExtraBold"/>
+            <a:endParaRPr lang="ko-KR" altLang="en-US" sz="2800" b="1" dirty="0">
+              <a:latin typeface="나눔스퀘어 ExtraBold" panose="020B0600000101010101" pitchFamily="50" charset="-127"/>
+              <a:ea typeface="나눔스퀘어 ExtraBold" panose="020B0600000101010101" pitchFamily="50" charset="-127"/>
             </a:endParaRPr>
           </a:p>
         </p:txBody>
       </p:sp>
       <p:cxnSp>
         <p:nvCxnSpPr>
-          <p:cNvPr id="22" name="직선 연결선 21"/>
+          <p:cNvPr id="22" name="직선 연결선 21">
+            <a:extLst>
+              <a:ext uri="{FF2B5EF4-FFF2-40B4-BE49-F238E27FC236}">
+                <a16:creationId xmlns:a16="http://schemas.microsoft.com/office/drawing/2014/main" id="{08C422D0-4EF4-4D16-9138-D7D4D0A7A56F}"/>
+              </a:ext>
+            </a:extLst>
+          </p:cNvPr>
           <p:cNvCxnSpPr/>
           <p:nvPr/>
         </p:nvCxnSpPr>
@@ -8193,14 +9317,20 @@
       </p:cxnSp>
       <p:sp>
         <p:nvSpPr>
-          <p:cNvPr id="23" name="TextBox 22"/>
+          <p:cNvPr id="23" name="TextBox 22">
+            <a:extLst>
+              <a:ext uri="{FF2B5EF4-FFF2-40B4-BE49-F238E27FC236}">
+                <a16:creationId xmlns:a16="http://schemas.microsoft.com/office/drawing/2014/main" id="{9C006FA2-5A5E-4E43-9307-B266158068B7}"/>
+              </a:ext>
+            </a:extLst>
+          </p:cNvPr>
           <p:cNvSpPr txBox="1"/>
           <p:nvPr/>
         </p:nvSpPr>
         <p:spPr>
           <a:xfrm>
             <a:off x="8598749" y="3311601"/>
-            <a:ext cx="5539740" cy="1610919"/>
+            <a:ext cx="5539740" cy="1631216"/>
           </a:xfrm>
           <a:prstGeom prst="rect">
             <a:avLst/>
@@ -8208,119 +9338,109 @@
           <a:noFill/>
         </p:spPr>
         <p:txBody>
-          <a:bodyPr wrap="square">
+          <a:bodyPr wrap="square" rtlCol="0">
             <a:spAutoFit/>
           </a:bodyPr>
           <a:lstStyle/>
           <a:p>
-            <a:pPr algn="just">
-              <a:defRPr/>
-            </a:pPr>
-            <a:r>
-              <a:rPr lang="en-US" altLang="ko-KR" sz="2000"/>
+            <a:pPr algn="just"/>
+            <a:r>
+              <a:rPr lang="en-US" altLang="ko-KR" sz="2000" dirty="0" smtClean="0"/>
               <a:t>1</a:t>
             </a:r>
             <a:r>
-              <a:rPr lang="ko-KR" altLang="en-US" sz="2000"/>
-              <a:t>위 </a:t>
-            </a:r>
-            <a:r>
-              <a:rPr lang="en-US" altLang="ko-KR" sz="2000"/>
+              <a:rPr lang="ko-KR" altLang="en-US" sz="2000" dirty="0" smtClean="0"/>
+              <a:t>등 </a:t>
+            </a:r>
+            <a:r>
+              <a:rPr lang="en-US" altLang="ko-KR" sz="2000" dirty="0" smtClean="0"/>
               <a:t>: </a:t>
             </a:r>
             <a:r>
-              <a:rPr lang="ko-KR" altLang="en-US" sz="2000"/>
+              <a:rPr lang="ko-KR" altLang="en-US" sz="2000" dirty="0" smtClean="0"/>
               <a:t>미국 </a:t>
             </a:r>
-            <a:endParaRPr lang="ko-KR" altLang="en-US" sz="2000"/>
-          </a:p>
-          <a:p>
-            <a:pPr algn="just">
-              <a:defRPr/>
-            </a:pPr>
-            <a:r>
-              <a:rPr lang="en-US" altLang="ko-KR" sz="2000"/>
+            <a:endParaRPr lang="en-US" altLang="ko-KR" sz="2000" dirty="0" smtClean="0"/>
+          </a:p>
+          <a:p>
+            <a:pPr algn="just"/>
+            <a:r>
+              <a:rPr lang="en-US" altLang="ko-KR" sz="2000" dirty="0" smtClean="0"/>
               <a:t>2</a:t>
             </a:r>
             <a:r>
-              <a:rPr lang="ko-KR" altLang="en-US" sz="2000"/>
-              <a:t>위 </a:t>
-            </a:r>
-            <a:r>
-              <a:rPr lang="en-US" altLang="ko-KR" sz="2000"/>
+              <a:rPr lang="ko-KR" altLang="en-US" sz="2000" dirty="0" smtClean="0"/>
+              <a:t>등 </a:t>
+            </a:r>
+            <a:r>
+              <a:rPr lang="en-US" altLang="ko-KR" sz="2000" dirty="0" smtClean="0"/>
               <a:t>: </a:t>
             </a:r>
             <a:r>
-              <a:rPr lang="ko-KR" altLang="en-US" sz="2000"/>
+              <a:rPr lang="ko-KR" altLang="en-US" sz="2000" dirty="0" smtClean="0"/>
               <a:t>브라질</a:t>
             </a:r>
-            <a:endParaRPr lang="ko-KR" altLang="en-US" sz="2000"/>
-          </a:p>
-          <a:p>
-            <a:pPr algn="just">
-              <a:defRPr/>
-            </a:pPr>
-            <a:r>
-              <a:rPr lang="en-US" altLang="ko-KR" sz="2000"/>
+            <a:endParaRPr lang="en-US" altLang="ko-KR" sz="2000" dirty="0" smtClean="0"/>
+          </a:p>
+          <a:p>
+            <a:pPr algn="just"/>
+            <a:r>
+              <a:rPr lang="en-US" altLang="ko-KR" sz="2000" dirty="0" smtClean="0"/>
               <a:t>3</a:t>
             </a:r>
             <a:r>
-              <a:rPr lang="ko-KR" altLang="en-US" sz="2000"/>
-              <a:t>위 </a:t>
-            </a:r>
-            <a:r>
-              <a:rPr lang="en-US" altLang="ko-KR" sz="2000"/>
+              <a:rPr lang="ko-KR" altLang="en-US" sz="2000" dirty="0" smtClean="0"/>
+              <a:t>등 </a:t>
+            </a:r>
+            <a:r>
+              <a:rPr lang="en-US" altLang="ko-KR" sz="2000" dirty="0" smtClean="0"/>
               <a:t>: </a:t>
             </a:r>
             <a:r>
-              <a:rPr lang="ko-KR" altLang="en-US" sz="2000"/>
+              <a:rPr lang="ko-KR" altLang="en-US" sz="2000" dirty="0" smtClean="0"/>
               <a:t>인도</a:t>
             </a:r>
-            <a:endParaRPr lang="ko-KR" altLang="en-US" sz="2000"/>
-          </a:p>
-          <a:p>
-            <a:pPr algn="just">
-              <a:defRPr/>
-            </a:pPr>
-            <a:r>
-              <a:rPr lang="en-US" altLang="ko-KR" sz="2000"/>
+            <a:endParaRPr lang="en-US" altLang="ko-KR" sz="2000" dirty="0" smtClean="0"/>
+          </a:p>
+          <a:p>
+            <a:pPr algn="just"/>
+            <a:r>
+              <a:rPr lang="en-US" altLang="ko-KR" sz="2000" dirty="0" smtClean="0"/>
               <a:t>4</a:t>
             </a:r>
             <a:r>
-              <a:rPr lang="ko-KR" altLang="en-US" sz="2000"/>
-              <a:t>위 </a:t>
-            </a:r>
-            <a:r>
-              <a:rPr lang="en-US" altLang="ko-KR" sz="2000"/>
+              <a:rPr lang="ko-KR" altLang="en-US" sz="2000" dirty="0" smtClean="0"/>
+              <a:t>등 </a:t>
+            </a:r>
+            <a:r>
+              <a:rPr lang="en-US" altLang="ko-KR" sz="2000" dirty="0" smtClean="0"/>
               <a:t>: </a:t>
             </a:r>
             <a:r>
-              <a:rPr lang="ko-KR" altLang="en-US" sz="2000"/>
+              <a:rPr lang="ko-KR" altLang="en-US" sz="2000" dirty="0" smtClean="0"/>
               <a:t>멕시코</a:t>
             </a:r>
-            <a:endParaRPr lang="ko-KR" altLang="en-US" sz="2000"/>
-          </a:p>
-          <a:p>
-            <a:pPr algn="just">
-              <a:defRPr/>
-            </a:pPr>
-            <a:r>
-              <a:rPr lang="en-US" altLang="ko-KR" sz="2000"/>
+            <a:endParaRPr lang="en-US" altLang="ko-KR" sz="2000" dirty="0" smtClean="0"/>
+          </a:p>
+          <a:p>
+            <a:pPr algn="just"/>
+            <a:r>
+              <a:rPr lang="en-US" altLang="ko-KR" sz="2000" dirty="0" smtClean="0"/>
               <a:t>5</a:t>
             </a:r>
             <a:r>
-              <a:rPr lang="ko-KR" altLang="en-US" sz="2000"/>
-              <a:t>위 </a:t>
-            </a:r>
-            <a:r>
-              <a:rPr lang="en-US" altLang="ko-KR" sz="2000"/>
+              <a:rPr lang="ko-KR" altLang="en-US" sz="2000" dirty="0" smtClean="0"/>
+              <a:t>등 </a:t>
+            </a:r>
+            <a:r>
+              <a:rPr lang="en-US" altLang="ko-KR" sz="2000" dirty="0" smtClean="0"/>
               <a:t>: </a:t>
             </a:r>
             <a:r>
-              <a:rPr lang="ko-KR" altLang="en-US" sz="2000"/>
+              <a:rPr lang="ko-KR" altLang="en-US" sz="2000" dirty="0" smtClean="0"/>
               <a:t>영국</a:t>
             </a:r>
-            <a:endParaRPr lang="ko-KR" altLang="en-US" sz="2000"/>
+            <a:endParaRPr lang="ko-KR" altLang="en-US" sz="2000" dirty="0"/>
           </a:p>
         </p:txBody>
       </p:sp>
@@ -8328,7 +9448,13 @@
         <p:nvGraphicFramePr>
           <p:cNvPr id="14" name="차트 13"/>
           <p:cNvGraphicFramePr/>
-          <p:nvPr/>
+          <p:nvPr>
+            <p:extLst>
+              <p:ext uri="{D42A27DB-BD31-4B8C-83A1-F6EECF244321}">
+                <p14:modId xmlns:p14="http://schemas.microsoft.com/office/powerpoint/2010/main" val="1497094195"/>
+              </p:ext>
+            </p:extLst>
+          </p:nvPr>
         </p:nvGraphicFramePr>
         <p:xfrm>
           <a:off x="142544" y="922583"/>
@@ -8336,23 +9462,28 @@
         </p:xfrm>
         <a:graphic>
           <a:graphicData uri="http://schemas.openxmlformats.org/drawingml/2006/chart">
-            <c:chart r:id="rId2"/>
+            <c:chart xmlns:c="http://schemas.openxmlformats.org/drawingml/2006/chart" xmlns:r="http://schemas.openxmlformats.org/officeDocument/2006/relationships" r:id="rId2"/>
           </a:graphicData>
         </a:graphic>
       </p:graphicFrame>
     </p:spTree>
+    <p:extLst>
+      <p:ext uri="{BB962C8B-B14F-4D97-AF65-F5344CB8AC3E}">
+        <p14:creationId xmlns:p14="http://schemas.microsoft.com/office/powerpoint/2010/main" val="2611764899"/>
+      </p:ext>
+    </p:extLst>
   </p:cSld>
   <p:clrMapOvr>
     <a:masterClrMapping/>
   </p:clrMapOvr>
   <mc:AlternateContent xmlns:mc="http://schemas.openxmlformats.org/markup-compatibility/2006">
-    <mc:Choice xmlns:p14="http://schemas.microsoft.com/office/powerpoint/2010/main" Requires="p14">
-      <p:transition xmlns:mc="http://schemas.openxmlformats.org/markup-compatibility/2006" xmlns:p14="http://schemas.microsoft.com/office/powerpoint/2010/main" spd="med" mc:Ignorable="p14" p14:dur="1000">
-        <p:fade/>
+    <mc:Choice xmlns:p159="http://schemas.microsoft.com/office/powerpoint/2015/09/main" xmlns="" Requires="p159">
+      <p:transition xmlns:p14="http://schemas.microsoft.com/office/powerpoint/2010/main" spd="slow" p14:dur="2000">
+        <p159:morph option="byObject"/>
       </p:transition>
     </mc:Choice>
     <mc:Fallback>
-      <p:transition xmlns:mc="http://schemas.openxmlformats.org/markup-compatibility/2006" xmlns:hp="http://schemas.haansoft.com/office/presentation/8.0" spd="med" mc:Ignorable="hp" hp:hslDur="1000">
+      <p:transition spd="slow">
         <p:fade/>
       </p:transition>
     </mc:Fallback>
@@ -8368,7 +9499,7 @@
 </file>
 
 <file path=ppt/slides/slide8.xml><?xml version="1.0" encoding="utf-8"?>
-<p:sld xmlns:r="http://schemas.openxmlformats.org/officeDocument/2006/relationships" xmlns:c="http://schemas.openxmlformats.org/drawingml/2006/chart" xmlns:a="http://schemas.openxmlformats.org/drawingml/2006/main" xmlns:dgm="http://schemas.openxmlformats.org/drawingml/2006/diagram" xmlns:dsp="http://schemas.microsoft.com/office/drawing/2008/diagram" xmlns:p="http://schemas.openxmlformats.org/presentationml/2006/main">
+<p:sld xmlns:a="http://schemas.openxmlformats.org/drawingml/2006/main" xmlns:r="http://schemas.openxmlformats.org/officeDocument/2006/relationships" xmlns:p="http://schemas.openxmlformats.org/presentationml/2006/main">
   <p:cSld>
     <p:spTree>
       <p:nvGrpSpPr>
@@ -8386,7 +9517,13 @@
       </p:grpSpPr>
       <p:cxnSp>
         <p:nvCxnSpPr>
-          <p:cNvPr id="4" name="직선 연결선 3"/>
+          <p:cNvPr id="4" name="직선 연결선 3">
+            <a:extLst>
+              <a:ext uri="{FF2B5EF4-FFF2-40B4-BE49-F238E27FC236}">
+                <a16:creationId xmlns:a16="http://schemas.microsoft.com/office/drawing/2014/main" id="{91783D2F-737E-4797-9853-8C85BE37E236}"/>
+              </a:ext>
+            </a:extLst>
+          </p:cNvPr>
           <p:cNvCxnSpPr/>
           <p:nvPr/>
         </p:nvCxnSpPr>
@@ -8416,7 +9553,13 @@
       </p:cxnSp>
       <p:sp>
         <p:nvSpPr>
-          <p:cNvPr id="5" name="TextBox 4"/>
+          <p:cNvPr id="5" name="TextBox 4">
+            <a:extLst>
+              <a:ext uri="{FF2B5EF4-FFF2-40B4-BE49-F238E27FC236}">
+                <a16:creationId xmlns:a16="http://schemas.microsoft.com/office/drawing/2014/main" id="{AADC96B8-21F1-4CA5-82F2-62149BA3A81F}"/>
+              </a:ext>
+            </a:extLst>
+          </p:cNvPr>
           <p:cNvSpPr txBox="1"/>
           <p:nvPr/>
         </p:nvSpPr>
@@ -8431,25 +9574,32 @@
           <a:noFill/>
         </p:spPr>
         <p:txBody>
-          <a:bodyPr wrap="square">
+          <a:bodyPr wrap="square" rtlCol="0">
             <a:spAutoFit/>
           </a:bodyPr>
           <a:lstStyle/>
           <a:p>
-            <a:pPr lvl="0">
-              <a:defRPr/>
-            </a:pPr>
-            <a:r>
-              <a:rPr lang="en-US" altLang="ko-KR" sz="1600" b="1">
+            <a:r>
+              <a:rPr lang="en-US" altLang="ko-KR" sz="1600" b="1" dirty="0">
                 <a:solidFill>
                   <a:schemeClr val="accent1">
                     <a:lumMod val="50000"/>
                   </a:schemeClr>
                 </a:solidFill>
               </a:rPr>
-              <a:t>Part 2-3</a:t>
-            </a:r>
-            <a:endParaRPr lang="ko-KR" altLang="en-US" sz="1600" b="1">
+              <a:t>Part </a:t>
+            </a:r>
+            <a:r>
+              <a:rPr lang="en-US" altLang="ko-KR" sz="1600" b="1" dirty="0" smtClean="0">
+                <a:solidFill>
+                  <a:schemeClr val="accent1">
+                    <a:lumMod val="50000"/>
+                  </a:schemeClr>
+                </a:solidFill>
+              </a:rPr>
+              <a:t>2-3</a:t>
+            </a:r>
+            <a:endParaRPr lang="ko-KR" altLang="en-US" sz="1600" b="1" dirty="0">
               <a:solidFill>
                 <a:schemeClr val="accent1">
                   <a:lumMod val="50000"/>
@@ -8461,7 +9611,13 @@
       </p:sp>
       <p:sp>
         <p:nvSpPr>
-          <p:cNvPr id="6" name="TextBox 5"/>
+          <p:cNvPr id="6" name="TextBox 5">
+            <a:extLst>
+              <a:ext uri="{FF2B5EF4-FFF2-40B4-BE49-F238E27FC236}">
+                <a16:creationId xmlns:a16="http://schemas.microsoft.com/office/drawing/2014/main" id="{E9E4E03B-DC2B-4AB1-AA88-841F77488FB8}"/>
+              </a:ext>
+            </a:extLst>
+          </p:cNvPr>
           <p:cNvSpPr txBox="1"/>
           <p:nvPr/>
         </p:nvSpPr>
@@ -8476,101 +9632,116 @@
           <a:noFill/>
         </p:spPr>
         <p:txBody>
-          <a:bodyPr wrap="square">
+          <a:bodyPr wrap="square" rtlCol="0">
             <a:spAutoFit/>
           </a:bodyPr>
           <a:lstStyle/>
           <a:p>
-            <a:pPr lvl="0">
-              <a:defRPr/>
-            </a:pPr>
-            <a:r>
-              <a:rPr lang="ko-KR" altLang="en-US" sz="3600" b="1">
+            <a:r>
+              <a:rPr lang="ko-KR" altLang="en-US" sz="3600" b="1" dirty="0" smtClean="0">
                 <a:solidFill>
                   <a:schemeClr val="accent1">
                     <a:lumMod val="50000"/>
                   </a:schemeClr>
                 </a:solidFill>
-                <a:latin typeface="나눔스퀘어 ExtraBold"/>
-                <a:ea typeface="나눔스퀘어 ExtraBold"/>
+                <a:latin typeface="나눔스퀘어 ExtraBold" panose="020B0600000101010101" pitchFamily="50" charset="-127"/>
+                <a:ea typeface="나눔스퀘어 ExtraBold" panose="020B0600000101010101" pitchFamily="50" charset="-127"/>
               </a:rPr>
               <a:t>코로나</a:t>
             </a:r>
             <a:r>
-              <a:rPr lang="en-US" altLang="ko-KR" sz="3600" b="1">
+              <a:rPr lang="en-US" altLang="ko-KR" sz="3600" b="1" dirty="0" smtClean="0">
                 <a:solidFill>
                   <a:schemeClr val="accent1">
                     <a:lumMod val="50000"/>
                   </a:schemeClr>
                 </a:solidFill>
-                <a:latin typeface="나눔스퀘어 ExtraBold"/>
-                <a:ea typeface="나눔스퀘어 ExtraBold"/>
+                <a:latin typeface="나눔스퀘어 ExtraBold" panose="020B0600000101010101" pitchFamily="50" charset="-127"/>
+                <a:ea typeface="나눔스퀘어 ExtraBold" panose="020B0600000101010101" pitchFamily="50" charset="-127"/>
               </a:rPr>
               <a:t>19 </a:t>
             </a:r>
             <a:r>
-              <a:rPr lang="ko-KR" altLang="en-US" sz="3600" b="1">
+              <a:rPr lang="ko-KR" altLang="en-US" sz="3600" b="1" dirty="0" err="1" smtClean="0">
                 <a:solidFill>
                   <a:schemeClr val="accent1">
                     <a:lumMod val="50000"/>
                   </a:schemeClr>
                 </a:solidFill>
-                <a:latin typeface="나눔스퀘어 ExtraBold"/>
-                <a:ea typeface="나눔스퀘어 ExtraBold"/>
+                <a:latin typeface="나눔스퀘어 ExtraBold" panose="020B0600000101010101" pitchFamily="50" charset="-127"/>
+                <a:ea typeface="나눔스퀘어 ExtraBold" panose="020B0600000101010101" pitchFamily="50" charset="-127"/>
               </a:rPr>
-              <a:t>확진자 국가별 순위</a:t>
-            </a:r>
-            <a:r>
-              <a:rPr lang="en-US" altLang="ko-KR" sz="3600" b="1">
+              <a:t>확진자</a:t>
+            </a:r>
+            <a:r>
+              <a:rPr lang="ko-KR" altLang="en-US" sz="3600" b="1" dirty="0" smtClean="0">
                 <a:solidFill>
                   <a:schemeClr val="accent1">
                     <a:lumMod val="50000"/>
                   </a:schemeClr>
                 </a:solidFill>
-                <a:latin typeface="나눔스퀘어 ExtraBold"/>
-                <a:ea typeface="나눔스퀘어 ExtraBold"/>
+                <a:latin typeface="나눔스퀘어 ExtraBold" panose="020B0600000101010101" pitchFamily="50" charset="-127"/>
+                <a:ea typeface="나눔스퀘어 ExtraBold" panose="020B0600000101010101" pitchFamily="50" charset="-127"/>
               </a:rPr>
-              <a:t>(</a:t>
-            </a:r>
-            <a:r>
-              <a:rPr lang="ko-KR" altLang="en-US" sz="3600" b="1">
+              <a:t> 국가별 순위</a:t>
+            </a:r>
+            <a:r>
+              <a:rPr lang="en-US" altLang="ko-KR" sz="3600" b="1" dirty="0" smtClean="0">
                 <a:solidFill>
                   <a:schemeClr val="accent1">
                     <a:lumMod val="50000"/>
                   </a:schemeClr>
                 </a:solidFill>
-                <a:latin typeface="나눔스퀘어 ExtraBold"/>
-                <a:ea typeface="나눔스퀘어 ExtraBold"/>
+                <a:latin typeface="나눔스퀘어 ExtraBold" panose="020B0600000101010101" pitchFamily="50" charset="-127"/>
+                <a:ea typeface="나눔스퀘어 ExtraBold" panose="020B0600000101010101" pitchFamily="50" charset="-127"/>
               </a:rPr>
-              <a:t>완치자</a:t>
-            </a:r>
-            <a:r>
-              <a:rPr lang="en-US" altLang="ko-KR" sz="3600" b="1">
+              <a:t>(</a:t>
+            </a:r>
+            <a:r>
+              <a:rPr lang="ko-KR" altLang="en-US" sz="3600" b="1" dirty="0" err="1" smtClean="0">
                 <a:solidFill>
                   <a:schemeClr val="accent1">
                     <a:lumMod val="50000"/>
                   </a:schemeClr>
                 </a:solidFill>
-                <a:latin typeface="나눔스퀘어 ExtraBold"/>
-                <a:ea typeface="나눔스퀘어 ExtraBold"/>
+                <a:latin typeface="나눔스퀘어 ExtraBold" panose="020B0600000101010101" pitchFamily="50" charset="-127"/>
+                <a:ea typeface="나눔스퀘어 ExtraBold" panose="020B0600000101010101" pitchFamily="50" charset="-127"/>
+              </a:rPr>
+              <a:t>완치자</a:t>
+            </a:r>
+            <a:r>
+              <a:rPr lang="en-US" altLang="ko-KR" sz="3600" b="1" dirty="0" smtClean="0">
+                <a:solidFill>
+                  <a:schemeClr val="accent1">
+                    <a:lumMod val="50000"/>
+                  </a:schemeClr>
+                </a:solidFill>
+                <a:latin typeface="나눔스퀘어 ExtraBold" panose="020B0600000101010101" pitchFamily="50" charset="-127"/>
+                <a:ea typeface="나눔스퀘어 ExtraBold" panose="020B0600000101010101" pitchFamily="50" charset="-127"/>
               </a:rPr>
               <a:t>)</a:t>
             </a:r>
-            <a:endParaRPr lang="ko-KR" altLang="en-US" sz="3600" b="1">
+            <a:endParaRPr lang="ko-KR" altLang="en-US" sz="3600" b="1" dirty="0">
               <a:solidFill>
                 <a:schemeClr val="accent1">
                   <a:lumMod val="50000"/>
                 </a:schemeClr>
               </a:solidFill>
-              <a:latin typeface="나눔스퀘어 ExtraBold"/>
-              <a:ea typeface="나눔스퀘어 ExtraBold"/>
+              <a:latin typeface="나눔스퀘어 ExtraBold" panose="020B0600000101010101" pitchFamily="50" charset="-127"/>
+              <a:ea typeface="나눔스퀘어 ExtraBold" panose="020B0600000101010101" pitchFamily="50" charset="-127"/>
             </a:endParaRPr>
           </a:p>
         </p:txBody>
       </p:sp>
       <p:sp>
         <p:nvSpPr>
-          <p:cNvPr id="21" name="TextBox 20"/>
+          <p:cNvPr id="21" name="TextBox 20">
+            <a:extLst>
+              <a:ext uri="{FF2B5EF4-FFF2-40B4-BE49-F238E27FC236}">
+                <a16:creationId xmlns:a16="http://schemas.microsoft.com/office/drawing/2014/main" id="{B6AEE38D-6CC7-41A2-B4AC-E22B635E630B}"/>
+              </a:ext>
+            </a:extLst>
+          </p:cNvPr>
           <p:cNvSpPr txBox="1"/>
           <p:nvPr/>
         </p:nvSpPr>
@@ -8585,31 +9756,34 @@
           <a:noFill/>
         </p:spPr>
         <p:txBody>
-          <a:bodyPr wrap="square">
+          <a:bodyPr wrap="square" rtlCol="0">
             <a:spAutoFit/>
           </a:bodyPr>
           <a:lstStyle/>
           <a:p>
-            <a:pPr lvl="0">
-              <a:defRPr/>
-            </a:pPr>
-            <a:r>
-              <a:rPr lang="ko-KR" altLang="en-US" sz="2800" b="1">
-                <a:latin typeface="나눔스퀘어 ExtraBold"/>
-                <a:ea typeface="나눔스퀘어 ExtraBold"/>
+            <a:r>
+              <a:rPr lang="ko-KR" altLang="en-US" sz="2800" b="1" dirty="0" smtClean="0">
+                <a:latin typeface="나눔스퀘어 ExtraBold" panose="020B0600000101010101" pitchFamily="50" charset="-127"/>
+                <a:ea typeface="나눔스퀘어 ExtraBold" panose="020B0600000101010101" pitchFamily="50" charset="-127"/>
               </a:rPr>
               <a:t>순위</a:t>
             </a:r>
-            <a:endParaRPr lang="ko-KR" altLang="en-US" sz="2800" b="1">
-              <a:latin typeface="나눔스퀘어 ExtraBold"/>
-              <a:ea typeface="나눔스퀘어 ExtraBold"/>
+            <a:endParaRPr lang="ko-KR" altLang="en-US" sz="2800" b="1" dirty="0">
+              <a:latin typeface="나눔스퀘어 ExtraBold" panose="020B0600000101010101" pitchFamily="50" charset="-127"/>
+              <a:ea typeface="나눔스퀘어 ExtraBold" panose="020B0600000101010101" pitchFamily="50" charset="-127"/>
             </a:endParaRPr>
           </a:p>
         </p:txBody>
       </p:sp>
       <p:cxnSp>
         <p:nvCxnSpPr>
-          <p:cNvPr id="22" name="직선 연결선 21"/>
+          <p:cNvPr id="22" name="직선 연결선 21">
+            <a:extLst>
+              <a:ext uri="{FF2B5EF4-FFF2-40B4-BE49-F238E27FC236}">
+                <a16:creationId xmlns:a16="http://schemas.microsoft.com/office/drawing/2014/main" id="{08C422D0-4EF4-4D16-9138-D7D4D0A7A56F}"/>
+              </a:ext>
+            </a:extLst>
+          </p:cNvPr>
           <p:cNvCxnSpPr/>
           <p:nvPr/>
         </p:nvCxnSpPr>
@@ -8640,14 +9814,20 @@
       </p:cxnSp>
       <p:sp>
         <p:nvSpPr>
-          <p:cNvPr id="23" name="TextBox 22"/>
+          <p:cNvPr id="23" name="TextBox 22">
+            <a:extLst>
+              <a:ext uri="{FF2B5EF4-FFF2-40B4-BE49-F238E27FC236}">
+                <a16:creationId xmlns:a16="http://schemas.microsoft.com/office/drawing/2014/main" id="{9C006FA2-5A5E-4E43-9307-B266158068B7}"/>
+              </a:ext>
+            </a:extLst>
+          </p:cNvPr>
           <p:cNvSpPr txBox="1"/>
           <p:nvPr/>
         </p:nvSpPr>
         <p:spPr>
           <a:xfrm>
             <a:off x="8598749" y="3311601"/>
-            <a:ext cx="5539740" cy="1610919"/>
+            <a:ext cx="5539740" cy="1631216"/>
           </a:xfrm>
           <a:prstGeom prst="rect">
             <a:avLst/>
@@ -8655,119 +9835,109 @@
           <a:noFill/>
         </p:spPr>
         <p:txBody>
-          <a:bodyPr wrap="square">
+          <a:bodyPr wrap="square" rtlCol="0">
             <a:spAutoFit/>
           </a:bodyPr>
           <a:lstStyle/>
           <a:p>
-            <a:pPr algn="just">
-              <a:defRPr/>
-            </a:pPr>
-            <a:r>
-              <a:rPr lang="en-US" altLang="ko-KR" sz="2000"/>
+            <a:pPr algn="just"/>
+            <a:r>
+              <a:rPr lang="en-US" altLang="ko-KR" sz="2000" dirty="0" smtClean="0"/>
               <a:t>1</a:t>
             </a:r>
             <a:r>
-              <a:rPr lang="ko-KR" altLang="en-US" sz="2000"/>
-              <a:t>위 </a:t>
-            </a:r>
-            <a:r>
-              <a:rPr lang="en-US" altLang="ko-KR" sz="2000"/>
+              <a:rPr lang="ko-KR" altLang="en-US" sz="2000" dirty="0" smtClean="0"/>
+              <a:t>등 </a:t>
+            </a:r>
+            <a:r>
+              <a:rPr lang="en-US" altLang="ko-KR" sz="2000" dirty="0" smtClean="0"/>
               <a:t>: </a:t>
             </a:r>
             <a:r>
-              <a:rPr lang="ko-KR" altLang="en-US" sz="2000"/>
+              <a:rPr lang="ko-KR" altLang="en-US" sz="2000" dirty="0" smtClean="0"/>
               <a:t>미국 </a:t>
             </a:r>
-            <a:endParaRPr lang="ko-KR" altLang="en-US" sz="2000"/>
-          </a:p>
-          <a:p>
-            <a:pPr algn="just">
-              <a:defRPr/>
-            </a:pPr>
-            <a:r>
-              <a:rPr lang="en-US" altLang="ko-KR" sz="2000"/>
+            <a:endParaRPr lang="en-US" altLang="ko-KR" sz="2000" dirty="0" smtClean="0"/>
+          </a:p>
+          <a:p>
+            <a:pPr algn="just"/>
+            <a:r>
+              <a:rPr lang="en-US" altLang="ko-KR" sz="2000" dirty="0" smtClean="0"/>
               <a:t>2</a:t>
             </a:r>
             <a:r>
-              <a:rPr lang="ko-KR" altLang="en-US" sz="2000"/>
-              <a:t>위 </a:t>
-            </a:r>
-            <a:r>
-              <a:rPr lang="en-US" altLang="ko-KR" sz="2000"/>
+              <a:rPr lang="ko-KR" altLang="en-US" sz="2000" dirty="0" smtClean="0"/>
+              <a:t>등 </a:t>
+            </a:r>
+            <a:r>
+              <a:rPr lang="en-US" altLang="ko-KR" sz="2000" dirty="0" smtClean="0"/>
               <a:t>: </a:t>
             </a:r>
             <a:r>
-              <a:rPr lang="ko-KR" altLang="en-US" sz="2000"/>
+              <a:rPr lang="ko-KR" altLang="en-US" sz="2000" dirty="0" smtClean="0"/>
               <a:t>인도</a:t>
             </a:r>
-            <a:endParaRPr lang="ko-KR" altLang="en-US" sz="2000"/>
-          </a:p>
-          <a:p>
-            <a:pPr algn="just">
-              <a:defRPr/>
-            </a:pPr>
-            <a:r>
-              <a:rPr lang="en-US" altLang="ko-KR" sz="2000"/>
+            <a:endParaRPr lang="en-US" altLang="ko-KR" sz="2000" dirty="0" smtClean="0"/>
+          </a:p>
+          <a:p>
+            <a:pPr algn="just"/>
+            <a:r>
+              <a:rPr lang="en-US" altLang="ko-KR" sz="2000" dirty="0" smtClean="0"/>
               <a:t>3</a:t>
             </a:r>
             <a:r>
-              <a:rPr lang="ko-KR" altLang="en-US" sz="2000"/>
-              <a:t>위 </a:t>
-            </a:r>
-            <a:r>
-              <a:rPr lang="en-US" altLang="ko-KR" sz="2000"/>
+              <a:rPr lang="ko-KR" altLang="en-US" sz="2000" dirty="0" smtClean="0"/>
+              <a:t>등 </a:t>
+            </a:r>
+            <a:r>
+              <a:rPr lang="en-US" altLang="ko-KR" sz="2000" dirty="0" smtClean="0"/>
               <a:t>: </a:t>
             </a:r>
             <a:r>
-              <a:rPr lang="ko-KR" altLang="en-US" sz="2000"/>
+              <a:rPr lang="ko-KR" altLang="en-US" sz="2000" dirty="0" smtClean="0"/>
               <a:t>브라질</a:t>
             </a:r>
-            <a:endParaRPr lang="ko-KR" altLang="en-US" sz="2000"/>
-          </a:p>
-          <a:p>
-            <a:pPr algn="just">
-              <a:defRPr/>
-            </a:pPr>
-            <a:r>
-              <a:rPr lang="en-US" altLang="ko-KR" sz="2000"/>
+            <a:endParaRPr lang="en-US" altLang="ko-KR" sz="2000" dirty="0" smtClean="0"/>
+          </a:p>
+          <a:p>
+            <a:pPr algn="just"/>
+            <a:r>
+              <a:rPr lang="en-US" altLang="ko-KR" sz="2000" dirty="0" smtClean="0"/>
               <a:t>4</a:t>
             </a:r>
             <a:r>
-              <a:rPr lang="ko-KR" altLang="en-US" sz="2000"/>
-              <a:t>위 </a:t>
-            </a:r>
-            <a:r>
-              <a:rPr lang="en-US" altLang="ko-KR" sz="2000"/>
+              <a:rPr lang="ko-KR" altLang="en-US" sz="2000" dirty="0" smtClean="0"/>
+              <a:t>등 </a:t>
+            </a:r>
+            <a:r>
+              <a:rPr lang="en-US" altLang="ko-KR" sz="2000" dirty="0" smtClean="0"/>
               <a:t>: </a:t>
             </a:r>
             <a:r>
-              <a:rPr lang="ko-KR" altLang="en-US" sz="2000"/>
+              <a:rPr lang="ko-KR" altLang="en-US" sz="2000" dirty="0" smtClean="0"/>
               <a:t>프랑스</a:t>
             </a:r>
-            <a:endParaRPr lang="ko-KR" altLang="en-US" sz="2000"/>
-          </a:p>
-          <a:p>
-            <a:pPr algn="just">
-              <a:defRPr/>
-            </a:pPr>
-            <a:r>
-              <a:rPr lang="en-US" altLang="ko-KR" sz="2000"/>
+            <a:endParaRPr lang="en-US" altLang="ko-KR" sz="2000" dirty="0" smtClean="0"/>
+          </a:p>
+          <a:p>
+            <a:pPr algn="just"/>
+            <a:r>
+              <a:rPr lang="en-US" altLang="ko-KR" sz="2000" dirty="0" smtClean="0"/>
               <a:t>5</a:t>
             </a:r>
             <a:r>
-              <a:rPr lang="ko-KR" altLang="en-US" sz="2000"/>
-              <a:t>위 </a:t>
-            </a:r>
-            <a:r>
-              <a:rPr lang="en-US" altLang="ko-KR" sz="2000"/>
+              <a:rPr lang="ko-KR" altLang="en-US" sz="2000" dirty="0" smtClean="0"/>
+              <a:t>등 </a:t>
+            </a:r>
+            <a:r>
+              <a:rPr lang="en-US" altLang="ko-KR" sz="2000" dirty="0" smtClean="0"/>
               <a:t>: </a:t>
             </a:r>
             <a:r>
-              <a:rPr lang="ko-KR" altLang="en-US" sz="2000"/>
+              <a:rPr lang="ko-KR" altLang="en-US" sz="2000" dirty="0" smtClean="0"/>
               <a:t>터키</a:t>
             </a:r>
-            <a:endParaRPr lang="ko-KR" altLang="en-US" sz="2000"/>
+            <a:endParaRPr lang="ko-KR" altLang="en-US" sz="2000" dirty="0"/>
           </a:p>
         </p:txBody>
       </p:sp>
@@ -8775,7 +9945,13 @@
         <p:nvGraphicFramePr>
           <p:cNvPr id="14" name="차트 13"/>
           <p:cNvGraphicFramePr/>
-          <p:nvPr/>
+          <p:nvPr>
+            <p:extLst>
+              <p:ext uri="{D42A27DB-BD31-4B8C-83A1-F6EECF244321}">
+                <p14:modId xmlns:p14="http://schemas.microsoft.com/office/powerpoint/2010/main" val="3086990040"/>
+              </p:ext>
+            </p:extLst>
+          </p:nvPr>
         </p:nvGraphicFramePr>
         <p:xfrm>
           <a:off x="142544" y="922583"/>
@@ -8783,23 +9959,28 @@
         </p:xfrm>
         <a:graphic>
           <a:graphicData uri="http://schemas.openxmlformats.org/drawingml/2006/chart">
-            <c:chart r:id="rId2"/>
+            <c:chart xmlns:c="http://schemas.openxmlformats.org/drawingml/2006/chart" xmlns:r="http://schemas.openxmlformats.org/officeDocument/2006/relationships" r:id="rId2"/>
           </a:graphicData>
         </a:graphic>
       </p:graphicFrame>
     </p:spTree>
+    <p:extLst>
+      <p:ext uri="{BB962C8B-B14F-4D97-AF65-F5344CB8AC3E}">
+        <p14:creationId xmlns:p14="http://schemas.microsoft.com/office/powerpoint/2010/main" val="2574762922"/>
+      </p:ext>
+    </p:extLst>
   </p:cSld>
   <p:clrMapOvr>
     <a:masterClrMapping/>
   </p:clrMapOvr>
   <mc:AlternateContent xmlns:mc="http://schemas.openxmlformats.org/markup-compatibility/2006">
-    <mc:Choice xmlns:p14="http://schemas.microsoft.com/office/powerpoint/2010/main" Requires="p14">
-      <p:transition xmlns:mc="http://schemas.openxmlformats.org/markup-compatibility/2006" xmlns:p14="http://schemas.microsoft.com/office/powerpoint/2010/main" spd="med" mc:Ignorable="p14" p14:dur="1000">
-        <p:fade/>
+    <mc:Choice xmlns:p159="http://schemas.microsoft.com/office/powerpoint/2015/09/main" xmlns="" Requires="p159">
+      <p:transition xmlns:p14="http://schemas.microsoft.com/office/powerpoint/2010/main" spd="slow" p14:dur="2000">
+        <p159:morph option="byObject"/>
       </p:transition>
     </mc:Choice>
     <mc:Fallback>
-      <p:transition xmlns:mc="http://schemas.openxmlformats.org/markup-compatibility/2006" xmlns:hp="http://schemas.haansoft.com/office/presentation/8.0" spd="med" mc:Ignorable="hp" hp:hslDur="1000">
+      <p:transition spd="slow">
         <p:fade/>
       </p:transition>
     </mc:Fallback>

--- a/코로나 국가별 인원(30412서준호).pptx
+++ b/코로나 국가별 인원(30412서준호).pptx
@@ -2,7 +2,7 @@
 <file path=ppt/presentation.xml><?xml version="1.0" encoding="utf-8"?>
 <p:presentation xmlns:r="http://schemas.openxmlformats.org/officeDocument/2006/relationships" xmlns:c="http://schemas.openxmlformats.org/drawingml/2006/chart" xmlns:a="http://schemas.openxmlformats.org/drawingml/2006/main" xmlns:dgm="http://schemas.openxmlformats.org/drawingml/2006/diagram" xmlns:dsp="http://schemas.microsoft.com/office/drawing/2008/diagram" xmlns:p="http://schemas.openxmlformats.org/presentationml/2006/main">
   <p:sldMasterIdLst>
-    <p:sldMasterId id="2147483662" r:id="rId1"/>
+    <p:sldMasterId id="2147483661" r:id="rId1"/>
   </p:sldMasterIdLst>
   <p:sldIdLst>
     <p:sldId id="256" r:id="rId2"/>
@@ -8080,7 +8080,7 @@
             </a:pPr>
             <a:r>
               <a:rPr lang="ko-KR" altLang="en-US" sz="1500"/>
-              <a:t>지금 가장 조심해야하는 문제이기때문에 심각성을 알았으면 하기 때문입니다ㄴ</a:t>
+              <a:t>지금 가장 조심해야하는 문제이기때문에 심각성을 알았으면 하기 때문입니다</a:t>
             </a:r>
             <a:r>
               <a:rPr lang="en-US" altLang="ko-KR" sz="1500"/>

--- a/코로나 국가별 인원(30412서준호).pptx
+++ b/코로나 국가별 인원(30412서준호).pptx
@@ -432,10 +432,8 @@
 </file>
 
 <file path=ppt/charts/chart2.xml><?xml version="1.0" encoding="utf-8"?>
-<c:chartSpace xmlns:c="http://schemas.openxmlformats.org/drawingml/2006/chart" xmlns:a="http://schemas.openxmlformats.org/drawingml/2006/main" xmlns:r="http://schemas.openxmlformats.org/officeDocument/2006/relationships" xmlns:c16r2="http://schemas.microsoft.com/office/drawing/2015/06/chart">
+<c:chartSpace xmlns:r="http://schemas.openxmlformats.org/officeDocument/2006/relationships" xmlns:a="http://schemas.openxmlformats.org/drawingml/2006/main" xmlns:c="http://schemas.openxmlformats.org/drawingml/2006/chart">
   <c:date1904 val="0"/>
-  <c:lang val="ko-KR"/>
-  <c:roundedCorners val="0"/>
   <mc:AlternateContent xmlns:mc="http://schemas.openxmlformats.org/markup-compatibility/2006">
     <mc:Choice xmlns:c14="http://schemas.microsoft.com/office/drawing/2007/8/2/chart" Requires="c14">
       <c14:style val="102"/>
@@ -444,31 +442,29 @@
       <c:style val="2"/>
     </mc:Fallback>
   </mc:AlternateContent>
+  <c:roundedCorners val="0"/>
   <c:chart>
     <c:title>
       <c:tx>
         <c:rich>
-          <a:bodyPr rot="0" spcFirstLastPara="1" vertOverflow="ellipsis" vert="horz" wrap="square" anchor="ctr" anchorCtr="1"/>
+          <a:bodyPr rot="0" vert="horz"/>
           <a:lstStyle/>
           <a:p>
             <a:pPr>
-              <a:defRPr sz="1862" b="0" i="0" u="none" strike="noStrike" kern="1200" spc="0" baseline="0">
+              <a:defRPr sz="1862" b="0" i="0">
                 <a:solidFill>
                   <a:schemeClr val="tx1">
                     <a:lumMod val="65000"/>
                     <a:lumOff val="35000"/>
                   </a:schemeClr>
                 </a:solidFill>
-                <a:latin typeface="+mn-lt"/>
-                <a:ea typeface="+mn-ea"/>
-                <a:cs typeface="+mn-cs"/>
               </a:defRPr>
             </a:pPr>
             <a:r>
               <a:rPr lang="ko-KR" altLang="en-US" dirty="0" smtClean="0"/>
               <a:t>사망자</a:t>
             </a:r>
-            <a:endParaRPr lang="ko-KR" altLang="en-US" dirty="0"/>
+            <a:endParaRPr lang="ko-KR"/>
           </a:p>
         </c:rich>
       </c:tx>
@@ -481,26 +477,6 @@
         </a:ln>
         <a:effectLst/>
       </c:spPr>
-      <c:txPr>
-        <a:bodyPr rot="0" spcFirstLastPara="1" vertOverflow="ellipsis" vert="horz" wrap="square" anchor="ctr" anchorCtr="1"/>
-        <a:lstStyle/>
-        <a:p>
-          <a:pPr>
-            <a:defRPr sz="1862" b="0" i="0" u="none" strike="noStrike" kern="1200" spc="0" baseline="0">
-              <a:solidFill>
-                <a:schemeClr val="tx1">
-                  <a:lumMod val="65000"/>
-                  <a:lumOff val="35000"/>
-                </a:schemeClr>
-              </a:solidFill>
-              <a:latin typeface="+mn-lt"/>
-              <a:ea typeface="+mn-ea"/>
-              <a:cs typeface="+mn-cs"/>
-            </a:defRPr>
-          </a:pPr>
-          <a:endParaRPr lang="ko-KR"/>
-        </a:p>
-      </c:txPr>
     </c:title>
     <c:autoTitleDeleted val="0"/>
     <c:plotArea>
@@ -509,10 +485,10 @@
           <c:layoutTarget val="inner"/>
           <c:xMode val="edge"/>
           <c:yMode val="edge"/>
-          <c:x val="0.11201107283464568"/>
-          <c:y val="0.10635955300445663"/>
-          <c:w val="0.86298892716535436"/>
-          <c:h val="0.77283250659248848"/>
+          <c:x val="0.11201107501983643"/>
+          <c:y val="0.10635955631732941"/>
+          <c:w val="0.86298894882202148"/>
+          <c:h val="0.77283251285552979"/>
         </c:manualLayout>
       </c:layout>
       <c:barChart>
@@ -537,7 +513,7 @@
             <a:solidFill>
               <a:schemeClr val="accent1"/>
             </a:solidFill>
-            <a:ln>
+            <a:ln w="9525">
               <a:noFill/>
             </a:ln>
             <a:effectLst/>
@@ -590,19 +566,16 @@
               </c:numCache>
             </c:numRef>
           </c:val>
-          <c:extLst>
-            <c:ext xmlns:c16="http://schemas.microsoft.com/office/drawing/2014/chart" uri="{C3380CC4-5D6E-409C-BE32-E72D297353CC}">
-              <c16:uniqueId val="{00000000-0E58-4216-9C69-2E95B331E550}"/>
-            </c:ext>
-          </c:extLst>
         </c:ser>
         <c:dLbls>
+          <c:delete val="0"/>
           <c:showLegendKey val="0"/>
           <c:showVal val="0"/>
           <c:showCatName val="0"/>
           <c:showSerName val="0"/>
           <c:showPercent val="0"/>
           <c:showBubbleSize val="0"/>
+          <c:showLeaderLines val="0"/>
         </c:dLbls>
         <c:gapWidth val="219"/>
         <c:overlap val="-27"/>
@@ -614,9 +587,10 @@
         <c:scaling>
           <c:orientation val="minMax"/>
         </c:scaling>
+        <c:axPos val="b"/>
+        <c:crossAx val="1363824736"/>
         <c:delete val="0"/>
-        <c:axPos val="b"/>
-        <c:numFmt formatCode="General" sourceLinked="1"/>
+        <c:numFmt formatCode="#,##0" sourceLinked="1"/>
         <c:majorTickMark val="none"/>
         <c:minorTickMark val="none"/>
         <c:tickLblPos val="nextTo"/>
@@ -634,30 +608,27 @@
           <a:effectLst/>
         </c:spPr>
         <c:txPr>
-          <a:bodyPr rot="-60000000" spcFirstLastPara="1" vertOverflow="ellipsis" vert="horz" wrap="square" anchor="ctr" anchorCtr="1"/>
+          <a:bodyPr/>
           <a:lstStyle/>
           <a:p>
             <a:pPr>
-              <a:defRPr sz="1197" b="0" i="0" u="none" strike="noStrike" kern="1200" baseline="0">
+              <a:defRPr sz="1197" b="0" i="0">
                 <a:solidFill>
                   <a:schemeClr val="tx1">
                     <a:lumMod val="65000"/>
                     <a:lumOff val="35000"/>
                   </a:schemeClr>
                 </a:solidFill>
-                <a:latin typeface="+mn-lt"/>
-                <a:ea typeface="+mn-ea"/>
-                <a:cs typeface="+mn-cs"/>
               </a:defRPr>
             </a:pPr>
             <a:endParaRPr lang="ko-KR"/>
           </a:p>
         </c:txPr>
-        <c:crossAx val="1363824736"/>
         <c:crosses val="autoZero"/>
         <c:auto val="1"/>
         <c:lblAlgn val="ctr"/>
         <c:lblOffset val="100"/>
+        <c:tickMarkSkip val="1"/>
         <c:noMultiLvlLbl val="0"/>
       </c:catAx>
       <c:valAx>
@@ -665,8 +636,9 @@
         <c:scaling>
           <c:orientation val="minMax"/>
         </c:scaling>
+        <c:axPos val="l"/>
+        <c:crossAx val="1363829728"/>
         <c:delete val="0"/>
-        <c:axPos val="l"/>
         <c:majorGridlines>
           <c:spPr>
             <a:ln w="9525" cap="flat" cmpd="sng" algn="ctr">
@@ -687,32 +659,28 @@
         <c:tickLblPos val="nextTo"/>
         <c:spPr>
           <a:noFill/>
-          <a:ln>
+          <a:ln w="9525">
             <a:noFill/>
           </a:ln>
           <a:effectLst/>
         </c:spPr>
         <c:txPr>
-          <a:bodyPr rot="-60000000" spcFirstLastPara="1" vertOverflow="ellipsis" vert="horz" wrap="square" anchor="ctr" anchorCtr="1"/>
+          <a:bodyPr/>
           <a:lstStyle/>
           <a:p>
             <a:pPr>
-              <a:defRPr sz="1197" b="0" i="0" u="none" strike="noStrike" kern="1200" baseline="0">
+              <a:defRPr sz="1197" b="0" i="0">
                 <a:solidFill>
                   <a:schemeClr val="tx1">
                     <a:lumMod val="65000"/>
                     <a:lumOff val="35000"/>
                   </a:schemeClr>
                 </a:solidFill>
-                <a:latin typeface="+mn-lt"/>
-                <a:ea typeface="+mn-ea"/>
-                <a:cs typeface="+mn-cs"/>
               </a:defRPr>
             </a:pPr>
             <a:endParaRPr lang="ko-KR"/>
           </a:p>
         </c:txPr>
-        <c:crossAx val="1363829728"/>
         <c:crosses val="autoZero"/>
         <c:crossBetween val="between"/>
       </c:valAx>
@@ -730,43 +698,31 @@
       <c:overlay val="0"/>
       <c:spPr>
         <a:noFill/>
-        <a:ln>
+        <a:ln w="9525">
           <a:noFill/>
         </a:ln>
         <a:effectLst/>
       </c:spPr>
       <c:txPr>
-        <a:bodyPr rot="0" spcFirstLastPara="1" vertOverflow="ellipsis" vert="horz" wrap="square" anchor="ctr" anchorCtr="1"/>
+        <a:bodyPr rot="0" vert="horz"/>
         <a:lstStyle/>
         <a:p>
           <a:pPr>
-            <a:defRPr sz="1197" b="0" i="0" u="none" strike="noStrike" kern="1200" baseline="0">
+            <a:defRPr sz="1197" b="0" i="0">
               <a:solidFill>
                 <a:schemeClr val="tx1">
                   <a:lumMod val="65000"/>
                   <a:lumOff val="35000"/>
                 </a:schemeClr>
               </a:solidFill>
-              <a:latin typeface="+mn-lt"/>
-              <a:ea typeface="+mn-ea"/>
-              <a:cs typeface="+mn-cs"/>
             </a:defRPr>
           </a:pPr>
           <a:endParaRPr lang="ko-KR"/>
         </a:p>
       </c:txPr>
     </c:legend>
-    <c:plotVisOnly val="1"/>
     <c:dispBlanksAs val="gap"/>
-    <c:showDLblsOverMax val="0"/>
   </c:chart>
-  <c:spPr>
-    <a:noFill/>
-    <a:ln>
-      <a:noFill/>
-    </a:ln>
-    <a:effectLst/>
-  </c:spPr>
   <c:txPr>
     <a:bodyPr/>
     <a:lstStyle/>
@@ -777,17 +733,27 @@
       <a:endParaRPr lang="ko-KR"/>
     </a:p>
   </c:txPr>
-  <c:externalData r:id="rId3">
+  <c:spPr>
+    <a:noFill/>
+    <a:ln w="9525">
+      <a:noFill/>
+    </a:ln>
+    <a:effectLst/>
+  </c:spPr>
+  <c:extLst>
+    <c:ext uri="CC8EB2C9-7E31-499d-B8F2-F6CE61031016">
+      <ho:hncChartStyle xmlns:ho="http://schemas.haansoft.com/office/8.0" layoutIndex="-1" colorIndex="-1" styleIndex="-1"/>
+    </c:ext>
+  </c:extLst>
+  <c:externalData r:id="rId1">
     <c:autoUpdate val="0"/>
   </c:externalData>
 </c:chartSpace>
 </file>
 
 <file path=ppt/charts/chart3.xml><?xml version="1.0" encoding="utf-8"?>
-<c:chartSpace xmlns:c="http://schemas.openxmlformats.org/drawingml/2006/chart" xmlns:a="http://schemas.openxmlformats.org/drawingml/2006/main" xmlns:r="http://schemas.openxmlformats.org/officeDocument/2006/relationships" xmlns:c16r2="http://schemas.microsoft.com/office/drawing/2015/06/chart">
+<c:chartSpace xmlns:r="http://schemas.openxmlformats.org/officeDocument/2006/relationships" xmlns:a="http://schemas.openxmlformats.org/drawingml/2006/main" xmlns:c="http://schemas.openxmlformats.org/drawingml/2006/chart">
   <c:date1904 val="0"/>
-  <c:lang val="ko-KR"/>
-  <c:roundedCorners val="0"/>
   <mc:AlternateContent xmlns:mc="http://schemas.openxmlformats.org/markup-compatibility/2006">
     <mc:Choice xmlns:c14="http://schemas.microsoft.com/office/drawing/2007/8/2/chart" Requires="c14">
       <c14:style val="102"/>
@@ -796,31 +762,29 @@
       <c:style val="2"/>
     </mc:Fallback>
   </mc:AlternateContent>
+  <c:roundedCorners val="0"/>
   <c:chart>
     <c:title>
       <c:tx>
         <c:rich>
-          <a:bodyPr rot="0" spcFirstLastPara="1" vertOverflow="ellipsis" vert="horz" wrap="square" anchor="ctr" anchorCtr="1"/>
+          <a:bodyPr rot="0" vert="horz"/>
           <a:lstStyle/>
           <a:p>
             <a:pPr>
-              <a:defRPr sz="1862" b="0" i="0" u="none" strike="noStrike" kern="1200" spc="0" baseline="0">
+              <a:defRPr sz="1862" b="0" i="0">
                 <a:solidFill>
                   <a:schemeClr val="tx1">
                     <a:lumMod val="65000"/>
                     <a:lumOff val="35000"/>
                   </a:schemeClr>
                 </a:solidFill>
-                <a:latin typeface="+mn-lt"/>
-                <a:ea typeface="+mn-ea"/>
-                <a:cs typeface="+mn-cs"/>
               </a:defRPr>
             </a:pPr>
             <a:r>
-              <a:rPr lang="ko-KR" altLang="en-US" dirty="0" err="1" smtClean="0"/>
+              <a:rPr lang="ko-KR" altLang="en-US" dirty="0" smtClean="0"/>
               <a:t>완치자</a:t>
             </a:r>
-            <a:endParaRPr lang="ko-KR" altLang="en-US" dirty="0"/>
+            <a:endParaRPr lang="ko-KR"/>
           </a:p>
         </c:rich>
       </c:tx>
@@ -833,26 +797,6 @@
         </a:ln>
         <a:effectLst/>
       </c:spPr>
-      <c:txPr>
-        <a:bodyPr rot="0" spcFirstLastPara="1" vertOverflow="ellipsis" vert="horz" wrap="square" anchor="ctr" anchorCtr="1"/>
-        <a:lstStyle/>
-        <a:p>
-          <a:pPr>
-            <a:defRPr sz="1862" b="0" i="0" u="none" strike="noStrike" kern="1200" spc="0" baseline="0">
-              <a:solidFill>
-                <a:schemeClr val="tx1">
-                  <a:lumMod val="65000"/>
-                  <a:lumOff val="35000"/>
-                </a:schemeClr>
-              </a:solidFill>
-              <a:latin typeface="+mn-lt"/>
-              <a:ea typeface="+mn-ea"/>
-              <a:cs typeface="+mn-cs"/>
-            </a:defRPr>
-          </a:pPr>
-          <a:endParaRPr lang="ko-KR"/>
-        </a:p>
-      </c:txPr>
     </c:title>
     <c:autoTitleDeleted val="0"/>
     <c:plotArea>
@@ -861,10 +805,10 @@
           <c:layoutTarget val="inner"/>
           <c:xMode val="edge"/>
           <c:yMode val="edge"/>
-          <c:x val="0.11201107283464568"/>
-          <c:y val="0.10635955300445663"/>
-          <c:w val="0.86298892716535436"/>
-          <c:h val="0.77283250659248848"/>
+          <c:x val="0.11201107501983643"/>
+          <c:y val="0.10635955631732941"/>
+          <c:w val="0.86298894882202148"/>
+          <c:h val="0.77283251285552979"/>
         </c:manualLayout>
       </c:layout>
       <c:barChart>
@@ -889,7 +833,7 @@
             <a:solidFill>
               <a:schemeClr val="accent1"/>
             </a:solidFill>
-            <a:ln>
+            <a:ln w="9525">
               <a:noFill/>
             </a:ln>
             <a:effectLst/>
@@ -942,19 +886,16 @@
               </c:numCache>
             </c:numRef>
           </c:val>
-          <c:extLst>
-            <c:ext xmlns:c16="http://schemas.microsoft.com/office/drawing/2014/chart" uri="{C3380CC4-5D6E-409C-BE32-E72D297353CC}">
-              <c16:uniqueId val="{00000000-0E58-4216-9C69-2E95B331E550}"/>
-            </c:ext>
-          </c:extLst>
         </c:ser>
         <c:dLbls>
+          <c:delete val="0"/>
           <c:showLegendKey val="0"/>
           <c:showVal val="0"/>
           <c:showCatName val="0"/>
           <c:showSerName val="0"/>
           <c:showPercent val="0"/>
           <c:showBubbleSize val="0"/>
+          <c:showLeaderLines val="0"/>
         </c:dLbls>
         <c:gapWidth val="219"/>
         <c:overlap val="-27"/>
@@ -966,9 +907,10 @@
         <c:scaling>
           <c:orientation val="minMax"/>
         </c:scaling>
+        <c:axPos val="b"/>
+        <c:crossAx val="1363824736"/>
         <c:delete val="0"/>
-        <c:axPos val="b"/>
-        <c:numFmt formatCode="General" sourceLinked="1"/>
+        <c:numFmt formatCode="#,##0" sourceLinked="1"/>
         <c:majorTickMark val="none"/>
         <c:minorTickMark val="none"/>
         <c:tickLblPos val="nextTo"/>
@@ -986,30 +928,27 @@
           <a:effectLst/>
         </c:spPr>
         <c:txPr>
-          <a:bodyPr rot="-60000000" spcFirstLastPara="1" vertOverflow="ellipsis" vert="horz" wrap="square" anchor="ctr" anchorCtr="1"/>
+          <a:bodyPr/>
           <a:lstStyle/>
           <a:p>
             <a:pPr>
-              <a:defRPr sz="1197" b="0" i="0" u="none" strike="noStrike" kern="1200" baseline="0">
+              <a:defRPr sz="1197" b="0" i="0">
                 <a:solidFill>
                   <a:schemeClr val="tx1">
                     <a:lumMod val="65000"/>
                     <a:lumOff val="35000"/>
                   </a:schemeClr>
                 </a:solidFill>
-                <a:latin typeface="+mn-lt"/>
-                <a:ea typeface="+mn-ea"/>
-                <a:cs typeface="+mn-cs"/>
               </a:defRPr>
             </a:pPr>
             <a:endParaRPr lang="ko-KR"/>
           </a:p>
         </c:txPr>
-        <c:crossAx val="1363824736"/>
         <c:crosses val="autoZero"/>
         <c:auto val="1"/>
         <c:lblAlgn val="ctr"/>
         <c:lblOffset val="100"/>
+        <c:tickMarkSkip val="1"/>
         <c:noMultiLvlLbl val="0"/>
       </c:catAx>
       <c:valAx>
@@ -1017,8 +956,9 @@
         <c:scaling>
           <c:orientation val="minMax"/>
         </c:scaling>
+        <c:axPos val="l"/>
+        <c:crossAx val="1363829728"/>
         <c:delete val="0"/>
-        <c:axPos val="l"/>
         <c:majorGridlines>
           <c:spPr>
             <a:ln w="9525" cap="flat" cmpd="sng" algn="ctr">
@@ -1039,32 +979,28 @@
         <c:tickLblPos val="nextTo"/>
         <c:spPr>
           <a:noFill/>
-          <a:ln>
+          <a:ln w="9525">
             <a:noFill/>
           </a:ln>
           <a:effectLst/>
         </c:spPr>
         <c:txPr>
-          <a:bodyPr rot="-60000000" spcFirstLastPara="1" vertOverflow="ellipsis" vert="horz" wrap="square" anchor="ctr" anchorCtr="1"/>
+          <a:bodyPr/>
           <a:lstStyle/>
           <a:p>
             <a:pPr>
-              <a:defRPr sz="1197" b="0" i="0" u="none" strike="noStrike" kern="1200" baseline="0">
+              <a:defRPr sz="1197" b="0" i="0">
                 <a:solidFill>
                   <a:schemeClr val="tx1">
                     <a:lumMod val="65000"/>
                     <a:lumOff val="35000"/>
                   </a:schemeClr>
                 </a:solidFill>
-                <a:latin typeface="+mn-lt"/>
-                <a:ea typeface="+mn-ea"/>
-                <a:cs typeface="+mn-cs"/>
               </a:defRPr>
             </a:pPr>
             <a:endParaRPr lang="ko-KR"/>
           </a:p>
         </c:txPr>
-        <c:crossAx val="1363829728"/>
         <c:crosses val="autoZero"/>
         <c:crossBetween val="between"/>
       </c:valAx>
@@ -1082,43 +1018,31 @@
       <c:overlay val="0"/>
       <c:spPr>
         <a:noFill/>
-        <a:ln>
+        <a:ln w="9525">
           <a:noFill/>
         </a:ln>
         <a:effectLst/>
       </c:spPr>
       <c:txPr>
-        <a:bodyPr rot="0" spcFirstLastPara="1" vertOverflow="ellipsis" vert="horz" wrap="square" anchor="ctr" anchorCtr="1"/>
+        <a:bodyPr rot="0" vert="horz"/>
         <a:lstStyle/>
         <a:p>
           <a:pPr>
-            <a:defRPr sz="1197" b="0" i="0" u="none" strike="noStrike" kern="1200" baseline="0">
+            <a:defRPr sz="1197" b="0" i="0">
               <a:solidFill>
                 <a:schemeClr val="tx1">
                   <a:lumMod val="65000"/>
                   <a:lumOff val="35000"/>
                 </a:schemeClr>
               </a:solidFill>
-              <a:latin typeface="+mn-lt"/>
-              <a:ea typeface="+mn-ea"/>
-              <a:cs typeface="+mn-cs"/>
             </a:defRPr>
           </a:pPr>
           <a:endParaRPr lang="ko-KR"/>
         </a:p>
       </c:txPr>
     </c:legend>
-    <c:plotVisOnly val="1"/>
     <c:dispBlanksAs val="gap"/>
-    <c:showDLblsOverMax val="0"/>
   </c:chart>
-  <c:spPr>
-    <a:noFill/>
-    <a:ln>
-      <a:noFill/>
-    </a:ln>
-    <a:effectLst/>
-  </c:spPr>
   <c:txPr>
     <a:bodyPr/>
     <a:lstStyle/>
@@ -1129,1096 +1053,22 @@
       <a:endParaRPr lang="ko-KR"/>
     </a:p>
   </c:txPr>
-  <c:externalData r:id="rId3">
+  <c:spPr>
+    <a:noFill/>
+    <a:ln w="9525">
+      <a:noFill/>
+    </a:ln>
+    <a:effectLst/>
+  </c:spPr>
+  <c:extLst>
+    <c:ext uri="CC8EB2C9-7E31-499d-B8F2-F6CE61031016">
+      <ho:hncChartStyle xmlns:ho="http://schemas.haansoft.com/office/8.0" layoutIndex="-1" colorIndex="-1" styleIndex="-1"/>
+    </c:ext>
+  </c:extLst>
+  <c:externalData r:id="rId1">
     <c:autoUpdate val="0"/>
   </c:externalData>
 </c:chartSpace>
-</file>
-
-<file path=ppt/charts/colors1.xml><?xml version="1.0" encoding="utf-8"?>
-<cs:colorStyle xmlns:cs="http://schemas.microsoft.com/office/drawing/2012/chartStyle" xmlns:a="http://schemas.openxmlformats.org/drawingml/2006/main" meth="cycle" id="10">
-  <a:schemeClr val="accent1"/>
-  <a:schemeClr val="accent2"/>
-  <a:schemeClr val="accent3"/>
-  <a:schemeClr val="accent4"/>
-  <a:schemeClr val="accent5"/>
-  <a:schemeClr val="accent6"/>
-  <cs:variation/>
-  <cs:variation>
-    <a:lumMod val="60000"/>
-  </cs:variation>
-  <cs:variation>
-    <a:lumMod val="80000"/>
-    <a:lumOff val="20000"/>
-  </cs:variation>
-  <cs:variation>
-    <a:lumMod val="80000"/>
-  </cs:variation>
-  <cs:variation>
-    <a:lumMod val="60000"/>
-    <a:lumOff val="40000"/>
-  </cs:variation>
-  <cs:variation>
-    <a:lumMod val="50000"/>
-  </cs:variation>
-  <cs:variation>
-    <a:lumMod val="70000"/>
-    <a:lumOff val="30000"/>
-  </cs:variation>
-  <cs:variation>
-    <a:lumMod val="70000"/>
-  </cs:variation>
-  <cs:variation>
-    <a:lumMod val="50000"/>
-    <a:lumOff val="50000"/>
-  </cs:variation>
-</cs:colorStyle>
-</file>
-
-<file path=ppt/charts/colors2.xml><?xml version="1.0" encoding="utf-8"?>
-<cs:colorStyle xmlns:cs="http://schemas.microsoft.com/office/drawing/2012/chartStyle" xmlns:a="http://schemas.openxmlformats.org/drawingml/2006/main" meth="cycle" id="10">
-  <a:schemeClr val="accent1"/>
-  <a:schemeClr val="accent2"/>
-  <a:schemeClr val="accent3"/>
-  <a:schemeClr val="accent4"/>
-  <a:schemeClr val="accent5"/>
-  <a:schemeClr val="accent6"/>
-  <cs:variation/>
-  <cs:variation>
-    <a:lumMod val="60000"/>
-  </cs:variation>
-  <cs:variation>
-    <a:lumMod val="80000"/>
-    <a:lumOff val="20000"/>
-  </cs:variation>
-  <cs:variation>
-    <a:lumMod val="80000"/>
-  </cs:variation>
-  <cs:variation>
-    <a:lumMod val="60000"/>
-    <a:lumOff val="40000"/>
-  </cs:variation>
-  <cs:variation>
-    <a:lumMod val="50000"/>
-  </cs:variation>
-  <cs:variation>
-    <a:lumMod val="70000"/>
-    <a:lumOff val="30000"/>
-  </cs:variation>
-  <cs:variation>
-    <a:lumMod val="70000"/>
-  </cs:variation>
-  <cs:variation>
-    <a:lumMod val="50000"/>
-    <a:lumOff val="50000"/>
-  </cs:variation>
-</cs:colorStyle>
-</file>
-
-<file path=ppt/charts/style1.xml><?xml version="1.0" encoding="utf-8"?>
-<cs:chartStyle xmlns:cs="http://schemas.microsoft.com/office/drawing/2012/chartStyle" xmlns:a="http://schemas.openxmlformats.org/drawingml/2006/main" id="201">
-  <cs:axisTitle>
-    <cs:lnRef idx="0"/>
-    <cs:fillRef idx="0"/>
-    <cs:effectRef idx="0"/>
-    <cs:fontRef idx="minor">
-      <a:schemeClr val="tx1">
-        <a:lumMod val="65000"/>
-        <a:lumOff val="35000"/>
-      </a:schemeClr>
-    </cs:fontRef>
-    <cs:defRPr sz="1330" kern="1200"/>
-  </cs:axisTitle>
-  <cs:categoryAxis>
-    <cs:lnRef idx="0"/>
-    <cs:fillRef idx="0"/>
-    <cs:effectRef idx="0"/>
-    <cs:fontRef idx="minor">
-      <a:schemeClr val="tx1">
-        <a:lumMod val="65000"/>
-        <a:lumOff val="35000"/>
-      </a:schemeClr>
-    </cs:fontRef>
-    <cs:spPr>
-      <a:ln w="9525" cap="flat" cmpd="sng" algn="ctr">
-        <a:solidFill>
-          <a:schemeClr val="tx1">
-            <a:lumMod val="15000"/>
-            <a:lumOff val="85000"/>
-          </a:schemeClr>
-        </a:solidFill>
-        <a:round/>
-      </a:ln>
-    </cs:spPr>
-    <cs:defRPr sz="1197" kern="1200"/>
-  </cs:categoryAxis>
-  <cs:chartArea mods="allowNoFillOverride allowNoLineOverride">
-    <cs:lnRef idx="0"/>
-    <cs:fillRef idx="0"/>
-    <cs:effectRef idx="0"/>
-    <cs:fontRef idx="minor">
-      <a:schemeClr val="tx1"/>
-    </cs:fontRef>
-    <cs:spPr>
-      <a:solidFill>
-        <a:schemeClr val="bg1"/>
-      </a:solidFill>
-      <a:ln w="9525" cap="flat" cmpd="sng" algn="ctr">
-        <a:solidFill>
-          <a:schemeClr val="tx1">
-            <a:lumMod val="15000"/>
-            <a:lumOff val="85000"/>
-          </a:schemeClr>
-        </a:solidFill>
-        <a:round/>
-      </a:ln>
-    </cs:spPr>
-    <cs:defRPr sz="1330" kern="1200"/>
-  </cs:chartArea>
-  <cs:dataLabel>
-    <cs:lnRef idx="0"/>
-    <cs:fillRef idx="0"/>
-    <cs:effectRef idx="0"/>
-    <cs:fontRef idx="minor">
-      <a:schemeClr val="tx1">
-        <a:lumMod val="75000"/>
-        <a:lumOff val="25000"/>
-      </a:schemeClr>
-    </cs:fontRef>
-    <cs:defRPr sz="1197" kern="1200"/>
-  </cs:dataLabel>
-  <cs:dataLabelCallout>
-    <cs:lnRef idx="0"/>
-    <cs:fillRef idx="0"/>
-    <cs:effectRef idx="0"/>
-    <cs:fontRef idx="minor">
-      <a:schemeClr val="dk1">
-        <a:lumMod val="65000"/>
-        <a:lumOff val="35000"/>
-      </a:schemeClr>
-    </cs:fontRef>
-    <cs:spPr>
-      <a:solidFill>
-        <a:schemeClr val="lt1"/>
-      </a:solidFill>
-      <a:ln>
-        <a:solidFill>
-          <a:schemeClr val="dk1">
-            <a:lumMod val="25000"/>
-            <a:lumOff val="75000"/>
-          </a:schemeClr>
-        </a:solidFill>
-      </a:ln>
-    </cs:spPr>
-    <cs:defRPr sz="1197" kern="1200"/>
-    <cs:bodyPr rot="0" spcFirstLastPara="1" vertOverflow="clip" horzOverflow="clip" vert="horz" wrap="square" lIns="36576" tIns="18288" rIns="36576" bIns="18288" anchor="ctr" anchorCtr="1">
-      <a:spAutoFit/>
-    </cs:bodyPr>
-  </cs:dataLabelCallout>
-  <cs:dataPoint>
-    <cs:lnRef idx="0"/>
-    <cs:fillRef idx="1">
-      <cs:styleClr val="auto"/>
-    </cs:fillRef>
-    <cs:effectRef idx="0"/>
-    <cs:fontRef idx="minor">
-      <a:schemeClr val="tx1"/>
-    </cs:fontRef>
-  </cs:dataPoint>
-  <cs:dataPoint3D>
-    <cs:lnRef idx="0"/>
-    <cs:fillRef idx="1">
-      <cs:styleClr val="auto"/>
-    </cs:fillRef>
-    <cs:effectRef idx="0"/>
-    <cs:fontRef idx="minor">
-      <a:schemeClr val="tx1"/>
-    </cs:fontRef>
-  </cs:dataPoint3D>
-  <cs:dataPointLine>
-    <cs:lnRef idx="0">
-      <cs:styleClr val="auto"/>
-    </cs:lnRef>
-    <cs:fillRef idx="1"/>
-    <cs:effectRef idx="0"/>
-    <cs:fontRef idx="minor">
-      <a:schemeClr val="tx1"/>
-    </cs:fontRef>
-    <cs:spPr>
-      <a:ln w="28575" cap="rnd">
-        <a:solidFill>
-          <a:schemeClr val="phClr"/>
-        </a:solidFill>
-        <a:round/>
-      </a:ln>
-    </cs:spPr>
-  </cs:dataPointLine>
-  <cs:dataPointMarker>
-    <cs:lnRef idx="0">
-      <cs:styleClr val="auto"/>
-    </cs:lnRef>
-    <cs:fillRef idx="1">
-      <cs:styleClr val="auto"/>
-    </cs:fillRef>
-    <cs:effectRef idx="0"/>
-    <cs:fontRef idx="minor">
-      <a:schemeClr val="tx1"/>
-    </cs:fontRef>
-    <cs:spPr>
-      <a:ln w="9525">
-        <a:solidFill>
-          <a:schemeClr val="phClr"/>
-        </a:solidFill>
-      </a:ln>
-    </cs:spPr>
-  </cs:dataPointMarker>
-  <cs:dataPointMarkerLayout symbol="circle" size="5"/>
-  <cs:dataPointWireframe>
-    <cs:lnRef idx="0">
-      <cs:styleClr val="auto"/>
-    </cs:lnRef>
-    <cs:fillRef idx="1"/>
-    <cs:effectRef idx="0"/>
-    <cs:fontRef idx="minor">
-      <a:schemeClr val="tx1"/>
-    </cs:fontRef>
-    <cs:spPr>
-      <a:ln w="9525" cap="rnd">
-        <a:solidFill>
-          <a:schemeClr val="phClr"/>
-        </a:solidFill>
-        <a:round/>
-      </a:ln>
-    </cs:spPr>
-  </cs:dataPointWireframe>
-  <cs:dataTable>
-    <cs:lnRef idx="0"/>
-    <cs:fillRef idx="0"/>
-    <cs:effectRef idx="0"/>
-    <cs:fontRef idx="minor">
-      <a:schemeClr val="tx1">
-        <a:lumMod val="65000"/>
-        <a:lumOff val="35000"/>
-      </a:schemeClr>
-    </cs:fontRef>
-    <cs:spPr>
-      <a:noFill/>
-      <a:ln w="9525" cap="flat" cmpd="sng" algn="ctr">
-        <a:solidFill>
-          <a:schemeClr val="tx1">
-            <a:lumMod val="15000"/>
-            <a:lumOff val="85000"/>
-          </a:schemeClr>
-        </a:solidFill>
-        <a:round/>
-      </a:ln>
-    </cs:spPr>
-    <cs:defRPr sz="1197" kern="1200"/>
-  </cs:dataTable>
-  <cs:downBar>
-    <cs:lnRef idx="0"/>
-    <cs:fillRef idx="0"/>
-    <cs:effectRef idx="0"/>
-    <cs:fontRef idx="minor">
-      <a:schemeClr val="dk1"/>
-    </cs:fontRef>
-    <cs:spPr>
-      <a:solidFill>
-        <a:schemeClr val="dk1">
-          <a:lumMod val="65000"/>
-          <a:lumOff val="35000"/>
-        </a:schemeClr>
-      </a:solidFill>
-      <a:ln w="9525">
-        <a:solidFill>
-          <a:schemeClr val="tx1">
-            <a:lumMod val="65000"/>
-            <a:lumOff val="35000"/>
-          </a:schemeClr>
-        </a:solidFill>
-      </a:ln>
-    </cs:spPr>
-  </cs:downBar>
-  <cs:dropLine>
-    <cs:lnRef idx="0"/>
-    <cs:fillRef idx="0"/>
-    <cs:effectRef idx="0"/>
-    <cs:fontRef idx="minor">
-      <a:schemeClr val="tx1"/>
-    </cs:fontRef>
-    <cs:spPr>
-      <a:ln w="9525" cap="flat" cmpd="sng" algn="ctr">
-        <a:solidFill>
-          <a:schemeClr val="tx1">
-            <a:lumMod val="35000"/>
-            <a:lumOff val="65000"/>
-          </a:schemeClr>
-        </a:solidFill>
-        <a:round/>
-      </a:ln>
-    </cs:spPr>
-  </cs:dropLine>
-  <cs:errorBar>
-    <cs:lnRef idx="0"/>
-    <cs:fillRef idx="0"/>
-    <cs:effectRef idx="0"/>
-    <cs:fontRef idx="minor">
-      <a:schemeClr val="tx1"/>
-    </cs:fontRef>
-    <cs:spPr>
-      <a:ln w="9525" cap="flat" cmpd="sng" algn="ctr">
-        <a:solidFill>
-          <a:schemeClr val="tx1">
-            <a:lumMod val="65000"/>
-            <a:lumOff val="35000"/>
-          </a:schemeClr>
-        </a:solidFill>
-        <a:round/>
-      </a:ln>
-    </cs:spPr>
-  </cs:errorBar>
-  <cs:floor>
-    <cs:lnRef idx="0"/>
-    <cs:fillRef idx="0"/>
-    <cs:effectRef idx="0"/>
-    <cs:fontRef idx="minor">
-      <a:schemeClr val="tx1"/>
-    </cs:fontRef>
-    <cs:spPr>
-      <a:noFill/>
-      <a:ln>
-        <a:noFill/>
-      </a:ln>
-    </cs:spPr>
-  </cs:floor>
-  <cs:gridlineMajor>
-    <cs:lnRef idx="0"/>
-    <cs:fillRef idx="0"/>
-    <cs:effectRef idx="0"/>
-    <cs:fontRef idx="minor">
-      <a:schemeClr val="tx1"/>
-    </cs:fontRef>
-    <cs:spPr>
-      <a:ln w="9525" cap="flat" cmpd="sng" algn="ctr">
-        <a:solidFill>
-          <a:schemeClr val="tx1">
-            <a:lumMod val="15000"/>
-            <a:lumOff val="85000"/>
-          </a:schemeClr>
-        </a:solidFill>
-        <a:round/>
-      </a:ln>
-    </cs:spPr>
-  </cs:gridlineMajor>
-  <cs:gridlineMinor>
-    <cs:lnRef idx="0"/>
-    <cs:fillRef idx="0"/>
-    <cs:effectRef idx="0"/>
-    <cs:fontRef idx="minor">
-      <a:schemeClr val="tx1"/>
-    </cs:fontRef>
-    <cs:spPr>
-      <a:ln w="9525" cap="flat" cmpd="sng" algn="ctr">
-        <a:solidFill>
-          <a:schemeClr val="tx1">
-            <a:lumMod val="5000"/>
-            <a:lumOff val="95000"/>
-          </a:schemeClr>
-        </a:solidFill>
-        <a:round/>
-      </a:ln>
-    </cs:spPr>
-  </cs:gridlineMinor>
-  <cs:hiLoLine>
-    <cs:lnRef idx="0"/>
-    <cs:fillRef idx="0"/>
-    <cs:effectRef idx="0"/>
-    <cs:fontRef idx="minor">
-      <a:schemeClr val="tx1"/>
-    </cs:fontRef>
-    <cs:spPr>
-      <a:ln w="9525" cap="flat" cmpd="sng" algn="ctr">
-        <a:solidFill>
-          <a:schemeClr val="tx1">
-            <a:lumMod val="75000"/>
-            <a:lumOff val="25000"/>
-          </a:schemeClr>
-        </a:solidFill>
-        <a:round/>
-      </a:ln>
-    </cs:spPr>
-  </cs:hiLoLine>
-  <cs:leaderLine>
-    <cs:lnRef idx="0"/>
-    <cs:fillRef idx="0"/>
-    <cs:effectRef idx="0"/>
-    <cs:fontRef idx="minor">
-      <a:schemeClr val="tx1"/>
-    </cs:fontRef>
-    <cs:spPr>
-      <a:ln w="9525" cap="flat" cmpd="sng" algn="ctr">
-        <a:solidFill>
-          <a:schemeClr val="tx1">
-            <a:lumMod val="35000"/>
-            <a:lumOff val="65000"/>
-          </a:schemeClr>
-        </a:solidFill>
-        <a:round/>
-      </a:ln>
-    </cs:spPr>
-  </cs:leaderLine>
-  <cs:legend>
-    <cs:lnRef idx="0"/>
-    <cs:fillRef idx="0"/>
-    <cs:effectRef idx="0"/>
-    <cs:fontRef idx="minor">
-      <a:schemeClr val="tx1">
-        <a:lumMod val="65000"/>
-        <a:lumOff val="35000"/>
-      </a:schemeClr>
-    </cs:fontRef>
-    <cs:defRPr sz="1197" kern="1200"/>
-  </cs:legend>
-  <cs:plotArea mods="allowNoFillOverride allowNoLineOverride">
-    <cs:lnRef idx="0"/>
-    <cs:fillRef idx="0"/>
-    <cs:effectRef idx="0"/>
-    <cs:fontRef idx="minor">
-      <a:schemeClr val="tx1"/>
-    </cs:fontRef>
-  </cs:plotArea>
-  <cs:plotArea3D mods="allowNoFillOverride allowNoLineOverride">
-    <cs:lnRef idx="0"/>
-    <cs:fillRef idx="0"/>
-    <cs:effectRef idx="0"/>
-    <cs:fontRef idx="minor">
-      <a:schemeClr val="tx1"/>
-    </cs:fontRef>
-  </cs:plotArea3D>
-  <cs:seriesAxis>
-    <cs:lnRef idx="0"/>
-    <cs:fillRef idx="0"/>
-    <cs:effectRef idx="0"/>
-    <cs:fontRef idx="minor">
-      <a:schemeClr val="tx1">
-        <a:lumMod val="65000"/>
-        <a:lumOff val="35000"/>
-      </a:schemeClr>
-    </cs:fontRef>
-    <cs:defRPr sz="1197" kern="1200"/>
-  </cs:seriesAxis>
-  <cs:seriesLine>
-    <cs:lnRef idx="0"/>
-    <cs:fillRef idx="0"/>
-    <cs:effectRef idx="0"/>
-    <cs:fontRef idx="minor">
-      <a:schemeClr val="tx1"/>
-    </cs:fontRef>
-    <cs:spPr>
-      <a:ln w="9525" cap="flat" cmpd="sng" algn="ctr">
-        <a:solidFill>
-          <a:schemeClr val="tx1">
-            <a:lumMod val="35000"/>
-            <a:lumOff val="65000"/>
-          </a:schemeClr>
-        </a:solidFill>
-        <a:round/>
-      </a:ln>
-    </cs:spPr>
-  </cs:seriesLine>
-  <cs:title>
-    <cs:lnRef idx="0"/>
-    <cs:fillRef idx="0"/>
-    <cs:effectRef idx="0"/>
-    <cs:fontRef idx="minor">
-      <a:schemeClr val="tx1">
-        <a:lumMod val="65000"/>
-        <a:lumOff val="35000"/>
-      </a:schemeClr>
-    </cs:fontRef>
-    <cs:defRPr sz="1862" b="0" kern="1200" spc="0" baseline="0"/>
-  </cs:title>
-  <cs:trendline>
-    <cs:lnRef idx="0">
-      <cs:styleClr val="auto"/>
-    </cs:lnRef>
-    <cs:fillRef idx="0"/>
-    <cs:effectRef idx="0"/>
-    <cs:fontRef idx="minor">
-      <a:schemeClr val="tx1"/>
-    </cs:fontRef>
-    <cs:spPr>
-      <a:ln w="19050" cap="rnd">
-        <a:solidFill>
-          <a:schemeClr val="phClr"/>
-        </a:solidFill>
-        <a:prstDash val="sysDot"/>
-      </a:ln>
-    </cs:spPr>
-  </cs:trendline>
-  <cs:trendlineLabel>
-    <cs:lnRef idx="0"/>
-    <cs:fillRef idx="0"/>
-    <cs:effectRef idx="0"/>
-    <cs:fontRef idx="minor">
-      <a:schemeClr val="tx1">
-        <a:lumMod val="65000"/>
-        <a:lumOff val="35000"/>
-      </a:schemeClr>
-    </cs:fontRef>
-    <cs:defRPr sz="1197" kern="1200"/>
-  </cs:trendlineLabel>
-  <cs:upBar>
-    <cs:lnRef idx="0"/>
-    <cs:fillRef idx="0"/>
-    <cs:effectRef idx="0"/>
-    <cs:fontRef idx="minor">
-      <a:schemeClr val="dk1"/>
-    </cs:fontRef>
-    <cs:spPr>
-      <a:solidFill>
-        <a:schemeClr val="lt1"/>
-      </a:solidFill>
-      <a:ln w="9525">
-        <a:solidFill>
-          <a:schemeClr val="tx1">
-            <a:lumMod val="15000"/>
-            <a:lumOff val="85000"/>
-          </a:schemeClr>
-        </a:solidFill>
-      </a:ln>
-    </cs:spPr>
-  </cs:upBar>
-  <cs:valueAxis>
-    <cs:lnRef idx="0"/>
-    <cs:fillRef idx="0"/>
-    <cs:effectRef idx="0"/>
-    <cs:fontRef idx="minor">
-      <a:schemeClr val="tx1">
-        <a:lumMod val="65000"/>
-        <a:lumOff val="35000"/>
-      </a:schemeClr>
-    </cs:fontRef>
-    <cs:defRPr sz="1197" kern="1200"/>
-  </cs:valueAxis>
-  <cs:wall>
-    <cs:lnRef idx="0"/>
-    <cs:fillRef idx="0"/>
-    <cs:effectRef idx="0"/>
-    <cs:fontRef idx="minor">
-      <a:schemeClr val="tx1"/>
-    </cs:fontRef>
-    <cs:spPr>
-      <a:noFill/>
-      <a:ln>
-        <a:noFill/>
-      </a:ln>
-    </cs:spPr>
-  </cs:wall>
-</cs:chartStyle>
-</file>
-
-<file path=ppt/charts/style2.xml><?xml version="1.0" encoding="utf-8"?>
-<cs:chartStyle xmlns:cs="http://schemas.microsoft.com/office/drawing/2012/chartStyle" xmlns:a="http://schemas.openxmlformats.org/drawingml/2006/main" id="201">
-  <cs:axisTitle>
-    <cs:lnRef idx="0"/>
-    <cs:fillRef idx="0"/>
-    <cs:effectRef idx="0"/>
-    <cs:fontRef idx="minor">
-      <a:schemeClr val="tx1">
-        <a:lumMod val="65000"/>
-        <a:lumOff val="35000"/>
-      </a:schemeClr>
-    </cs:fontRef>
-    <cs:defRPr sz="1330" kern="1200"/>
-  </cs:axisTitle>
-  <cs:categoryAxis>
-    <cs:lnRef idx="0"/>
-    <cs:fillRef idx="0"/>
-    <cs:effectRef idx="0"/>
-    <cs:fontRef idx="minor">
-      <a:schemeClr val="tx1">
-        <a:lumMod val="65000"/>
-        <a:lumOff val="35000"/>
-      </a:schemeClr>
-    </cs:fontRef>
-    <cs:spPr>
-      <a:ln w="9525" cap="flat" cmpd="sng" algn="ctr">
-        <a:solidFill>
-          <a:schemeClr val="tx1">
-            <a:lumMod val="15000"/>
-            <a:lumOff val="85000"/>
-          </a:schemeClr>
-        </a:solidFill>
-        <a:round/>
-      </a:ln>
-    </cs:spPr>
-    <cs:defRPr sz="1197" kern="1200"/>
-  </cs:categoryAxis>
-  <cs:chartArea mods="allowNoFillOverride allowNoLineOverride">
-    <cs:lnRef idx="0"/>
-    <cs:fillRef idx="0"/>
-    <cs:effectRef idx="0"/>
-    <cs:fontRef idx="minor">
-      <a:schemeClr val="tx1"/>
-    </cs:fontRef>
-    <cs:spPr>
-      <a:solidFill>
-        <a:schemeClr val="bg1"/>
-      </a:solidFill>
-      <a:ln w="9525" cap="flat" cmpd="sng" algn="ctr">
-        <a:solidFill>
-          <a:schemeClr val="tx1">
-            <a:lumMod val="15000"/>
-            <a:lumOff val="85000"/>
-          </a:schemeClr>
-        </a:solidFill>
-        <a:round/>
-      </a:ln>
-    </cs:spPr>
-    <cs:defRPr sz="1330" kern="1200"/>
-  </cs:chartArea>
-  <cs:dataLabel>
-    <cs:lnRef idx="0"/>
-    <cs:fillRef idx="0"/>
-    <cs:effectRef idx="0"/>
-    <cs:fontRef idx="minor">
-      <a:schemeClr val="tx1">
-        <a:lumMod val="75000"/>
-        <a:lumOff val="25000"/>
-      </a:schemeClr>
-    </cs:fontRef>
-    <cs:defRPr sz="1197" kern="1200"/>
-  </cs:dataLabel>
-  <cs:dataLabelCallout>
-    <cs:lnRef idx="0"/>
-    <cs:fillRef idx="0"/>
-    <cs:effectRef idx="0"/>
-    <cs:fontRef idx="minor">
-      <a:schemeClr val="dk1">
-        <a:lumMod val="65000"/>
-        <a:lumOff val="35000"/>
-      </a:schemeClr>
-    </cs:fontRef>
-    <cs:spPr>
-      <a:solidFill>
-        <a:schemeClr val="lt1"/>
-      </a:solidFill>
-      <a:ln>
-        <a:solidFill>
-          <a:schemeClr val="dk1">
-            <a:lumMod val="25000"/>
-            <a:lumOff val="75000"/>
-          </a:schemeClr>
-        </a:solidFill>
-      </a:ln>
-    </cs:spPr>
-    <cs:defRPr sz="1197" kern="1200"/>
-    <cs:bodyPr rot="0" spcFirstLastPara="1" vertOverflow="clip" horzOverflow="clip" vert="horz" wrap="square" lIns="36576" tIns="18288" rIns="36576" bIns="18288" anchor="ctr" anchorCtr="1">
-      <a:spAutoFit/>
-    </cs:bodyPr>
-  </cs:dataLabelCallout>
-  <cs:dataPoint>
-    <cs:lnRef idx="0"/>
-    <cs:fillRef idx="1">
-      <cs:styleClr val="auto"/>
-    </cs:fillRef>
-    <cs:effectRef idx="0"/>
-    <cs:fontRef idx="minor">
-      <a:schemeClr val="tx1"/>
-    </cs:fontRef>
-  </cs:dataPoint>
-  <cs:dataPoint3D>
-    <cs:lnRef idx="0"/>
-    <cs:fillRef idx="1">
-      <cs:styleClr val="auto"/>
-    </cs:fillRef>
-    <cs:effectRef idx="0"/>
-    <cs:fontRef idx="minor">
-      <a:schemeClr val="tx1"/>
-    </cs:fontRef>
-  </cs:dataPoint3D>
-  <cs:dataPointLine>
-    <cs:lnRef idx="0">
-      <cs:styleClr val="auto"/>
-    </cs:lnRef>
-    <cs:fillRef idx="1"/>
-    <cs:effectRef idx="0"/>
-    <cs:fontRef idx="minor">
-      <a:schemeClr val="tx1"/>
-    </cs:fontRef>
-    <cs:spPr>
-      <a:ln w="28575" cap="rnd">
-        <a:solidFill>
-          <a:schemeClr val="phClr"/>
-        </a:solidFill>
-        <a:round/>
-      </a:ln>
-    </cs:spPr>
-  </cs:dataPointLine>
-  <cs:dataPointMarker>
-    <cs:lnRef idx="0">
-      <cs:styleClr val="auto"/>
-    </cs:lnRef>
-    <cs:fillRef idx="1">
-      <cs:styleClr val="auto"/>
-    </cs:fillRef>
-    <cs:effectRef idx="0"/>
-    <cs:fontRef idx="minor">
-      <a:schemeClr val="tx1"/>
-    </cs:fontRef>
-    <cs:spPr>
-      <a:ln w="9525">
-        <a:solidFill>
-          <a:schemeClr val="phClr"/>
-        </a:solidFill>
-      </a:ln>
-    </cs:spPr>
-  </cs:dataPointMarker>
-  <cs:dataPointMarkerLayout symbol="circle" size="5"/>
-  <cs:dataPointWireframe>
-    <cs:lnRef idx="0">
-      <cs:styleClr val="auto"/>
-    </cs:lnRef>
-    <cs:fillRef idx="1"/>
-    <cs:effectRef idx="0"/>
-    <cs:fontRef idx="minor">
-      <a:schemeClr val="tx1"/>
-    </cs:fontRef>
-    <cs:spPr>
-      <a:ln w="9525" cap="rnd">
-        <a:solidFill>
-          <a:schemeClr val="phClr"/>
-        </a:solidFill>
-        <a:round/>
-      </a:ln>
-    </cs:spPr>
-  </cs:dataPointWireframe>
-  <cs:dataTable>
-    <cs:lnRef idx="0"/>
-    <cs:fillRef idx="0"/>
-    <cs:effectRef idx="0"/>
-    <cs:fontRef idx="minor">
-      <a:schemeClr val="tx1">
-        <a:lumMod val="65000"/>
-        <a:lumOff val="35000"/>
-      </a:schemeClr>
-    </cs:fontRef>
-    <cs:spPr>
-      <a:noFill/>
-      <a:ln w="9525" cap="flat" cmpd="sng" algn="ctr">
-        <a:solidFill>
-          <a:schemeClr val="tx1">
-            <a:lumMod val="15000"/>
-            <a:lumOff val="85000"/>
-          </a:schemeClr>
-        </a:solidFill>
-        <a:round/>
-      </a:ln>
-    </cs:spPr>
-    <cs:defRPr sz="1197" kern="1200"/>
-  </cs:dataTable>
-  <cs:downBar>
-    <cs:lnRef idx="0"/>
-    <cs:fillRef idx="0"/>
-    <cs:effectRef idx="0"/>
-    <cs:fontRef idx="minor">
-      <a:schemeClr val="dk1"/>
-    </cs:fontRef>
-    <cs:spPr>
-      <a:solidFill>
-        <a:schemeClr val="dk1">
-          <a:lumMod val="65000"/>
-          <a:lumOff val="35000"/>
-        </a:schemeClr>
-      </a:solidFill>
-      <a:ln w="9525">
-        <a:solidFill>
-          <a:schemeClr val="tx1">
-            <a:lumMod val="65000"/>
-            <a:lumOff val="35000"/>
-          </a:schemeClr>
-        </a:solidFill>
-      </a:ln>
-    </cs:spPr>
-  </cs:downBar>
-  <cs:dropLine>
-    <cs:lnRef idx="0"/>
-    <cs:fillRef idx="0"/>
-    <cs:effectRef idx="0"/>
-    <cs:fontRef idx="minor">
-      <a:schemeClr val="tx1"/>
-    </cs:fontRef>
-    <cs:spPr>
-      <a:ln w="9525" cap="flat" cmpd="sng" algn="ctr">
-        <a:solidFill>
-          <a:schemeClr val="tx1">
-            <a:lumMod val="35000"/>
-            <a:lumOff val="65000"/>
-          </a:schemeClr>
-        </a:solidFill>
-        <a:round/>
-      </a:ln>
-    </cs:spPr>
-  </cs:dropLine>
-  <cs:errorBar>
-    <cs:lnRef idx="0"/>
-    <cs:fillRef idx="0"/>
-    <cs:effectRef idx="0"/>
-    <cs:fontRef idx="minor">
-      <a:schemeClr val="tx1"/>
-    </cs:fontRef>
-    <cs:spPr>
-      <a:ln w="9525" cap="flat" cmpd="sng" algn="ctr">
-        <a:solidFill>
-          <a:schemeClr val="tx1">
-            <a:lumMod val="65000"/>
-            <a:lumOff val="35000"/>
-          </a:schemeClr>
-        </a:solidFill>
-        <a:round/>
-      </a:ln>
-    </cs:spPr>
-  </cs:errorBar>
-  <cs:floor>
-    <cs:lnRef idx="0"/>
-    <cs:fillRef idx="0"/>
-    <cs:effectRef idx="0"/>
-    <cs:fontRef idx="minor">
-      <a:schemeClr val="tx1"/>
-    </cs:fontRef>
-    <cs:spPr>
-      <a:noFill/>
-      <a:ln>
-        <a:noFill/>
-      </a:ln>
-    </cs:spPr>
-  </cs:floor>
-  <cs:gridlineMajor>
-    <cs:lnRef idx="0"/>
-    <cs:fillRef idx="0"/>
-    <cs:effectRef idx="0"/>
-    <cs:fontRef idx="minor">
-      <a:schemeClr val="tx1"/>
-    </cs:fontRef>
-    <cs:spPr>
-      <a:ln w="9525" cap="flat" cmpd="sng" algn="ctr">
-        <a:solidFill>
-          <a:schemeClr val="tx1">
-            <a:lumMod val="15000"/>
-            <a:lumOff val="85000"/>
-          </a:schemeClr>
-        </a:solidFill>
-        <a:round/>
-      </a:ln>
-    </cs:spPr>
-  </cs:gridlineMajor>
-  <cs:gridlineMinor>
-    <cs:lnRef idx="0"/>
-    <cs:fillRef idx="0"/>
-    <cs:effectRef idx="0"/>
-    <cs:fontRef idx="minor">
-      <a:schemeClr val="tx1"/>
-    </cs:fontRef>
-    <cs:spPr>
-      <a:ln w="9525" cap="flat" cmpd="sng" algn="ctr">
-        <a:solidFill>
-          <a:schemeClr val="tx1">
-            <a:lumMod val="5000"/>
-            <a:lumOff val="95000"/>
-          </a:schemeClr>
-        </a:solidFill>
-        <a:round/>
-      </a:ln>
-    </cs:spPr>
-  </cs:gridlineMinor>
-  <cs:hiLoLine>
-    <cs:lnRef idx="0"/>
-    <cs:fillRef idx="0"/>
-    <cs:effectRef idx="0"/>
-    <cs:fontRef idx="minor">
-      <a:schemeClr val="tx1"/>
-    </cs:fontRef>
-    <cs:spPr>
-      <a:ln w="9525" cap="flat" cmpd="sng" algn="ctr">
-        <a:solidFill>
-          <a:schemeClr val="tx1">
-            <a:lumMod val="75000"/>
-            <a:lumOff val="25000"/>
-          </a:schemeClr>
-        </a:solidFill>
-        <a:round/>
-      </a:ln>
-    </cs:spPr>
-  </cs:hiLoLine>
-  <cs:leaderLine>
-    <cs:lnRef idx="0"/>
-    <cs:fillRef idx="0"/>
-    <cs:effectRef idx="0"/>
-    <cs:fontRef idx="minor">
-      <a:schemeClr val="tx1"/>
-    </cs:fontRef>
-    <cs:spPr>
-      <a:ln w="9525" cap="flat" cmpd="sng" algn="ctr">
-        <a:solidFill>
-          <a:schemeClr val="tx1">
-            <a:lumMod val="35000"/>
-            <a:lumOff val="65000"/>
-          </a:schemeClr>
-        </a:solidFill>
-        <a:round/>
-      </a:ln>
-    </cs:spPr>
-  </cs:leaderLine>
-  <cs:legend>
-    <cs:lnRef idx="0"/>
-    <cs:fillRef idx="0"/>
-    <cs:effectRef idx="0"/>
-    <cs:fontRef idx="minor">
-      <a:schemeClr val="tx1">
-        <a:lumMod val="65000"/>
-        <a:lumOff val="35000"/>
-      </a:schemeClr>
-    </cs:fontRef>
-    <cs:defRPr sz="1197" kern="1200"/>
-  </cs:legend>
-  <cs:plotArea mods="allowNoFillOverride allowNoLineOverride">
-    <cs:lnRef idx="0"/>
-    <cs:fillRef idx="0"/>
-    <cs:effectRef idx="0"/>
-    <cs:fontRef idx="minor">
-      <a:schemeClr val="tx1"/>
-    </cs:fontRef>
-  </cs:plotArea>
-  <cs:plotArea3D mods="allowNoFillOverride allowNoLineOverride">
-    <cs:lnRef idx="0"/>
-    <cs:fillRef idx="0"/>
-    <cs:effectRef idx="0"/>
-    <cs:fontRef idx="minor">
-      <a:schemeClr val="tx1"/>
-    </cs:fontRef>
-  </cs:plotArea3D>
-  <cs:seriesAxis>
-    <cs:lnRef idx="0"/>
-    <cs:fillRef idx="0"/>
-    <cs:effectRef idx="0"/>
-    <cs:fontRef idx="minor">
-      <a:schemeClr val="tx1">
-        <a:lumMod val="65000"/>
-        <a:lumOff val="35000"/>
-      </a:schemeClr>
-    </cs:fontRef>
-    <cs:defRPr sz="1197" kern="1200"/>
-  </cs:seriesAxis>
-  <cs:seriesLine>
-    <cs:lnRef idx="0"/>
-    <cs:fillRef idx="0"/>
-    <cs:effectRef idx="0"/>
-    <cs:fontRef idx="minor">
-      <a:schemeClr val="tx1"/>
-    </cs:fontRef>
-    <cs:spPr>
-      <a:ln w="9525" cap="flat" cmpd="sng" algn="ctr">
-        <a:solidFill>
-          <a:schemeClr val="tx1">
-            <a:lumMod val="35000"/>
-            <a:lumOff val="65000"/>
-          </a:schemeClr>
-        </a:solidFill>
-        <a:round/>
-      </a:ln>
-    </cs:spPr>
-  </cs:seriesLine>
-  <cs:title>
-    <cs:lnRef idx="0"/>
-    <cs:fillRef idx="0"/>
-    <cs:effectRef idx="0"/>
-    <cs:fontRef idx="minor">
-      <a:schemeClr val="tx1">
-        <a:lumMod val="65000"/>
-        <a:lumOff val="35000"/>
-      </a:schemeClr>
-    </cs:fontRef>
-    <cs:defRPr sz="1862" b="0" kern="1200" spc="0" baseline="0"/>
-  </cs:title>
-  <cs:trendline>
-    <cs:lnRef idx="0">
-      <cs:styleClr val="auto"/>
-    </cs:lnRef>
-    <cs:fillRef idx="0"/>
-    <cs:effectRef idx="0"/>
-    <cs:fontRef idx="minor">
-      <a:schemeClr val="tx1"/>
-    </cs:fontRef>
-    <cs:spPr>
-      <a:ln w="19050" cap="rnd">
-        <a:solidFill>
-          <a:schemeClr val="phClr"/>
-        </a:solidFill>
-        <a:prstDash val="sysDot"/>
-      </a:ln>
-    </cs:spPr>
-  </cs:trendline>
-  <cs:trendlineLabel>
-    <cs:lnRef idx="0"/>
-    <cs:fillRef idx="0"/>
-    <cs:effectRef idx="0"/>
-    <cs:fontRef idx="minor">
-      <a:schemeClr val="tx1">
-        <a:lumMod val="65000"/>
-        <a:lumOff val="35000"/>
-      </a:schemeClr>
-    </cs:fontRef>
-    <cs:defRPr sz="1197" kern="1200"/>
-  </cs:trendlineLabel>
-  <cs:upBar>
-    <cs:lnRef idx="0"/>
-    <cs:fillRef idx="0"/>
-    <cs:effectRef idx="0"/>
-    <cs:fontRef idx="minor">
-      <a:schemeClr val="dk1"/>
-    </cs:fontRef>
-    <cs:spPr>
-      <a:solidFill>
-        <a:schemeClr val="lt1"/>
-      </a:solidFill>
-      <a:ln w="9525">
-        <a:solidFill>
-          <a:schemeClr val="tx1">
-            <a:lumMod val="15000"/>
-            <a:lumOff val="85000"/>
-          </a:schemeClr>
-        </a:solidFill>
-      </a:ln>
-    </cs:spPr>
-  </cs:upBar>
-  <cs:valueAxis>
-    <cs:lnRef idx="0"/>
-    <cs:fillRef idx="0"/>
-    <cs:effectRef idx="0"/>
-    <cs:fontRef idx="minor">
-      <a:schemeClr val="tx1">
-        <a:lumMod val="65000"/>
-        <a:lumOff val="35000"/>
-      </a:schemeClr>
-    </cs:fontRef>
-    <cs:defRPr sz="1197" kern="1200"/>
-  </cs:valueAxis>
-  <cs:wall>
-    <cs:lnRef idx="0"/>
-    <cs:fillRef idx="0"/>
-    <cs:effectRef idx="0"/>
-    <cs:fontRef idx="minor">
-      <a:schemeClr val="tx1"/>
-    </cs:fontRef>
-    <cs:spPr>
-      <a:noFill/>
-      <a:ln>
-        <a:noFill/>
-      </a:ln>
-    </cs:spPr>
-  </cs:wall>
-</cs:chartStyle>
 </file>
 
 <file path=ppt/slideLayouts/slideLayout1.xml><?xml version="1.0" encoding="utf-8"?>
@@ -5920,7 +4770,7 @@
 </file>
 
 <file path=ppt/slides/slide10.xml><?xml version="1.0" encoding="utf-8"?>
-<p:sld xmlns:a="http://schemas.openxmlformats.org/drawingml/2006/main" xmlns:r="http://schemas.openxmlformats.org/officeDocument/2006/relationships" xmlns:p="http://schemas.openxmlformats.org/presentationml/2006/main">
+<p:sld xmlns:r="http://schemas.openxmlformats.org/officeDocument/2006/relationships" xmlns:c="http://schemas.openxmlformats.org/drawingml/2006/chart" xmlns:a="http://schemas.openxmlformats.org/drawingml/2006/main" xmlns:dgm="http://schemas.openxmlformats.org/drawingml/2006/diagram" xmlns:dsp="http://schemas.microsoft.com/office/drawing/2008/diagram" xmlns:p="http://schemas.openxmlformats.org/presentationml/2006/main">
   <p:cSld>
     <p:spTree>
       <p:nvGrpSpPr>
@@ -5938,13 +4788,7 @@
       </p:grpSpPr>
       <p:cxnSp>
         <p:nvCxnSpPr>
-          <p:cNvPr id="4" name="직선 연결선 3">
-            <a:extLst>
-              <a:ext uri="{FF2B5EF4-FFF2-40B4-BE49-F238E27FC236}">
-                <a16:creationId xmlns:a16="http://schemas.microsoft.com/office/drawing/2014/main" id="{91783D2F-737E-4797-9853-8C85BE37E236}"/>
-              </a:ext>
-            </a:extLst>
-          </p:cNvPr>
+          <p:cNvPr id="4" name="직선 연결선 3"/>
           <p:cNvCxnSpPr/>
           <p:nvPr/>
         </p:nvCxnSpPr>
@@ -5974,13 +4818,7 @@
       </p:cxnSp>
       <p:sp>
         <p:nvSpPr>
-          <p:cNvPr id="5" name="TextBox 4">
-            <a:extLst>
-              <a:ext uri="{FF2B5EF4-FFF2-40B4-BE49-F238E27FC236}">
-                <a16:creationId xmlns:a16="http://schemas.microsoft.com/office/drawing/2014/main" id="{AADC96B8-21F1-4CA5-82F2-62149BA3A81F}"/>
-              </a:ext>
-            </a:extLst>
-          </p:cNvPr>
+          <p:cNvPr id="5" name="TextBox 4"/>
           <p:cNvSpPr txBox="1"/>
           <p:nvPr/>
         </p:nvSpPr>
@@ -5995,32 +4833,25 @@
           <a:noFill/>
         </p:spPr>
         <p:txBody>
-          <a:bodyPr wrap="square" rtlCol="0">
+          <a:bodyPr wrap="square">
             <a:spAutoFit/>
           </a:bodyPr>
           <a:lstStyle/>
           <a:p>
-            <a:r>
-              <a:rPr lang="en-US" altLang="ko-KR" sz="1600" b="1" dirty="0">
+            <a:pPr lvl="0">
+              <a:defRPr/>
+            </a:pPr>
+            <a:r>
+              <a:rPr lang="en-US" altLang="ko-KR" sz="1600" b="1">
                 <a:solidFill>
                   <a:schemeClr val="accent1">
                     <a:lumMod val="50000"/>
                   </a:schemeClr>
                 </a:solidFill>
               </a:rPr>
-              <a:t>Part </a:t>
-            </a:r>
-            <a:r>
-              <a:rPr lang="en-US" altLang="ko-KR" sz="1600" b="1" dirty="0" smtClean="0">
-                <a:solidFill>
-                  <a:schemeClr val="accent1">
-                    <a:lumMod val="50000"/>
-                  </a:schemeClr>
-                </a:solidFill>
-              </a:rPr>
-              <a:t>3</a:t>
-            </a:r>
-            <a:endParaRPr lang="ko-KR" altLang="en-US" sz="1600" b="1" dirty="0">
+              <a:t>Part 3</a:t>
+            </a:r>
+            <a:endParaRPr lang="ko-KR" altLang="en-US" sz="1600" b="1">
               <a:solidFill>
                 <a:schemeClr val="accent1">
                   <a:lumMod val="50000"/>
@@ -6032,13 +4863,7 @@
       </p:sp>
       <p:sp>
         <p:nvSpPr>
-          <p:cNvPr id="6" name="TextBox 5">
-            <a:extLst>
-              <a:ext uri="{FF2B5EF4-FFF2-40B4-BE49-F238E27FC236}">
-                <a16:creationId xmlns:a16="http://schemas.microsoft.com/office/drawing/2014/main" id="{E9E4E03B-DC2B-4AB1-AA88-841F77488FB8}"/>
-              </a:ext>
-            </a:extLst>
-          </p:cNvPr>
+          <p:cNvPr id="6" name="TextBox 5"/>
           <p:cNvSpPr txBox="1"/>
           <p:nvPr/>
         </p:nvSpPr>
@@ -6053,71 +4878,62 @@
           <a:noFill/>
         </p:spPr>
         <p:txBody>
-          <a:bodyPr wrap="square" rtlCol="0">
+          <a:bodyPr wrap="square">
             <a:spAutoFit/>
           </a:bodyPr>
           <a:lstStyle/>
           <a:p>
-            <a:r>
-              <a:rPr lang="ko-KR" altLang="en-US" sz="3600" b="1" dirty="0" smtClean="0">
+            <a:pPr lvl="0">
+              <a:defRPr/>
+            </a:pPr>
+            <a:r>
+              <a:rPr lang="ko-KR" altLang="en-US" sz="3600" b="1">
                 <a:solidFill>
                   <a:schemeClr val="accent1">
                     <a:lumMod val="50000"/>
                   </a:schemeClr>
                 </a:solidFill>
-                <a:latin typeface="나눔스퀘어 ExtraBold" panose="020B0600000101010101" pitchFamily="50" charset="-127"/>
-                <a:ea typeface="나눔스퀘어 ExtraBold" panose="020B0600000101010101" pitchFamily="50" charset="-127"/>
+                <a:latin typeface="나눔스퀘어 ExtraBold"/>
+                <a:ea typeface="나눔스퀘어 ExtraBold"/>
               </a:rPr>
               <a:t>기능</a:t>
             </a:r>
-            <a:endParaRPr lang="ko-KR" altLang="en-US" sz="3600" b="1" dirty="0">
+            <a:endParaRPr lang="ko-KR" altLang="en-US" sz="3600" b="1">
               <a:solidFill>
                 <a:schemeClr val="accent1">
                   <a:lumMod val="50000"/>
                 </a:schemeClr>
               </a:solidFill>
-              <a:latin typeface="나눔스퀘어 ExtraBold" panose="020B0600000101010101" pitchFamily="50" charset="-127"/>
-              <a:ea typeface="나눔스퀘어 ExtraBold" panose="020B0600000101010101" pitchFamily="50" charset="-127"/>
+              <a:latin typeface="나눔스퀘어 ExtraBold"/>
+              <a:ea typeface="나눔스퀘어 ExtraBold"/>
             </a:endParaRPr>
           </a:p>
         </p:txBody>
       </p:sp>
       <p:grpSp>
         <p:nvGrpSpPr>
-          <p:cNvPr id="9" name="그룹 8">
-            <a:extLst>
-              <a:ext uri="{FF2B5EF4-FFF2-40B4-BE49-F238E27FC236}">
-                <a16:creationId xmlns:a16="http://schemas.microsoft.com/office/drawing/2014/main" id="{4E5C1123-7252-49CA-BC66-0303D43B506F}"/>
-              </a:ext>
-            </a:extLst>
-          </p:cNvPr>
+          <p:cNvPr id="9" name="그룹 8"/>
           <p:cNvGrpSpPr/>
           <p:nvPr/>
         </p:nvGrpSpPr>
         <p:grpSpPr>
-          <a:xfrm>
+          <a:xfrm rot="0">
             <a:off x="1005840" y="1978092"/>
-            <a:ext cx="5539740" cy="3443221"/>
+            <a:ext cx="5539740" cy="3411153"/>
             <a:chOff x="6380480" y="2269037"/>
-            <a:chExt cx="5539740" cy="3443221"/>
+            <a:chExt cx="5539740" cy="3411153"/>
           </a:xfrm>
         </p:grpSpPr>
         <p:sp>
           <p:nvSpPr>
-            <p:cNvPr id="21" name="TextBox 20">
-              <a:extLst>
-                <a:ext uri="{FF2B5EF4-FFF2-40B4-BE49-F238E27FC236}">
-                  <a16:creationId xmlns:a16="http://schemas.microsoft.com/office/drawing/2014/main" id="{B6AEE38D-6CC7-41A2-B4AC-E22B635E630B}"/>
-                </a:ext>
-              </a:extLst>
-            </p:cNvPr>
+            <p:cNvPr id="21" name="TextBox 20"/>
             <p:cNvSpPr txBox="1"/>
             <p:nvPr/>
           </p:nvSpPr>
           <p:spPr>
             <a:xfrm flipH="1">
               <a:off x="6380480" y="2269037"/>
-              <a:ext cx="3591561" cy="707886"/>
+              <a:ext cx="3591561" cy="696528"/>
             </a:xfrm>
             <a:prstGeom prst="rect">
               <a:avLst/>
@@ -6125,34 +4941,31 @@
             <a:noFill/>
           </p:spPr>
           <p:txBody>
-            <a:bodyPr wrap="square" rtlCol="0">
+            <a:bodyPr wrap="square">
               <a:spAutoFit/>
             </a:bodyPr>
             <a:lstStyle/>
             <a:p>
+              <a:pPr lvl="0">
+                <a:defRPr/>
+              </a:pPr>
               <a:r>
-                <a:rPr lang="ko-KR" altLang="en-US" sz="4000" b="1" dirty="0" smtClean="0">
-                  <a:latin typeface="나눔스퀘어 ExtraBold" panose="020B0600000101010101" pitchFamily="50" charset="-127"/>
-                  <a:ea typeface="나눔스퀘어 ExtraBold" panose="020B0600000101010101" pitchFamily="50" charset="-127"/>
+                <a:rPr lang="ko-KR" altLang="en-US" sz="4000" b="1">
+                  <a:latin typeface="나눔스퀘어 ExtraBold"/>
+                  <a:ea typeface="나눔스퀘어 ExtraBold"/>
                 </a:rPr>
                 <a:t>기능</a:t>
               </a:r>
-              <a:endParaRPr lang="ko-KR" altLang="en-US" sz="4000" b="1" dirty="0">
-                <a:latin typeface="나눔스퀘어 ExtraBold" panose="020B0600000101010101" pitchFamily="50" charset="-127"/>
-                <a:ea typeface="나눔스퀘어 ExtraBold" panose="020B0600000101010101" pitchFamily="50" charset="-127"/>
+              <a:endParaRPr lang="ko-KR" altLang="en-US" sz="4000" b="1">
+                <a:latin typeface="나눔스퀘어 ExtraBold"/>
+                <a:ea typeface="나눔스퀘어 ExtraBold"/>
               </a:endParaRPr>
             </a:p>
           </p:txBody>
         </p:sp>
         <p:cxnSp>
           <p:nvCxnSpPr>
-            <p:cNvPr id="22" name="직선 연결선 21">
-              <a:extLst>
-                <a:ext uri="{FF2B5EF4-FFF2-40B4-BE49-F238E27FC236}">
-                  <a16:creationId xmlns:a16="http://schemas.microsoft.com/office/drawing/2014/main" id="{08C422D0-4EF4-4D16-9138-D7D4D0A7A56F}"/>
-                </a:ext>
-              </a:extLst>
-            </p:cNvPr>
+            <p:cNvPr id="22" name="직선 연결선 21"/>
             <p:cNvCxnSpPr/>
             <p:nvPr/>
           </p:nvCxnSpPr>
@@ -6183,20 +4996,14 @@
         </p:cxnSp>
         <p:sp>
           <p:nvSpPr>
-            <p:cNvPr id="23" name="TextBox 22">
-              <a:extLst>
-                <a:ext uri="{FF2B5EF4-FFF2-40B4-BE49-F238E27FC236}">
-                  <a16:creationId xmlns:a16="http://schemas.microsoft.com/office/drawing/2014/main" id="{9C006FA2-5A5E-4E43-9307-B266158068B7}"/>
-                </a:ext>
-              </a:extLst>
-            </p:cNvPr>
+            <p:cNvPr id="23" name="TextBox 22"/>
             <p:cNvSpPr txBox="1"/>
             <p:nvPr/>
           </p:nvSpPr>
           <p:spPr>
             <a:xfrm>
               <a:off x="6380480" y="3311601"/>
-              <a:ext cx="5539740" cy="2400657"/>
+              <a:ext cx="5539740" cy="2368589"/>
             </a:xfrm>
             <a:prstGeom prst="rect">
               <a:avLst/>
@@ -6204,59 +5011,64 @@
             <a:noFill/>
           </p:spPr>
           <p:txBody>
-            <a:bodyPr wrap="square" rtlCol="0">
+            <a:bodyPr wrap="square">
               <a:spAutoFit/>
             </a:bodyPr>
             <a:lstStyle/>
             <a:p>
               <a:pPr marL="457200" indent="-457200" algn="just">
                 <a:buAutoNum type="arabicPeriod"/>
+                <a:defRPr/>
               </a:pPr>
               <a:r>
-                <a:rPr lang="ko-KR" altLang="en-US" sz="3000" dirty="0" smtClean="0"/>
-                <a:t>테이블 생성</a:t>
+                <a:rPr lang="ko-KR" altLang="en-US" sz="3000"/>
+                <a:t>국가별 확진자 수</a:t>
               </a:r>
-              <a:endParaRPr lang="en-US" altLang="ko-KR" sz="3000" dirty="0" smtClean="0"/>
+              <a:endParaRPr lang="ko-KR" altLang="en-US" sz="3000"/>
             </a:p>
             <a:p>
               <a:pPr marL="457200" indent="-457200" algn="just">
                 <a:buAutoNum type="arabicPeriod"/>
+                <a:defRPr/>
               </a:pPr>
               <a:r>
-                <a:rPr lang="ko-KR" altLang="en-US" sz="3000" dirty="0" smtClean="0"/>
-                <a:t>테이블 조회</a:t>
+                <a:rPr lang="ko-KR" altLang="en-US" sz="3000"/>
+                <a:t>국가별 등수</a:t>
               </a:r>
-              <a:endParaRPr lang="en-US" altLang="ko-KR" sz="3000" dirty="0" smtClean="0"/>
+              <a:endParaRPr lang="ko-KR" altLang="en-US" sz="3000"/>
             </a:p>
             <a:p>
               <a:pPr marL="457200" indent="-457200" algn="just">
                 <a:buAutoNum type="arabicPeriod"/>
+                <a:defRPr/>
               </a:pPr>
               <a:r>
-                <a:rPr lang="ko-KR" altLang="en-US" sz="3000" dirty="0" smtClean="0"/>
+                <a:rPr lang="ko-KR" altLang="en-US" sz="3000"/>
                 <a:t>정보 등록</a:t>
               </a:r>
-              <a:endParaRPr lang="en-US" altLang="ko-KR" sz="3000" dirty="0" smtClean="0"/>
+              <a:endParaRPr lang="ko-KR" altLang="en-US" sz="3000"/>
             </a:p>
             <a:p>
               <a:pPr marL="457200" indent="-457200" algn="just">
                 <a:buAutoNum type="arabicPeriod"/>
+                <a:defRPr/>
               </a:pPr>
               <a:r>
-                <a:rPr lang="ko-KR" altLang="en-US" sz="3000" dirty="0" smtClean="0"/>
+                <a:rPr lang="ko-KR" altLang="en-US" sz="3000"/>
                 <a:t>정보 수정</a:t>
               </a:r>
-              <a:endParaRPr lang="en-US" altLang="ko-KR" sz="3000" dirty="0" smtClean="0"/>
+              <a:endParaRPr lang="ko-KR" altLang="en-US" sz="3000"/>
             </a:p>
             <a:p>
               <a:pPr marL="457200" indent="-457200" algn="just">
                 <a:buAutoNum type="arabicPeriod"/>
+                <a:defRPr/>
               </a:pPr>
               <a:r>
-                <a:rPr lang="ko-KR" altLang="en-US" sz="3000" dirty="0" smtClean="0"/>
+                <a:rPr lang="ko-KR" altLang="en-US" sz="3000"/>
                 <a:t>정보검색 기능</a:t>
               </a:r>
-              <a:endParaRPr lang="ko-KR" altLang="en-US" sz="3000" dirty="0"/>
+              <a:endParaRPr lang="ko-KR" altLang="en-US" sz="3000"/>
             </a:p>
           </p:txBody>
         </p:sp>
@@ -6269,14 +5081,8 @@
           </p:cNvPicPr>
           <p:nvPr/>
         </p:nvPicPr>
-        <p:blipFill>
-          <a:blip r:embed="rId2" cstate="print">
-            <a:extLst>
-              <a:ext uri="{28A0092B-C50C-407E-A947-70E740481C1C}">
-                <a14:useLocalDpi xmlns:a14="http://schemas.microsoft.com/office/drawing/2010/main" val="0"/>
-              </a:ext>
-            </a:extLst>
-          </a:blip>
+        <p:blipFill rotWithShape="1">
+          <a:blip r:embed="rId2"/>
           <a:stretch>
             <a:fillRect/>
           </a:stretch>
@@ -6292,23 +5098,18 @@
         </p:spPr>
       </p:pic>
     </p:spTree>
-    <p:extLst>
-      <p:ext uri="{BB962C8B-B14F-4D97-AF65-F5344CB8AC3E}">
-        <p14:creationId xmlns:p14="http://schemas.microsoft.com/office/powerpoint/2010/main" val="568724569"/>
-      </p:ext>
-    </p:extLst>
   </p:cSld>
   <p:clrMapOvr>
     <a:masterClrMapping/>
   </p:clrMapOvr>
   <mc:AlternateContent xmlns:mc="http://schemas.openxmlformats.org/markup-compatibility/2006">
-    <mc:Choice xmlns:p159="http://schemas.microsoft.com/office/powerpoint/2015/09/main" xmlns="" Requires="p159">
-      <p:transition xmlns:p14="http://schemas.microsoft.com/office/powerpoint/2010/main" spd="slow" p14:dur="2000">
-        <p159:morph option="byObject"/>
+    <mc:Choice xmlns:p14="http://schemas.microsoft.com/office/powerpoint/2010/main" Requires="p14">
+      <p:transition xmlns:mc="http://schemas.openxmlformats.org/markup-compatibility/2006" xmlns:p14="http://schemas.microsoft.com/office/powerpoint/2010/main" spd="med" mc:Ignorable="p14" p14:dur="1000">
+        <p:fade/>
       </p:transition>
     </mc:Choice>
     <mc:Fallback>
-      <p:transition spd="slow">
+      <p:transition xmlns:mc="http://schemas.openxmlformats.org/markup-compatibility/2006" xmlns:hp="http://schemas.haansoft.com/office/presentation/8.0" spd="med" mc:Ignorable="hp" hp:hslDur="1000">
         <p:fade/>
       </p:transition>
     </mc:Fallback>
@@ -9002,7 +7803,7 @@
 </file>
 
 <file path=ppt/slides/slide7.xml><?xml version="1.0" encoding="utf-8"?>
-<p:sld xmlns:a="http://schemas.openxmlformats.org/drawingml/2006/main" xmlns:r="http://schemas.openxmlformats.org/officeDocument/2006/relationships" xmlns:p="http://schemas.openxmlformats.org/presentationml/2006/main">
+<p:sld xmlns:r="http://schemas.openxmlformats.org/officeDocument/2006/relationships" xmlns:c="http://schemas.openxmlformats.org/drawingml/2006/chart" xmlns:a="http://schemas.openxmlformats.org/drawingml/2006/main" xmlns:dgm="http://schemas.openxmlformats.org/drawingml/2006/diagram" xmlns:dsp="http://schemas.microsoft.com/office/drawing/2008/diagram" xmlns:p="http://schemas.openxmlformats.org/presentationml/2006/main">
   <p:cSld>
     <p:spTree>
       <p:nvGrpSpPr>
@@ -9020,13 +7821,7 @@
       </p:grpSpPr>
       <p:cxnSp>
         <p:nvCxnSpPr>
-          <p:cNvPr id="4" name="직선 연결선 3">
-            <a:extLst>
-              <a:ext uri="{FF2B5EF4-FFF2-40B4-BE49-F238E27FC236}">
-                <a16:creationId xmlns:a16="http://schemas.microsoft.com/office/drawing/2014/main" id="{91783D2F-737E-4797-9853-8C85BE37E236}"/>
-              </a:ext>
-            </a:extLst>
-          </p:cNvPr>
+          <p:cNvPr id="4" name="직선 연결선 3"/>
           <p:cNvCxnSpPr/>
           <p:nvPr/>
         </p:nvCxnSpPr>
@@ -9056,13 +7851,7 @@
       </p:cxnSp>
       <p:sp>
         <p:nvSpPr>
-          <p:cNvPr id="5" name="TextBox 4">
-            <a:extLst>
-              <a:ext uri="{FF2B5EF4-FFF2-40B4-BE49-F238E27FC236}">
-                <a16:creationId xmlns:a16="http://schemas.microsoft.com/office/drawing/2014/main" id="{AADC96B8-21F1-4CA5-82F2-62149BA3A81F}"/>
-              </a:ext>
-            </a:extLst>
-          </p:cNvPr>
+          <p:cNvPr id="5" name="TextBox 4"/>
           <p:cNvSpPr txBox="1"/>
           <p:nvPr/>
         </p:nvSpPr>
@@ -9077,32 +7866,25 @@
           <a:noFill/>
         </p:spPr>
         <p:txBody>
-          <a:bodyPr wrap="square" rtlCol="0">
+          <a:bodyPr wrap="square">
             <a:spAutoFit/>
           </a:bodyPr>
           <a:lstStyle/>
           <a:p>
-            <a:r>
-              <a:rPr lang="en-US" altLang="ko-KR" sz="1600" b="1" dirty="0">
+            <a:pPr lvl="0">
+              <a:defRPr/>
+            </a:pPr>
+            <a:r>
+              <a:rPr lang="en-US" altLang="ko-KR" sz="1600" b="1">
                 <a:solidFill>
                   <a:schemeClr val="accent1">
                     <a:lumMod val="50000"/>
                   </a:schemeClr>
                 </a:solidFill>
               </a:rPr>
-              <a:t>Part </a:t>
-            </a:r>
-            <a:r>
-              <a:rPr lang="en-US" altLang="ko-KR" sz="1600" b="1" dirty="0" smtClean="0">
-                <a:solidFill>
-                  <a:schemeClr val="accent1">
-                    <a:lumMod val="50000"/>
-                  </a:schemeClr>
-                </a:solidFill>
-              </a:rPr>
-              <a:t>2-2</a:t>
-            </a:r>
-            <a:endParaRPr lang="ko-KR" altLang="en-US" sz="1600" b="1" dirty="0">
+              <a:t>Part 2-2</a:t>
+            </a:r>
+            <a:endParaRPr lang="ko-KR" altLang="en-US" sz="1600" b="1">
               <a:solidFill>
                 <a:schemeClr val="accent1">
                   <a:lumMod val="50000"/>
@@ -9114,13 +7896,7 @@
       </p:sp>
       <p:sp>
         <p:nvSpPr>
-          <p:cNvPr id="6" name="TextBox 5">
-            <a:extLst>
-              <a:ext uri="{FF2B5EF4-FFF2-40B4-BE49-F238E27FC236}">
-                <a16:creationId xmlns:a16="http://schemas.microsoft.com/office/drawing/2014/main" id="{E9E4E03B-DC2B-4AB1-AA88-841F77488FB8}"/>
-              </a:ext>
-            </a:extLst>
-          </p:cNvPr>
+          <p:cNvPr id="6" name="TextBox 5"/>
           <p:cNvSpPr txBox="1"/>
           <p:nvPr/>
         </p:nvSpPr>
@@ -9135,116 +7911,101 @@
           <a:noFill/>
         </p:spPr>
         <p:txBody>
-          <a:bodyPr wrap="square" rtlCol="0">
+          <a:bodyPr wrap="square">
             <a:spAutoFit/>
           </a:bodyPr>
           <a:lstStyle/>
           <a:p>
-            <a:r>
-              <a:rPr lang="ko-KR" altLang="en-US" sz="3600" b="1" dirty="0" smtClean="0">
+            <a:pPr lvl="0">
+              <a:defRPr/>
+            </a:pPr>
+            <a:r>
+              <a:rPr lang="ko-KR" altLang="en-US" sz="3600" b="1">
                 <a:solidFill>
                   <a:schemeClr val="accent1">
                     <a:lumMod val="50000"/>
                   </a:schemeClr>
                 </a:solidFill>
-                <a:latin typeface="나눔스퀘어 ExtraBold" panose="020B0600000101010101" pitchFamily="50" charset="-127"/>
-                <a:ea typeface="나눔스퀘어 ExtraBold" panose="020B0600000101010101" pitchFamily="50" charset="-127"/>
+                <a:latin typeface="나눔스퀘어 ExtraBold"/>
+                <a:ea typeface="나눔스퀘어 ExtraBold"/>
               </a:rPr>
               <a:t>코로나</a:t>
             </a:r>
             <a:r>
-              <a:rPr lang="en-US" altLang="ko-KR" sz="3600" b="1" dirty="0" smtClean="0">
+              <a:rPr lang="en-US" altLang="ko-KR" sz="3600" b="1">
                 <a:solidFill>
                   <a:schemeClr val="accent1">
                     <a:lumMod val="50000"/>
                   </a:schemeClr>
                 </a:solidFill>
-                <a:latin typeface="나눔스퀘어 ExtraBold" panose="020B0600000101010101" pitchFamily="50" charset="-127"/>
-                <a:ea typeface="나눔스퀘어 ExtraBold" panose="020B0600000101010101" pitchFamily="50" charset="-127"/>
+                <a:latin typeface="나눔스퀘어 ExtraBold"/>
+                <a:ea typeface="나눔스퀘어 ExtraBold"/>
               </a:rPr>
               <a:t>19 </a:t>
             </a:r>
             <a:r>
-              <a:rPr lang="ko-KR" altLang="en-US" sz="3600" b="1" dirty="0" err="1" smtClean="0">
+              <a:rPr lang="ko-KR" altLang="en-US" sz="3600" b="1">
                 <a:solidFill>
                   <a:schemeClr val="accent1">
                     <a:lumMod val="50000"/>
                   </a:schemeClr>
                 </a:solidFill>
-                <a:latin typeface="나눔스퀘어 ExtraBold" panose="020B0600000101010101" pitchFamily="50" charset="-127"/>
-                <a:ea typeface="나눔스퀘어 ExtraBold" panose="020B0600000101010101" pitchFamily="50" charset="-127"/>
+                <a:latin typeface="나눔스퀘어 ExtraBold"/>
+                <a:ea typeface="나눔스퀘어 ExtraBold"/>
               </a:rPr>
-              <a:t>확진자</a:t>
-            </a:r>
-            <a:r>
-              <a:rPr lang="ko-KR" altLang="en-US" sz="3600" b="1" dirty="0" smtClean="0">
+              <a:t>확진자 국가별 순위</a:t>
+            </a:r>
+            <a:r>
+              <a:rPr lang="en-US" altLang="ko-KR" sz="3600" b="1">
                 <a:solidFill>
                   <a:schemeClr val="accent1">
                     <a:lumMod val="50000"/>
                   </a:schemeClr>
                 </a:solidFill>
-                <a:latin typeface="나눔스퀘어 ExtraBold" panose="020B0600000101010101" pitchFamily="50" charset="-127"/>
-                <a:ea typeface="나눔스퀘어 ExtraBold" panose="020B0600000101010101" pitchFamily="50" charset="-127"/>
+                <a:latin typeface="나눔스퀘어 ExtraBold"/>
+                <a:ea typeface="나눔스퀘어 ExtraBold"/>
               </a:rPr>
-              <a:t> 국가별 순위</a:t>
-            </a:r>
-            <a:r>
-              <a:rPr lang="en-US" altLang="ko-KR" sz="3600" b="1" dirty="0" smtClean="0">
+              <a:t>(</a:t>
+            </a:r>
+            <a:r>
+              <a:rPr lang="ko-KR" altLang="en-US" sz="3600" b="1">
                 <a:solidFill>
                   <a:schemeClr val="accent1">
                     <a:lumMod val="50000"/>
                   </a:schemeClr>
                 </a:solidFill>
-                <a:latin typeface="나눔스퀘어 ExtraBold" panose="020B0600000101010101" pitchFamily="50" charset="-127"/>
-                <a:ea typeface="나눔스퀘어 ExtraBold" panose="020B0600000101010101" pitchFamily="50" charset="-127"/>
+                <a:latin typeface="나눔스퀘어 ExtraBold"/>
+                <a:ea typeface="나눔스퀘어 ExtraBold"/>
               </a:rPr>
-              <a:t>(</a:t>
-            </a:r>
-            <a:r>
-              <a:rPr lang="ko-KR" altLang="en-US" sz="3600" b="1" dirty="0" smtClean="0">
+              <a:t>사망자</a:t>
+            </a:r>
+            <a:r>
+              <a:rPr lang="en-US" altLang="ko-KR" sz="3600" b="1">
                 <a:solidFill>
                   <a:schemeClr val="accent1">
                     <a:lumMod val="50000"/>
                   </a:schemeClr>
                 </a:solidFill>
-                <a:latin typeface="나눔스퀘어 ExtraBold" panose="020B0600000101010101" pitchFamily="50" charset="-127"/>
-                <a:ea typeface="나눔스퀘어 ExtraBold" panose="020B0600000101010101" pitchFamily="50" charset="-127"/>
-              </a:rPr>
-              <a:t>사망자</a:t>
-            </a:r>
-            <a:r>
-              <a:rPr lang="en-US" altLang="ko-KR" sz="3600" b="1" dirty="0" smtClean="0">
-                <a:solidFill>
-                  <a:schemeClr val="accent1">
-                    <a:lumMod val="50000"/>
-                  </a:schemeClr>
-                </a:solidFill>
-                <a:latin typeface="나눔스퀘어 ExtraBold" panose="020B0600000101010101" pitchFamily="50" charset="-127"/>
-                <a:ea typeface="나눔스퀘어 ExtraBold" panose="020B0600000101010101" pitchFamily="50" charset="-127"/>
+                <a:latin typeface="나눔스퀘어 ExtraBold"/>
+                <a:ea typeface="나눔스퀘어 ExtraBold"/>
               </a:rPr>
               <a:t>)</a:t>
             </a:r>
-            <a:endParaRPr lang="ko-KR" altLang="en-US" sz="3600" b="1" dirty="0">
+            <a:endParaRPr lang="ko-KR" altLang="en-US" sz="3600" b="1">
               <a:solidFill>
                 <a:schemeClr val="accent1">
                   <a:lumMod val="50000"/>
                 </a:schemeClr>
               </a:solidFill>
-              <a:latin typeface="나눔스퀘어 ExtraBold" panose="020B0600000101010101" pitchFamily="50" charset="-127"/>
-              <a:ea typeface="나눔스퀘어 ExtraBold" panose="020B0600000101010101" pitchFamily="50" charset="-127"/>
+              <a:latin typeface="나눔스퀘어 ExtraBold"/>
+              <a:ea typeface="나눔스퀘어 ExtraBold"/>
             </a:endParaRPr>
           </a:p>
         </p:txBody>
       </p:sp>
       <p:sp>
         <p:nvSpPr>
-          <p:cNvPr id="21" name="TextBox 20">
-            <a:extLst>
-              <a:ext uri="{FF2B5EF4-FFF2-40B4-BE49-F238E27FC236}">
-                <a16:creationId xmlns:a16="http://schemas.microsoft.com/office/drawing/2014/main" id="{B6AEE38D-6CC7-41A2-B4AC-E22B635E630B}"/>
-              </a:ext>
-            </a:extLst>
-          </p:cNvPr>
+          <p:cNvPr id="21" name="TextBox 20"/>
           <p:cNvSpPr txBox="1"/>
           <p:nvPr/>
         </p:nvSpPr>
@@ -9259,34 +8020,31 @@
           <a:noFill/>
         </p:spPr>
         <p:txBody>
-          <a:bodyPr wrap="square" rtlCol="0">
+          <a:bodyPr wrap="square">
             <a:spAutoFit/>
           </a:bodyPr>
           <a:lstStyle/>
           <a:p>
-            <a:r>
-              <a:rPr lang="ko-KR" altLang="en-US" sz="2800" b="1" dirty="0" smtClean="0">
-                <a:latin typeface="나눔스퀘어 ExtraBold" panose="020B0600000101010101" pitchFamily="50" charset="-127"/>
-                <a:ea typeface="나눔스퀘어 ExtraBold" panose="020B0600000101010101" pitchFamily="50" charset="-127"/>
+            <a:pPr lvl="0">
+              <a:defRPr/>
+            </a:pPr>
+            <a:r>
+              <a:rPr lang="ko-KR" altLang="en-US" sz="2800" b="1">
+                <a:latin typeface="나눔스퀘어 ExtraBold"/>
+                <a:ea typeface="나눔스퀘어 ExtraBold"/>
               </a:rPr>
               <a:t>순위</a:t>
             </a:r>
-            <a:endParaRPr lang="ko-KR" altLang="en-US" sz="2800" b="1" dirty="0">
-              <a:latin typeface="나눔스퀘어 ExtraBold" panose="020B0600000101010101" pitchFamily="50" charset="-127"/>
-              <a:ea typeface="나눔스퀘어 ExtraBold" panose="020B0600000101010101" pitchFamily="50" charset="-127"/>
+            <a:endParaRPr lang="ko-KR" altLang="en-US" sz="2800" b="1">
+              <a:latin typeface="나눔스퀘어 ExtraBold"/>
+              <a:ea typeface="나눔스퀘어 ExtraBold"/>
             </a:endParaRPr>
           </a:p>
         </p:txBody>
       </p:sp>
       <p:cxnSp>
         <p:nvCxnSpPr>
-          <p:cNvPr id="22" name="직선 연결선 21">
-            <a:extLst>
-              <a:ext uri="{FF2B5EF4-FFF2-40B4-BE49-F238E27FC236}">
-                <a16:creationId xmlns:a16="http://schemas.microsoft.com/office/drawing/2014/main" id="{08C422D0-4EF4-4D16-9138-D7D4D0A7A56F}"/>
-              </a:ext>
-            </a:extLst>
-          </p:cNvPr>
+          <p:cNvPr id="22" name="직선 연결선 21"/>
           <p:cNvCxnSpPr/>
           <p:nvPr/>
         </p:nvCxnSpPr>
@@ -9317,13 +8075,7 @@
       </p:cxnSp>
       <p:sp>
         <p:nvSpPr>
-          <p:cNvPr id="23" name="TextBox 22">
-            <a:extLst>
-              <a:ext uri="{FF2B5EF4-FFF2-40B4-BE49-F238E27FC236}">
-                <a16:creationId xmlns:a16="http://schemas.microsoft.com/office/drawing/2014/main" id="{9C006FA2-5A5E-4E43-9307-B266158068B7}"/>
-              </a:ext>
-            </a:extLst>
-          </p:cNvPr>
+          <p:cNvPr id="23" name="TextBox 22"/>
           <p:cNvSpPr txBox="1"/>
           <p:nvPr/>
         </p:nvSpPr>
@@ -9338,109 +8090,119 @@
           <a:noFill/>
         </p:spPr>
         <p:txBody>
-          <a:bodyPr wrap="square" rtlCol="0">
+          <a:bodyPr wrap="square">
             <a:spAutoFit/>
           </a:bodyPr>
           <a:lstStyle/>
           <a:p>
-            <a:pPr algn="just"/>
-            <a:r>
-              <a:rPr lang="en-US" altLang="ko-KR" sz="2000" dirty="0" smtClean="0"/>
+            <a:pPr algn="just">
+              <a:defRPr/>
+            </a:pPr>
+            <a:r>
+              <a:rPr lang="en-US" altLang="ko-KR" sz="2000"/>
               <a:t>1</a:t>
             </a:r>
             <a:r>
-              <a:rPr lang="ko-KR" altLang="en-US" sz="2000" dirty="0" smtClean="0"/>
+              <a:rPr lang="ko-KR" altLang="en-US" sz="2000"/>
               <a:t>등 </a:t>
             </a:r>
             <a:r>
-              <a:rPr lang="en-US" altLang="ko-KR" sz="2000" dirty="0" smtClean="0"/>
+              <a:rPr lang="en-US" altLang="ko-KR" sz="2000"/>
               <a:t>: </a:t>
             </a:r>
             <a:r>
-              <a:rPr lang="ko-KR" altLang="en-US" sz="2000" dirty="0" smtClean="0"/>
+              <a:rPr lang="ko-KR" altLang="en-US" sz="2000"/>
               <a:t>미국 </a:t>
             </a:r>
-            <a:endParaRPr lang="en-US" altLang="ko-KR" sz="2000" dirty="0" smtClean="0"/>
-          </a:p>
-          <a:p>
-            <a:pPr algn="just"/>
-            <a:r>
-              <a:rPr lang="en-US" altLang="ko-KR" sz="2000" dirty="0" smtClean="0"/>
+            <a:endParaRPr lang="ko-KR" altLang="en-US" sz="2000"/>
+          </a:p>
+          <a:p>
+            <a:pPr algn="just">
+              <a:defRPr/>
+            </a:pPr>
+            <a:r>
+              <a:rPr lang="en-US" altLang="ko-KR" sz="2000"/>
               <a:t>2</a:t>
             </a:r>
             <a:r>
-              <a:rPr lang="ko-KR" altLang="en-US" sz="2000" dirty="0" smtClean="0"/>
+              <a:rPr lang="ko-KR" altLang="en-US" sz="2000"/>
               <a:t>등 </a:t>
             </a:r>
             <a:r>
-              <a:rPr lang="en-US" altLang="ko-KR" sz="2000" dirty="0" smtClean="0"/>
+              <a:rPr lang="en-US" altLang="ko-KR" sz="2000"/>
               <a:t>: </a:t>
             </a:r>
             <a:r>
-              <a:rPr lang="ko-KR" altLang="en-US" sz="2000" dirty="0" smtClean="0"/>
+              <a:rPr lang="ko-KR" altLang="en-US" sz="2000"/>
               <a:t>브라질</a:t>
             </a:r>
-            <a:endParaRPr lang="en-US" altLang="ko-KR" sz="2000" dirty="0" smtClean="0"/>
-          </a:p>
-          <a:p>
-            <a:pPr algn="just"/>
-            <a:r>
-              <a:rPr lang="en-US" altLang="ko-KR" sz="2000" dirty="0" smtClean="0"/>
+            <a:endParaRPr lang="ko-KR" altLang="en-US" sz="2000"/>
+          </a:p>
+          <a:p>
+            <a:pPr algn="just">
+              <a:defRPr/>
+            </a:pPr>
+            <a:r>
+              <a:rPr lang="en-US" altLang="ko-KR" sz="2000"/>
               <a:t>3</a:t>
             </a:r>
             <a:r>
-              <a:rPr lang="ko-KR" altLang="en-US" sz="2000" dirty="0" smtClean="0"/>
+              <a:rPr lang="ko-KR" altLang="en-US" sz="2000"/>
               <a:t>등 </a:t>
             </a:r>
             <a:r>
-              <a:rPr lang="en-US" altLang="ko-KR" sz="2000" dirty="0" smtClean="0"/>
+              <a:rPr lang="en-US" altLang="ko-KR" sz="2000"/>
               <a:t>: </a:t>
             </a:r>
             <a:r>
-              <a:rPr lang="ko-KR" altLang="en-US" sz="2000" dirty="0" smtClean="0"/>
+              <a:rPr lang="ko-KR" altLang="en-US" sz="2000"/>
               <a:t>인도</a:t>
             </a:r>
-            <a:endParaRPr lang="en-US" altLang="ko-KR" sz="2000" dirty="0" smtClean="0"/>
-          </a:p>
-          <a:p>
-            <a:pPr algn="just"/>
-            <a:r>
-              <a:rPr lang="en-US" altLang="ko-KR" sz="2000" dirty="0" smtClean="0"/>
+            <a:endParaRPr lang="ko-KR" altLang="en-US" sz="2000"/>
+          </a:p>
+          <a:p>
+            <a:pPr algn="just">
+              <a:defRPr/>
+            </a:pPr>
+            <a:r>
+              <a:rPr lang="en-US" altLang="ko-KR" sz="2000"/>
               <a:t>4</a:t>
             </a:r>
             <a:r>
-              <a:rPr lang="ko-KR" altLang="en-US" sz="2000" dirty="0" smtClean="0"/>
+              <a:rPr lang="ko-KR" altLang="en-US" sz="2000"/>
               <a:t>등 </a:t>
             </a:r>
             <a:r>
-              <a:rPr lang="en-US" altLang="ko-KR" sz="2000" dirty="0" smtClean="0"/>
+              <a:rPr lang="en-US" altLang="ko-KR" sz="2000"/>
               <a:t>: </a:t>
             </a:r>
             <a:r>
-              <a:rPr lang="ko-KR" altLang="en-US" sz="2000" dirty="0" smtClean="0"/>
+              <a:rPr lang="ko-KR" altLang="en-US" sz="2000"/>
               <a:t>멕시코</a:t>
             </a:r>
-            <a:endParaRPr lang="en-US" altLang="ko-KR" sz="2000" dirty="0" smtClean="0"/>
-          </a:p>
-          <a:p>
-            <a:pPr algn="just"/>
-            <a:r>
-              <a:rPr lang="en-US" altLang="ko-KR" sz="2000" dirty="0" smtClean="0"/>
+            <a:endParaRPr lang="ko-KR" altLang="en-US" sz="2000"/>
+          </a:p>
+          <a:p>
+            <a:pPr algn="just">
+              <a:defRPr/>
+            </a:pPr>
+            <a:r>
+              <a:rPr lang="en-US" altLang="ko-KR" sz="2000"/>
               <a:t>5</a:t>
             </a:r>
             <a:r>
-              <a:rPr lang="ko-KR" altLang="en-US" sz="2000" dirty="0" smtClean="0"/>
+              <a:rPr lang="ko-KR" altLang="en-US" sz="2000"/>
               <a:t>등 </a:t>
             </a:r>
             <a:r>
-              <a:rPr lang="en-US" altLang="ko-KR" sz="2000" dirty="0" smtClean="0"/>
+              <a:rPr lang="en-US" altLang="ko-KR" sz="2000"/>
               <a:t>: </a:t>
             </a:r>
             <a:r>
-              <a:rPr lang="ko-KR" altLang="en-US" sz="2000" dirty="0" smtClean="0"/>
+              <a:rPr lang="ko-KR" altLang="en-US" sz="2000"/>
               <a:t>영국</a:t>
             </a:r>
-            <a:endParaRPr lang="ko-KR" altLang="en-US" sz="2000" dirty="0"/>
+            <a:endParaRPr lang="ko-KR" altLang="en-US" sz="2000"/>
           </a:p>
         </p:txBody>
       </p:sp>
@@ -9448,13 +8210,7 @@
         <p:nvGraphicFramePr>
           <p:cNvPr id="14" name="차트 13"/>
           <p:cNvGraphicFramePr/>
-          <p:nvPr>
-            <p:extLst>
-              <p:ext uri="{D42A27DB-BD31-4B8C-83A1-F6EECF244321}">
-                <p14:modId xmlns:p14="http://schemas.microsoft.com/office/powerpoint/2010/main" val="1497094195"/>
-              </p:ext>
-            </p:extLst>
-          </p:nvPr>
+          <p:nvPr/>
         </p:nvGraphicFramePr>
         <p:xfrm>
           <a:off x="142544" y="922583"/>
@@ -9462,28 +8218,23 @@
         </p:xfrm>
         <a:graphic>
           <a:graphicData uri="http://schemas.openxmlformats.org/drawingml/2006/chart">
-            <c:chart xmlns:c="http://schemas.openxmlformats.org/drawingml/2006/chart" xmlns:r="http://schemas.openxmlformats.org/officeDocument/2006/relationships" r:id="rId2"/>
+            <c:chart r:id="rId2"/>
           </a:graphicData>
         </a:graphic>
       </p:graphicFrame>
     </p:spTree>
-    <p:extLst>
-      <p:ext uri="{BB962C8B-B14F-4D97-AF65-F5344CB8AC3E}">
-        <p14:creationId xmlns:p14="http://schemas.microsoft.com/office/powerpoint/2010/main" val="2611764899"/>
-      </p:ext>
-    </p:extLst>
   </p:cSld>
   <p:clrMapOvr>
     <a:masterClrMapping/>
   </p:clrMapOvr>
   <mc:AlternateContent xmlns:mc="http://schemas.openxmlformats.org/markup-compatibility/2006">
-    <mc:Choice xmlns:p159="http://schemas.microsoft.com/office/powerpoint/2015/09/main" xmlns="" Requires="p159">
-      <p:transition xmlns:p14="http://schemas.microsoft.com/office/powerpoint/2010/main" spd="slow" p14:dur="2000">
-        <p159:morph option="byObject"/>
+    <mc:Choice xmlns:p14="http://schemas.microsoft.com/office/powerpoint/2010/main" Requires="p14">
+      <p:transition xmlns:mc="http://schemas.openxmlformats.org/markup-compatibility/2006" xmlns:p14="http://schemas.microsoft.com/office/powerpoint/2010/main" spd="med" mc:Ignorable="p14" p14:dur="1000">
+        <p:fade/>
       </p:transition>
     </mc:Choice>
     <mc:Fallback>
-      <p:transition spd="slow">
+      <p:transition xmlns:mc="http://schemas.openxmlformats.org/markup-compatibility/2006" xmlns:hp="http://schemas.haansoft.com/office/presentation/8.0" spd="med" mc:Ignorable="hp" hp:hslDur="1000">
         <p:fade/>
       </p:transition>
     </mc:Fallback>
@@ -9499,7 +8250,7 @@
 </file>
 
 <file path=ppt/slides/slide8.xml><?xml version="1.0" encoding="utf-8"?>
-<p:sld xmlns:a="http://schemas.openxmlformats.org/drawingml/2006/main" xmlns:r="http://schemas.openxmlformats.org/officeDocument/2006/relationships" xmlns:p="http://schemas.openxmlformats.org/presentationml/2006/main">
+<p:sld xmlns:r="http://schemas.openxmlformats.org/officeDocument/2006/relationships" xmlns:c="http://schemas.openxmlformats.org/drawingml/2006/chart" xmlns:a="http://schemas.openxmlformats.org/drawingml/2006/main" xmlns:dgm="http://schemas.openxmlformats.org/drawingml/2006/diagram" xmlns:dsp="http://schemas.microsoft.com/office/drawing/2008/diagram" xmlns:p="http://schemas.openxmlformats.org/presentationml/2006/main">
   <p:cSld>
     <p:spTree>
       <p:nvGrpSpPr>
@@ -9517,13 +8268,7 @@
       </p:grpSpPr>
       <p:cxnSp>
         <p:nvCxnSpPr>
-          <p:cNvPr id="4" name="직선 연결선 3">
-            <a:extLst>
-              <a:ext uri="{FF2B5EF4-FFF2-40B4-BE49-F238E27FC236}">
-                <a16:creationId xmlns:a16="http://schemas.microsoft.com/office/drawing/2014/main" id="{91783D2F-737E-4797-9853-8C85BE37E236}"/>
-              </a:ext>
-            </a:extLst>
-          </p:cNvPr>
+          <p:cNvPr id="4" name="직선 연결선 3"/>
           <p:cNvCxnSpPr/>
           <p:nvPr/>
         </p:nvCxnSpPr>
@@ -9553,13 +8298,7 @@
       </p:cxnSp>
       <p:sp>
         <p:nvSpPr>
-          <p:cNvPr id="5" name="TextBox 4">
-            <a:extLst>
-              <a:ext uri="{FF2B5EF4-FFF2-40B4-BE49-F238E27FC236}">
-                <a16:creationId xmlns:a16="http://schemas.microsoft.com/office/drawing/2014/main" id="{AADC96B8-21F1-4CA5-82F2-62149BA3A81F}"/>
-              </a:ext>
-            </a:extLst>
-          </p:cNvPr>
+          <p:cNvPr id="5" name="TextBox 4"/>
           <p:cNvSpPr txBox="1"/>
           <p:nvPr/>
         </p:nvSpPr>
@@ -9574,32 +8313,25 @@
           <a:noFill/>
         </p:spPr>
         <p:txBody>
-          <a:bodyPr wrap="square" rtlCol="0">
+          <a:bodyPr wrap="square">
             <a:spAutoFit/>
           </a:bodyPr>
           <a:lstStyle/>
           <a:p>
-            <a:r>
-              <a:rPr lang="en-US" altLang="ko-KR" sz="1600" b="1" dirty="0">
+            <a:pPr lvl="0">
+              <a:defRPr/>
+            </a:pPr>
+            <a:r>
+              <a:rPr lang="en-US" altLang="ko-KR" sz="1600" b="1">
                 <a:solidFill>
                   <a:schemeClr val="accent1">
                     <a:lumMod val="50000"/>
                   </a:schemeClr>
                 </a:solidFill>
               </a:rPr>
-              <a:t>Part </a:t>
-            </a:r>
-            <a:r>
-              <a:rPr lang="en-US" altLang="ko-KR" sz="1600" b="1" dirty="0" smtClean="0">
-                <a:solidFill>
-                  <a:schemeClr val="accent1">
-                    <a:lumMod val="50000"/>
-                  </a:schemeClr>
-                </a:solidFill>
-              </a:rPr>
-              <a:t>2-3</a:t>
-            </a:r>
-            <a:endParaRPr lang="ko-KR" altLang="en-US" sz="1600" b="1" dirty="0">
+              <a:t>Part 2-3</a:t>
+            </a:r>
+            <a:endParaRPr lang="ko-KR" altLang="en-US" sz="1600" b="1">
               <a:solidFill>
                 <a:schemeClr val="accent1">
                   <a:lumMod val="50000"/>
@@ -9611,13 +8343,7 @@
       </p:sp>
       <p:sp>
         <p:nvSpPr>
-          <p:cNvPr id="6" name="TextBox 5">
-            <a:extLst>
-              <a:ext uri="{FF2B5EF4-FFF2-40B4-BE49-F238E27FC236}">
-                <a16:creationId xmlns:a16="http://schemas.microsoft.com/office/drawing/2014/main" id="{E9E4E03B-DC2B-4AB1-AA88-841F77488FB8}"/>
-              </a:ext>
-            </a:extLst>
-          </p:cNvPr>
+          <p:cNvPr id="6" name="TextBox 5"/>
           <p:cNvSpPr txBox="1"/>
           <p:nvPr/>
         </p:nvSpPr>
@@ -9632,116 +8358,101 @@
           <a:noFill/>
         </p:spPr>
         <p:txBody>
-          <a:bodyPr wrap="square" rtlCol="0">
+          <a:bodyPr wrap="square">
             <a:spAutoFit/>
           </a:bodyPr>
           <a:lstStyle/>
           <a:p>
-            <a:r>
-              <a:rPr lang="ko-KR" altLang="en-US" sz="3600" b="1" dirty="0" smtClean="0">
+            <a:pPr lvl="0">
+              <a:defRPr/>
+            </a:pPr>
+            <a:r>
+              <a:rPr lang="ko-KR" altLang="en-US" sz="3600" b="1">
                 <a:solidFill>
                   <a:schemeClr val="accent1">
                     <a:lumMod val="50000"/>
                   </a:schemeClr>
                 </a:solidFill>
-                <a:latin typeface="나눔스퀘어 ExtraBold" panose="020B0600000101010101" pitchFamily="50" charset="-127"/>
-                <a:ea typeface="나눔스퀘어 ExtraBold" panose="020B0600000101010101" pitchFamily="50" charset="-127"/>
+                <a:latin typeface="나눔스퀘어 ExtraBold"/>
+                <a:ea typeface="나눔스퀘어 ExtraBold"/>
               </a:rPr>
               <a:t>코로나</a:t>
             </a:r>
             <a:r>
-              <a:rPr lang="en-US" altLang="ko-KR" sz="3600" b="1" dirty="0" smtClean="0">
+              <a:rPr lang="en-US" altLang="ko-KR" sz="3600" b="1">
                 <a:solidFill>
                   <a:schemeClr val="accent1">
                     <a:lumMod val="50000"/>
                   </a:schemeClr>
                 </a:solidFill>
-                <a:latin typeface="나눔스퀘어 ExtraBold" panose="020B0600000101010101" pitchFamily="50" charset="-127"/>
-                <a:ea typeface="나눔스퀘어 ExtraBold" panose="020B0600000101010101" pitchFamily="50" charset="-127"/>
+                <a:latin typeface="나눔스퀘어 ExtraBold"/>
+                <a:ea typeface="나눔스퀘어 ExtraBold"/>
               </a:rPr>
               <a:t>19 </a:t>
             </a:r>
             <a:r>
-              <a:rPr lang="ko-KR" altLang="en-US" sz="3600" b="1" dirty="0" err="1" smtClean="0">
+              <a:rPr lang="ko-KR" altLang="en-US" sz="3600" b="1">
                 <a:solidFill>
                   <a:schemeClr val="accent1">
                     <a:lumMod val="50000"/>
                   </a:schemeClr>
                 </a:solidFill>
-                <a:latin typeface="나눔스퀘어 ExtraBold" panose="020B0600000101010101" pitchFamily="50" charset="-127"/>
-                <a:ea typeface="나눔스퀘어 ExtraBold" panose="020B0600000101010101" pitchFamily="50" charset="-127"/>
+                <a:latin typeface="나눔스퀘어 ExtraBold"/>
+                <a:ea typeface="나눔스퀘어 ExtraBold"/>
               </a:rPr>
-              <a:t>확진자</a:t>
-            </a:r>
-            <a:r>
-              <a:rPr lang="ko-KR" altLang="en-US" sz="3600" b="1" dirty="0" smtClean="0">
+              <a:t>확진자 국가별 순위</a:t>
+            </a:r>
+            <a:r>
+              <a:rPr lang="en-US" altLang="ko-KR" sz="3600" b="1">
                 <a:solidFill>
                   <a:schemeClr val="accent1">
                     <a:lumMod val="50000"/>
                   </a:schemeClr>
                 </a:solidFill>
-                <a:latin typeface="나눔스퀘어 ExtraBold" panose="020B0600000101010101" pitchFamily="50" charset="-127"/>
-                <a:ea typeface="나눔스퀘어 ExtraBold" panose="020B0600000101010101" pitchFamily="50" charset="-127"/>
+                <a:latin typeface="나눔스퀘어 ExtraBold"/>
+                <a:ea typeface="나눔스퀘어 ExtraBold"/>
               </a:rPr>
-              <a:t> 국가별 순위</a:t>
-            </a:r>
-            <a:r>
-              <a:rPr lang="en-US" altLang="ko-KR" sz="3600" b="1" dirty="0" smtClean="0">
+              <a:t>(</a:t>
+            </a:r>
+            <a:r>
+              <a:rPr lang="ko-KR" altLang="en-US" sz="3600" b="1">
                 <a:solidFill>
                   <a:schemeClr val="accent1">
                     <a:lumMod val="50000"/>
                   </a:schemeClr>
                 </a:solidFill>
-                <a:latin typeface="나눔스퀘어 ExtraBold" panose="020B0600000101010101" pitchFamily="50" charset="-127"/>
-                <a:ea typeface="나눔스퀘어 ExtraBold" panose="020B0600000101010101" pitchFamily="50" charset="-127"/>
+                <a:latin typeface="나눔스퀘어 ExtraBold"/>
+                <a:ea typeface="나눔스퀘어 ExtraBold"/>
               </a:rPr>
-              <a:t>(</a:t>
-            </a:r>
-            <a:r>
-              <a:rPr lang="ko-KR" altLang="en-US" sz="3600" b="1" dirty="0" err="1" smtClean="0">
+              <a:t>완치자</a:t>
+            </a:r>
+            <a:r>
+              <a:rPr lang="en-US" altLang="ko-KR" sz="3600" b="1">
                 <a:solidFill>
                   <a:schemeClr val="accent1">
                     <a:lumMod val="50000"/>
                   </a:schemeClr>
                 </a:solidFill>
-                <a:latin typeface="나눔스퀘어 ExtraBold" panose="020B0600000101010101" pitchFamily="50" charset="-127"/>
-                <a:ea typeface="나눔스퀘어 ExtraBold" panose="020B0600000101010101" pitchFamily="50" charset="-127"/>
-              </a:rPr>
-              <a:t>완치자</a:t>
-            </a:r>
-            <a:r>
-              <a:rPr lang="en-US" altLang="ko-KR" sz="3600" b="1" dirty="0" smtClean="0">
-                <a:solidFill>
-                  <a:schemeClr val="accent1">
-                    <a:lumMod val="50000"/>
-                  </a:schemeClr>
-                </a:solidFill>
-                <a:latin typeface="나눔스퀘어 ExtraBold" panose="020B0600000101010101" pitchFamily="50" charset="-127"/>
-                <a:ea typeface="나눔스퀘어 ExtraBold" panose="020B0600000101010101" pitchFamily="50" charset="-127"/>
+                <a:latin typeface="나눔스퀘어 ExtraBold"/>
+                <a:ea typeface="나눔스퀘어 ExtraBold"/>
               </a:rPr>
               <a:t>)</a:t>
             </a:r>
-            <a:endParaRPr lang="ko-KR" altLang="en-US" sz="3600" b="1" dirty="0">
+            <a:endParaRPr lang="ko-KR" altLang="en-US" sz="3600" b="1">
               <a:solidFill>
                 <a:schemeClr val="accent1">
                   <a:lumMod val="50000"/>
                 </a:schemeClr>
               </a:solidFill>
-              <a:latin typeface="나눔스퀘어 ExtraBold" panose="020B0600000101010101" pitchFamily="50" charset="-127"/>
-              <a:ea typeface="나눔스퀘어 ExtraBold" panose="020B0600000101010101" pitchFamily="50" charset="-127"/>
+              <a:latin typeface="나눔스퀘어 ExtraBold"/>
+              <a:ea typeface="나눔스퀘어 ExtraBold"/>
             </a:endParaRPr>
           </a:p>
         </p:txBody>
       </p:sp>
       <p:sp>
         <p:nvSpPr>
-          <p:cNvPr id="21" name="TextBox 20">
-            <a:extLst>
-              <a:ext uri="{FF2B5EF4-FFF2-40B4-BE49-F238E27FC236}">
-                <a16:creationId xmlns:a16="http://schemas.microsoft.com/office/drawing/2014/main" id="{B6AEE38D-6CC7-41A2-B4AC-E22B635E630B}"/>
-              </a:ext>
-            </a:extLst>
-          </p:cNvPr>
+          <p:cNvPr id="21" name="TextBox 20"/>
           <p:cNvSpPr txBox="1"/>
           <p:nvPr/>
         </p:nvSpPr>
@@ -9756,34 +8467,31 @@
           <a:noFill/>
         </p:spPr>
         <p:txBody>
-          <a:bodyPr wrap="square" rtlCol="0">
+          <a:bodyPr wrap="square">
             <a:spAutoFit/>
           </a:bodyPr>
           <a:lstStyle/>
           <a:p>
-            <a:r>
-              <a:rPr lang="ko-KR" altLang="en-US" sz="2800" b="1" dirty="0" smtClean="0">
-                <a:latin typeface="나눔스퀘어 ExtraBold" panose="020B0600000101010101" pitchFamily="50" charset="-127"/>
-                <a:ea typeface="나눔스퀘어 ExtraBold" panose="020B0600000101010101" pitchFamily="50" charset="-127"/>
+            <a:pPr lvl="0">
+              <a:defRPr/>
+            </a:pPr>
+            <a:r>
+              <a:rPr lang="ko-KR" altLang="en-US" sz="2800" b="1">
+                <a:latin typeface="나눔스퀘어 ExtraBold"/>
+                <a:ea typeface="나눔스퀘어 ExtraBold"/>
               </a:rPr>
               <a:t>순위</a:t>
             </a:r>
-            <a:endParaRPr lang="ko-KR" altLang="en-US" sz="2800" b="1" dirty="0">
-              <a:latin typeface="나눔스퀘어 ExtraBold" panose="020B0600000101010101" pitchFamily="50" charset="-127"/>
-              <a:ea typeface="나눔스퀘어 ExtraBold" panose="020B0600000101010101" pitchFamily="50" charset="-127"/>
+            <a:endParaRPr lang="ko-KR" altLang="en-US" sz="2800" b="1">
+              <a:latin typeface="나눔스퀘어 ExtraBold"/>
+              <a:ea typeface="나눔스퀘어 ExtraBold"/>
             </a:endParaRPr>
           </a:p>
         </p:txBody>
       </p:sp>
       <p:cxnSp>
         <p:nvCxnSpPr>
-          <p:cNvPr id="22" name="직선 연결선 21">
-            <a:extLst>
-              <a:ext uri="{FF2B5EF4-FFF2-40B4-BE49-F238E27FC236}">
-                <a16:creationId xmlns:a16="http://schemas.microsoft.com/office/drawing/2014/main" id="{08C422D0-4EF4-4D16-9138-D7D4D0A7A56F}"/>
-              </a:ext>
-            </a:extLst>
-          </p:cNvPr>
+          <p:cNvPr id="22" name="직선 연결선 21"/>
           <p:cNvCxnSpPr/>
           <p:nvPr/>
         </p:nvCxnSpPr>
@@ -9814,13 +8522,7 @@
       </p:cxnSp>
       <p:sp>
         <p:nvSpPr>
-          <p:cNvPr id="23" name="TextBox 22">
-            <a:extLst>
-              <a:ext uri="{FF2B5EF4-FFF2-40B4-BE49-F238E27FC236}">
-                <a16:creationId xmlns:a16="http://schemas.microsoft.com/office/drawing/2014/main" id="{9C006FA2-5A5E-4E43-9307-B266158068B7}"/>
-              </a:ext>
-            </a:extLst>
-          </p:cNvPr>
+          <p:cNvPr id="23" name="TextBox 22"/>
           <p:cNvSpPr txBox="1"/>
           <p:nvPr/>
         </p:nvSpPr>
@@ -9835,109 +8537,119 @@
           <a:noFill/>
         </p:spPr>
         <p:txBody>
-          <a:bodyPr wrap="square" rtlCol="0">
+          <a:bodyPr wrap="square">
             <a:spAutoFit/>
           </a:bodyPr>
           <a:lstStyle/>
           <a:p>
-            <a:pPr algn="just"/>
-            <a:r>
-              <a:rPr lang="en-US" altLang="ko-KR" sz="2000" dirty="0" smtClean="0"/>
+            <a:pPr algn="just">
+              <a:defRPr/>
+            </a:pPr>
+            <a:r>
+              <a:rPr lang="en-US" altLang="ko-KR" sz="2000"/>
               <a:t>1</a:t>
             </a:r>
             <a:r>
-              <a:rPr lang="ko-KR" altLang="en-US" sz="2000" dirty="0" smtClean="0"/>
+              <a:rPr lang="ko-KR" altLang="en-US" sz="2000"/>
               <a:t>등 </a:t>
             </a:r>
             <a:r>
-              <a:rPr lang="en-US" altLang="ko-KR" sz="2000" dirty="0" smtClean="0"/>
+              <a:rPr lang="en-US" altLang="ko-KR" sz="2000"/>
               <a:t>: </a:t>
             </a:r>
             <a:r>
-              <a:rPr lang="ko-KR" altLang="en-US" sz="2000" dirty="0" smtClean="0"/>
+              <a:rPr lang="ko-KR" altLang="en-US" sz="2000"/>
               <a:t>미국 </a:t>
             </a:r>
-            <a:endParaRPr lang="en-US" altLang="ko-KR" sz="2000" dirty="0" smtClean="0"/>
-          </a:p>
-          <a:p>
-            <a:pPr algn="just"/>
-            <a:r>
-              <a:rPr lang="en-US" altLang="ko-KR" sz="2000" dirty="0" smtClean="0"/>
+            <a:endParaRPr lang="ko-KR" altLang="en-US" sz="2000"/>
+          </a:p>
+          <a:p>
+            <a:pPr algn="just">
+              <a:defRPr/>
+            </a:pPr>
+            <a:r>
+              <a:rPr lang="en-US" altLang="ko-KR" sz="2000"/>
               <a:t>2</a:t>
             </a:r>
             <a:r>
-              <a:rPr lang="ko-KR" altLang="en-US" sz="2000" dirty="0" smtClean="0"/>
+              <a:rPr lang="ko-KR" altLang="en-US" sz="2000"/>
               <a:t>등 </a:t>
             </a:r>
             <a:r>
-              <a:rPr lang="en-US" altLang="ko-KR" sz="2000" dirty="0" smtClean="0"/>
+              <a:rPr lang="en-US" altLang="ko-KR" sz="2000"/>
               <a:t>: </a:t>
             </a:r>
             <a:r>
-              <a:rPr lang="ko-KR" altLang="en-US" sz="2000" dirty="0" smtClean="0"/>
+              <a:rPr lang="ko-KR" altLang="en-US" sz="2000"/>
               <a:t>인도</a:t>
             </a:r>
-            <a:endParaRPr lang="en-US" altLang="ko-KR" sz="2000" dirty="0" smtClean="0"/>
-          </a:p>
-          <a:p>
-            <a:pPr algn="just"/>
-            <a:r>
-              <a:rPr lang="en-US" altLang="ko-KR" sz="2000" dirty="0" smtClean="0"/>
+            <a:endParaRPr lang="ko-KR" altLang="en-US" sz="2000"/>
+          </a:p>
+          <a:p>
+            <a:pPr algn="just">
+              <a:defRPr/>
+            </a:pPr>
+            <a:r>
+              <a:rPr lang="en-US" altLang="ko-KR" sz="2000"/>
               <a:t>3</a:t>
             </a:r>
             <a:r>
-              <a:rPr lang="ko-KR" altLang="en-US" sz="2000" dirty="0" smtClean="0"/>
+              <a:rPr lang="ko-KR" altLang="en-US" sz="2000"/>
               <a:t>등 </a:t>
             </a:r>
             <a:r>
-              <a:rPr lang="en-US" altLang="ko-KR" sz="2000" dirty="0" smtClean="0"/>
+              <a:rPr lang="en-US" altLang="ko-KR" sz="2000"/>
               <a:t>: </a:t>
             </a:r>
             <a:r>
-              <a:rPr lang="ko-KR" altLang="en-US" sz="2000" dirty="0" smtClean="0"/>
+              <a:rPr lang="ko-KR" altLang="en-US" sz="2000"/>
               <a:t>브라질</a:t>
             </a:r>
-            <a:endParaRPr lang="en-US" altLang="ko-KR" sz="2000" dirty="0" smtClean="0"/>
-          </a:p>
-          <a:p>
-            <a:pPr algn="just"/>
-            <a:r>
-              <a:rPr lang="en-US" altLang="ko-KR" sz="2000" dirty="0" smtClean="0"/>
+            <a:endParaRPr lang="ko-KR" altLang="en-US" sz="2000"/>
+          </a:p>
+          <a:p>
+            <a:pPr algn="just">
+              <a:defRPr/>
+            </a:pPr>
+            <a:r>
+              <a:rPr lang="en-US" altLang="ko-KR" sz="2000"/>
               <a:t>4</a:t>
             </a:r>
             <a:r>
-              <a:rPr lang="ko-KR" altLang="en-US" sz="2000" dirty="0" smtClean="0"/>
+              <a:rPr lang="ko-KR" altLang="en-US" sz="2000"/>
               <a:t>등 </a:t>
             </a:r>
             <a:r>
-              <a:rPr lang="en-US" altLang="ko-KR" sz="2000" dirty="0" smtClean="0"/>
+              <a:rPr lang="en-US" altLang="ko-KR" sz="2000"/>
               <a:t>: </a:t>
             </a:r>
             <a:r>
-              <a:rPr lang="ko-KR" altLang="en-US" sz="2000" dirty="0" smtClean="0"/>
+              <a:rPr lang="ko-KR" altLang="en-US" sz="2000"/>
               <a:t>프랑스</a:t>
             </a:r>
-            <a:endParaRPr lang="en-US" altLang="ko-KR" sz="2000" dirty="0" smtClean="0"/>
-          </a:p>
-          <a:p>
-            <a:pPr algn="just"/>
-            <a:r>
-              <a:rPr lang="en-US" altLang="ko-KR" sz="2000" dirty="0" smtClean="0"/>
+            <a:endParaRPr lang="ko-KR" altLang="en-US" sz="2000"/>
+          </a:p>
+          <a:p>
+            <a:pPr algn="just">
+              <a:defRPr/>
+            </a:pPr>
+            <a:r>
+              <a:rPr lang="en-US" altLang="ko-KR" sz="2000"/>
               <a:t>5</a:t>
             </a:r>
             <a:r>
-              <a:rPr lang="ko-KR" altLang="en-US" sz="2000" dirty="0" smtClean="0"/>
+              <a:rPr lang="ko-KR" altLang="en-US" sz="2000"/>
               <a:t>등 </a:t>
             </a:r>
             <a:r>
-              <a:rPr lang="en-US" altLang="ko-KR" sz="2000" dirty="0" smtClean="0"/>
+              <a:rPr lang="en-US" altLang="ko-KR" sz="2000"/>
               <a:t>: </a:t>
             </a:r>
             <a:r>
-              <a:rPr lang="ko-KR" altLang="en-US" sz="2000" dirty="0" smtClean="0"/>
+              <a:rPr lang="ko-KR" altLang="en-US" sz="2000"/>
               <a:t>터키</a:t>
             </a:r>
-            <a:endParaRPr lang="ko-KR" altLang="en-US" sz="2000" dirty="0"/>
+            <a:endParaRPr lang="ko-KR" altLang="en-US" sz="2000"/>
           </a:p>
         </p:txBody>
       </p:sp>
@@ -9945,13 +8657,7 @@
         <p:nvGraphicFramePr>
           <p:cNvPr id="14" name="차트 13"/>
           <p:cNvGraphicFramePr/>
-          <p:nvPr>
-            <p:extLst>
-              <p:ext uri="{D42A27DB-BD31-4B8C-83A1-F6EECF244321}">
-                <p14:modId xmlns:p14="http://schemas.microsoft.com/office/powerpoint/2010/main" val="3086990040"/>
-              </p:ext>
-            </p:extLst>
-          </p:nvPr>
+          <p:nvPr/>
         </p:nvGraphicFramePr>
         <p:xfrm>
           <a:off x="142544" y="922583"/>
@@ -9959,28 +8665,23 @@
         </p:xfrm>
         <a:graphic>
           <a:graphicData uri="http://schemas.openxmlformats.org/drawingml/2006/chart">
-            <c:chart xmlns:c="http://schemas.openxmlformats.org/drawingml/2006/chart" xmlns:r="http://schemas.openxmlformats.org/officeDocument/2006/relationships" r:id="rId2"/>
+            <c:chart r:id="rId2"/>
           </a:graphicData>
         </a:graphic>
       </p:graphicFrame>
     </p:spTree>
-    <p:extLst>
-      <p:ext uri="{BB962C8B-B14F-4D97-AF65-F5344CB8AC3E}">
-        <p14:creationId xmlns:p14="http://schemas.microsoft.com/office/powerpoint/2010/main" val="2574762922"/>
-      </p:ext>
-    </p:extLst>
   </p:cSld>
   <p:clrMapOvr>
     <a:masterClrMapping/>
   </p:clrMapOvr>
   <mc:AlternateContent xmlns:mc="http://schemas.openxmlformats.org/markup-compatibility/2006">
-    <mc:Choice xmlns:p159="http://schemas.microsoft.com/office/powerpoint/2015/09/main" xmlns="" Requires="p159">
-      <p:transition xmlns:p14="http://schemas.microsoft.com/office/powerpoint/2010/main" spd="slow" p14:dur="2000">
-        <p159:morph option="byObject"/>
+    <mc:Choice xmlns:p14="http://schemas.microsoft.com/office/powerpoint/2010/main" Requires="p14">
+      <p:transition xmlns:mc="http://schemas.openxmlformats.org/markup-compatibility/2006" xmlns:p14="http://schemas.microsoft.com/office/powerpoint/2010/main" spd="med" mc:Ignorable="p14" p14:dur="1000">
+        <p:fade/>
       </p:transition>
     </mc:Choice>
     <mc:Fallback>
-      <p:transition spd="slow">
+      <p:transition xmlns:mc="http://schemas.openxmlformats.org/markup-compatibility/2006" xmlns:hp="http://schemas.haansoft.com/office/presentation/8.0" spd="med" mc:Ignorable="hp" hp:hslDur="1000">
         <p:fade/>
       </p:transition>
     </mc:Fallback>
